--- a/Lectures/7 Information Visualiziton.pptx
+++ b/Lectures/7 Information Visualiziton.pptx
@@ -5,47 +5,50 @@
     <p:sldMasterId id="2147483648" r:id="rId1"/>
   </p:sldMasterIdLst>
   <p:notesMasterIdLst>
-    <p:notesMasterId r:id="rId37"/>
+    <p:notesMasterId r:id="rId40"/>
   </p:notesMasterIdLst>
   <p:handoutMasterIdLst>
-    <p:handoutMasterId r:id="rId38"/>
+    <p:handoutMasterId r:id="rId41"/>
   </p:handoutMasterIdLst>
   <p:sldIdLst>
     <p:sldId id="256" r:id="rId2"/>
-    <p:sldId id="529" r:id="rId3"/>
-    <p:sldId id="530" r:id="rId4"/>
-    <p:sldId id="471" r:id="rId5"/>
-    <p:sldId id="472" r:id="rId6"/>
-    <p:sldId id="569" r:id="rId7"/>
-    <p:sldId id="570" r:id="rId8"/>
-    <p:sldId id="571" r:id="rId9"/>
-    <p:sldId id="567" r:id="rId10"/>
-    <p:sldId id="568" r:id="rId11"/>
-    <p:sldId id="548" r:id="rId12"/>
-    <p:sldId id="549" r:id="rId13"/>
-    <p:sldId id="553" r:id="rId14"/>
-    <p:sldId id="588" r:id="rId15"/>
-    <p:sldId id="589" r:id="rId16"/>
-    <p:sldId id="491" r:id="rId17"/>
-    <p:sldId id="572" r:id="rId18"/>
-    <p:sldId id="577" r:id="rId19"/>
-    <p:sldId id="492" r:id="rId20"/>
-    <p:sldId id="494" r:id="rId21"/>
-    <p:sldId id="552" r:id="rId22"/>
-    <p:sldId id="580" r:id="rId23"/>
-    <p:sldId id="555" r:id="rId24"/>
-    <p:sldId id="506" r:id="rId25"/>
-    <p:sldId id="564" r:id="rId26"/>
-    <p:sldId id="565" r:id="rId27"/>
-    <p:sldId id="566" r:id="rId28"/>
-    <p:sldId id="527" r:id="rId29"/>
-    <p:sldId id="590" r:id="rId30"/>
-    <p:sldId id="591" r:id="rId31"/>
-    <p:sldId id="592" r:id="rId32"/>
-    <p:sldId id="593" r:id="rId33"/>
-    <p:sldId id="594" r:id="rId34"/>
-    <p:sldId id="595" r:id="rId35"/>
-    <p:sldId id="596" r:id="rId36"/>
+    <p:sldId id="597" r:id="rId3"/>
+    <p:sldId id="598" r:id="rId4"/>
+    <p:sldId id="599" r:id="rId5"/>
+    <p:sldId id="529" r:id="rId6"/>
+    <p:sldId id="530" r:id="rId7"/>
+    <p:sldId id="471" r:id="rId8"/>
+    <p:sldId id="472" r:id="rId9"/>
+    <p:sldId id="569" r:id="rId10"/>
+    <p:sldId id="570" r:id="rId11"/>
+    <p:sldId id="571" r:id="rId12"/>
+    <p:sldId id="567" r:id="rId13"/>
+    <p:sldId id="568" r:id="rId14"/>
+    <p:sldId id="548" r:id="rId15"/>
+    <p:sldId id="549" r:id="rId16"/>
+    <p:sldId id="553" r:id="rId17"/>
+    <p:sldId id="588" r:id="rId18"/>
+    <p:sldId id="589" r:id="rId19"/>
+    <p:sldId id="491" r:id="rId20"/>
+    <p:sldId id="572" r:id="rId21"/>
+    <p:sldId id="577" r:id="rId22"/>
+    <p:sldId id="492" r:id="rId23"/>
+    <p:sldId id="494" r:id="rId24"/>
+    <p:sldId id="552" r:id="rId25"/>
+    <p:sldId id="580" r:id="rId26"/>
+    <p:sldId id="555" r:id="rId27"/>
+    <p:sldId id="506" r:id="rId28"/>
+    <p:sldId id="564" r:id="rId29"/>
+    <p:sldId id="565" r:id="rId30"/>
+    <p:sldId id="566" r:id="rId31"/>
+    <p:sldId id="527" r:id="rId32"/>
+    <p:sldId id="590" r:id="rId33"/>
+    <p:sldId id="591" r:id="rId34"/>
+    <p:sldId id="592" r:id="rId35"/>
+    <p:sldId id="593" r:id="rId36"/>
+    <p:sldId id="594" r:id="rId37"/>
+    <p:sldId id="595" r:id="rId38"/>
+    <p:sldId id="596" r:id="rId39"/>
   </p:sldIdLst>
   <p:sldSz cx="9144000" cy="6858000" type="screen4x3"/>
   <p:notesSz cx="6858000" cy="9144000"/>
@@ -229,7 +232,7 @@
           <a:p>
             <a:fld id="{D3AAB66F-B1B7-D045-B4E8-4F60236F228D}" type="datetimeFigureOut">
               <a:rPr lang="en-US" smtClean="0"/>
-              <a:t>1/30/14</a:t>
+              <a:t>2/7/14</a:t>
             </a:fld>
             <a:endParaRPr lang="en-US"/>
           </a:p>
@@ -395,7 +398,7 @@
           <a:p>
             <a:fld id="{BCCF8E76-06A6-164E-A6FA-EC32C13EB232}" type="datetimeFigureOut">
               <a:rPr lang="en-US" smtClean="0"/>
-              <a:t>1/30/14</a:t>
+              <a:t>2/7/14</a:t>
             </a:fld>
             <a:endParaRPr lang="en-US"/>
           </a:p>
@@ -737,7 +740,7 @@
           <a:p>
             <a:fld id="{FD66F34B-9C4D-8640-BB34-4C24A79C9FFB}" type="slidenum">
               <a:rPr lang="en-US" smtClean="0"/>
-              <a:t>2</a:t>
+              <a:t>5</a:t>
             </a:fld>
             <a:endParaRPr lang="en-US"/>
           </a:p>
@@ -829,7 +832,7 @@
           <a:p>
             <a:fld id="{FD66F34B-9C4D-8640-BB34-4C24A79C9FFB}" type="slidenum">
               <a:rPr lang="en-US" smtClean="0"/>
-              <a:t>3</a:t>
+              <a:t>6</a:t>
             </a:fld>
             <a:endParaRPr lang="en-US"/>
           </a:p>
@@ -983,7 +986,7 @@
           <a:p>
             <a:fld id="{FD66F34B-9C4D-8640-BB34-4C24A79C9FFB}" type="slidenum">
               <a:rPr lang="en-US" smtClean="0"/>
-              <a:t>5</a:t>
+              <a:t>8</a:t>
             </a:fld>
             <a:endParaRPr lang="en-US"/>
           </a:p>
@@ -1155,7 +1158,7 @@
           <a:p>
             <a:fld id="{FD66F34B-9C4D-8640-BB34-4C24A79C9FFB}" type="slidenum">
               <a:rPr lang="en-US" smtClean="0"/>
-              <a:t>12</a:t>
+              <a:t>15</a:t>
             </a:fld>
             <a:endParaRPr lang="en-US"/>
           </a:p>
@@ -1414,7 +1417,7 @@
             <a:fld id="{357B4654-D80B-7B4A-8307-7E68B9D442CE}" type="slidenum">
               <a:rPr lang="en-US" sz="1200"/>
               <a:pPr eaLnBrk="1" hangingPunct="1"/>
-              <a:t>13</a:t>
+              <a:t>16</a:t>
             </a:fld>
             <a:endParaRPr lang="en-US" sz="1200"/>
           </a:p>
@@ -1465,7 +1468,7 @@
             <a:fld id="{E9509500-53E5-45E6-9754-E7C9BF60DAA5}" type="slidenum">
               <a:rPr lang="en-US"/>
               <a:pPr/>
-              <a:t>14</a:t>
+              <a:t>17</a:t>
             </a:fld>
             <a:endParaRPr lang="en-US"/>
           </a:p>
@@ -1757,7 +1760,7 @@
             <a:fld id="{48981BCD-70EE-A341-8BFF-5D0A946B92B9}" type="slidenum">
               <a:rPr lang="en-US" sz="1200"/>
               <a:pPr eaLnBrk="1" hangingPunct="1"/>
-              <a:t>17</a:t>
+              <a:t>20</a:t>
             </a:fld>
             <a:endParaRPr lang="en-US" sz="1200"/>
           </a:p>
@@ -1998,7 +2001,7 @@
             <a:fld id="{17B7C0C0-F662-3E47-A2DB-CD1232256E43}" type="slidenum">
               <a:rPr lang="en-US" sz="1200"/>
               <a:pPr eaLnBrk="1" hangingPunct="1"/>
-              <a:t>27</a:t>
+              <a:t>30</a:t>
             </a:fld>
             <a:endParaRPr lang="en-US" sz="1200"/>
           </a:p>
@@ -2266,7 +2269,7 @@
             <a:fld id="{F65697A3-FCA5-4741-B590-2AB30ADF383A}" type="slidenum">
               <a:rPr lang="en-US" sz="1200"/>
               <a:pPr eaLnBrk="1" hangingPunct="1"/>
-              <a:t>31</a:t>
+              <a:t>34</a:t>
             </a:fld>
             <a:endParaRPr lang="en-US" sz="1200"/>
           </a:p>
@@ -2797,7 +2800,7 @@
             <a:fld id="{FA3C144B-2939-9A49-B014-915EC3E81866}" type="datetime1">
               <a:rPr lang="en-US" smtClean="0"/>
               <a:pPr/>
-              <a:t>1/30/14</a:t>
+              <a:t>2/7/14</a:t>
             </a:fld>
             <a:endParaRPr lang="en-US" dirty="0"/>
           </a:p>
@@ -3226,7 +3229,7 @@
           <a:p>
             <a:fld id="{76838339-A875-5E45-AB3F-AAABD270346A}" type="datetime1">
               <a:rPr lang="en-US" smtClean="0"/>
-              <a:t>1/30/14</a:t>
+              <a:t>2/7/14</a:t>
             </a:fld>
             <a:endParaRPr lang="en-US"/>
           </a:p>
@@ -3512,7 +3515,7 @@
             <a:fld id="{FA3C144B-2939-9A49-B014-915EC3E81866}" type="datetime1">
               <a:rPr lang="en-US" smtClean="0"/>
               <a:pPr/>
-              <a:t>1/30/14</a:t>
+              <a:t>2/7/14</a:t>
             </a:fld>
             <a:endParaRPr lang="en-US" dirty="0"/>
           </a:p>
@@ -3994,7 +3997,7 @@
           <a:p>
             <a:fld id="{A73F672F-A5FB-5745-934A-1BF51CA5539C}" type="datetime1">
               <a:rPr lang="en-US" smtClean="0"/>
-              <a:t>1/30/14</a:t>
+              <a:t>2/7/14</a:t>
             </a:fld>
             <a:endParaRPr lang="en-US"/>
           </a:p>
@@ -4336,7 +4339,7 @@
             <a:fld id="{FA3C144B-2939-9A49-B014-915EC3E81866}" type="datetime1">
               <a:rPr lang="en-US" smtClean="0"/>
               <a:pPr/>
-              <a:t>1/30/14</a:t>
+              <a:t>2/7/14</a:t>
             </a:fld>
             <a:endParaRPr lang="en-US" dirty="0"/>
           </a:p>
@@ -4800,7 +4803,7 @@
           <a:p>
             <a:fld id="{6AFE6A63-5EBE-3E48-B0AE-DF655A1ECE76}" type="datetime1">
               <a:rPr lang="en-US" smtClean="0"/>
-              <a:t>1/30/14</a:t>
+              <a:t>2/7/14</a:t>
             </a:fld>
             <a:endParaRPr lang="en-US"/>
           </a:p>
@@ -5119,7 +5122,7 @@
           <a:p>
             <a:fld id="{4A019F0C-9D18-B54A-9AC9-18AA74EDB034}" type="datetime1">
               <a:rPr lang="en-US" smtClean="0"/>
-              <a:t>1/30/14</a:t>
+              <a:t>2/7/14</a:t>
             </a:fld>
             <a:endParaRPr lang="en-US"/>
           </a:p>
@@ -5429,7 +5432,7 @@
             <a:fld id="{FA3C144B-2939-9A49-B014-915EC3E81866}" type="datetime1">
               <a:rPr lang="en-US" smtClean="0"/>
               <a:pPr/>
-              <a:t>1/30/14</a:t>
+              <a:t>2/7/14</a:t>
             </a:fld>
             <a:endParaRPr lang="en-US" dirty="0"/>
           </a:p>
@@ -5692,7 +5695,7 @@
           <a:p>
             <a:fld id="{FA3C144B-2939-9A49-B014-915EC3E81866}" type="datetime1">
               <a:rPr lang="en-US" smtClean="0"/>
-              <a:t>1/30/14</a:t>
+              <a:t>2/7/14</a:t>
             </a:fld>
             <a:endParaRPr lang="en-US" dirty="0"/>
           </a:p>
@@ -6169,7 +6172,7 @@
           <a:p>
             <a:fld id="{7053BEFA-1175-F644-B249-7D41D72BD3FF}" type="datetime1">
               <a:rPr lang="en-US" smtClean="0"/>
-              <a:t>1/30/14</a:t>
+              <a:t>2/7/14</a:t>
             </a:fld>
             <a:endParaRPr lang="en-US"/>
           </a:p>
@@ -6567,7 +6570,7 @@
             <a:fld id="{FA3C144B-2939-9A49-B014-915EC3E81866}" type="datetime1">
               <a:rPr lang="en-US" smtClean="0"/>
               <a:pPr/>
-              <a:t>1/30/14</a:t>
+              <a:t>2/7/14</a:t>
             </a:fld>
             <a:endParaRPr lang="en-US" dirty="0"/>
           </a:p>
@@ -6784,7 +6787,7 @@
             <a:fld id="{FA3C144B-2939-9A49-B014-915EC3E81866}" type="datetime1">
               <a:rPr lang="en-US" smtClean="0"/>
               <a:pPr/>
-              <a:t>1/30/14</a:t>
+              <a:t>2/7/14</a:t>
             </a:fld>
             <a:endParaRPr lang="en-US" dirty="0"/>
           </a:p>
@@ -7029,7 +7032,7 @@
             <a:fld id="{FA3C144B-2939-9A49-B014-915EC3E81866}" type="datetime1">
               <a:rPr lang="en-US" smtClean="0"/>
               <a:pPr/>
-              <a:t>1/30/14</a:t>
+              <a:t>2/7/14</a:t>
             </a:fld>
             <a:endParaRPr lang="en-US" dirty="0"/>
           </a:p>
@@ -7407,7 +7410,7 @@
           <a:p>
             <a:fld id="{111EEF3B-ABF2-AA4E-9E24-0C6256942674}" type="datetime1">
               <a:rPr lang="en-US" smtClean="0"/>
-              <a:t>1/30/14</a:t>
+              <a:t>2/7/14</a:t>
             </a:fld>
             <a:endParaRPr lang="en-US"/>
           </a:p>
@@ -7571,7 +7574,7 @@
             <a:fld id="{FA3C144B-2939-9A49-B014-915EC3E81866}" type="datetime1">
               <a:rPr lang="en-US" smtClean="0"/>
               <a:pPr/>
-              <a:t>1/30/14</a:t>
+              <a:t>2/7/14</a:t>
             </a:fld>
             <a:endParaRPr lang="en-US" dirty="0"/>
           </a:p>
@@ -7988,7 +7991,7 @@
             <a:fld id="{FA3C144B-2939-9A49-B014-915EC3E81866}" type="datetime1">
               <a:rPr lang="en-US" smtClean="0"/>
               <a:pPr/>
-              <a:t>1/30/14</a:t>
+              <a:t>2/7/14</a:t>
             </a:fld>
             <a:endParaRPr lang="en-US" dirty="0"/>
           </a:p>
@@ -8304,7 +8307,7 @@
             <a:fld id="{FA3C144B-2939-9A49-B014-915EC3E81866}" type="datetime1">
               <a:rPr lang="en-US" smtClean="0"/>
               <a:pPr/>
-              <a:t>1/30/14</a:t>
+              <a:t>2/7/14</a:t>
             </a:fld>
             <a:endParaRPr lang="en-US" dirty="0"/>
           </a:p>
@@ -8970,7 +8973,7 @@
             <a:fld id="{FA3C144B-2939-9A49-B014-915EC3E81866}" type="datetime1">
               <a:rPr lang="en-US" smtClean="0"/>
               <a:pPr/>
-              <a:t>1/30/14</a:t>
+              <a:t>2/7/14</a:t>
             </a:fld>
             <a:endParaRPr lang="en-US" dirty="0"/>
           </a:p>
@@ -10186,6 +10189,2046 @@
 </file>
 
 <file path=ppt/slides/slide10.xml><?xml version="1.0" encoding="utf-8"?>
+<p:sld xmlns:a="http://schemas.openxmlformats.org/drawingml/2006/main" xmlns:r="http://schemas.openxmlformats.org/officeDocument/2006/relationships" xmlns:p="http://schemas.openxmlformats.org/presentationml/2006/main">
+  <p:cSld>
+    <p:spTree>
+      <p:nvGrpSpPr>
+        <p:cNvPr id="1" name=""/>
+        <p:cNvGrpSpPr/>
+        <p:nvPr/>
+      </p:nvGrpSpPr>
+      <p:grpSpPr>
+        <a:xfrm>
+          <a:off x="0" y="0"/>
+          <a:ext cx="0" cy="0"/>
+          <a:chOff x="0" y="0"/>
+          <a:chExt cx="0" cy="0"/>
+        </a:xfrm>
+      </p:grpSpPr>
+      <p:sp>
+        <p:nvSpPr>
+          <p:cNvPr id="9" name="Rectangle 8"/>
+          <p:cNvSpPr/>
+          <p:nvPr/>
+        </p:nvSpPr>
+        <p:spPr>
+          <a:xfrm>
+            <a:off x="0" y="0"/>
+            <a:ext cx="9144000" cy="6858000"/>
+          </a:xfrm>
+          <a:prstGeom prst="rect">
+            <a:avLst/>
+          </a:prstGeom>
+          <a:solidFill>
+            <a:srgbClr val="FFFFFF"/>
+          </a:solidFill>
+        </p:spPr>
+        <p:style>
+          <a:lnRef idx="1">
+            <a:schemeClr val="accent1"/>
+          </a:lnRef>
+          <a:fillRef idx="3">
+            <a:schemeClr val="accent1"/>
+          </a:fillRef>
+          <a:effectRef idx="2">
+            <a:schemeClr val="accent1"/>
+          </a:effectRef>
+          <a:fontRef idx="minor">
+            <a:schemeClr val="lt1"/>
+          </a:fontRef>
+        </p:style>
+        <p:txBody>
+          <a:bodyPr anchor="ctr"/>
+          <a:lstStyle/>
+          <a:p>
+            <a:pPr algn="ctr">
+              <a:defRPr/>
+            </a:pPr>
+            <a:endParaRPr lang="en-US"/>
+          </a:p>
+        </p:txBody>
+      </p:sp>
+      <p:sp>
+        <p:nvSpPr>
+          <p:cNvPr id="24578" name="Rectangle 2"/>
+          <p:cNvSpPr>
+            <a:spLocks noGrp="1" noChangeArrowheads="1"/>
+          </p:cNvSpPr>
+          <p:nvPr>
+            <p:ph type="title"/>
+          </p:nvPr>
+        </p:nvSpPr>
+        <p:spPr>
+          <a:xfrm>
+            <a:off x="0" y="0"/>
+            <a:ext cx="8534400" cy="990600"/>
+          </a:xfrm>
+        </p:spPr>
+        <p:txBody>
+          <a:bodyPr/>
+          <a:lstStyle/>
+          <a:p>
+            <a:r>
+              <a:rPr lang="en-US">
+                <a:latin typeface="Geneva" charset="0"/>
+                <a:ea typeface="ＭＳ Ｐゴシック" charset="0"/>
+                <a:cs typeface="ＭＳ Ｐゴシック" charset="0"/>
+              </a:rPr>
+              <a:t>Visualization  Success Story</a:t>
+            </a:r>
+          </a:p>
+        </p:txBody>
+      </p:sp>
+      <p:sp>
+        <p:nvSpPr>
+          <p:cNvPr id="24579" name="Text Box 4"/>
+          <p:cNvSpPr txBox="1">
+            <a:spLocks noChangeArrowheads="1"/>
+          </p:cNvSpPr>
+          <p:nvPr/>
+        </p:nvSpPr>
+        <p:spPr bwMode="auto">
+          <a:xfrm>
+            <a:off x="6705600" y="4572000"/>
+            <a:ext cx="2225675" cy="1323975"/>
+          </a:xfrm>
+          <a:prstGeom prst="rect">
+            <a:avLst/>
+          </a:prstGeom>
+          <a:noFill/>
+          <a:ln>
+            <a:noFill/>
+          </a:ln>
+          <a:extLst>
+            <a:ext uri="{909E8E84-426E-40dd-AFC4-6F175D3DCCD1}">
+              <a14:hiddenFill xmlns:a14="http://schemas.microsoft.com/office/drawing/2010/main">
+                <a:solidFill>
+                  <a:srgbClr val="FFFFFF"/>
+                </a:solidFill>
+              </a14:hiddenFill>
+            </a:ext>
+            <a:ext uri="{91240B29-F687-4f45-9708-019B960494DF}">
+              <a14:hiddenLine xmlns:a14="http://schemas.microsoft.com/office/drawing/2010/main" w="9525">
+                <a:solidFill>
+                  <a:srgbClr val="000000"/>
+                </a:solidFill>
+                <a:miter lim="800000"/>
+                <a:headEnd/>
+                <a:tailEnd/>
+              </a14:hiddenLine>
+            </a:ext>
+          </a:extLst>
+        </p:spPr>
+        <p:txBody>
+          <a:bodyPr>
+            <a:spAutoFit/>
+          </a:bodyPr>
+          <a:lstStyle>
+            <a:lvl1pPr eaLnBrk="0" hangingPunct="0">
+              <a:defRPr sz="2400">
+                <a:solidFill>
+                  <a:schemeClr val="tx1"/>
+                </a:solidFill>
+                <a:latin typeface="Arial" charset="0"/>
+                <a:ea typeface="ＭＳ Ｐゴシック" charset="0"/>
+                <a:cs typeface="ＭＳ Ｐゴシック" charset="0"/>
+              </a:defRPr>
+            </a:lvl1pPr>
+            <a:lvl2pPr marL="742950" indent="-285750" eaLnBrk="0" hangingPunct="0">
+              <a:defRPr sz="2400">
+                <a:solidFill>
+                  <a:schemeClr val="tx1"/>
+                </a:solidFill>
+                <a:latin typeface="Arial" charset="0"/>
+                <a:ea typeface="ＭＳ Ｐゴシック" charset="0"/>
+              </a:defRPr>
+            </a:lvl2pPr>
+            <a:lvl3pPr marL="1143000" indent="-228600" eaLnBrk="0" hangingPunct="0">
+              <a:defRPr sz="2400">
+                <a:solidFill>
+                  <a:schemeClr val="tx1"/>
+                </a:solidFill>
+                <a:latin typeface="Arial" charset="0"/>
+                <a:ea typeface="ＭＳ Ｐゴシック" charset="0"/>
+              </a:defRPr>
+            </a:lvl3pPr>
+            <a:lvl4pPr marL="1600200" indent="-228600" eaLnBrk="0" hangingPunct="0">
+              <a:defRPr sz="2400">
+                <a:solidFill>
+                  <a:schemeClr val="tx1"/>
+                </a:solidFill>
+                <a:latin typeface="Arial" charset="0"/>
+                <a:ea typeface="ＭＳ Ｐゴシック" charset="0"/>
+              </a:defRPr>
+            </a:lvl4pPr>
+            <a:lvl5pPr marL="2057400" indent="-228600" eaLnBrk="0" hangingPunct="0">
+              <a:defRPr sz="2400">
+                <a:solidFill>
+                  <a:schemeClr val="tx1"/>
+                </a:solidFill>
+                <a:latin typeface="Arial" charset="0"/>
+                <a:ea typeface="ＭＳ Ｐゴシック" charset="0"/>
+              </a:defRPr>
+            </a:lvl5pPr>
+            <a:lvl6pPr marL="2514600" indent="-228600" eaLnBrk="0" fontAlgn="base" hangingPunct="0">
+              <a:spcBef>
+                <a:spcPct val="0"/>
+              </a:spcBef>
+              <a:spcAft>
+                <a:spcPct val="0"/>
+              </a:spcAft>
+              <a:defRPr sz="2400">
+                <a:solidFill>
+                  <a:schemeClr val="tx1"/>
+                </a:solidFill>
+                <a:latin typeface="Arial" charset="0"/>
+                <a:ea typeface="ＭＳ Ｐゴシック" charset="0"/>
+              </a:defRPr>
+            </a:lvl6pPr>
+            <a:lvl7pPr marL="2971800" indent="-228600" eaLnBrk="0" fontAlgn="base" hangingPunct="0">
+              <a:spcBef>
+                <a:spcPct val="0"/>
+              </a:spcBef>
+              <a:spcAft>
+                <a:spcPct val="0"/>
+              </a:spcAft>
+              <a:defRPr sz="2400">
+                <a:solidFill>
+                  <a:schemeClr val="tx1"/>
+                </a:solidFill>
+                <a:latin typeface="Arial" charset="0"/>
+                <a:ea typeface="ＭＳ Ｐゴシック" charset="0"/>
+              </a:defRPr>
+            </a:lvl7pPr>
+            <a:lvl8pPr marL="3429000" indent="-228600" eaLnBrk="0" fontAlgn="base" hangingPunct="0">
+              <a:spcBef>
+                <a:spcPct val="0"/>
+              </a:spcBef>
+              <a:spcAft>
+                <a:spcPct val="0"/>
+              </a:spcAft>
+              <a:defRPr sz="2400">
+                <a:solidFill>
+                  <a:schemeClr val="tx1"/>
+                </a:solidFill>
+                <a:latin typeface="Arial" charset="0"/>
+                <a:ea typeface="ＭＳ Ｐゴシック" charset="0"/>
+              </a:defRPr>
+            </a:lvl8pPr>
+            <a:lvl9pPr marL="3886200" indent="-228600" eaLnBrk="0" fontAlgn="base" hangingPunct="0">
+              <a:spcBef>
+                <a:spcPct val="0"/>
+              </a:spcBef>
+              <a:spcAft>
+                <a:spcPct val="0"/>
+              </a:spcAft>
+              <a:defRPr sz="2400">
+                <a:solidFill>
+                  <a:schemeClr val="tx1"/>
+                </a:solidFill>
+                <a:latin typeface="Arial" charset="0"/>
+                <a:ea typeface="ＭＳ Ｐゴシック" charset="0"/>
+              </a:defRPr>
+            </a:lvl9pPr>
+          </a:lstStyle>
+          <a:p>
+            <a:r>
+              <a:rPr lang="en-US" sz="2000">
+                <a:solidFill>
+                  <a:schemeClr val="tx2"/>
+                </a:solidFill>
+                <a:latin typeface="Arial Narrow" charset="0"/>
+              </a:rPr>
+              <a:t>From Visual Explanations by Edward Tufte, Graphics Press, 1997</a:t>
+            </a:r>
+          </a:p>
+        </p:txBody>
+      </p:sp>
+      <p:sp>
+        <p:nvSpPr>
+          <p:cNvPr id="24580" name="Text Box 5"/>
+          <p:cNvSpPr txBox="1">
+            <a:spLocks noChangeArrowheads="1"/>
+          </p:cNvSpPr>
+          <p:nvPr/>
+        </p:nvSpPr>
+        <p:spPr bwMode="auto">
+          <a:xfrm>
+            <a:off x="6705600" y="990600"/>
+            <a:ext cx="2438400" cy="2563813"/>
+          </a:xfrm>
+          <a:prstGeom prst="rect">
+            <a:avLst/>
+          </a:prstGeom>
+          <a:noFill/>
+          <a:ln>
+            <a:noFill/>
+          </a:ln>
+          <a:extLst>
+            <a:ext uri="{909E8E84-426E-40dd-AFC4-6F175D3DCCD1}">
+              <a14:hiddenFill xmlns:a14="http://schemas.microsoft.com/office/drawing/2010/main">
+                <a:solidFill>
+                  <a:srgbClr val="FFFFFF"/>
+                </a:solidFill>
+              </a14:hiddenFill>
+            </a:ext>
+            <a:ext uri="{91240B29-F687-4f45-9708-019B960494DF}">
+              <a14:hiddenLine xmlns:a14="http://schemas.microsoft.com/office/drawing/2010/main" w="9525">
+                <a:solidFill>
+                  <a:srgbClr val="000000"/>
+                </a:solidFill>
+                <a:miter lim="800000"/>
+                <a:headEnd/>
+                <a:tailEnd/>
+              </a14:hiddenLine>
+            </a:ext>
+          </a:extLst>
+        </p:spPr>
+        <p:txBody>
+          <a:bodyPr>
+            <a:spAutoFit/>
+          </a:bodyPr>
+          <a:lstStyle>
+            <a:lvl1pPr eaLnBrk="0" hangingPunct="0">
+              <a:defRPr sz="2400">
+                <a:solidFill>
+                  <a:schemeClr val="tx1"/>
+                </a:solidFill>
+                <a:latin typeface="Arial" charset="0"/>
+                <a:ea typeface="ＭＳ Ｐゴシック" charset="0"/>
+                <a:cs typeface="ＭＳ Ｐゴシック" charset="0"/>
+              </a:defRPr>
+            </a:lvl1pPr>
+            <a:lvl2pPr marL="742950" indent="-285750" eaLnBrk="0" hangingPunct="0">
+              <a:defRPr sz="2400">
+                <a:solidFill>
+                  <a:schemeClr val="tx1"/>
+                </a:solidFill>
+                <a:latin typeface="Arial" charset="0"/>
+                <a:ea typeface="ＭＳ Ｐゴシック" charset="0"/>
+              </a:defRPr>
+            </a:lvl2pPr>
+            <a:lvl3pPr marL="1143000" indent="-228600" eaLnBrk="0" hangingPunct="0">
+              <a:defRPr sz="2400">
+                <a:solidFill>
+                  <a:schemeClr val="tx1"/>
+                </a:solidFill>
+                <a:latin typeface="Arial" charset="0"/>
+                <a:ea typeface="ＭＳ Ｐゴシック" charset="0"/>
+              </a:defRPr>
+            </a:lvl3pPr>
+            <a:lvl4pPr marL="1600200" indent="-228600" eaLnBrk="0" hangingPunct="0">
+              <a:defRPr sz="2400">
+                <a:solidFill>
+                  <a:schemeClr val="tx1"/>
+                </a:solidFill>
+                <a:latin typeface="Arial" charset="0"/>
+                <a:ea typeface="ＭＳ Ｐゴシック" charset="0"/>
+              </a:defRPr>
+            </a:lvl4pPr>
+            <a:lvl5pPr marL="2057400" indent="-228600" eaLnBrk="0" hangingPunct="0">
+              <a:defRPr sz="2400">
+                <a:solidFill>
+                  <a:schemeClr val="tx1"/>
+                </a:solidFill>
+                <a:latin typeface="Arial" charset="0"/>
+                <a:ea typeface="ＭＳ Ｐゴシック" charset="0"/>
+              </a:defRPr>
+            </a:lvl5pPr>
+            <a:lvl6pPr marL="2514600" indent="-228600" eaLnBrk="0" fontAlgn="base" hangingPunct="0">
+              <a:spcBef>
+                <a:spcPct val="0"/>
+              </a:spcBef>
+              <a:spcAft>
+                <a:spcPct val="0"/>
+              </a:spcAft>
+              <a:defRPr sz="2400">
+                <a:solidFill>
+                  <a:schemeClr val="tx1"/>
+                </a:solidFill>
+                <a:latin typeface="Arial" charset="0"/>
+                <a:ea typeface="ＭＳ Ｐゴシック" charset="0"/>
+              </a:defRPr>
+            </a:lvl6pPr>
+            <a:lvl7pPr marL="2971800" indent="-228600" eaLnBrk="0" fontAlgn="base" hangingPunct="0">
+              <a:spcBef>
+                <a:spcPct val="0"/>
+              </a:spcBef>
+              <a:spcAft>
+                <a:spcPct val="0"/>
+              </a:spcAft>
+              <a:defRPr sz="2400">
+                <a:solidFill>
+                  <a:schemeClr val="tx1"/>
+                </a:solidFill>
+                <a:latin typeface="Arial" charset="0"/>
+                <a:ea typeface="ＭＳ Ｐゴシック" charset="0"/>
+              </a:defRPr>
+            </a:lvl7pPr>
+            <a:lvl8pPr marL="3429000" indent="-228600" eaLnBrk="0" fontAlgn="base" hangingPunct="0">
+              <a:spcBef>
+                <a:spcPct val="0"/>
+              </a:spcBef>
+              <a:spcAft>
+                <a:spcPct val="0"/>
+              </a:spcAft>
+              <a:defRPr sz="2400">
+                <a:solidFill>
+                  <a:schemeClr val="tx1"/>
+                </a:solidFill>
+                <a:latin typeface="Arial" charset="0"/>
+                <a:ea typeface="ＭＳ Ｐゴシック" charset="0"/>
+              </a:defRPr>
+            </a:lvl8pPr>
+            <a:lvl9pPr marL="3886200" indent="-228600" eaLnBrk="0" fontAlgn="base" hangingPunct="0">
+              <a:spcBef>
+                <a:spcPct val="0"/>
+              </a:spcBef>
+              <a:spcAft>
+                <a:spcPct val="0"/>
+              </a:spcAft>
+              <a:defRPr sz="2400">
+                <a:solidFill>
+                  <a:schemeClr val="tx1"/>
+                </a:solidFill>
+                <a:latin typeface="Arial" charset="0"/>
+                <a:ea typeface="ＭＳ Ｐゴシック" charset="0"/>
+              </a:defRPr>
+            </a:lvl9pPr>
+          </a:lstStyle>
+          <a:p>
+            <a:r>
+              <a:rPr lang="en-US" sz="1800">
+                <a:solidFill>
+                  <a:schemeClr val="tx2"/>
+                </a:solidFill>
+              </a:rPr>
+              <a:t>Illustration of John Snow</a:t>
+            </a:r>
+            <a:r>
+              <a:rPr lang="ja-JP" altLang="en-US" sz="1800">
+                <a:solidFill>
+                  <a:schemeClr val="tx2"/>
+                </a:solidFill>
+              </a:rPr>
+              <a:t>’</a:t>
+            </a:r>
+            <a:r>
+              <a:rPr lang="en-US" altLang="ja-JP" sz="1800">
+                <a:solidFill>
+                  <a:schemeClr val="tx2"/>
+                </a:solidFill>
+              </a:rPr>
+              <a:t>s</a:t>
+            </a:r>
+          </a:p>
+          <a:p>
+            <a:r>
+              <a:rPr lang="en-US" sz="1800">
+                <a:solidFill>
+                  <a:schemeClr val="tx2"/>
+                </a:solidFill>
+              </a:rPr>
+              <a:t>deduction that a cholera epidemic</a:t>
+            </a:r>
+          </a:p>
+          <a:p>
+            <a:r>
+              <a:rPr lang="en-US" sz="1800">
+                <a:solidFill>
+                  <a:schemeClr val="tx2"/>
+                </a:solidFill>
+              </a:rPr>
+              <a:t>was caused by a bad water pump, circa 1854.</a:t>
+            </a:r>
+          </a:p>
+          <a:p>
+            <a:endParaRPr lang="en-US" sz="1800">
+              <a:solidFill>
+                <a:schemeClr val="tx2"/>
+              </a:solidFill>
+            </a:endParaRPr>
+          </a:p>
+          <a:p>
+            <a:r>
+              <a:rPr lang="en-US" sz="1800">
+                <a:solidFill>
+                  <a:schemeClr val="tx2"/>
+                </a:solidFill>
+              </a:rPr>
+              <a:t>Horizontal lines indicate location of deaths.</a:t>
+            </a:r>
+          </a:p>
+        </p:txBody>
+      </p:sp>
+      <p:sp>
+        <p:nvSpPr>
+          <p:cNvPr id="24581" name="Oval 6"/>
+          <p:cNvSpPr>
+            <a:spLocks noChangeArrowheads="1"/>
+          </p:cNvSpPr>
+          <p:nvPr/>
+        </p:nvSpPr>
+        <p:spPr bwMode="auto">
+          <a:xfrm>
+            <a:off x="5715000" y="3505200"/>
+            <a:ext cx="304800" cy="228600"/>
+          </a:xfrm>
+          <a:prstGeom prst="ellipse">
+            <a:avLst/>
+          </a:prstGeom>
+          <a:noFill/>
+          <a:ln w="38100">
+            <a:solidFill>
+              <a:srgbClr val="FF0066"/>
+            </a:solidFill>
+            <a:round/>
+            <a:headEnd/>
+            <a:tailEnd/>
+          </a:ln>
+          <a:extLst>
+            <a:ext uri="{909E8E84-426E-40dd-AFC4-6F175D3DCCD1}">
+              <a14:hiddenFill xmlns:a14="http://schemas.microsoft.com/office/drawing/2010/main">
+                <a:solidFill>
+                  <a:srgbClr val="FFFFFF"/>
+                </a:solidFill>
+              </a14:hiddenFill>
+            </a:ext>
+          </a:extLst>
+        </p:spPr>
+        <p:txBody>
+          <a:bodyPr wrap="none" anchor="ctr">
+            <a:spAutoFit/>
+          </a:bodyPr>
+          <a:lstStyle/>
+          <a:p>
+            <a:endParaRPr lang="en-US"/>
+          </a:p>
+        </p:txBody>
+      </p:sp>
+      <p:pic>
+        <p:nvPicPr>
+          <p:cNvPr id="24582" name="Picture 7" descr="H:\talks\sigir-tutorial\snow.gif"/>
+          <p:cNvPicPr>
+            <a:picLocks noChangeAspect="1" noChangeArrowheads="1"/>
+          </p:cNvPicPr>
+          <p:nvPr/>
+        </p:nvPicPr>
+        <p:blipFill>
+          <a:blip r:embed="rId2">
+            <a:extLst>
+              <a:ext uri="{28A0092B-C50C-407E-A947-70E740481C1C}">
+                <a14:useLocalDpi xmlns:a14="http://schemas.microsoft.com/office/drawing/2010/main" val="0"/>
+              </a:ext>
+            </a:extLst>
+          </a:blip>
+          <a:srcRect/>
+          <a:stretch>
+            <a:fillRect/>
+          </a:stretch>
+        </p:blipFill>
+        <p:spPr bwMode="auto">
+          <a:xfrm>
+            <a:off x="152400" y="3733800"/>
+            <a:ext cx="3200400" cy="2860675"/>
+          </a:xfrm>
+          <a:prstGeom prst="rect">
+            <a:avLst/>
+          </a:prstGeom>
+          <a:noFill/>
+          <a:ln>
+            <a:noFill/>
+          </a:ln>
+          <a:extLst>
+            <a:ext uri="{909E8E84-426E-40dd-AFC4-6F175D3DCCD1}">
+              <a14:hiddenFill xmlns:a14="http://schemas.microsoft.com/office/drawing/2010/main">
+                <a:solidFill>
+                  <a:srgbClr val="FFFFFF"/>
+                </a:solidFill>
+              </a14:hiddenFill>
+            </a:ext>
+            <a:ext uri="{91240B29-F687-4f45-9708-019B960494DF}">
+              <a14:hiddenLine xmlns:a14="http://schemas.microsoft.com/office/drawing/2010/main" w="9525">
+                <a:solidFill>
+                  <a:srgbClr val="000000"/>
+                </a:solidFill>
+                <a:miter lim="800000"/>
+                <a:headEnd/>
+                <a:tailEnd/>
+              </a14:hiddenLine>
+            </a:ext>
+          </a:extLst>
+        </p:spPr>
+      </p:pic>
+      <p:sp>
+        <p:nvSpPr>
+          <p:cNvPr id="24583" name="Oval 8"/>
+          <p:cNvSpPr>
+            <a:spLocks noChangeArrowheads="1"/>
+          </p:cNvSpPr>
+          <p:nvPr/>
+        </p:nvSpPr>
+        <p:spPr bwMode="auto">
+          <a:xfrm>
+            <a:off x="1752600" y="4953000"/>
+            <a:ext cx="304800" cy="228600"/>
+          </a:xfrm>
+          <a:prstGeom prst="ellipse">
+            <a:avLst/>
+          </a:prstGeom>
+          <a:noFill/>
+          <a:ln w="38100">
+            <a:solidFill>
+              <a:srgbClr val="FF0066"/>
+            </a:solidFill>
+            <a:round/>
+            <a:headEnd/>
+            <a:tailEnd/>
+          </a:ln>
+          <a:extLst>
+            <a:ext uri="{909E8E84-426E-40dd-AFC4-6F175D3DCCD1}">
+              <a14:hiddenFill xmlns:a14="http://schemas.microsoft.com/office/drawing/2010/main">
+                <a:solidFill>
+                  <a:srgbClr val="FFFFFF"/>
+                </a:solidFill>
+              </a14:hiddenFill>
+            </a:ext>
+          </a:extLst>
+        </p:spPr>
+        <p:txBody>
+          <a:bodyPr wrap="none" anchor="ctr">
+            <a:spAutoFit/>
+          </a:bodyPr>
+          <a:lstStyle/>
+          <a:p>
+            <a:endParaRPr lang="en-US"/>
+          </a:p>
+        </p:txBody>
+      </p:sp>
+      <p:pic>
+        <p:nvPicPr>
+          <p:cNvPr id="24584" name="Picture 5" descr="H:\talks\sigir-tutorial\snow.gif"/>
+          <p:cNvPicPr>
+            <a:picLocks noChangeAspect="1" noChangeArrowheads="1"/>
+          </p:cNvPicPr>
+          <p:nvPr/>
+        </p:nvPicPr>
+        <p:blipFill>
+          <a:blip r:embed="rId2">
+            <a:extLst>
+              <a:ext uri="{28A0092B-C50C-407E-A947-70E740481C1C}">
+                <a14:useLocalDpi xmlns:a14="http://schemas.microsoft.com/office/drawing/2010/main" val="0"/>
+              </a:ext>
+            </a:extLst>
+          </a:blip>
+          <a:srcRect/>
+          <a:stretch>
+            <a:fillRect/>
+          </a:stretch>
+        </p:blipFill>
+        <p:spPr bwMode="auto">
+          <a:xfrm>
+            <a:off x="304800" y="1035050"/>
+            <a:ext cx="6172200" cy="5518150"/>
+          </a:xfrm>
+          <a:prstGeom prst="rect">
+            <a:avLst/>
+          </a:prstGeom>
+          <a:noFill/>
+          <a:ln>
+            <a:noFill/>
+          </a:ln>
+          <a:extLst>
+            <a:ext uri="{909E8E84-426E-40dd-AFC4-6F175D3DCCD1}">
+              <a14:hiddenFill xmlns:a14="http://schemas.microsoft.com/office/drawing/2010/main">
+                <a:solidFill>
+                  <a:srgbClr val="FFFFFF"/>
+                </a:solidFill>
+              </a14:hiddenFill>
+            </a:ext>
+            <a:ext uri="{91240B29-F687-4f45-9708-019B960494DF}">
+              <a14:hiddenLine xmlns:a14="http://schemas.microsoft.com/office/drawing/2010/main" w="9525">
+                <a:solidFill>
+                  <a:srgbClr val="000000"/>
+                </a:solidFill>
+                <a:miter lim="800000"/>
+                <a:headEnd/>
+                <a:tailEnd/>
+              </a14:hiddenLine>
+            </a:ext>
+          </a:extLst>
+        </p:spPr>
+      </p:pic>
+    </p:spTree>
+    <p:extLst>
+      <p:ext uri="{BB962C8B-B14F-4D97-AF65-F5344CB8AC3E}">
+        <p14:creationId xmlns:p14="http://schemas.microsoft.com/office/powerpoint/2010/main" val="648220984"/>
+      </p:ext>
+    </p:extLst>
+  </p:cSld>
+  <p:clrMapOvr>
+    <a:masterClrMapping/>
+  </p:clrMapOvr>
+  <p:transition xmlns:p14="http://schemas.microsoft.com/office/powerpoint/2010/main"/>
+  <p:timing>
+    <p:tnLst>
+      <p:par>
+        <p:cTn xmlns:p14="http://schemas.microsoft.com/office/powerpoint/2010/main" id="1" dur="indefinite" restart="never" nodeType="tmRoot"/>
+      </p:par>
+    </p:tnLst>
+  </p:timing>
+</p:sld>
+</file>
+
+<file path=ppt/slides/slide11.xml><?xml version="1.0" encoding="utf-8"?>
+<p:sld xmlns:a="http://schemas.openxmlformats.org/drawingml/2006/main" xmlns:r="http://schemas.openxmlformats.org/officeDocument/2006/relationships" xmlns:p="http://schemas.openxmlformats.org/presentationml/2006/main">
+  <p:cSld>
+    <p:spTree>
+      <p:nvGrpSpPr>
+        <p:cNvPr id="1" name=""/>
+        <p:cNvGrpSpPr/>
+        <p:nvPr/>
+      </p:nvGrpSpPr>
+      <p:grpSpPr>
+        <a:xfrm>
+          <a:off x="0" y="0"/>
+          <a:ext cx="0" cy="0"/>
+          <a:chOff x="0" y="0"/>
+          <a:chExt cx="0" cy="0"/>
+        </a:xfrm>
+      </p:grpSpPr>
+      <p:sp>
+        <p:nvSpPr>
+          <p:cNvPr id="9" name="Rectangle 8"/>
+          <p:cNvSpPr/>
+          <p:nvPr/>
+        </p:nvSpPr>
+        <p:spPr>
+          <a:xfrm>
+            <a:off x="0" y="0"/>
+            <a:ext cx="9144000" cy="6858000"/>
+          </a:xfrm>
+          <a:prstGeom prst="rect">
+            <a:avLst/>
+          </a:prstGeom>
+          <a:solidFill>
+            <a:srgbClr val="FFFFFF"/>
+          </a:solidFill>
+        </p:spPr>
+        <p:style>
+          <a:lnRef idx="1">
+            <a:schemeClr val="accent1"/>
+          </a:lnRef>
+          <a:fillRef idx="3">
+            <a:schemeClr val="accent1"/>
+          </a:fillRef>
+          <a:effectRef idx="2">
+            <a:schemeClr val="accent1"/>
+          </a:effectRef>
+          <a:fontRef idx="minor">
+            <a:schemeClr val="lt1"/>
+          </a:fontRef>
+        </p:style>
+        <p:txBody>
+          <a:bodyPr anchor="ctr"/>
+          <a:lstStyle/>
+          <a:p>
+            <a:pPr algn="ctr">
+              <a:defRPr/>
+            </a:pPr>
+            <a:endParaRPr lang="en-US"/>
+          </a:p>
+        </p:txBody>
+      </p:sp>
+      <p:sp>
+        <p:nvSpPr>
+          <p:cNvPr id="25602" name="Rectangle 2"/>
+          <p:cNvSpPr>
+            <a:spLocks noGrp="1" noChangeArrowheads="1"/>
+          </p:cNvSpPr>
+          <p:nvPr>
+            <p:ph type="title"/>
+          </p:nvPr>
+        </p:nvSpPr>
+        <p:spPr>
+          <a:xfrm>
+            <a:off x="0" y="0"/>
+            <a:ext cx="8534400" cy="990600"/>
+          </a:xfrm>
+        </p:spPr>
+        <p:txBody>
+          <a:bodyPr/>
+          <a:lstStyle/>
+          <a:p>
+            <a:r>
+              <a:rPr lang="en-US">
+                <a:latin typeface="Geneva" charset="0"/>
+                <a:ea typeface="ＭＳ Ｐゴシック" charset="0"/>
+                <a:cs typeface="ＭＳ Ｐゴシック" charset="0"/>
+              </a:rPr>
+              <a:t>Visualization  Success Story</a:t>
+            </a:r>
+          </a:p>
+        </p:txBody>
+      </p:sp>
+      <p:pic>
+        <p:nvPicPr>
+          <p:cNvPr id="25603" name="Picture 3" descr="H:\talks\sigir-tutorial\tufte-snow.jpg"/>
+          <p:cNvPicPr>
+            <a:picLocks noChangeAspect="1" noChangeArrowheads="1"/>
+          </p:cNvPicPr>
+          <p:nvPr/>
+        </p:nvPicPr>
+        <p:blipFill>
+          <a:blip r:embed="rId2">
+            <a:extLst>
+              <a:ext uri="{28A0092B-C50C-407E-A947-70E740481C1C}">
+                <a14:useLocalDpi xmlns:a14="http://schemas.microsoft.com/office/drawing/2010/main" val="0"/>
+              </a:ext>
+            </a:extLst>
+          </a:blip>
+          <a:srcRect/>
+          <a:stretch>
+            <a:fillRect/>
+          </a:stretch>
+        </p:blipFill>
+        <p:spPr bwMode="auto">
+          <a:xfrm>
+            <a:off x="2819400" y="1066800"/>
+            <a:ext cx="5562600" cy="4191000"/>
+          </a:xfrm>
+          <a:prstGeom prst="rect">
+            <a:avLst/>
+          </a:prstGeom>
+          <a:noFill/>
+          <a:ln>
+            <a:noFill/>
+          </a:ln>
+          <a:extLst>
+            <a:ext uri="{909E8E84-426E-40dd-AFC4-6F175D3DCCD1}">
+              <a14:hiddenFill xmlns:a14="http://schemas.microsoft.com/office/drawing/2010/main">
+                <a:solidFill>
+                  <a:srgbClr val="FFFFFF"/>
+                </a:solidFill>
+              </a14:hiddenFill>
+            </a:ext>
+            <a:ext uri="{91240B29-F687-4f45-9708-019B960494DF}">
+              <a14:hiddenLine xmlns:a14="http://schemas.microsoft.com/office/drawing/2010/main" w="9525">
+                <a:solidFill>
+                  <a:srgbClr val="000000"/>
+                </a:solidFill>
+                <a:miter lim="800000"/>
+                <a:headEnd/>
+                <a:tailEnd/>
+              </a14:hiddenLine>
+            </a:ext>
+          </a:extLst>
+        </p:spPr>
+      </p:pic>
+      <p:sp>
+        <p:nvSpPr>
+          <p:cNvPr id="25604" name="Text Box 4"/>
+          <p:cNvSpPr txBox="1">
+            <a:spLocks noChangeArrowheads="1"/>
+          </p:cNvSpPr>
+          <p:nvPr/>
+        </p:nvSpPr>
+        <p:spPr bwMode="auto">
+          <a:xfrm>
+            <a:off x="4267200" y="5562600"/>
+            <a:ext cx="4664075" cy="701675"/>
+          </a:xfrm>
+          <a:prstGeom prst="rect">
+            <a:avLst/>
+          </a:prstGeom>
+          <a:noFill/>
+          <a:ln>
+            <a:noFill/>
+          </a:ln>
+          <a:extLst>
+            <a:ext uri="{909E8E84-426E-40dd-AFC4-6F175D3DCCD1}">
+              <a14:hiddenFill xmlns:a14="http://schemas.microsoft.com/office/drawing/2010/main">
+                <a:solidFill>
+                  <a:srgbClr val="FFFFFF"/>
+                </a:solidFill>
+              </a14:hiddenFill>
+            </a:ext>
+            <a:ext uri="{91240B29-F687-4f45-9708-019B960494DF}">
+              <a14:hiddenLine xmlns:a14="http://schemas.microsoft.com/office/drawing/2010/main" w="9525">
+                <a:solidFill>
+                  <a:srgbClr val="000000"/>
+                </a:solidFill>
+                <a:miter lim="800000"/>
+                <a:headEnd/>
+                <a:tailEnd/>
+              </a14:hiddenLine>
+            </a:ext>
+          </a:extLst>
+        </p:spPr>
+        <p:txBody>
+          <a:bodyPr>
+            <a:spAutoFit/>
+          </a:bodyPr>
+          <a:lstStyle>
+            <a:lvl1pPr eaLnBrk="0" hangingPunct="0">
+              <a:defRPr sz="2400">
+                <a:solidFill>
+                  <a:schemeClr val="tx1"/>
+                </a:solidFill>
+                <a:latin typeface="Arial" charset="0"/>
+                <a:ea typeface="ＭＳ Ｐゴシック" charset="0"/>
+                <a:cs typeface="ＭＳ Ｐゴシック" charset="0"/>
+              </a:defRPr>
+            </a:lvl1pPr>
+            <a:lvl2pPr marL="742950" indent="-285750" eaLnBrk="0" hangingPunct="0">
+              <a:defRPr sz="2400">
+                <a:solidFill>
+                  <a:schemeClr val="tx1"/>
+                </a:solidFill>
+                <a:latin typeface="Arial" charset="0"/>
+                <a:ea typeface="ＭＳ Ｐゴシック" charset="0"/>
+              </a:defRPr>
+            </a:lvl2pPr>
+            <a:lvl3pPr marL="1143000" indent="-228600" eaLnBrk="0" hangingPunct="0">
+              <a:defRPr sz="2400">
+                <a:solidFill>
+                  <a:schemeClr val="tx1"/>
+                </a:solidFill>
+                <a:latin typeface="Arial" charset="0"/>
+                <a:ea typeface="ＭＳ Ｐゴシック" charset="0"/>
+              </a:defRPr>
+            </a:lvl3pPr>
+            <a:lvl4pPr marL="1600200" indent="-228600" eaLnBrk="0" hangingPunct="0">
+              <a:defRPr sz="2400">
+                <a:solidFill>
+                  <a:schemeClr val="tx1"/>
+                </a:solidFill>
+                <a:latin typeface="Arial" charset="0"/>
+                <a:ea typeface="ＭＳ Ｐゴシック" charset="0"/>
+              </a:defRPr>
+            </a:lvl4pPr>
+            <a:lvl5pPr marL="2057400" indent="-228600" eaLnBrk="0" hangingPunct="0">
+              <a:defRPr sz="2400">
+                <a:solidFill>
+                  <a:schemeClr val="tx1"/>
+                </a:solidFill>
+                <a:latin typeface="Arial" charset="0"/>
+                <a:ea typeface="ＭＳ Ｐゴシック" charset="0"/>
+              </a:defRPr>
+            </a:lvl5pPr>
+            <a:lvl6pPr marL="2514600" indent="-228600" eaLnBrk="0" fontAlgn="base" hangingPunct="0">
+              <a:spcBef>
+                <a:spcPct val="0"/>
+              </a:spcBef>
+              <a:spcAft>
+                <a:spcPct val="0"/>
+              </a:spcAft>
+              <a:defRPr sz="2400">
+                <a:solidFill>
+                  <a:schemeClr val="tx1"/>
+                </a:solidFill>
+                <a:latin typeface="Arial" charset="0"/>
+                <a:ea typeface="ＭＳ Ｐゴシック" charset="0"/>
+              </a:defRPr>
+            </a:lvl6pPr>
+            <a:lvl7pPr marL="2971800" indent="-228600" eaLnBrk="0" fontAlgn="base" hangingPunct="0">
+              <a:spcBef>
+                <a:spcPct val="0"/>
+              </a:spcBef>
+              <a:spcAft>
+                <a:spcPct val="0"/>
+              </a:spcAft>
+              <a:defRPr sz="2400">
+                <a:solidFill>
+                  <a:schemeClr val="tx1"/>
+                </a:solidFill>
+                <a:latin typeface="Arial" charset="0"/>
+                <a:ea typeface="ＭＳ Ｐゴシック" charset="0"/>
+              </a:defRPr>
+            </a:lvl7pPr>
+            <a:lvl8pPr marL="3429000" indent="-228600" eaLnBrk="0" fontAlgn="base" hangingPunct="0">
+              <a:spcBef>
+                <a:spcPct val="0"/>
+              </a:spcBef>
+              <a:spcAft>
+                <a:spcPct val="0"/>
+              </a:spcAft>
+              <a:defRPr sz="2400">
+                <a:solidFill>
+                  <a:schemeClr val="tx1"/>
+                </a:solidFill>
+                <a:latin typeface="Arial" charset="0"/>
+                <a:ea typeface="ＭＳ Ｐゴシック" charset="0"/>
+              </a:defRPr>
+            </a:lvl8pPr>
+            <a:lvl9pPr marL="3886200" indent="-228600" eaLnBrk="0" fontAlgn="base" hangingPunct="0">
+              <a:spcBef>
+                <a:spcPct val="0"/>
+              </a:spcBef>
+              <a:spcAft>
+                <a:spcPct val="0"/>
+              </a:spcAft>
+              <a:defRPr sz="2400">
+                <a:solidFill>
+                  <a:schemeClr val="tx1"/>
+                </a:solidFill>
+                <a:latin typeface="Arial" charset="0"/>
+                <a:ea typeface="ＭＳ Ｐゴシック" charset="0"/>
+              </a:defRPr>
+            </a:lvl9pPr>
+          </a:lstStyle>
+          <a:p>
+            <a:r>
+              <a:rPr lang="en-US" sz="2000">
+                <a:solidFill>
+                  <a:schemeClr val="tx2"/>
+                </a:solidFill>
+                <a:latin typeface="Arial Narrow" charset="0"/>
+              </a:rPr>
+              <a:t>From Visual Explanations by Edward Tufte, Graphics Press, 1997</a:t>
+            </a:r>
+          </a:p>
+        </p:txBody>
+      </p:sp>
+      <p:sp>
+        <p:nvSpPr>
+          <p:cNvPr id="25605" name="Text Box 5"/>
+          <p:cNvSpPr txBox="1">
+            <a:spLocks noChangeArrowheads="1"/>
+          </p:cNvSpPr>
+          <p:nvPr/>
+        </p:nvSpPr>
+        <p:spPr bwMode="auto">
+          <a:xfrm>
+            <a:off x="228600" y="990600"/>
+            <a:ext cx="2438400" cy="2563813"/>
+          </a:xfrm>
+          <a:prstGeom prst="rect">
+            <a:avLst/>
+          </a:prstGeom>
+          <a:noFill/>
+          <a:ln>
+            <a:noFill/>
+          </a:ln>
+          <a:extLst>
+            <a:ext uri="{909E8E84-426E-40dd-AFC4-6F175D3DCCD1}">
+              <a14:hiddenFill xmlns:a14="http://schemas.microsoft.com/office/drawing/2010/main">
+                <a:solidFill>
+                  <a:srgbClr val="FFFFFF"/>
+                </a:solidFill>
+              </a14:hiddenFill>
+            </a:ext>
+            <a:ext uri="{91240B29-F687-4f45-9708-019B960494DF}">
+              <a14:hiddenLine xmlns:a14="http://schemas.microsoft.com/office/drawing/2010/main" w="9525">
+                <a:solidFill>
+                  <a:srgbClr val="000000"/>
+                </a:solidFill>
+                <a:miter lim="800000"/>
+                <a:headEnd/>
+                <a:tailEnd/>
+              </a14:hiddenLine>
+            </a:ext>
+          </a:extLst>
+        </p:spPr>
+        <p:txBody>
+          <a:bodyPr>
+            <a:spAutoFit/>
+          </a:bodyPr>
+          <a:lstStyle>
+            <a:lvl1pPr eaLnBrk="0" hangingPunct="0">
+              <a:defRPr sz="2400">
+                <a:solidFill>
+                  <a:schemeClr val="tx1"/>
+                </a:solidFill>
+                <a:latin typeface="Arial" charset="0"/>
+                <a:ea typeface="ＭＳ Ｐゴシック" charset="0"/>
+                <a:cs typeface="ＭＳ Ｐゴシック" charset="0"/>
+              </a:defRPr>
+            </a:lvl1pPr>
+            <a:lvl2pPr marL="742950" indent="-285750" eaLnBrk="0" hangingPunct="0">
+              <a:defRPr sz="2400">
+                <a:solidFill>
+                  <a:schemeClr val="tx1"/>
+                </a:solidFill>
+                <a:latin typeface="Arial" charset="0"/>
+                <a:ea typeface="ＭＳ Ｐゴシック" charset="0"/>
+              </a:defRPr>
+            </a:lvl2pPr>
+            <a:lvl3pPr marL="1143000" indent="-228600" eaLnBrk="0" hangingPunct="0">
+              <a:defRPr sz="2400">
+                <a:solidFill>
+                  <a:schemeClr val="tx1"/>
+                </a:solidFill>
+                <a:latin typeface="Arial" charset="0"/>
+                <a:ea typeface="ＭＳ Ｐゴシック" charset="0"/>
+              </a:defRPr>
+            </a:lvl3pPr>
+            <a:lvl4pPr marL="1600200" indent="-228600" eaLnBrk="0" hangingPunct="0">
+              <a:defRPr sz="2400">
+                <a:solidFill>
+                  <a:schemeClr val="tx1"/>
+                </a:solidFill>
+                <a:latin typeface="Arial" charset="0"/>
+                <a:ea typeface="ＭＳ Ｐゴシック" charset="0"/>
+              </a:defRPr>
+            </a:lvl4pPr>
+            <a:lvl5pPr marL="2057400" indent="-228600" eaLnBrk="0" hangingPunct="0">
+              <a:defRPr sz="2400">
+                <a:solidFill>
+                  <a:schemeClr val="tx1"/>
+                </a:solidFill>
+                <a:latin typeface="Arial" charset="0"/>
+                <a:ea typeface="ＭＳ Ｐゴシック" charset="0"/>
+              </a:defRPr>
+            </a:lvl5pPr>
+            <a:lvl6pPr marL="2514600" indent="-228600" eaLnBrk="0" fontAlgn="base" hangingPunct="0">
+              <a:spcBef>
+                <a:spcPct val="0"/>
+              </a:spcBef>
+              <a:spcAft>
+                <a:spcPct val="0"/>
+              </a:spcAft>
+              <a:defRPr sz="2400">
+                <a:solidFill>
+                  <a:schemeClr val="tx1"/>
+                </a:solidFill>
+                <a:latin typeface="Arial" charset="0"/>
+                <a:ea typeface="ＭＳ Ｐゴシック" charset="0"/>
+              </a:defRPr>
+            </a:lvl6pPr>
+            <a:lvl7pPr marL="2971800" indent="-228600" eaLnBrk="0" fontAlgn="base" hangingPunct="0">
+              <a:spcBef>
+                <a:spcPct val="0"/>
+              </a:spcBef>
+              <a:spcAft>
+                <a:spcPct val="0"/>
+              </a:spcAft>
+              <a:defRPr sz="2400">
+                <a:solidFill>
+                  <a:schemeClr val="tx1"/>
+                </a:solidFill>
+                <a:latin typeface="Arial" charset="0"/>
+                <a:ea typeface="ＭＳ Ｐゴシック" charset="0"/>
+              </a:defRPr>
+            </a:lvl7pPr>
+            <a:lvl8pPr marL="3429000" indent="-228600" eaLnBrk="0" fontAlgn="base" hangingPunct="0">
+              <a:spcBef>
+                <a:spcPct val="0"/>
+              </a:spcBef>
+              <a:spcAft>
+                <a:spcPct val="0"/>
+              </a:spcAft>
+              <a:defRPr sz="2400">
+                <a:solidFill>
+                  <a:schemeClr val="tx1"/>
+                </a:solidFill>
+                <a:latin typeface="Arial" charset="0"/>
+                <a:ea typeface="ＭＳ Ｐゴシック" charset="0"/>
+              </a:defRPr>
+            </a:lvl8pPr>
+            <a:lvl9pPr marL="3886200" indent="-228600" eaLnBrk="0" fontAlgn="base" hangingPunct="0">
+              <a:spcBef>
+                <a:spcPct val="0"/>
+              </a:spcBef>
+              <a:spcAft>
+                <a:spcPct val="0"/>
+              </a:spcAft>
+              <a:defRPr sz="2400">
+                <a:solidFill>
+                  <a:schemeClr val="tx1"/>
+                </a:solidFill>
+                <a:latin typeface="Arial" charset="0"/>
+                <a:ea typeface="ＭＳ Ｐゴシック" charset="0"/>
+              </a:defRPr>
+            </a:lvl9pPr>
+          </a:lstStyle>
+          <a:p>
+            <a:r>
+              <a:rPr lang="en-US" sz="1800">
+                <a:solidFill>
+                  <a:schemeClr val="tx2"/>
+                </a:solidFill>
+              </a:rPr>
+              <a:t>Illustration of John Snow</a:t>
+            </a:r>
+            <a:r>
+              <a:rPr lang="ja-JP" altLang="en-US" sz="1800">
+                <a:solidFill>
+                  <a:schemeClr val="tx2"/>
+                </a:solidFill>
+              </a:rPr>
+              <a:t>’</a:t>
+            </a:r>
+            <a:r>
+              <a:rPr lang="en-US" altLang="ja-JP" sz="1800">
+                <a:solidFill>
+                  <a:schemeClr val="tx2"/>
+                </a:solidFill>
+              </a:rPr>
+              <a:t>s</a:t>
+            </a:r>
+          </a:p>
+          <a:p>
+            <a:r>
+              <a:rPr lang="en-US" sz="1800">
+                <a:solidFill>
+                  <a:schemeClr val="tx2"/>
+                </a:solidFill>
+              </a:rPr>
+              <a:t>deduction that a cholera epidemic</a:t>
+            </a:r>
+          </a:p>
+          <a:p>
+            <a:r>
+              <a:rPr lang="en-US" sz="1800">
+                <a:solidFill>
+                  <a:schemeClr val="tx2"/>
+                </a:solidFill>
+              </a:rPr>
+              <a:t>was caused by a bad water pump, circa 1854.</a:t>
+            </a:r>
+          </a:p>
+          <a:p>
+            <a:endParaRPr lang="en-US" sz="1800">
+              <a:solidFill>
+                <a:schemeClr val="tx2"/>
+              </a:solidFill>
+            </a:endParaRPr>
+          </a:p>
+          <a:p>
+            <a:r>
+              <a:rPr lang="en-US" sz="1800">
+                <a:solidFill>
+                  <a:schemeClr val="tx2"/>
+                </a:solidFill>
+              </a:rPr>
+              <a:t>Horizontal lines indicate location of deaths.</a:t>
+            </a:r>
+          </a:p>
+        </p:txBody>
+      </p:sp>
+      <p:sp>
+        <p:nvSpPr>
+          <p:cNvPr id="25606" name="Oval 6"/>
+          <p:cNvSpPr>
+            <a:spLocks noChangeArrowheads="1"/>
+          </p:cNvSpPr>
+          <p:nvPr/>
+        </p:nvSpPr>
+        <p:spPr bwMode="auto">
+          <a:xfrm>
+            <a:off x="5715000" y="3505200"/>
+            <a:ext cx="304800" cy="228600"/>
+          </a:xfrm>
+          <a:prstGeom prst="ellipse">
+            <a:avLst/>
+          </a:prstGeom>
+          <a:noFill/>
+          <a:ln w="38100">
+            <a:solidFill>
+              <a:srgbClr val="FF0066"/>
+            </a:solidFill>
+            <a:round/>
+            <a:headEnd/>
+            <a:tailEnd/>
+          </a:ln>
+          <a:extLst>
+            <a:ext uri="{909E8E84-426E-40dd-AFC4-6F175D3DCCD1}">
+              <a14:hiddenFill xmlns:a14="http://schemas.microsoft.com/office/drawing/2010/main">
+                <a:solidFill>
+                  <a:srgbClr val="FFFFFF"/>
+                </a:solidFill>
+              </a14:hiddenFill>
+            </a:ext>
+          </a:extLst>
+        </p:spPr>
+        <p:txBody>
+          <a:bodyPr wrap="none" anchor="ctr">
+            <a:spAutoFit/>
+          </a:bodyPr>
+          <a:lstStyle/>
+          <a:p>
+            <a:endParaRPr lang="en-US"/>
+          </a:p>
+        </p:txBody>
+      </p:sp>
+      <p:pic>
+        <p:nvPicPr>
+          <p:cNvPr id="25607" name="Picture 7" descr="H:\talks\sigir-tutorial\snow.gif"/>
+          <p:cNvPicPr>
+            <a:picLocks noChangeAspect="1" noChangeArrowheads="1"/>
+          </p:cNvPicPr>
+          <p:nvPr/>
+        </p:nvPicPr>
+        <p:blipFill>
+          <a:blip r:embed="rId3">
+            <a:extLst>
+              <a:ext uri="{28A0092B-C50C-407E-A947-70E740481C1C}">
+                <a14:useLocalDpi xmlns:a14="http://schemas.microsoft.com/office/drawing/2010/main" val="0"/>
+              </a:ext>
+            </a:extLst>
+          </a:blip>
+          <a:srcRect/>
+          <a:stretch>
+            <a:fillRect/>
+          </a:stretch>
+        </p:blipFill>
+        <p:spPr bwMode="auto">
+          <a:xfrm>
+            <a:off x="152400" y="3733800"/>
+            <a:ext cx="3200400" cy="2860675"/>
+          </a:xfrm>
+          <a:prstGeom prst="rect">
+            <a:avLst/>
+          </a:prstGeom>
+          <a:noFill/>
+          <a:ln>
+            <a:noFill/>
+          </a:ln>
+          <a:extLst>
+            <a:ext uri="{909E8E84-426E-40dd-AFC4-6F175D3DCCD1}">
+              <a14:hiddenFill xmlns:a14="http://schemas.microsoft.com/office/drawing/2010/main">
+                <a:solidFill>
+                  <a:srgbClr val="FFFFFF"/>
+                </a:solidFill>
+              </a14:hiddenFill>
+            </a:ext>
+            <a:ext uri="{91240B29-F687-4f45-9708-019B960494DF}">
+              <a14:hiddenLine xmlns:a14="http://schemas.microsoft.com/office/drawing/2010/main" w="9525">
+                <a:solidFill>
+                  <a:srgbClr val="000000"/>
+                </a:solidFill>
+                <a:miter lim="800000"/>
+                <a:headEnd/>
+                <a:tailEnd/>
+              </a14:hiddenLine>
+            </a:ext>
+          </a:extLst>
+        </p:spPr>
+      </p:pic>
+      <p:sp>
+        <p:nvSpPr>
+          <p:cNvPr id="25608" name="Oval 8"/>
+          <p:cNvSpPr>
+            <a:spLocks noChangeArrowheads="1"/>
+          </p:cNvSpPr>
+          <p:nvPr/>
+        </p:nvSpPr>
+        <p:spPr bwMode="auto">
+          <a:xfrm>
+            <a:off x="1752600" y="4953000"/>
+            <a:ext cx="304800" cy="228600"/>
+          </a:xfrm>
+          <a:prstGeom prst="ellipse">
+            <a:avLst/>
+          </a:prstGeom>
+          <a:noFill/>
+          <a:ln w="38100">
+            <a:solidFill>
+              <a:srgbClr val="FF0066"/>
+            </a:solidFill>
+            <a:round/>
+            <a:headEnd/>
+            <a:tailEnd/>
+          </a:ln>
+          <a:extLst>
+            <a:ext uri="{909E8E84-426E-40dd-AFC4-6F175D3DCCD1}">
+              <a14:hiddenFill xmlns:a14="http://schemas.microsoft.com/office/drawing/2010/main">
+                <a:solidFill>
+                  <a:srgbClr val="FFFFFF"/>
+                </a:solidFill>
+              </a14:hiddenFill>
+            </a:ext>
+          </a:extLst>
+        </p:spPr>
+        <p:txBody>
+          <a:bodyPr wrap="none" anchor="ctr">
+            <a:spAutoFit/>
+          </a:bodyPr>
+          <a:lstStyle/>
+          <a:p>
+            <a:endParaRPr lang="en-US"/>
+          </a:p>
+        </p:txBody>
+      </p:sp>
+    </p:spTree>
+    <p:extLst>
+      <p:ext uri="{BB962C8B-B14F-4D97-AF65-F5344CB8AC3E}">
+        <p14:creationId xmlns:p14="http://schemas.microsoft.com/office/powerpoint/2010/main" val="2473624855"/>
+      </p:ext>
+    </p:extLst>
+  </p:cSld>
+  <p:clrMapOvr>
+    <a:masterClrMapping/>
+  </p:clrMapOvr>
+  <p:transition xmlns:p14="http://schemas.microsoft.com/office/powerpoint/2010/main"/>
+  <p:timing>
+    <p:tnLst>
+      <p:par>
+        <p:cTn xmlns:p14="http://schemas.microsoft.com/office/powerpoint/2010/main" id="1" dur="indefinite" restart="never" nodeType="tmRoot"/>
+      </p:par>
+    </p:tnLst>
+  </p:timing>
+</p:sld>
+</file>
+
+<file path=ppt/slides/slide12.xml><?xml version="1.0" encoding="utf-8"?>
+<p:sld xmlns:a="http://schemas.openxmlformats.org/drawingml/2006/main" xmlns:r="http://schemas.openxmlformats.org/officeDocument/2006/relationships" xmlns:p="http://schemas.openxmlformats.org/presentationml/2006/main" show="0">
+  <p:cSld>
+    <p:spTree>
+      <p:nvGrpSpPr>
+        <p:cNvPr id="1" name=""/>
+        <p:cNvGrpSpPr/>
+        <p:nvPr/>
+      </p:nvGrpSpPr>
+      <p:grpSpPr>
+        <a:xfrm>
+          <a:off x="0" y="0"/>
+          <a:ext cx="0" cy="0"/>
+          <a:chOff x="0" y="0"/>
+          <a:chExt cx="0" cy="0"/>
+        </a:xfrm>
+      </p:grpSpPr>
+      <p:sp>
+        <p:nvSpPr>
+          <p:cNvPr id="21505" name="Footer Placeholder 3"/>
+          <p:cNvSpPr>
+            <a:spLocks noGrp="1"/>
+          </p:cNvSpPr>
+          <p:nvPr>
+            <p:ph type="ftr" sz="quarter" idx="11"/>
+          </p:nvPr>
+        </p:nvSpPr>
+        <p:spPr>
+          <a:xfrm>
+            <a:off x="1219200" y="5680642"/>
+            <a:ext cx="1143000" cy="457200"/>
+          </a:xfrm>
+          <a:noFill/>
+          <a:ln/>
+          <a:extLst>
+            <a:ext uri="{909E8E84-426E-40dd-AFC4-6F175D3DCCD1}">
+              <a14:hiddenFill xmlns:a14="http://schemas.microsoft.com/office/drawing/2010/main">
+                <a:solidFill>
+                  <a:srgbClr val="FFFFFF"/>
+                </a:solidFill>
+              </a14:hiddenFill>
+            </a:ext>
+            <a:ext uri="{91240B29-F687-4f45-9708-019B960494DF}">
+              <a14:hiddenLine xmlns:a14="http://schemas.microsoft.com/office/drawing/2010/main" w="9525">
+                <a:solidFill>
+                  <a:srgbClr val="000000"/>
+                </a:solidFill>
+                <a:miter lim="800000"/>
+                <a:headEnd/>
+                <a:tailEnd/>
+              </a14:hiddenLine>
+            </a:ext>
+          </a:extLst>
+        </p:spPr>
+        <p:txBody>
+          <a:bodyPr/>
+          <a:lstStyle>
+            <a:lvl1pPr eaLnBrk="0" hangingPunct="0">
+              <a:defRPr sz="2400">
+                <a:solidFill>
+                  <a:schemeClr val="tx1"/>
+                </a:solidFill>
+                <a:latin typeface="Arial" charset="0"/>
+                <a:ea typeface="ＭＳ Ｐゴシック" charset="0"/>
+                <a:cs typeface="ＭＳ Ｐゴシック" charset="0"/>
+              </a:defRPr>
+            </a:lvl1pPr>
+            <a:lvl2pPr marL="742950" indent="-285750" eaLnBrk="0" hangingPunct="0">
+              <a:defRPr sz="2400">
+                <a:solidFill>
+                  <a:schemeClr val="tx1"/>
+                </a:solidFill>
+                <a:latin typeface="Arial" charset="0"/>
+                <a:ea typeface="ＭＳ Ｐゴシック" charset="0"/>
+              </a:defRPr>
+            </a:lvl2pPr>
+            <a:lvl3pPr marL="1143000" indent="-228600" eaLnBrk="0" hangingPunct="0">
+              <a:defRPr sz="2400">
+                <a:solidFill>
+                  <a:schemeClr val="tx1"/>
+                </a:solidFill>
+                <a:latin typeface="Arial" charset="0"/>
+                <a:ea typeface="ＭＳ Ｐゴシック" charset="0"/>
+              </a:defRPr>
+            </a:lvl3pPr>
+            <a:lvl4pPr marL="1600200" indent="-228600" eaLnBrk="0" hangingPunct="0">
+              <a:defRPr sz="2400">
+                <a:solidFill>
+                  <a:schemeClr val="tx1"/>
+                </a:solidFill>
+                <a:latin typeface="Arial" charset="0"/>
+                <a:ea typeface="ＭＳ Ｐゴシック" charset="0"/>
+              </a:defRPr>
+            </a:lvl4pPr>
+            <a:lvl5pPr marL="2057400" indent="-228600" eaLnBrk="0" hangingPunct="0">
+              <a:defRPr sz="2400">
+                <a:solidFill>
+                  <a:schemeClr val="tx1"/>
+                </a:solidFill>
+                <a:latin typeface="Arial" charset="0"/>
+                <a:ea typeface="ＭＳ Ｐゴシック" charset="0"/>
+              </a:defRPr>
+            </a:lvl5pPr>
+            <a:lvl6pPr marL="2514600" indent="-228600" eaLnBrk="0" fontAlgn="base" hangingPunct="0">
+              <a:spcBef>
+                <a:spcPct val="0"/>
+              </a:spcBef>
+              <a:spcAft>
+                <a:spcPct val="0"/>
+              </a:spcAft>
+              <a:defRPr sz="2400">
+                <a:solidFill>
+                  <a:schemeClr val="tx1"/>
+                </a:solidFill>
+                <a:latin typeface="Arial" charset="0"/>
+                <a:ea typeface="ＭＳ Ｐゴシック" charset="0"/>
+              </a:defRPr>
+            </a:lvl6pPr>
+            <a:lvl7pPr marL="2971800" indent="-228600" eaLnBrk="0" fontAlgn="base" hangingPunct="0">
+              <a:spcBef>
+                <a:spcPct val="0"/>
+              </a:spcBef>
+              <a:spcAft>
+                <a:spcPct val="0"/>
+              </a:spcAft>
+              <a:defRPr sz="2400">
+                <a:solidFill>
+                  <a:schemeClr val="tx1"/>
+                </a:solidFill>
+                <a:latin typeface="Arial" charset="0"/>
+                <a:ea typeface="ＭＳ Ｐゴシック" charset="0"/>
+              </a:defRPr>
+            </a:lvl7pPr>
+            <a:lvl8pPr marL="3429000" indent="-228600" eaLnBrk="0" fontAlgn="base" hangingPunct="0">
+              <a:spcBef>
+                <a:spcPct val="0"/>
+              </a:spcBef>
+              <a:spcAft>
+                <a:spcPct val="0"/>
+              </a:spcAft>
+              <a:defRPr sz="2400">
+                <a:solidFill>
+                  <a:schemeClr val="tx1"/>
+                </a:solidFill>
+                <a:latin typeface="Arial" charset="0"/>
+                <a:ea typeface="ＭＳ Ｐゴシック" charset="0"/>
+              </a:defRPr>
+            </a:lvl8pPr>
+            <a:lvl9pPr marL="3886200" indent="-228600" eaLnBrk="0" fontAlgn="base" hangingPunct="0">
+              <a:spcBef>
+                <a:spcPct val="0"/>
+              </a:spcBef>
+              <a:spcAft>
+                <a:spcPct val="0"/>
+              </a:spcAft>
+              <a:defRPr sz="2400">
+                <a:solidFill>
+                  <a:schemeClr val="tx1"/>
+                </a:solidFill>
+                <a:latin typeface="Arial" charset="0"/>
+                <a:ea typeface="ＭＳ Ｐゴシック" charset="0"/>
+              </a:defRPr>
+            </a:lvl9pPr>
+          </a:lstStyle>
+          <a:p>
+            <a:pPr algn="l" eaLnBrk="1" hangingPunct="1"/>
+            <a:r>
+              <a:rPr lang="en-US" sz="1400">
+                <a:solidFill>
+                  <a:srgbClr val="687D29"/>
+                </a:solidFill>
+                <a:latin typeface="Courier" charset="0"/>
+              </a:rPr>
+              <a:t>Image from mapquest.com</a:t>
+            </a:r>
+          </a:p>
+        </p:txBody>
+      </p:sp>
+      <p:sp>
+        <p:nvSpPr>
+          <p:cNvPr id="21506" name="Rectangle 2"/>
+          <p:cNvSpPr>
+            <a:spLocks noGrp="1" noChangeArrowheads="1"/>
+          </p:cNvSpPr>
+          <p:nvPr>
+            <p:ph type="title"/>
+          </p:nvPr>
+        </p:nvSpPr>
+        <p:spPr/>
+        <p:txBody>
+          <a:bodyPr/>
+          <a:lstStyle/>
+          <a:p>
+            <a:r>
+              <a:rPr lang="en-US">
+                <a:latin typeface="Geneva" charset="0"/>
+                <a:ea typeface="ＭＳ Ｐゴシック" charset="0"/>
+                <a:cs typeface="ＭＳ Ｐゴシック" charset="0"/>
+              </a:rPr>
+              <a:t>The Power of Visualization</a:t>
+            </a:r>
+          </a:p>
+        </p:txBody>
+      </p:sp>
+      <p:sp>
+        <p:nvSpPr>
+          <p:cNvPr id="21507" name="Rectangle 3"/>
+          <p:cNvSpPr>
+            <a:spLocks noGrp="1" noChangeArrowheads="1"/>
+          </p:cNvSpPr>
+          <p:nvPr>
+            <p:ph type="body" idx="1"/>
+          </p:nvPr>
+        </p:nvSpPr>
+        <p:spPr>
+          <a:xfrm>
+            <a:off x="1044384" y="2175442"/>
+            <a:ext cx="7772400" cy="2819400"/>
+          </a:xfrm>
+        </p:spPr>
+        <p:txBody>
+          <a:bodyPr/>
+          <a:lstStyle/>
+          <a:p>
+            <a:pPr>
+              <a:buFontTx/>
+              <a:buNone/>
+            </a:pPr>
+            <a:r>
+              <a:rPr lang="en-US" sz="1200" b="1" dirty="0">
+                <a:latin typeface="Geneva" charset="0"/>
+                <a:ea typeface="ＭＳ Ｐゴシック" charset="0"/>
+                <a:cs typeface="ＭＳ Ｐゴシック" charset="0"/>
+              </a:rPr>
+              <a:t>1. Start out going Southwest on ELLSWORTH AVE </a:t>
+            </a:r>
+          </a:p>
+          <a:p>
+            <a:pPr>
+              <a:buFontTx/>
+              <a:buNone/>
+            </a:pPr>
+            <a:r>
+              <a:rPr lang="en-US" sz="1200" b="1" dirty="0">
+                <a:latin typeface="Geneva" charset="0"/>
+                <a:ea typeface="ＭＳ Ｐゴシック" charset="0"/>
+                <a:cs typeface="ＭＳ Ｐゴシック" charset="0"/>
+              </a:rPr>
+              <a:t>    Towards BROADWAY by turning right. </a:t>
+            </a:r>
+          </a:p>
+          <a:p>
+            <a:pPr>
+              <a:buFontTx/>
+              <a:buNone/>
+            </a:pPr>
+            <a:r>
+              <a:rPr lang="en-US" sz="1200" b="1" dirty="0">
+                <a:latin typeface="Geneva" charset="0"/>
+                <a:ea typeface="ＭＳ Ｐゴシック" charset="0"/>
+                <a:cs typeface="ＭＳ Ｐゴシック" charset="0"/>
+              </a:rPr>
+              <a:t>2: Turn RIGHT onto BROADWAY. </a:t>
+            </a:r>
+          </a:p>
+          <a:p>
+            <a:pPr>
+              <a:buFontTx/>
+              <a:buNone/>
+            </a:pPr>
+            <a:r>
+              <a:rPr lang="en-US" sz="1200" b="1" dirty="0">
+                <a:latin typeface="Geneva" charset="0"/>
+                <a:ea typeface="ＭＳ Ｐゴシック" charset="0"/>
+                <a:cs typeface="ＭＳ Ｐゴシック" charset="0"/>
+              </a:rPr>
+              <a:t>3. Turn RIGHT onto QUINCY ST. </a:t>
+            </a:r>
+          </a:p>
+          <a:p>
+            <a:pPr>
+              <a:buFontTx/>
+              <a:buNone/>
+            </a:pPr>
+            <a:r>
+              <a:rPr lang="en-US" sz="1200" b="1" dirty="0">
+                <a:latin typeface="Geneva" charset="0"/>
+                <a:ea typeface="ＭＳ Ｐゴシック" charset="0"/>
+                <a:cs typeface="ＭＳ Ｐゴシック" charset="0"/>
+              </a:rPr>
+              <a:t>4. Turn LEFT onto CAMBRIDGE ST. </a:t>
+            </a:r>
+          </a:p>
+          <a:p>
+            <a:pPr>
+              <a:buFontTx/>
+              <a:buNone/>
+            </a:pPr>
+            <a:r>
+              <a:rPr lang="en-US" sz="1200" b="1" dirty="0">
+                <a:latin typeface="Geneva" charset="0"/>
+                <a:ea typeface="ＭＳ Ｐゴシック" charset="0"/>
+                <a:cs typeface="ＭＳ Ｐゴシック" charset="0"/>
+              </a:rPr>
+              <a:t>5. Turn SLIGHT RIGHT onto MASSACHUSETTS AVE. </a:t>
+            </a:r>
+          </a:p>
+          <a:p>
+            <a:pPr>
+              <a:buFontTx/>
+              <a:buNone/>
+            </a:pPr>
+            <a:r>
+              <a:rPr lang="en-US" sz="1200" b="1" dirty="0">
+                <a:latin typeface="Geneva" charset="0"/>
+                <a:ea typeface="ＭＳ Ｐゴシック" charset="0"/>
+                <a:cs typeface="ＭＳ Ｐゴシック" charset="0"/>
+              </a:rPr>
+              <a:t>6. Turn RIGHT onto RUSSELL ST.</a:t>
+            </a:r>
+            <a:r>
+              <a:rPr lang="en-US" sz="1200" dirty="0">
+                <a:latin typeface="Geneva" charset="0"/>
+                <a:ea typeface="ＭＳ Ｐゴシック" charset="0"/>
+                <a:cs typeface="ＭＳ Ｐゴシック" charset="0"/>
+              </a:rPr>
+              <a:t> </a:t>
+            </a:r>
+          </a:p>
+          <a:p>
+            <a:endParaRPr lang="en-US" sz="1200" dirty="0">
+              <a:latin typeface="Geneva" charset="0"/>
+              <a:ea typeface="ＭＳ Ｐゴシック" charset="0"/>
+              <a:cs typeface="ＭＳ Ｐゴシック" charset="0"/>
+            </a:endParaRPr>
+          </a:p>
+          <a:p>
+            <a:endParaRPr lang="en-US" dirty="0">
+              <a:latin typeface="Geneva" charset="0"/>
+              <a:ea typeface="ＭＳ Ｐゴシック" charset="0"/>
+              <a:cs typeface="ＭＳ Ｐゴシック" charset="0"/>
+            </a:endParaRPr>
+          </a:p>
+        </p:txBody>
+      </p:sp>
+      <p:pic>
+        <p:nvPicPr>
+          <p:cNvPr id="214020" name="Picture 4" descr="C:\My Documents\Viz\map.gif"/>
+          <p:cNvPicPr>
+            <a:picLocks noChangeAspect="1" noChangeArrowheads="1"/>
+          </p:cNvPicPr>
+          <p:nvPr/>
+        </p:nvPicPr>
+        <p:blipFill>
+          <a:blip r:embed="rId2">
+            <a:extLst>
+              <a:ext uri="{28A0092B-C50C-407E-A947-70E740481C1C}">
+                <a14:useLocalDpi xmlns:a14="http://schemas.microsoft.com/office/drawing/2010/main" val="0"/>
+              </a:ext>
+            </a:extLst>
+          </a:blip>
+          <a:srcRect/>
+          <a:stretch>
+            <a:fillRect/>
+          </a:stretch>
+        </p:blipFill>
+        <p:spPr bwMode="auto">
+          <a:xfrm>
+            <a:off x="4914900" y="2785042"/>
+            <a:ext cx="4229100" cy="3006725"/>
+          </a:xfrm>
+          <a:prstGeom prst="rect">
+            <a:avLst/>
+          </a:prstGeom>
+          <a:noFill/>
+          <a:ln>
+            <a:noFill/>
+          </a:ln>
+          <a:extLst>
+            <a:ext uri="{909E8E84-426E-40dd-AFC4-6F175D3DCCD1}">
+              <a14:hiddenFill xmlns:a14="http://schemas.microsoft.com/office/drawing/2010/main">
+                <a:solidFill>
+                  <a:srgbClr val="FFFFFF"/>
+                </a:solidFill>
+              </a14:hiddenFill>
+            </a:ext>
+            <a:ext uri="{91240B29-F687-4f45-9708-019B960494DF}">
+              <a14:hiddenLine xmlns:a14="http://schemas.microsoft.com/office/drawing/2010/main" w="9525">
+                <a:solidFill>
+                  <a:srgbClr val="000000"/>
+                </a:solidFill>
+                <a:miter lim="800000"/>
+                <a:headEnd/>
+                <a:tailEnd/>
+              </a14:hiddenLine>
+            </a:ext>
+          </a:extLst>
+        </p:spPr>
+      </p:pic>
+      <p:sp>
+        <p:nvSpPr>
+          <p:cNvPr id="214021" name="Freeform 5"/>
+          <p:cNvSpPr>
+            <a:spLocks/>
+          </p:cNvSpPr>
+          <p:nvPr/>
+        </p:nvSpPr>
+        <p:spPr bwMode="auto">
+          <a:xfrm>
+            <a:off x="6477000" y="2785042"/>
+            <a:ext cx="1676400" cy="2514600"/>
+          </a:xfrm>
+          <a:custGeom>
+            <a:avLst/>
+            <a:gdLst>
+              <a:gd name="T0" fmla="*/ 2147483647 w 1056"/>
+              <a:gd name="T1" fmla="*/ 2147483647 h 1584"/>
+              <a:gd name="T2" fmla="*/ 2147483647 w 1056"/>
+              <a:gd name="T3" fmla="*/ 2147483647 h 1584"/>
+              <a:gd name="T4" fmla="*/ 2147483647 w 1056"/>
+              <a:gd name="T5" fmla="*/ 2147483647 h 1584"/>
+              <a:gd name="T6" fmla="*/ 2147483647 w 1056"/>
+              <a:gd name="T7" fmla="*/ 2147483647 h 1584"/>
+              <a:gd name="T8" fmla="*/ 0 w 1056"/>
+              <a:gd name="T9" fmla="*/ 2147483647 h 1584"/>
+              <a:gd name="T10" fmla="*/ 2147483647 w 1056"/>
+              <a:gd name="T11" fmla="*/ 0 h 1584"/>
+              <a:gd name="T12" fmla="*/ 0 60000 65536"/>
+              <a:gd name="T13" fmla="*/ 0 60000 65536"/>
+              <a:gd name="T14" fmla="*/ 0 60000 65536"/>
+              <a:gd name="T15" fmla="*/ 0 60000 65536"/>
+              <a:gd name="T16" fmla="*/ 0 60000 65536"/>
+              <a:gd name="T17" fmla="*/ 0 60000 65536"/>
+              <a:gd name="T18" fmla="*/ 0 w 1056"/>
+              <a:gd name="T19" fmla="*/ 0 h 1584"/>
+              <a:gd name="T20" fmla="*/ 1056 w 1056"/>
+              <a:gd name="T21" fmla="*/ 1584 h 1584"/>
+            </a:gdLst>
+            <a:ahLst/>
+            <a:cxnLst>
+              <a:cxn ang="T12">
+                <a:pos x="T0" y="T1"/>
+              </a:cxn>
+              <a:cxn ang="T13">
+                <a:pos x="T2" y="T3"/>
+              </a:cxn>
+              <a:cxn ang="T14">
+                <a:pos x="T4" y="T5"/>
+              </a:cxn>
+              <a:cxn ang="T15">
+                <a:pos x="T6" y="T7"/>
+              </a:cxn>
+              <a:cxn ang="T16">
+                <a:pos x="T8" y="T9"/>
+              </a:cxn>
+              <a:cxn ang="T17">
+                <a:pos x="T10" y="T11"/>
+              </a:cxn>
+            </a:cxnLst>
+            <a:rect l="T18" t="T19" r="T20" b="T21"/>
+            <a:pathLst>
+              <a:path w="1056" h="1584">
+                <a:moveTo>
+                  <a:pt x="1056" y="1440"/>
+                </a:moveTo>
+                <a:lnTo>
+                  <a:pt x="960" y="1584"/>
+                </a:lnTo>
+                <a:lnTo>
+                  <a:pt x="288" y="1200"/>
+                </a:lnTo>
+                <a:lnTo>
+                  <a:pt x="288" y="336"/>
+                </a:lnTo>
+                <a:lnTo>
+                  <a:pt x="0" y="96"/>
+                </a:lnTo>
+                <a:lnTo>
+                  <a:pt x="144" y="0"/>
+                </a:lnTo>
+              </a:path>
+            </a:pathLst>
+          </a:custGeom>
+          <a:noFill/>
+          <a:ln w="57150">
+            <a:solidFill>
+              <a:schemeClr val="hlink"/>
+            </a:solidFill>
+            <a:round/>
+            <a:headEnd/>
+            <a:tailEnd type="arrow" w="med" len="med"/>
+          </a:ln>
+          <a:extLst>
+            <a:ext uri="{909E8E84-426E-40dd-AFC4-6F175D3DCCD1}">
+              <a14:hiddenFill xmlns:a14="http://schemas.microsoft.com/office/drawing/2010/main">
+                <a:solidFill>
+                  <a:srgbClr val="FFFFFF"/>
+                </a:solidFill>
+              </a14:hiddenFill>
+            </a:ext>
+          </a:extLst>
+        </p:spPr>
+        <p:txBody>
+          <a:bodyPr>
+            <a:spAutoFit/>
+          </a:bodyPr>
+          <a:lstStyle/>
+          <a:p>
+            <a:endParaRPr lang="en-US"/>
+          </a:p>
+        </p:txBody>
+      </p:sp>
+    </p:spTree>
+    <p:extLst>
+      <p:ext uri="{BB962C8B-B14F-4D97-AF65-F5344CB8AC3E}">
+        <p14:creationId xmlns:p14="http://schemas.microsoft.com/office/powerpoint/2010/main" val="3163316955"/>
+      </p:ext>
+    </p:extLst>
+  </p:cSld>
+  <p:clrMapOvr>
+    <a:masterClrMapping/>
+  </p:clrMapOvr>
+  <mc:AlternateContent xmlns:mc="http://schemas.openxmlformats.org/markup-compatibility/2006">
+    <mc:Choice xmlns:p14="http://schemas.microsoft.com/office/powerpoint/2010/main" Requires="p14">
+      <p:transition spd="slow" p14:dur="2000"/>
+    </mc:Choice>
+    <mc:Fallback>
+      <p:transition xmlns:p14="http://schemas.microsoft.com/office/powerpoint/2010/main" spd="slow"/>
+    </mc:Fallback>
+  </mc:AlternateContent>
+  <p:timing>
+    <p:tnLst>
+      <p:par>
+        <p:cTn xmlns:p14="http://schemas.microsoft.com/office/powerpoint/2010/main" id="1" dur="indefinite" restart="never" nodeType="tmRoot">
+          <p:childTnLst>
+            <p:seq concurrent="1" nextAc="seek">
+              <p:cTn id="2" dur="indefinite" nodeType="mainSeq">
+                <p:childTnLst>
+                  <p:par>
+                    <p:cTn id="3" fill="hold" nodeType="clickPar">
+                      <p:stCondLst>
+                        <p:cond delay="indefinite"/>
+                      </p:stCondLst>
+                      <p:childTnLst>
+                        <p:par>
+                          <p:cTn id="4" fill="hold" nodeType="withGroup">
+                            <p:stCondLst>
+                              <p:cond delay="0"/>
+                            </p:stCondLst>
+                            <p:childTnLst>
+                              <p:par>
+                                <p:cTn id="5" presetID="1" presetClass="entr" presetSubtype="0" fill="hold" nodeType="clickEffect">
+                                  <p:stCondLst>
+                                    <p:cond delay="0"/>
+                                  </p:stCondLst>
+                                  <p:childTnLst>
+                                    <p:set>
+                                      <p:cBhvr>
+                                        <p:cTn id="6" dur="1" fill="hold">
+                                          <p:stCondLst>
+                                            <p:cond delay="499"/>
+                                          </p:stCondLst>
+                                        </p:cTn>
+                                        <p:tgtEl>
+                                          <p:spTgt spid="214020"/>
+                                        </p:tgtEl>
+                                        <p:attrNameLst>
+                                          <p:attrName>style.visibility</p:attrName>
+                                        </p:attrNameLst>
+                                      </p:cBhvr>
+                                      <p:to>
+                                        <p:strVal val="visible"/>
+                                      </p:to>
+                                    </p:set>
+                                  </p:childTnLst>
+                                </p:cTn>
+                              </p:par>
+                            </p:childTnLst>
+                          </p:cTn>
+                        </p:par>
+                      </p:childTnLst>
+                    </p:cTn>
+                  </p:par>
+                  <p:par>
+                    <p:cTn id="7" fill="hold" nodeType="clickPar">
+                      <p:stCondLst>
+                        <p:cond delay="indefinite"/>
+                      </p:stCondLst>
+                      <p:childTnLst>
+                        <p:par>
+                          <p:cTn id="8" fill="hold" nodeType="withGroup">
+                            <p:stCondLst>
+                              <p:cond delay="0"/>
+                            </p:stCondLst>
+                            <p:childTnLst>
+                              <p:par>
+                                <p:cTn id="9" presetID="1" presetClass="entr" presetSubtype="0" fill="hold" grpId="0" nodeType="clickEffect">
+                                  <p:stCondLst>
+                                    <p:cond delay="0"/>
+                                  </p:stCondLst>
+                                  <p:childTnLst>
+                                    <p:set>
+                                      <p:cBhvr>
+                                        <p:cTn id="10" dur="1" fill="hold">
+                                          <p:stCondLst>
+                                            <p:cond delay="499"/>
+                                          </p:stCondLst>
+                                        </p:cTn>
+                                        <p:tgtEl>
+                                          <p:spTgt spid="214021"/>
+                                        </p:tgtEl>
+                                        <p:attrNameLst>
+                                          <p:attrName>style.visibility</p:attrName>
+                                        </p:attrNameLst>
+                                      </p:cBhvr>
+                                      <p:to>
+                                        <p:strVal val="visible"/>
+                                      </p:to>
+                                    </p:set>
+                                  </p:childTnLst>
+                                </p:cTn>
+                              </p:par>
+                            </p:childTnLst>
+                          </p:cTn>
+                        </p:par>
+                      </p:childTnLst>
+                    </p:cTn>
+                  </p:par>
+                </p:childTnLst>
+              </p:cTn>
+              <p:prevCondLst>
+                <p:cond evt="onPrev" delay="0">
+                  <p:tgtEl>
+                    <p:sldTgt/>
+                  </p:tgtEl>
+                </p:cond>
+              </p:prevCondLst>
+              <p:nextCondLst>
+                <p:cond evt="onNext" delay="0">
+                  <p:tgtEl>
+                    <p:sldTgt/>
+                  </p:tgtEl>
+                </p:cond>
+              </p:nextCondLst>
+            </p:seq>
+          </p:childTnLst>
+        </p:cTn>
+      </p:par>
+    </p:tnLst>
+    <p:bldLst>
+      <p:bldP spid="214021" grpId="0" animBg="1"/>
+    </p:bldLst>
+  </p:timing>
+</p:sld>
+</file>
+
+<file path=ppt/slides/slide13.xml><?xml version="1.0" encoding="utf-8"?>
 <p:sld xmlns:a="http://schemas.openxmlformats.org/drawingml/2006/main" xmlns:r="http://schemas.openxmlformats.org/officeDocument/2006/relationships" xmlns:p="http://schemas.openxmlformats.org/presentationml/2006/main" show="0">
   <p:cSld>
     <p:spTree>
@@ -10363,7 +12406,7 @@
 </p:sld>
 </file>
 
-<file path=ppt/slides/slide11.xml><?xml version="1.0" encoding="utf-8"?>
+<file path=ppt/slides/slide14.xml><?xml version="1.0" encoding="utf-8"?>
 <p:sld xmlns:a="http://schemas.openxmlformats.org/drawingml/2006/main" xmlns:r="http://schemas.openxmlformats.org/officeDocument/2006/relationships" xmlns:p="http://schemas.openxmlformats.org/presentationml/2006/main">
   <p:cSld>
     <p:spTree>
@@ -10520,7 +12563,7 @@
 </p:sld>
 </file>
 
-<file path=ppt/slides/slide12.xml><?xml version="1.0" encoding="utf-8"?>
+<file path=ppt/slides/slide15.xml><?xml version="1.0" encoding="utf-8"?>
 <p:sld xmlns:a="http://schemas.openxmlformats.org/drawingml/2006/main" xmlns:r="http://schemas.openxmlformats.org/officeDocument/2006/relationships" xmlns:p="http://schemas.openxmlformats.org/presentationml/2006/main">
   <p:cSld>
     <p:spTree>
@@ -10779,7 +12822,7 @@
 </p:sld>
 </file>
 
-<file path=ppt/slides/slide13.xml><?xml version="1.0" encoding="utf-8"?>
+<file path=ppt/slides/slide16.xml><?xml version="1.0" encoding="utf-8"?>
 <p:sld xmlns:a="http://schemas.openxmlformats.org/drawingml/2006/main" xmlns:r="http://schemas.openxmlformats.org/officeDocument/2006/relationships" xmlns:p="http://schemas.openxmlformats.org/presentationml/2006/main">
   <p:cSld>
     <p:spTree>
@@ -11344,7 +13387,7 @@
 </p:sld>
 </file>
 
-<file path=ppt/slides/slide14.xml><?xml version="1.0" encoding="utf-8"?>
+<file path=ppt/slides/slide17.xml><?xml version="1.0" encoding="utf-8"?>
 <p:sld xmlns:a="http://schemas.openxmlformats.org/drawingml/2006/main" xmlns:r="http://schemas.openxmlformats.org/officeDocument/2006/relationships" xmlns:p="http://schemas.openxmlformats.org/presentationml/2006/main">
   <p:cSld>
     <p:spTree>
@@ -11768,7 +13811,7 @@
 </p:sld>
 </file>
 
-<file path=ppt/slides/slide15.xml><?xml version="1.0" encoding="utf-8"?>
+<file path=ppt/slides/slide18.xml><?xml version="1.0" encoding="utf-8"?>
 <p:sld xmlns:a="http://schemas.openxmlformats.org/drawingml/2006/main" xmlns:r="http://schemas.openxmlformats.org/officeDocument/2006/relationships" xmlns:p="http://schemas.openxmlformats.org/presentationml/2006/main">
   <p:cSld>
     <p:spTree>
@@ -11933,7 +13976,7 @@
           <a:p>
             <a:fld id="{7053BEFA-1175-F644-B249-7D41D72BD3FF}" type="datetime1">
               <a:rPr lang="en-US" smtClean="0"/>
-              <a:t>1/31/14</a:t>
+              <a:t>2/7/14</a:t>
             </a:fld>
             <a:endParaRPr lang="en-US"/>
           </a:p>
@@ -11975,7 +14018,7 @@
           <a:p>
             <a:fld id="{17E276FA-8F89-B34D-A726-BE3FA1F8DD97}" type="slidenum">
               <a:rPr lang="en-US" smtClean="0"/>
-              <a:t>15</a:t>
+              <a:t>18</a:t>
             </a:fld>
             <a:endParaRPr lang="en-US" dirty="0"/>
           </a:p>
@@ -12055,7 +14098,7 @@
 </p:sld>
 </file>
 
-<file path=ppt/slides/slide16.xml><?xml version="1.0" encoding="utf-8"?>
+<file path=ppt/slides/slide19.xml><?xml version="1.0" encoding="utf-8"?>
 <p:sld xmlns:a="http://schemas.openxmlformats.org/drawingml/2006/main" xmlns:r="http://schemas.openxmlformats.org/officeDocument/2006/relationships" xmlns:p="http://schemas.openxmlformats.org/presentationml/2006/main" showMasterPhAnim="0">
   <p:cSld>
     <p:spTree>
@@ -12396,454 +14439,202 @@
   <p:timing>
     <p:tnLst>
       <p:par>
-        <p:cTn xmlns:p14="http://schemas.microsoft.com/office/powerpoint/2010/main" id="1" dur="indefinite" restart="never" nodeType="tmRoot">
-          <p:childTnLst>
-            <p:seq concurrent="1" nextAc="seek">
-              <p:cTn id="2" dur="indefinite" nodeType="mainSeq">
-                <p:childTnLst>
-                  <p:par>
-                    <p:cTn id="3" fill="hold" nodeType="clickPar">
-                      <p:stCondLst>
-                        <p:cond delay="indefinite"/>
-                      </p:stCondLst>
-                      <p:childTnLst>
-                        <p:par>
-                          <p:cTn id="4" fill="hold" nodeType="withGroup">
-                            <p:stCondLst>
-                              <p:cond delay="0"/>
-                            </p:stCondLst>
-                            <p:childTnLst>
-                              <p:par>
-                                <p:cTn id="5" presetID="1" presetClass="entr" presetSubtype="0" fill="hold" grpId="0" nodeType="clickEffect">
-                                  <p:stCondLst>
-                                    <p:cond delay="0"/>
-                                  </p:stCondLst>
-                                  <p:childTnLst>
-                                    <p:set>
-                                      <p:cBhvr>
-                                        <p:cTn id="6" dur="1" fill="hold">
-                                          <p:stCondLst>
-                                            <p:cond delay="499"/>
-                                          </p:stCondLst>
-                                        </p:cTn>
-                                        <p:tgtEl>
-                                          <p:spTgt spid="228355">
-                                            <p:txEl>
-                                              <p:pRg st="0" end="0"/>
-                                            </p:txEl>
-                                          </p:spTgt>
-                                        </p:tgtEl>
-                                        <p:attrNameLst>
-                                          <p:attrName>style.visibility</p:attrName>
-                                        </p:attrNameLst>
-                                      </p:cBhvr>
-                                      <p:to>
-                                        <p:strVal val="visible"/>
-                                      </p:to>
-                                    </p:set>
-                                  </p:childTnLst>
-                                  <p:subTnLst>
-                                    <p:animClr clrSpc="rgb" dir="cw">
-                                      <p:cBhvr override="childStyle">
-                                        <p:cTn dur="1" fill="hold" display="0" masterRel="nextClick" afterEffect="1"/>
-                                        <p:tgtEl>
-                                          <p:spTgt spid="228355">
-                                            <p:txEl>
-                                              <p:pRg st="0" end="0"/>
-                                            </p:txEl>
-                                          </p:spTgt>
-                                        </p:tgtEl>
-                                        <p:attrNameLst>
-                                          <p:attrName>ppt_c</p:attrName>
-                                        </p:attrNameLst>
-                                      </p:cBhvr>
-                                      <p:to>
-                                        <a:srgbClr val="FFCCFF"/>
-                                      </p:to>
-                                    </p:animClr>
-                                  </p:subTnLst>
-                                </p:cTn>
-                              </p:par>
-                            </p:childTnLst>
-                          </p:cTn>
-                        </p:par>
-                      </p:childTnLst>
-                    </p:cTn>
-                  </p:par>
-                  <p:par>
-                    <p:cTn id="7" fill="hold" nodeType="clickPar">
-                      <p:stCondLst>
-                        <p:cond delay="indefinite"/>
-                      </p:stCondLst>
-                      <p:childTnLst>
-                        <p:par>
-                          <p:cTn id="8" fill="hold" nodeType="withGroup">
-                            <p:stCondLst>
-                              <p:cond delay="0"/>
-                            </p:stCondLst>
-                            <p:childTnLst>
-                              <p:par>
-                                <p:cTn id="9" presetID="1" presetClass="entr" presetSubtype="0" fill="hold" grpId="0" nodeType="clickEffect">
-                                  <p:stCondLst>
-                                    <p:cond delay="0"/>
-                                  </p:stCondLst>
-                                  <p:childTnLst>
-                                    <p:set>
-                                      <p:cBhvr>
-                                        <p:cTn id="10" dur="1" fill="hold">
-                                          <p:stCondLst>
-                                            <p:cond delay="499"/>
-                                          </p:stCondLst>
-                                        </p:cTn>
-                                        <p:tgtEl>
-                                          <p:spTgt spid="228355">
-                                            <p:txEl>
-                                              <p:pRg st="1" end="1"/>
-                                            </p:txEl>
-                                          </p:spTgt>
-                                        </p:tgtEl>
-                                        <p:attrNameLst>
-                                          <p:attrName>style.visibility</p:attrName>
-                                        </p:attrNameLst>
-                                      </p:cBhvr>
-                                      <p:to>
-                                        <p:strVal val="visible"/>
-                                      </p:to>
-                                    </p:set>
-                                  </p:childTnLst>
-                                  <p:subTnLst>
-                                    <p:animClr clrSpc="rgb" dir="cw">
-                                      <p:cBhvr override="childStyle">
-                                        <p:cTn dur="1" fill="hold" display="0" masterRel="nextClick" afterEffect="1"/>
-                                        <p:tgtEl>
-                                          <p:spTgt spid="228355">
-                                            <p:txEl>
-                                              <p:pRg st="1" end="1"/>
-                                            </p:txEl>
-                                          </p:spTgt>
-                                        </p:tgtEl>
-                                        <p:attrNameLst>
-                                          <p:attrName>ppt_c</p:attrName>
-                                        </p:attrNameLst>
-                                      </p:cBhvr>
-                                      <p:to>
-                                        <a:srgbClr val="FFCCFF"/>
-                                      </p:to>
-                                    </p:animClr>
-                                  </p:subTnLst>
-                                </p:cTn>
-                              </p:par>
-                            </p:childTnLst>
-                          </p:cTn>
-                        </p:par>
-                      </p:childTnLst>
-                    </p:cTn>
-                  </p:par>
-                  <p:par>
-                    <p:cTn id="11" fill="hold" nodeType="clickPar">
-                      <p:stCondLst>
-                        <p:cond delay="indefinite"/>
-                      </p:stCondLst>
-                      <p:childTnLst>
-                        <p:par>
-                          <p:cTn id="12" fill="hold" nodeType="withGroup">
-                            <p:stCondLst>
-                              <p:cond delay="0"/>
-                            </p:stCondLst>
-                            <p:childTnLst>
-                              <p:par>
-                                <p:cTn id="13" presetID="1" presetClass="entr" presetSubtype="0" fill="hold" grpId="0" nodeType="clickEffect">
-                                  <p:stCondLst>
-                                    <p:cond delay="0"/>
-                                  </p:stCondLst>
-                                  <p:childTnLst>
-                                    <p:set>
-                                      <p:cBhvr>
-                                        <p:cTn id="14" dur="1" fill="hold">
-                                          <p:stCondLst>
-                                            <p:cond delay="499"/>
-                                          </p:stCondLst>
-                                        </p:cTn>
-                                        <p:tgtEl>
-                                          <p:spTgt spid="228355">
-                                            <p:txEl>
-                                              <p:pRg st="2" end="2"/>
-                                            </p:txEl>
-                                          </p:spTgt>
-                                        </p:tgtEl>
-                                        <p:attrNameLst>
-                                          <p:attrName>style.visibility</p:attrName>
-                                        </p:attrNameLst>
-                                      </p:cBhvr>
-                                      <p:to>
-                                        <p:strVal val="visible"/>
-                                      </p:to>
-                                    </p:set>
-                                  </p:childTnLst>
-                                  <p:subTnLst>
-                                    <p:animClr clrSpc="rgb" dir="cw">
-                                      <p:cBhvr override="childStyle">
-                                        <p:cTn dur="1" fill="hold" display="0" masterRel="nextClick" afterEffect="1"/>
-                                        <p:tgtEl>
-                                          <p:spTgt spid="228355">
-                                            <p:txEl>
-                                              <p:pRg st="2" end="2"/>
-                                            </p:txEl>
-                                          </p:spTgt>
-                                        </p:tgtEl>
-                                        <p:attrNameLst>
-                                          <p:attrName>ppt_c</p:attrName>
-                                        </p:attrNameLst>
-                                      </p:cBhvr>
-                                      <p:to>
-                                        <a:srgbClr val="FFCCFF"/>
-                                      </p:to>
-                                    </p:animClr>
-                                  </p:subTnLst>
-                                </p:cTn>
-                              </p:par>
-                            </p:childTnLst>
-                          </p:cTn>
-                        </p:par>
-                      </p:childTnLst>
-                    </p:cTn>
-                  </p:par>
-                  <p:par>
-                    <p:cTn id="15" fill="hold" nodeType="clickPar">
-                      <p:stCondLst>
-                        <p:cond delay="indefinite"/>
-                      </p:stCondLst>
-                      <p:childTnLst>
-                        <p:par>
-                          <p:cTn id="16" fill="hold" nodeType="withGroup">
-                            <p:stCondLst>
-                              <p:cond delay="0"/>
-                            </p:stCondLst>
-                            <p:childTnLst>
-                              <p:par>
-                                <p:cTn id="17" presetID="1" presetClass="entr" presetSubtype="0" fill="hold" grpId="0" nodeType="clickEffect">
-                                  <p:stCondLst>
-                                    <p:cond delay="0"/>
-                                  </p:stCondLst>
-                                  <p:childTnLst>
-                                    <p:set>
-                                      <p:cBhvr>
-                                        <p:cTn id="18" dur="1" fill="hold">
-                                          <p:stCondLst>
-                                            <p:cond delay="499"/>
-                                          </p:stCondLst>
-                                        </p:cTn>
-                                        <p:tgtEl>
-                                          <p:spTgt spid="228355">
-                                            <p:txEl>
-                                              <p:pRg st="3" end="3"/>
-                                            </p:txEl>
-                                          </p:spTgt>
-                                        </p:tgtEl>
-                                        <p:attrNameLst>
-                                          <p:attrName>style.visibility</p:attrName>
-                                        </p:attrNameLst>
-                                      </p:cBhvr>
-                                      <p:to>
-                                        <p:strVal val="visible"/>
-                                      </p:to>
-                                    </p:set>
-                                  </p:childTnLst>
-                                  <p:subTnLst>
-                                    <p:animClr clrSpc="rgb" dir="cw">
-                                      <p:cBhvr override="childStyle">
-                                        <p:cTn dur="1" fill="hold" display="0" masterRel="nextClick" afterEffect="1"/>
-                                        <p:tgtEl>
-                                          <p:spTgt spid="228355">
-                                            <p:txEl>
-                                              <p:pRg st="3" end="3"/>
-                                            </p:txEl>
-                                          </p:spTgt>
-                                        </p:tgtEl>
-                                        <p:attrNameLst>
-                                          <p:attrName>ppt_c</p:attrName>
-                                        </p:attrNameLst>
-                                      </p:cBhvr>
-                                      <p:to>
-                                        <a:srgbClr val="FFCCFF"/>
-                                      </p:to>
-                                    </p:animClr>
-                                  </p:subTnLst>
-                                </p:cTn>
-                              </p:par>
-                            </p:childTnLst>
-                          </p:cTn>
-                        </p:par>
-                      </p:childTnLst>
-                    </p:cTn>
-                  </p:par>
-                  <p:par>
-                    <p:cTn id="19" fill="hold" nodeType="clickPar">
-                      <p:stCondLst>
-                        <p:cond delay="indefinite"/>
-                      </p:stCondLst>
-                      <p:childTnLst>
-                        <p:par>
-                          <p:cTn id="20" fill="hold" nodeType="withGroup">
-                            <p:stCondLst>
-                              <p:cond delay="0"/>
-                            </p:stCondLst>
-                            <p:childTnLst>
-                              <p:par>
-                                <p:cTn id="21" presetID="1" presetClass="entr" presetSubtype="0" fill="hold" grpId="0" nodeType="clickEffect">
-                                  <p:stCondLst>
-                                    <p:cond delay="0"/>
-                                  </p:stCondLst>
-                                  <p:childTnLst>
-                                    <p:set>
-                                      <p:cBhvr>
-                                        <p:cTn id="22" dur="1" fill="hold">
-                                          <p:stCondLst>
-                                            <p:cond delay="499"/>
-                                          </p:stCondLst>
-                                        </p:cTn>
-                                        <p:tgtEl>
-                                          <p:spTgt spid="228355">
-                                            <p:txEl>
-                                              <p:pRg st="4" end="4"/>
-                                            </p:txEl>
-                                          </p:spTgt>
-                                        </p:tgtEl>
-                                        <p:attrNameLst>
-                                          <p:attrName>style.visibility</p:attrName>
-                                        </p:attrNameLst>
-                                      </p:cBhvr>
-                                      <p:to>
-                                        <p:strVal val="visible"/>
-                                      </p:to>
-                                    </p:set>
-                                  </p:childTnLst>
-                                  <p:subTnLst>
-                                    <p:animClr clrSpc="rgb" dir="cw">
-                                      <p:cBhvr override="childStyle">
-                                        <p:cTn dur="1" fill="hold" display="0" masterRel="nextClick" afterEffect="1"/>
-                                        <p:tgtEl>
-                                          <p:spTgt spid="228355">
-                                            <p:txEl>
-                                              <p:pRg st="4" end="4"/>
-                                            </p:txEl>
-                                          </p:spTgt>
-                                        </p:tgtEl>
-                                        <p:attrNameLst>
-                                          <p:attrName>ppt_c</p:attrName>
-                                        </p:attrNameLst>
-                                      </p:cBhvr>
-                                      <p:to>
-                                        <a:srgbClr val="FFCCFF"/>
-                                      </p:to>
-                                    </p:animClr>
-                                  </p:subTnLst>
-                                </p:cTn>
-                              </p:par>
-                            </p:childTnLst>
-                          </p:cTn>
-                        </p:par>
-                      </p:childTnLst>
-                    </p:cTn>
-                  </p:par>
-                  <p:par>
-                    <p:cTn id="23" fill="hold" nodeType="clickPar">
-                      <p:stCondLst>
-                        <p:cond delay="indefinite"/>
-                      </p:stCondLst>
-                      <p:childTnLst>
-                        <p:par>
-                          <p:cTn id="24" fill="hold" nodeType="withGroup">
-                            <p:stCondLst>
-                              <p:cond delay="0"/>
-                            </p:stCondLst>
-                            <p:childTnLst>
-                              <p:par>
-                                <p:cTn id="25" presetID="1" presetClass="entr" presetSubtype="0" fill="hold" grpId="0" nodeType="clickEffect">
-                                  <p:stCondLst>
-                                    <p:cond delay="0"/>
-                                  </p:stCondLst>
-                                  <p:childTnLst>
-                                    <p:set>
-                                      <p:cBhvr>
-                                        <p:cTn id="26" dur="1" fill="hold">
-                                          <p:stCondLst>
-                                            <p:cond delay="499"/>
-                                          </p:stCondLst>
-                                        </p:cTn>
-                                        <p:tgtEl>
-                                          <p:spTgt spid="228355">
-                                            <p:txEl>
-                                              <p:pRg st="5" end="5"/>
-                                            </p:txEl>
-                                          </p:spTgt>
-                                        </p:tgtEl>
-                                        <p:attrNameLst>
-                                          <p:attrName>style.visibility</p:attrName>
-                                        </p:attrNameLst>
-                                      </p:cBhvr>
-                                      <p:to>
-                                        <p:strVal val="visible"/>
-                                      </p:to>
-                                    </p:set>
-                                  </p:childTnLst>
-                                  <p:subTnLst>
-                                    <p:animClr clrSpc="rgb" dir="cw">
-                                      <p:cBhvr override="childStyle">
-                                        <p:cTn dur="1" fill="hold" display="0" masterRel="nextClick" afterEffect="1"/>
-                                        <p:tgtEl>
-                                          <p:spTgt spid="228355">
-                                            <p:txEl>
-                                              <p:pRg st="5" end="5"/>
-                                            </p:txEl>
-                                          </p:spTgt>
-                                        </p:tgtEl>
-                                        <p:attrNameLst>
-                                          <p:attrName>ppt_c</p:attrName>
-                                        </p:attrNameLst>
-                                      </p:cBhvr>
-                                      <p:to>
-                                        <a:srgbClr val="FFCCFF"/>
-                                      </p:to>
-                                    </p:animClr>
-                                  </p:subTnLst>
-                                </p:cTn>
-                              </p:par>
-                            </p:childTnLst>
-                          </p:cTn>
-                        </p:par>
-                      </p:childTnLst>
-                    </p:cTn>
-                  </p:par>
-                </p:childTnLst>
-              </p:cTn>
-              <p:prevCondLst>
-                <p:cond evt="onPrev" delay="0">
-                  <p:tgtEl>
-                    <p:sldTgt/>
-                  </p:tgtEl>
-                </p:cond>
-              </p:prevCondLst>
-              <p:nextCondLst>
-                <p:cond evt="onNext" delay="0">
-                  <p:tgtEl>
-                    <p:sldTgt/>
-                  </p:tgtEl>
-                </p:cond>
-              </p:nextCondLst>
-            </p:seq>
-          </p:childTnLst>
-        </p:cTn>
+        <p:cTn xmlns:p14="http://schemas.microsoft.com/office/powerpoint/2010/main" id="1" dur="indefinite" restart="never" nodeType="tmRoot"/>
       </p:par>
     </p:tnLst>
-    <p:bldLst>
-      <p:bldP spid="228355" grpId="0" uiExpand="1" build="p" bldLvl="2" autoUpdateAnimBg="0"/>
-    </p:bldLst>
   </p:timing>
 </p:sld>
 </file>
 
-<file path=ppt/slides/slide17.xml><?xml version="1.0" encoding="utf-8"?>
+<file path=ppt/slides/slide2.xml><?xml version="1.0" encoding="utf-8"?>
+<p:sld xmlns:a="http://schemas.openxmlformats.org/drawingml/2006/main" xmlns:r="http://schemas.openxmlformats.org/officeDocument/2006/relationships" xmlns:p="http://schemas.openxmlformats.org/presentationml/2006/main">
+  <p:cSld>
+    <p:spTree>
+      <p:nvGrpSpPr>
+        <p:cNvPr id="1" name=""/>
+        <p:cNvGrpSpPr/>
+        <p:nvPr/>
+      </p:nvGrpSpPr>
+      <p:grpSpPr>
+        <a:xfrm>
+          <a:off x="0" y="0"/>
+          <a:ext cx="0" cy="0"/>
+          <a:chOff x="0" y="0"/>
+          <a:chExt cx="0" cy="0"/>
+        </a:xfrm>
+      </p:grpSpPr>
+      <p:sp>
+        <p:nvSpPr>
+          <p:cNvPr id="2" name="Title 1"/>
+          <p:cNvSpPr>
+            <a:spLocks noGrp="1"/>
+          </p:cNvSpPr>
+          <p:nvPr>
+            <p:ph type="title"/>
+          </p:nvPr>
+        </p:nvSpPr>
+        <p:spPr/>
+        <p:txBody>
+          <a:bodyPr/>
+          <a:lstStyle/>
+          <a:p>
+            <a:r>
+              <a:rPr lang="en-US" dirty="0" smtClean="0"/>
+              <a:t>Byte 2 Results</a:t>
+            </a:r>
+            <a:endParaRPr lang="en-US" dirty="0"/>
+          </a:p>
+        </p:txBody>
+      </p:sp>
+      <p:sp>
+        <p:nvSpPr>
+          <p:cNvPr id="3" name="Content Placeholder 2"/>
+          <p:cNvSpPr>
+            <a:spLocks noGrp="1"/>
+          </p:cNvSpPr>
+          <p:nvPr>
+            <p:ph idx="1"/>
+          </p:nvPr>
+        </p:nvSpPr>
+        <p:spPr/>
+        <p:txBody>
+          <a:bodyPr/>
+          <a:lstStyle/>
+          <a:p>
+            <a:r>
+              <a:rPr lang="en-US" sz="1600" dirty="0"/>
+              <a:t>Expectations about the data:</a:t>
+            </a:r>
+          </a:p>
+          <a:p>
+            <a:r>
+              <a:rPr lang="en-US" sz="1600" dirty="0"/>
+              <a:t>When dogs are abandoned: Some of you expected that dogs would be abandoned young (before bonding)</a:t>
+            </a:r>
+          </a:p>
+          <a:p>
+            <a:r>
+              <a:rPr lang="en-US" sz="1600" dirty="0"/>
+              <a:t>Outcomes: Some were surprised by the number of dogs euthanized. </a:t>
+            </a:r>
+          </a:p>
+          <a:p>
+            <a:r>
+              <a:rPr lang="en-US" sz="1600" dirty="0"/>
+              <a:t>Animal arrivals are fairly uniformly distributed as one might expect. However there is a slight trend of more animals arriving in the shelter in summer than winter months. Thoughts on why?</a:t>
+            </a:r>
+          </a:p>
+          <a:p>
+            <a:r>
+              <a:rPr lang="en-US" sz="1600" dirty="0"/>
+              <a:t>Many of the animals have names. Why? (I suspect the shelter is giving the animals names to help them be adopted)</a:t>
+            </a:r>
+          </a:p>
+          <a:p>
+            <a:r>
+              <a:rPr lang="en-US" sz="1600" dirty="0"/>
+              <a:t>Many young dogs are euthanized. Why? Reasons are missing from the data, and breed is hard to compare because of issues mentioned below.</a:t>
+            </a:r>
+          </a:p>
+          <a:p>
+            <a:r>
+              <a:rPr lang="en-US" sz="1600" dirty="0"/>
+              <a:t>Expected outcomes to be similar for cats and dogs, but cats are much more likely to be euthanized</a:t>
+            </a:r>
+            <a:r>
+              <a:rPr lang="en-US" sz="1600" dirty="0" smtClean="0"/>
+              <a:t>.</a:t>
+            </a:r>
+            <a:endParaRPr lang="en-US" sz="1600" dirty="0"/>
+          </a:p>
+        </p:txBody>
+      </p:sp>
+      <p:sp>
+        <p:nvSpPr>
+          <p:cNvPr id="4" name="Date Placeholder 3"/>
+          <p:cNvSpPr>
+            <a:spLocks noGrp="1"/>
+          </p:cNvSpPr>
+          <p:nvPr>
+            <p:ph type="dt" sz="half" idx="10"/>
+          </p:nvPr>
+        </p:nvSpPr>
+        <p:spPr/>
+        <p:txBody>
+          <a:bodyPr/>
+          <a:lstStyle/>
+          <a:p>
+            <a:fld id="{7053BEFA-1175-F644-B249-7D41D72BD3FF}" type="datetime1">
+              <a:rPr lang="en-US" smtClean="0"/>
+              <a:t>2/7/14</a:t>
+            </a:fld>
+            <a:endParaRPr lang="en-US"/>
+          </a:p>
+        </p:txBody>
+      </p:sp>
+      <p:sp>
+        <p:nvSpPr>
+          <p:cNvPr id="5" name="Footer Placeholder 4"/>
+          <p:cNvSpPr>
+            <a:spLocks noGrp="1"/>
+          </p:cNvSpPr>
+          <p:nvPr>
+            <p:ph type="ftr" sz="quarter" idx="11"/>
+          </p:nvPr>
+        </p:nvSpPr>
+        <p:spPr/>
+        <p:txBody>
+          <a:bodyPr/>
+          <a:lstStyle/>
+          <a:p>
+            <a:endParaRPr lang="en-US" dirty="0"/>
+          </a:p>
+        </p:txBody>
+      </p:sp>
+      <p:sp>
+        <p:nvSpPr>
+          <p:cNvPr id="6" name="Slide Number Placeholder 5"/>
+          <p:cNvSpPr>
+            <a:spLocks noGrp="1"/>
+          </p:cNvSpPr>
+          <p:nvPr>
+            <p:ph type="sldNum" sz="quarter" idx="12"/>
+          </p:nvPr>
+        </p:nvSpPr>
+        <p:spPr/>
+        <p:txBody>
+          <a:bodyPr/>
+          <a:lstStyle/>
+          <a:p>
+            <a:fld id="{17E276FA-8F89-B34D-A726-BE3FA1F8DD97}" type="slidenum">
+              <a:rPr lang="en-US" smtClean="0"/>
+              <a:t>2</a:t>
+            </a:fld>
+            <a:endParaRPr lang="en-US" dirty="0"/>
+          </a:p>
+        </p:txBody>
+      </p:sp>
+    </p:spTree>
+    <p:extLst>
+      <p:ext uri="{BB962C8B-B14F-4D97-AF65-F5344CB8AC3E}">
+        <p14:creationId xmlns:p14="http://schemas.microsoft.com/office/powerpoint/2010/main" val="2395333386"/>
+      </p:ext>
+    </p:extLst>
+  </p:cSld>
+  <p:clrMapOvr>
+    <a:masterClrMapping/>
+  </p:clrMapOvr>
+  <p:timing>
+    <p:tnLst>
+      <p:par>
+        <p:cTn xmlns:p14="http://schemas.microsoft.com/office/powerpoint/2010/main" id="1" dur="indefinite" restart="never" nodeType="tmRoot"/>
+      </p:par>
+    </p:tnLst>
+  </p:timing>
+</p:sld>
+</file>
+
+<file path=ppt/slides/slide20.xml><?xml version="1.0" encoding="utf-8"?>
 <p:sld xmlns:a="http://schemas.openxmlformats.org/drawingml/2006/main" xmlns:r="http://schemas.openxmlformats.org/officeDocument/2006/relationships" xmlns:p="http://schemas.openxmlformats.org/presentationml/2006/main">
   <p:cSld>
     <p:spTree>
@@ -13044,7 +14835,7 @@
 </p:sld>
 </file>
 
-<file path=ppt/slides/slide18.xml><?xml version="1.0" encoding="utf-8"?>
+<file path=ppt/slides/slide21.xml><?xml version="1.0" encoding="utf-8"?>
 <p:sld xmlns:a="http://schemas.openxmlformats.org/drawingml/2006/main" xmlns:r="http://schemas.openxmlformats.org/officeDocument/2006/relationships" xmlns:p="http://schemas.openxmlformats.org/presentationml/2006/main" show="0">
   <p:cSld>
     <p:spTree>
@@ -13169,7 +14960,7 @@
 </p:sld>
 </file>
 
-<file path=ppt/slides/slide19.xml><?xml version="1.0" encoding="utf-8"?>
+<file path=ppt/slides/slide22.xml><?xml version="1.0" encoding="utf-8"?>
 <p:sld xmlns:a="http://schemas.openxmlformats.org/drawingml/2006/main" xmlns:r="http://schemas.openxmlformats.org/officeDocument/2006/relationships" xmlns:p="http://schemas.openxmlformats.org/presentationml/2006/main">
   <p:cSld>
     <p:spTree>
@@ -13337,160 +15128,7 @@
 </p:sld>
 </file>
 
-<file path=ppt/slides/slide2.xml><?xml version="1.0" encoding="utf-8"?>
-<p:sld xmlns:a="http://schemas.openxmlformats.org/drawingml/2006/main" xmlns:r="http://schemas.openxmlformats.org/officeDocument/2006/relationships" xmlns:p="http://schemas.openxmlformats.org/presentationml/2006/main">
-  <p:cSld>
-    <p:spTree>
-      <p:nvGrpSpPr>
-        <p:cNvPr id="1" name=""/>
-        <p:cNvGrpSpPr/>
-        <p:nvPr/>
-      </p:nvGrpSpPr>
-      <p:grpSpPr>
-        <a:xfrm>
-          <a:off x="0" y="0"/>
-          <a:ext cx="0" cy="0"/>
-          <a:chOff x="0" y="0"/>
-          <a:chExt cx="0" cy="0"/>
-        </a:xfrm>
-      </p:grpSpPr>
-      <p:sp>
-        <p:nvSpPr>
-          <p:cNvPr id="2" name="Title 1"/>
-          <p:cNvSpPr>
-            <a:spLocks noGrp="1"/>
-          </p:cNvSpPr>
-          <p:nvPr>
-            <p:ph type="title"/>
-          </p:nvPr>
-        </p:nvSpPr>
-        <p:spPr/>
-        <p:txBody>
-          <a:bodyPr/>
-          <a:lstStyle/>
-          <a:p>
-            <a:r>
-              <a:rPr lang="en-US" dirty="0" smtClean="0"/>
-              <a:t>Boxplot [Random Data; 3 times]</a:t>
-            </a:r>
-            <a:endParaRPr lang="en-US" dirty="0"/>
-          </a:p>
-        </p:txBody>
-      </p:sp>
-      <p:sp>
-        <p:nvSpPr>
-          <p:cNvPr id="4" name="Date Placeholder 3"/>
-          <p:cNvSpPr>
-            <a:spLocks noGrp="1"/>
-          </p:cNvSpPr>
-          <p:nvPr>
-            <p:ph type="dt" sz="half" idx="10"/>
-          </p:nvPr>
-        </p:nvSpPr>
-        <p:spPr/>
-        <p:txBody>
-          <a:bodyPr/>
-          <a:lstStyle/>
-          <a:p>
-            <a:fld id="{7053BEFA-1175-F644-B249-7D41D72BD3FF}" type="datetime1">
-              <a:rPr lang="en-US" smtClean="0"/>
-              <a:t>1/30/14</a:t>
-            </a:fld>
-            <a:endParaRPr lang="en-US"/>
-          </a:p>
-        </p:txBody>
-      </p:sp>
-      <p:sp>
-        <p:nvSpPr>
-          <p:cNvPr id="5" name="Footer Placeholder 4"/>
-          <p:cNvSpPr>
-            <a:spLocks noGrp="1"/>
-          </p:cNvSpPr>
-          <p:nvPr>
-            <p:ph type="ftr" sz="quarter" idx="11"/>
-          </p:nvPr>
-        </p:nvSpPr>
-        <p:spPr/>
-        <p:txBody>
-          <a:bodyPr/>
-          <a:lstStyle/>
-          <a:p>
-            <a:endParaRPr lang="en-US" dirty="0"/>
-          </a:p>
-        </p:txBody>
-      </p:sp>
-      <p:sp>
-        <p:nvSpPr>
-          <p:cNvPr id="6" name="Slide Number Placeholder 5"/>
-          <p:cNvSpPr>
-            <a:spLocks noGrp="1"/>
-          </p:cNvSpPr>
-          <p:nvPr>
-            <p:ph type="sldNum" sz="quarter" idx="12"/>
-          </p:nvPr>
-        </p:nvSpPr>
-        <p:spPr/>
-        <p:txBody>
-          <a:bodyPr/>
-          <a:lstStyle/>
-          <a:p>
-            <a:fld id="{17E276FA-8F89-B34D-A726-BE3FA1F8DD97}" type="slidenum">
-              <a:rPr lang="en-US" smtClean="0"/>
-              <a:t>2</a:t>
-            </a:fld>
-            <a:endParaRPr lang="en-US" dirty="0"/>
-          </a:p>
-        </p:txBody>
-      </p:sp>
-      <p:pic>
-        <p:nvPicPr>
-          <p:cNvPr id="8" name="Content Placeholder 7" descr="Screen Shot 2014-01-30 at 10.56.45 AM.png"/>
-          <p:cNvPicPr>
-            <a:picLocks noGrp="1" noChangeAspect="1"/>
-          </p:cNvPicPr>
-          <p:nvPr>
-            <p:ph idx="1"/>
-          </p:nvPr>
-        </p:nvPicPr>
-        <p:blipFill rotWithShape="1">
-          <a:blip r:embed="rId3">
-            <a:extLst>
-              <a:ext uri="{28A0092B-C50C-407E-A947-70E740481C1C}">
-                <a14:useLocalDpi xmlns:a14="http://schemas.microsoft.com/office/drawing/2010/main" val="0"/>
-              </a:ext>
-            </a:extLst>
-          </a:blip>
-          <a:srcRect l="4761" r="43772" b="24225"/>
-          <a:stretch/>
-        </p:blipFill>
-        <p:spPr>
-          <a:xfrm>
-            <a:off x="1128943" y="1534736"/>
-            <a:ext cx="6105630" cy="5053862"/>
-          </a:xfrm>
-        </p:spPr>
-      </p:pic>
-    </p:spTree>
-    <p:extLst>
-      <p:ext uri="{BB962C8B-B14F-4D97-AF65-F5344CB8AC3E}">
-        <p14:creationId xmlns:p14="http://schemas.microsoft.com/office/powerpoint/2010/main" val="3423289031"/>
-      </p:ext>
-    </p:extLst>
-  </p:cSld>
-  <p:clrMapOvr>
-    <a:masterClrMapping/>
-  </p:clrMapOvr>
-  <p:timing>
-    <p:tnLst>
-      <p:par>
-        <p:cTn xmlns:p14="http://schemas.microsoft.com/office/powerpoint/2010/main" id="1" dur="indefinite" restart="never" nodeType="tmRoot"/>
-      </p:par>
-    </p:tnLst>
-  </p:timing>
-</p:sld>
-</file>
-
-<file path=ppt/slides/slide20.xml><?xml version="1.0" encoding="utf-8"?>
+<file path=ppt/slides/slide23.xml><?xml version="1.0" encoding="utf-8"?>
 <p:sld xmlns:a="http://schemas.openxmlformats.org/drawingml/2006/main" xmlns:r="http://schemas.openxmlformats.org/officeDocument/2006/relationships" xmlns:p="http://schemas.openxmlformats.org/presentationml/2006/main">
   <p:cSld>
     <p:spTree>
@@ -13671,7 +15309,7 @@
 </p:sld>
 </file>
 
-<file path=ppt/slides/slide21.xml><?xml version="1.0" encoding="utf-8"?>
+<file path=ppt/slides/slide24.xml><?xml version="1.0" encoding="utf-8"?>
 <p:sld xmlns:a="http://schemas.openxmlformats.org/drawingml/2006/main" xmlns:r="http://schemas.openxmlformats.org/officeDocument/2006/relationships" xmlns:p="http://schemas.openxmlformats.org/presentationml/2006/main">
   <p:cSld>
     <p:spTree>
@@ -13978,7 +15616,7 @@
           <a:p>
             <a:fld id="{7053BEFA-1175-F644-B249-7D41D72BD3FF}" type="datetime1">
               <a:rPr lang="en-US" smtClean="0"/>
-              <a:t>1/31/14</a:t>
+              <a:t>2/7/14</a:t>
             </a:fld>
             <a:endParaRPr lang="en-US"/>
           </a:p>
@@ -14020,7 +15658,7 @@
           <a:p>
             <a:fld id="{17E276FA-8F89-B34D-A726-BE3FA1F8DD97}" type="slidenum">
               <a:rPr lang="en-US" smtClean="0"/>
-              <a:t>21</a:t>
+              <a:t>24</a:t>
             </a:fld>
             <a:endParaRPr lang="en-US" dirty="0"/>
           </a:p>
@@ -14076,7 +15714,7 @@
 </p:sld>
 </file>
 
-<file path=ppt/slides/slide22.xml><?xml version="1.0" encoding="utf-8"?>
+<file path=ppt/slides/slide25.xml><?xml version="1.0" encoding="utf-8"?>
 <p:sld xmlns:a="http://schemas.openxmlformats.org/drawingml/2006/main" xmlns:r="http://schemas.openxmlformats.org/officeDocument/2006/relationships" xmlns:p="http://schemas.openxmlformats.org/presentationml/2006/main">
   <p:cSld>
     <p:spTree>
@@ -14619,7 +16257,7 @@
           <a:p>
             <a:fld id="{7053BEFA-1175-F644-B249-7D41D72BD3FF}" type="datetime1">
               <a:rPr lang="en-US" smtClean="0"/>
-              <a:t>1/31/14</a:t>
+              <a:t>2/7/14</a:t>
             </a:fld>
             <a:endParaRPr lang="en-US"/>
           </a:p>
@@ -14661,7 +16299,7 @@
           <a:p>
             <a:fld id="{17E276FA-8F89-B34D-A726-BE3FA1F8DD97}" type="slidenum">
               <a:rPr lang="en-US" smtClean="0"/>
-              <a:t>22</a:t>
+              <a:t>25</a:t>
             </a:fld>
             <a:endParaRPr lang="en-US" dirty="0"/>
           </a:p>
@@ -14717,7 +16355,7 @@
 </p:sld>
 </file>
 
-<file path=ppt/slides/slide23.xml><?xml version="1.0" encoding="utf-8"?>
+<file path=ppt/slides/slide26.xml><?xml version="1.0" encoding="utf-8"?>
 <p:sld xmlns:a="http://schemas.openxmlformats.org/drawingml/2006/main" xmlns:r="http://schemas.openxmlformats.org/officeDocument/2006/relationships" xmlns:p="http://schemas.openxmlformats.org/presentationml/2006/main" showMasterPhAnim="0">
   <p:cSld>
     <p:spTree>
@@ -15147,7 +16785,7 @@
 </p:sld>
 </file>
 
-<file path=ppt/slides/slide24.xml><?xml version="1.0" encoding="utf-8"?>
+<file path=ppt/slides/slide27.xml><?xml version="1.0" encoding="utf-8"?>
 <p:sld xmlns:a="http://schemas.openxmlformats.org/drawingml/2006/main" xmlns:r="http://schemas.openxmlformats.org/officeDocument/2006/relationships" xmlns:p="http://schemas.openxmlformats.org/presentationml/2006/main">
   <p:cSld>
     <p:spTree>
@@ -15187,11 +16825,6 @@
               </a:rPr>
               <a:t>Does visualization help?</a:t>
             </a:r>
-            <a:endParaRPr lang="en-US" sz="4000" dirty="0">
-              <a:latin typeface="Geneva" charset="0"/>
-              <a:ea typeface="ＭＳ Ｐゴシック" charset="0"/>
-              <a:cs typeface="ＭＳ Ｐゴシック" charset="0"/>
-            </a:endParaRPr>
           </a:p>
         </p:txBody>
       </p:sp>
@@ -15293,7 +16926,7 @@
 </p:sld>
 </file>
 
-<file path=ppt/slides/slide25.xml><?xml version="1.0" encoding="utf-8"?>
+<file path=ppt/slides/slide28.xml><?xml version="1.0" encoding="utf-8"?>
 <p:sld xmlns:a="http://schemas.openxmlformats.org/drawingml/2006/main" xmlns:r="http://schemas.openxmlformats.org/officeDocument/2006/relationships" xmlns:p="http://schemas.openxmlformats.org/presentationml/2006/main">
   <p:cSld>
     <p:spTree>
@@ -15386,7 +17019,7 @@
 </p:sld>
 </file>
 
-<file path=ppt/slides/slide26.xml><?xml version="1.0" encoding="utf-8"?>
+<file path=ppt/slides/slide29.xml><?xml version="1.0" encoding="utf-8"?>
 <p:sld xmlns:a="http://schemas.openxmlformats.org/drawingml/2006/main" xmlns:r="http://schemas.openxmlformats.org/officeDocument/2006/relationships" xmlns:p="http://schemas.openxmlformats.org/presentationml/2006/main">
   <p:cSld>
     <p:spTree>
@@ -15474,7 +17107,195 @@
 </p:sld>
 </file>
 
-<file path=ppt/slides/slide27.xml><?xml version="1.0" encoding="utf-8"?>
+<file path=ppt/slides/slide3.xml><?xml version="1.0" encoding="utf-8"?>
+<p:sld xmlns:a="http://schemas.openxmlformats.org/drawingml/2006/main" xmlns:r="http://schemas.openxmlformats.org/officeDocument/2006/relationships" xmlns:p="http://schemas.openxmlformats.org/presentationml/2006/main">
+  <p:cSld>
+    <p:spTree>
+      <p:nvGrpSpPr>
+        <p:cNvPr id="1" name=""/>
+        <p:cNvGrpSpPr/>
+        <p:nvPr/>
+      </p:nvGrpSpPr>
+      <p:grpSpPr>
+        <a:xfrm>
+          <a:off x="0" y="0"/>
+          <a:ext cx="0" cy="0"/>
+          <a:chOff x="0" y="0"/>
+          <a:chExt cx="0" cy="0"/>
+        </a:xfrm>
+      </p:grpSpPr>
+      <p:sp>
+        <p:nvSpPr>
+          <p:cNvPr id="2" name="Title 1"/>
+          <p:cNvSpPr>
+            <a:spLocks noGrp="1"/>
+          </p:cNvSpPr>
+          <p:nvPr>
+            <p:ph type="title"/>
+          </p:nvPr>
+        </p:nvSpPr>
+        <p:spPr/>
+        <p:txBody>
+          <a:bodyPr/>
+          <a:lstStyle/>
+          <a:p>
+            <a:r>
+              <a:rPr lang="en-US" dirty="0" smtClean="0"/>
+              <a:t>Byte 2 Results</a:t>
+            </a:r>
+            <a:endParaRPr lang="en-US" dirty="0"/>
+          </a:p>
+        </p:txBody>
+      </p:sp>
+      <p:sp>
+        <p:nvSpPr>
+          <p:cNvPr id="3" name="Content Placeholder 2"/>
+          <p:cNvSpPr>
+            <a:spLocks noGrp="1"/>
+          </p:cNvSpPr>
+          <p:nvPr>
+            <p:ph idx="1"/>
+          </p:nvPr>
+        </p:nvSpPr>
+        <p:spPr/>
+        <p:txBody>
+          <a:bodyPr/>
+          <a:lstStyle/>
+          <a:p>
+            <a:r>
+              <a:rPr lang="en-US" sz="1600" dirty="0" smtClean="0"/>
+              <a:t>Ages </a:t>
+            </a:r>
+            <a:r>
+              <a:rPr lang="en-US" sz="1600" dirty="0"/>
+              <a:t>are not numerical -- because they are estimates. Some questions about why these groupings (I would argue it has to do with expected adoptability). Also, it was pointed out that age could be ambiguous as it is described (though I would argue the shelter staff know how to interpret it).</a:t>
+            </a:r>
+          </a:p>
+          <a:p>
+            <a:r>
+              <a:rPr lang="en-US" sz="1600" dirty="0"/>
+              <a:t>Outcome dates are greater than Intake dates</a:t>
+            </a:r>
+          </a:p>
+          <a:p>
+            <a:r>
+              <a:rPr lang="en-US" sz="1600" dirty="0"/>
+              <a:t>Zip code found has a 99% overlap with the Louisville area</a:t>
+            </a:r>
+          </a:p>
+          <a:p>
+            <a:r>
+              <a:rPr lang="en-US" sz="1600" dirty="0"/>
+              <a:t>There is no particular relationship between zip found and zip placed (domain knowledge says this makes sense to me)</a:t>
+            </a:r>
+          </a:p>
+          <a:p>
+            <a:r>
+              <a:rPr lang="en-US" sz="1600" dirty="0"/>
+              <a:t>Some </a:t>
+            </a:r>
+            <a:r>
+              <a:rPr lang="en-US" sz="1600" dirty="0" err="1"/>
+              <a:t>animalIDs</a:t>
+            </a:r>
+            <a:r>
+              <a:rPr lang="en-US" sz="1600" dirty="0"/>
+              <a:t> are repeated. Based on other properties of these rows it seems that some animals that leave and return multiple times</a:t>
+            </a:r>
+            <a:r>
+              <a:rPr lang="en-US" sz="1600" dirty="0" smtClean="0"/>
+              <a:t>?</a:t>
+            </a:r>
+            <a:endParaRPr lang="en-US" sz="1600" dirty="0"/>
+          </a:p>
+        </p:txBody>
+      </p:sp>
+      <p:sp>
+        <p:nvSpPr>
+          <p:cNvPr id="4" name="Date Placeholder 3"/>
+          <p:cNvSpPr>
+            <a:spLocks noGrp="1"/>
+          </p:cNvSpPr>
+          <p:nvPr>
+            <p:ph type="dt" sz="half" idx="10"/>
+          </p:nvPr>
+        </p:nvSpPr>
+        <p:spPr/>
+        <p:txBody>
+          <a:bodyPr/>
+          <a:lstStyle/>
+          <a:p>
+            <a:fld id="{7053BEFA-1175-F644-B249-7D41D72BD3FF}" type="datetime1">
+              <a:rPr lang="en-US" smtClean="0"/>
+              <a:t>2/7/14</a:t>
+            </a:fld>
+            <a:endParaRPr lang="en-US"/>
+          </a:p>
+        </p:txBody>
+      </p:sp>
+      <p:sp>
+        <p:nvSpPr>
+          <p:cNvPr id="5" name="Footer Placeholder 4"/>
+          <p:cNvSpPr>
+            <a:spLocks noGrp="1"/>
+          </p:cNvSpPr>
+          <p:nvPr>
+            <p:ph type="ftr" sz="quarter" idx="11"/>
+          </p:nvPr>
+        </p:nvSpPr>
+        <p:spPr/>
+        <p:txBody>
+          <a:bodyPr/>
+          <a:lstStyle/>
+          <a:p>
+            <a:endParaRPr lang="en-US" dirty="0"/>
+          </a:p>
+        </p:txBody>
+      </p:sp>
+      <p:sp>
+        <p:nvSpPr>
+          <p:cNvPr id="6" name="Slide Number Placeholder 5"/>
+          <p:cNvSpPr>
+            <a:spLocks noGrp="1"/>
+          </p:cNvSpPr>
+          <p:nvPr>
+            <p:ph type="sldNum" sz="quarter" idx="12"/>
+          </p:nvPr>
+        </p:nvSpPr>
+        <p:spPr/>
+        <p:txBody>
+          <a:bodyPr/>
+          <a:lstStyle/>
+          <a:p>
+            <a:fld id="{17E276FA-8F89-B34D-A726-BE3FA1F8DD97}" type="slidenum">
+              <a:rPr lang="en-US" smtClean="0"/>
+              <a:t>3</a:t>
+            </a:fld>
+            <a:endParaRPr lang="en-US" dirty="0"/>
+          </a:p>
+        </p:txBody>
+      </p:sp>
+    </p:spTree>
+    <p:extLst>
+      <p:ext uri="{BB962C8B-B14F-4D97-AF65-F5344CB8AC3E}">
+        <p14:creationId xmlns:p14="http://schemas.microsoft.com/office/powerpoint/2010/main" val="2782777188"/>
+      </p:ext>
+    </p:extLst>
+  </p:cSld>
+  <p:clrMapOvr>
+    <a:masterClrMapping/>
+  </p:clrMapOvr>
+  <p:timing>
+    <p:tnLst>
+      <p:par>
+        <p:cTn xmlns:p14="http://schemas.microsoft.com/office/powerpoint/2010/main" id="1" dur="indefinite" restart="never" nodeType="tmRoot"/>
+      </p:par>
+    </p:tnLst>
+  </p:timing>
+</p:sld>
+</file>
+
+<file path=ppt/slides/slide30.xml><?xml version="1.0" encoding="utf-8"?>
 <p:sld xmlns:a="http://schemas.openxmlformats.org/drawingml/2006/main" xmlns:r="http://schemas.openxmlformats.org/officeDocument/2006/relationships" xmlns:p="http://schemas.openxmlformats.org/presentationml/2006/main">
   <p:cSld>
     <p:spTree>
@@ -15562,7 +17383,7 @@
 </p:sld>
 </file>
 
-<file path=ppt/slides/slide28.xml><?xml version="1.0" encoding="utf-8"?>
+<file path=ppt/slides/slide31.xml><?xml version="1.0" encoding="utf-8"?>
 <p:sld xmlns:a="http://schemas.openxmlformats.org/drawingml/2006/main" xmlns:r="http://schemas.openxmlformats.org/officeDocument/2006/relationships" xmlns:p="http://schemas.openxmlformats.org/presentationml/2006/main">
   <p:cSld>
     <p:spTree>
@@ -15750,7 +17571,7 @@
 </p:sld>
 </file>
 
-<file path=ppt/slides/slide29.xml><?xml version="1.0" encoding="utf-8"?>
+<file path=ppt/slides/slide32.xml><?xml version="1.0" encoding="utf-8"?>
 <p:sld xmlns:a="http://schemas.openxmlformats.org/drawingml/2006/main" xmlns:r="http://schemas.openxmlformats.org/officeDocument/2006/relationships" xmlns:p="http://schemas.openxmlformats.org/presentationml/2006/main">
   <p:cSld>
     <p:spTree>
@@ -15887,150 +17708,7 @@
 </p:sld>
 </file>
 
-<file path=ppt/slides/slide3.xml><?xml version="1.0" encoding="utf-8"?>
-<p:sld xmlns:a="http://schemas.openxmlformats.org/drawingml/2006/main" xmlns:r="http://schemas.openxmlformats.org/officeDocument/2006/relationships" xmlns:p="http://schemas.openxmlformats.org/presentationml/2006/main">
-  <p:cSld>
-    <p:spTree>
-      <p:nvGrpSpPr>
-        <p:cNvPr id="1" name=""/>
-        <p:cNvGrpSpPr/>
-        <p:nvPr/>
-      </p:nvGrpSpPr>
-      <p:grpSpPr>
-        <a:xfrm>
-          <a:off x="0" y="0"/>
-          <a:ext cx="0" cy="0"/>
-          <a:chOff x="0" y="0"/>
-          <a:chExt cx="0" cy="0"/>
-        </a:xfrm>
-      </p:grpSpPr>
-      <p:sp>
-        <p:nvSpPr>
-          <p:cNvPr id="2" name="Title 1"/>
-          <p:cNvSpPr>
-            <a:spLocks noGrp="1"/>
-          </p:cNvSpPr>
-          <p:nvPr>
-            <p:ph type="title"/>
-          </p:nvPr>
-        </p:nvSpPr>
-        <p:spPr/>
-        <p:txBody>
-          <a:bodyPr/>
-          <a:lstStyle/>
-          <a:p>
-            <a:r>
-              <a:rPr lang="en-US" dirty="0" smtClean="0"/>
-              <a:t>Scatterplot</a:t>
-            </a:r>
-            <a:endParaRPr lang="en-US" dirty="0"/>
-          </a:p>
-        </p:txBody>
-      </p:sp>
-      <p:pic>
-        <p:nvPicPr>
-          <p:cNvPr id="7" name="Content Placeholder 6" descr="Screen Shot 2014-01-30 at 5.18.33 PM.png"/>
-          <p:cNvPicPr>
-            <a:picLocks noGrp="1" noChangeAspect="1"/>
-          </p:cNvPicPr>
-          <p:nvPr>
-            <p:ph idx="1"/>
-          </p:nvPr>
-        </p:nvPicPr>
-        <p:blipFill>
-          <a:blip r:embed="rId3">
-            <a:extLst>
-              <a:ext uri="{28A0092B-C50C-407E-A947-70E740481C1C}">
-                <a14:useLocalDpi xmlns:a14="http://schemas.microsoft.com/office/drawing/2010/main" val="0"/>
-              </a:ext>
-            </a:extLst>
-          </a:blip>
-          <a:srcRect l="1481" r="1481"/>
-          <a:stretch>
-            <a:fillRect/>
-          </a:stretch>
-        </p:blipFill>
-        <p:spPr/>
-      </p:pic>
-      <p:sp>
-        <p:nvSpPr>
-          <p:cNvPr id="4" name="Date Placeholder 3"/>
-          <p:cNvSpPr>
-            <a:spLocks noGrp="1"/>
-          </p:cNvSpPr>
-          <p:nvPr>
-            <p:ph type="dt" sz="half" idx="10"/>
-          </p:nvPr>
-        </p:nvSpPr>
-        <p:spPr/>
-        <p:txBody>
-          <a:bodyPr/>
-          <a:lstStyle/>
-          <a:p>
-            <a:fld id="{7053BEFA-1175-F644-B249-7D41D72BD3FF}" type="datetime1">
-              <a:rPr lang="en-US" smtClean="0"/>
-              <a:t>1/30/14</a:t>
-            </a:fld>
-            <a:endParaRPr lang="en-US"/>
-          </a:p>
-        </p:txBody>
-      </p:sp>
-      <p:sp>
-        <p:nvSpPr>
-          <p:cNvPr id="5" name="Footer Placeholder 4"/>
-          <p:cNvSpPr>
-            <a:spLocks noGrp="1"/>
-          </p:cNvSpPr>
-          <p:nvPr>
-            <p:ph type="ftr" sz="quarter" idx="11"/>
-          </p:nvPr>
-        </p:nvSpPr>
-        <p:spPr/>
-        <p:txBody>
-          <a:bodyPr/>
-          <a:lstStyle/>
-          <a:p>
-            <a:endParaRPr lang="en-US" dirty="0"/>
-          </a:p>
-        </p:txBody>
-      </p:sp>
-      <p:sp>
-        <p:nvSpPr>
-          <p:cNvPr id="6" name="Slide Number Placeholder 5"/>
-          <p:cNvSpPr>
-            <a:spLocks noGrp="1"/>
-          </p:cNvSpPr>
-          <p:nvPr>
-            <p:ph type="sldNum" sz="quarter" idx="12"/>
-          </p:nvPr>
-        </p:nvSpPr>
-        <p:spPr/>
-        <p:txBody>
-          <a:bodyPr/>
-          <a:lstStyle/>
-          <a:p>
-            <a:fld id="{17E276FA-8F89-B34D-A726-BE3FA1F8DD97}" type="slidenum">
-              <a:rPr lang="en-US" smtClean="0"/>
-              <a:t>3</a:t>
-            </a:fld>
-            <a:endParaRPr lang="en-US" dirty="0"/>
-          </a:p>
-        </p:txBody>
-      </p:sp>
-    </p:spTree>
-    <p:extLst>
-      <p:ext uri="{BB962C8B-B14F-4D97-AF65-F5344CB8AC3E}">
-        <p14:creationId xmlns:p14="http://schemas.microsoft.com/office/powerpoint/2010/main" val="857429021"/>
-      </p:ext>
-    </p:extLst>
-  </p:cSld>
-  <p:clrMapOvr>
-    <a:masterClrMapping/>
-  </p:clrMapOvr>
-</p:sld>
-</file>
-
-<file path=ppt/slides/slide30.xml><?xml version="1.0" encoding="utf-8"?>
+<file path=ppt/slides/slide33.xml><?xml version="1.0" encoding="utf-8"?>
 <p:sld xmlns:a="http://schemas.openxmlformats.org/drawingml/2006/main" xmlns:r="http://schemas.openxmlformats.org/officeDocument/2006/relationships" xmlns:p="http://schemas.openxmlformats.org/presentationml/2006/main">
   <p:cSld>
     <p:spTree>
@@ -16145,10 +17823,17 @@
   <p:clrMapOvr>
     <a:masterClrMapping/>
   </p:clrMapOvr>
+  <p:timing>
+    <p:tnLst>
+      <p:par>
+        <p:cTn xmlns:p14="http://schemas.microsoft.com/office/powerpoint/2010/main" id="1" dur="indefinite" restart="never" nodeType="tmRoot"/>
+      </p:par>
+    </p:tnLst>
+  </p:timing>
 </p:sld>
 </file>
 
-<file path=ppt/slides/slide31.xml><?xml version="1.0" encoding="utf-8"?>
+<file path=ppt/slides/slide34.xml><?xml version="1.0" encoding="utf-8"?>
 <p:sld xmlns:a="http://schemas.openxmlformats.org/drawingml/2006/main" xmlns:r="http://schemas.openxmlformats.org/officeDocument/2006/relationships" xmlns:p="http://schemas.openxmlformats.org/presentationml/2006/main">
   <p:cSld>
     <p:spTree>
@@ -16260,10 +17945,17 @@
   <p:clrMapOvr>
     <a:masterClrMapping/>
   </p:clrMapOvr>
+  <p:timing>
+    <p:tnLst>
+      <p:par>
+        <p:cTn xmlns:p14="http://schemas.microsoft.com/office/powerpoint/2010/main" id="1" dur="indefinite" restart="never" nodeType="tmRoot"/>
+      </p:par>
+    </p:tnLst>
+  </p:timing>
 </p:sld>
 </file>
 
-<file path=ppt/slides/slide32.xml><?xml version="1.0" encoding="utf-8"?>
+<file path=ppt/slides/slide35.xml><?xml version="1.0" encoding="utf-8"?>
 <p:sld xmlns:a="http://schemas.openxmlformats.org/drawingml/2006/main" xmlns:r="http://schemas.openxmlformats.org/officeDocument/2006/relationships" xmlns:p="http://schemas.openxmlformats.org/presentationml/2006/main">
   <p:cSld>
     <p:spTree>
@@ -16370,10 +18062,17 @@
   <p:clrMapOvr>
     <a:masterClrMapping/>
   </p:clrMapOvr>
+  <p:timing>
+    <p:tnLst>
+      <p:par>
+        <p:cTn xmlns:p14="http://schemas.microsoft.com/office/powerpoint/2010/main" id="1" dur="indefinite" restart="never" nodeType="tmRoot"/>
+      </p:par>
+    </p:tnLst>
+  </p:timing>
 </p:sld>
 </file>
 
-<file path=ppt/slides/slide33.xml><?xml version="1.0" encoding="utf-8"?>
+<file path=ppt/slides/slide36.xml><?xml version="1.0" encoding="utf-8"?>
 <p:sld xmlns:a="http://schemas.openxmlformats.org/drawingml/2006/main" xmlns:r="http://schemas.openxmlformats.org/officeDocument/2006/relationships" xmlns:p="http://schemas.openxmlformats.org/presentationml/2006/main">
   <p:cSld>
     <p:spTree>
@@ -16625,10 +18324,17 @@
   <p:clrMapOvr>
     <a:masterClrMapping/>
   </p:clrMapOvr>
+  <p:timing>
+    <p:tnLst>
+      <p:par>
+        <p:cTn xmlns:p14="http://schemas.microsoft.com/office/powerpoint/2010/main" id="1" dur="indefinite" restart="never" nodeType="tmRoot"/>
+      </p:par>
+    </p:tnLst>
+  </p:timing>
 </p:sld>
 </file>
 
-<file path=ppt/slides/slide34.xml><?xml version="1.0" encoding="utf-8"?>
+<file path=ppt/slides/slide37.xml><?xml version="1.0" encoding="utf-8"?>
 <p:sld xmlns:a="http://schemas.openxmlformats.org/drawingml/2006/main" xmlns:r="http://schemas.openxmlformats.org/officeDocument/2006/relationships" xmlns:p="http://schemas.openxmlformats.org/presentationml/2006/main">
   <p:cSld>
     <p:spTree>
@@ -16735,10 +18441,17 @@
   <p:clrMapOvr>
     <a:masterClrMapping/>
   </p:clrMapOvr>
+  <p:timing>
+    <p:tnLst>
+      <p:par>
+        <p:cTn xmlns:p14="http://schemas.microsoft.com/office/powerpoint/2010/main" id="1" dur="indefinite" restart="never" nodeType="tmRoot"/>
+      </p:par>
+    </p:tnLst>
+  </p:timing>
 </p:sld>
 </file>
 
-<file path=ppt/slides/slide35.xml><?xml version="1.0" encoding="utf-8"?>
+<file path=ppt/slides/slide38.xml><?xml version="1.0" encoding="utf-8"?>
 <p:sld xmlns:a="http://schemas.openxmlformats.org/drawingml/2006/main" xmlns:r="http://schemas.openxmlformats.org/officeDocument/2006/relationships" xmlns:p="http://schemas.openxmlformats.org/presentationml/2006/main">
   <p:cSld>
     <p:spTree>
@@ -16845,10 +18558,536 @@
   <p:clrMapOvr>
     <a:masterClrMapping/>
   </p:clrMapOvr>
+  <p:timing>
+    <p:tnLst>
+      <p:par>
+        <p:cTn xmlns:p14="http://schemas.microsoft.com/office/powerpoint/2010/main" id="1" dur="indefinite" restart="never" nodeType="tmRoot"/>
+      </p:par>
+    </p:tnLst>
+  </p:timing>
 </p:sld>
 </file>
 
 <file path=ppt/slides/slide4.xml><?xml version="1.0" encoding="utf-8"?>
+<p:sld xmlns:a="http://schemas.openxmlformats.org/drawingml/2006/main" xmlns:r="http://schemas.openxmlformats.org/officeDocument/2006/relationships" xmlns:p="http://schemas.openxmlformats.org/presentationml/2006/main">
+  <p:cSld>
+    <p:spTree>
+      <p:nvGrpSpPr>
+        <p:cNvPr id="1" name=""/>
+        <p:cNvGrpSpPr/>
+        <p:nvPr/>
+      </p:nvGrpSpPr>
+      <p:grpSpPr>
+        <a:xfrm>
+          <a:off x="0" y="0"/>
+          <a:ext cx="0" cy="0"/>
+          <a:chOff x="0" y="0"/>
+          <a:chExt cx="0" cy="0"/>
+        </a:xfrm>
+      </p:grpSpPr>
+      <p:sp>
+        <p:nvSpPr>
+          <p:cNvPr id="2" name="Title 1"/>
+          <p:cNvSpPr>
+            <a:spLocks noGrp="1"/>
+          </p:cNvSpPr>
+          <p:nvPr>
+            <p:ph type="title"/>
+          </p:nvPr>
+        </p:nvSpPr>
+        <p:spPr/>
+        <p:txBody>
+          <a:bodyPr/>
+          <a:lstStyle/>
+          <a:p>
+            <a:r>
+              <a:rPr lang="en-US" dirty="0" smtClean="0"/>
+              <a:t>Byte 2 Results</a:t>
+            </a:r>
+            <a:endParaRPr lang="en-US" dirty="0"/>
+          </a:p>
+        </p:txBody>
+      </p:sp>
+      <p:sp>
+        <p:nvSpPr>
+          <p:cNvPr id="3" name="Content Placeholder 2"/>
+          <p:cNvSpPr>
+            <a:spLocks noGrp="1"/>
+          </p:cNvSpPr>
+          <p:nvPr>
+            <p:ph idx="1"/>
+          </p:nvPr>
+        </p:nvSpPr>
+        <p:spPr/>
+        <p:txBody>
+          <a:bodyPr/>
+          <a:lstStyle/>
+          <a:p>
+            <a:r>
+              <a:rPr lang="en-US" sz="1600" dirty="0" smtClean="0"/>
+              <a:t>Errors </a:t>
+            </a:r>
+            <a:r>
+              <a:rPr lang="en-US" sz="1600" dirty="0"/>
+              <a:t>and Problems in the data:</a:t>
+            </a:r>
+          </a:p>
+          <a:p>
+            <a:r>
+              <a:rPr lang="en-US" sz="1600" dirty="0"/>
+              <a:t>37% of the age data is missing !</a:t>
+            </a:r>
+          </a:p>
+          <a:p>
+            <a:r>
+              <a:rPr lang="en-US" sz="1600" dirty="0"/>
+              <a:t>Spatial data is missing many values (over 2000 in the case of longitude)</a:t>
+            </a:r>
+          </a:p>
+          <a:p>
+            <a:r>
+              <a:rPr lang="en-US" sz="1600" dirty="0"/>
+              <a:t>Some zip codes are missing (esp. for zip found); some are invalid possibly due to typographical errors.</a:t>
+            </a:r>
+          </a:p>
+          <a:p>
+            <a:r>
+              <a:rPr lang="en-US" sz="1600" dirty="0"/>
+              <a:t>Outcome subtype, which can help us understand what goes on in the shelter, is missing in over 2000 rows.</a:t>
+            </a:r>
+          </a:p>
+          <a:p>
+            <a:r>
+              <a:rPr lang="en-US" sz="1600" dirty="0"/>
+              <a:t>Some euthanized animals also have a zip placed value </a:t>
+            </a:r>
+          </a:p>
+          <a:p>
+            <a:r>
+              <a:rPr lang="en-US" sz="1600" dirty="0"/>
+              <a:t>Some columns are redundant (could introduce errors)</a:t>
+            </a:r>
+          </a:p>
+          <a:p>
+            <a:r>
+              <a:rPr lang="en-US" sz="1600" dirty="0"/>
+              <a:t>There are over 500 distinct breeds, some of which are redundant; and 75% of records have no value (across cats and dogs?)</a:t>
+            </a:r>
+          </a:p>
+          <a:p>
+            <a:r>
+              <a:rPr lang="en-US" sz="1600" dirty="0"/>
+              <a:t>Some visualizations to explore that highlight a few of these points:</a:t>
+            </a:r>
+          </a:p>
+          <a:p>
+            <a:r>
+              <a:rPr lang="en-US" sz="1600" u="sng" dirty="0">
+                <a:hlinkClick r:id="rId2"/>
+              </a:rPr>
+              <a:t>http://jianf-byte2.appspot.com</a:t>
+            </a:r>
+          </a:p>
+          <a:p>
+            <a:r>
+              <a:rPr lang="en-US" sz="1600" u="sng" dirty="0">
+                <a:hlinkClick r:id="rId3"/>
+              </a:rPr>
+              <a:t>http://amarella-byte2.appspot.com</a:t>
+            </a:r>
+            <a:endParaRPr lang="en-US" sz="1600" dirty="0"/>
+          </a:p>
+        </p:txBody>
+      </p:sp>
+      <p:sp>
+        <p:nvSpPr>
+          <p:cNvPr id="4" name="Date Placeholder 3"/>
+          <p:cNvSpPr>
+            <a:spLocks noGrp="1"/>
+          </p:cNvSpPr>
+          <p:nvPr>
+            <p:ph type="dt" sz="half" idx="10"/>
+          </p:nvPr>
+        </p:nvSpPr>
+        <p:spPr/>
+        <p:txBody>
+          <a:bodyPr/>
+          <a:lstStyle/>
+          <a:p>
+            <a:fld id="{7053BEFA-1175-F644-B249-7D41D72BD3FF}" type="datetime1">
+              <a:rPr lang="en-US" smtClean="0"/>
+              <a:t>2/7/14</a:t>
+            </a:fld>
+            <a:endParaRPr lang="en-US"/>
+          </a:p>
+        </p:txBody>
+      </p:sp>
+      <p:sp>
+        <p:nvSpPr>
+          <p:cNvPr id="5" name="Footer Placeholder 4"/>
+          <p:cNvSpPr>
+            <a:spLocks noGrp="1"/>
+          </p:cNvSpPr>
+          <p:nvPr>
+            <p:ph type="ftr" sz="quarter" idx="11"/>
+          </p:nvPr>
+        </p:nvSpPr>
+        <p:spPr/>
+        <p:txBody>
+          <a:bodyPr/>
+          <a:lstStyle/>
+          <a:p>
+            <a:endParaRPr lang="en-US" dirty="0"/>
+          </a:p>
+        </p:txBody>
+      </p:sp>
+      <p:sp>
+        <p:nvSpPr>
+          <p:cNvPr id="6" name="Slide Number Placeholder 5"/>
+          <p:cNvSpPr>
+            <a:spLocks noGrp="1"/>
+          </p:cNvSpPr>
+          <p:nvPr>
+            <p:ph type="sldNum" sz="quarter" idx="12"/>
+          </p:nvPr>
+        </p:nvSpPr>
+        <p:spPr/>
+        <p:txBody>
+          <a:bodyPr/>
+          <a:lstStyle/>
+          <a:p>
+            <a:fld id="{17E276FA-8F89-B34D-A726-BE3FA1F8DD97}" type="slidenum">
+              <a:rPr lang="en-US" smtClean="0"/>
+              <a:t>4</a:t>
+            </a:fld>
+            <a:endParaRPr lang="en-US" dirty="0"/>
+          </a:p>
+        </p:txBody>
+      </p:sp>
+    </p:spTree>
+    <p:extLst>
+      <p:ext uri="{BB962C8B-B14F-4D97-AF65-F5344CB8AC3E}">
+        <p14:creationId xmlns:p14="http://schemas.microsoft.com/office/powerpoint/2010/main" val="68456778"/>
+      </p:ext>
+    </p:extLst>
+  </p:cSld>
+  <p:clrMapOvr>
+    <a:masterClrMapping/>
+  </p:clrMapOvr>
+  <p:timing>
+    <p:tnLst>
+      <p:par>
+        <p:cTn xmlns:p14="http://schemas.microsoft.com/office/powerpoint/2010/main" id="1" dur="indefinite" restart="never" nodeType="tmRoot"/>
+      </p:par>
+    </p:tnLst>
+  </p:timing>
+</p:sld>
+</file>
+
+<file path=ppt/slides/slide5.xml><?xml version="1.0" encoding="utf-8"?>
+<p:sld xmlns:a="http://schemas.openxmlformats.org/drawingml/2006/main" xmlns:r="http://schemas.openxmlformats.org/officeDocument/2006/relationships" xmlns:p="http://schemas.openxmlformats.org/presentationml/2006/main">
+  <p:cSld>
+    <p:spTree>
+      <p:nvGrpSpPr>
+        <p:cNvPr id="1" name=""/>
+        <p:cNvGrpSpPr/>
+        <p:nvPr/>
+      </p:nvGrpSpPr>
+      <p:grpSpPr>
+        <a:xfrm>
+          <a:off x="0" y="0"/>
+          <a:ext cx="0" cy="0"/>
+          <a:chOff x="0" y="0"/>
+          <a:chExt cx="0" cy="0"/>
+        </a:xfrm>
+      </p:grpSpPr>
+      <p:sp>
+        <p:nvSpPr>
+          <p:cNvPr id="2" name="Title 1"/>
+          <p:cNvSpPr>
+            <a:spLocks noGrp="1"/>
+          </p:cNvSpPr>
+          <p:nvPr>
+            <p:ph type="title"/>
+          </p:nvPr>
+        </p:nvSpPr>
+        <p:spPr/>
+        <p:txBody>
+          <a:bodyPr/>
+          <a:lstStyle/>
+          <a:p>
+            <a:r>
+              <a:rPr lang="en-US" dirty="0" smtClean="0"/>
+              <a:t>Boxplot [Random Data; 3 times]</a:t>
+            </a:r>
+            <a:endParaRPr lang="en-US" dirty="0"/>
+          </a:p>
+        </p:txBody>
+      </p:sp>
+      <p:sp>
+        <p:nvSpPr>
+          <p:cNvPr id="4" name="Date Placeholder 3"/>
+          <p:cNvSpPr>
+            <a:spLocks noGrp="1"/>
+          </p:cNvSpPr>
+          <p:nvPr>
+            <p:ph type="dt" sz="half" idx="10"/>
+          </p:nvPr>
+        </p:nvSpPr>
+        <p:spPr/>
+        <p:txBody>
+          <a:bodyPr/>
+          <a:lstStyle/>
+          <a:p>
+            <a:fld id="{7053BEFA-1175-F644-B249-7D41D72BD3FF}" type="datetime1">
+              <a:rPr lang="en-US" smtClean="0"/>
+              <a:t>2/7/14</a:t>
+            </a:fld>
+            <a:endParaRPr lang="en-US"/>
+          </a:p>
+        </p:txBody>
+      </p:sp>
+      <p:sp>
+        <p:nvSpPr>
+          <p:cNvPr id="5" name="Footer Placeholder 4"/>
+          <p:cNvSpPr>
+            <a:spLocks noGrp="1"/>
+          </p:cNvSpPr>
+          <p:nvPr>
+            <p:ph type="ftr" sz="quarter" idx="11"/>
+          </p:nvPr>
+        </p:nvSpPr>
+        <p:spPr/>
+        <p:txBody>
+          <a:bodyPr/>
+          <a:lstStyle/>
+          <a:p>
+            <a:endParaRPr lang="en-US" dirty="0"/>
+          </a:p>
+        </p:txBody>
+      </p:sp>
+      <p:sp>
+        <p:nvSpPr>
+          <p:cNvPr id="6" name="Slide Number Placeholder 5"/>
+          <p:cNvSpPr>
+            <a:spLocks noGrp="1"/>
+          </p:cNvSpPr>
+          <p:nvPr>
+            <p:ph type="sldNum" sz="quarter" idx="12"/>
+          </p:nvPr>
+        </p:nvSpPr>
+        <p:spPr/>
+        <p:txBody>
+          <a:bodyPr/>
+          <a:lstStyle/>
+          <a:p>
+            <a:fld id="{17E276FA-8F89-B34D-A726-BE3FA1F8DD97}" type="slidenum">
+              <a:rPr lang="en-US" smtClean="0"/>
+              <a:t>5</a:t>
+            </a:fld>
+            <a:endParaRPr lang="en-US" dirty="0"/>
+          </a:p>
+        </p:txBody>
+      </p:sp>
+      <p:pic>
+        <p:nvPicPr>
+          <p:cNvPr id="8" name="Content Placeholder 7" descr="Screen Shot 2014-01-30 at 10.56.45 AM.png"/>
+          <p:cNvPicPr>
+            <a:picLocks noGrp="1" noChangeAspect="1"/>
+          </p:cNvPicPr>
+          <p:nvPr>
+            <p:ph idx="1"/>
+          </p:nvPr>
+        </p:nvPicPr>
+        <p:blipFill rotWithShape="1">
+          <a:blip r:embed="rId3">
+            <a:extLst>
+              <a:ext uri="{28A0092B-C50C-407E-A947-70E740481C1C}">
+                <a14:useLocalDpi xmlns:a14="http://schemas.microsoft.com/office/drawing/2010/main" val="0"/>
+              </a:ext>
+            </a:extLst>
+          </a:blip>
+          <a:srcRect l="4761" r="43772" b="24225"/>
+          <a:stretch/>
+        </p:blipFill>
+        <p:spPr>
+          <a:xfrm>
+            <a:off x="1128943" y="1534736"/>
+            <a:ext cx="6105630" cy="5053862"/>
+          </a:xfrm>
+        </p:spPr>
+      </p:pic>
+    </p:spTree>
+    <p:extLst>
+      <p:ext uri="{BB962C8B-B14F-4D97-AF65-F5344CB8AC3E}">
+        <p14:creationId xmlns:p14="http://schemas.microsoft.com/office/powerpoint/2010/main" val="3423289031"/>
+      </p:ext>
+    </p:extLst>
+  </p:cSld>
+  <p:clrMapOvr>
+    <a:masterClrMapping/>
+  </p:clrMapOvr>
+  <p:timing>
+    <p:tnLst>
+      <p:par>
+        <p:cTn xmlns:p14="http://schemas.microsoft.com/office/powerpoint/2010/main" id="1" dur="indefinite" restart="never" nodeType="tmRoot"/>
+      </p:par>
+    </p:tnLst>
+  </p:timing>
+</p:sld>
+</file>
+
+<file path=ppt/slides/slide6.xml><?xml version="1.0" encoding="utf-8"?>
+<p:sld xmlns:a="http://schemas.openxmlformats.org/drawingml/2006/main" xmlns:r="http://schemas.openxmlformats.org/officeDocument/2006/relationships" xmlns:p="http://schemas.openxmlformats.org/presentationml/2006/main">
+  <p:cSld>
+    <p:spTree>
+      <p:nvGrpSpPr>
+        <p:cNvPr id="1" name=""/>
+        <p:cNvGrpSpPr/>
+        <p:nvPr/>
+      </p:nvGrpSpPr>
+      <p:grpSpPr>
+        <a:xfrm>
+          <a:off x="0" y="0"/>
+          <a:ext cx="0" cy="0"/>
+          <a:chOff x="0" y="0"/>
+          <a:chExt cx="0" cy="0"/>
+        </a:xfrm>
+      </p:grpSpPr>
+      <p:sp>
+        <p:nvSpPr>
+          <p:cNvPr id="2" name="Title 1"/>
+          <p:cNvSpPr>
+            <a:spLocks noGrp="1"/>
+          </p:cNvSpPr>
+          <p:nvPr>
+            <p:ph type="title"/>
+          </p:nvPr>
+        </p:nvSpPr>
+        <p:spPr/>
+        <p:txBody>
+          <a:bodyPr/>
+          <a:lstStyle/>
+          <a:p>
+            <a:r>
+              <a:rPr lang="en-US" dirty="0" smtClean="0"/>
+              <a:t>Scatterplot</a:t>
+            </a:r>
+            <a:endParaRPr lang="en-US" dirty="0"/>
+          </a:p>
+        </p:txBody>
+      </p:sp>
+      <p:pic>
+        <p:nvPicPr>
+          <p:cNvPr id="7" name="Content Placeholder 6" descr="Screen Shot 2014-01-30 at 5.18.33 PM.png"/>
+          <p:cNvPicPr>
+            <a:picLocks noGrp="1" noChangeAspect="1"/>
+          </p:cNvPicPr>
+          <p:nvPr>
+            <p:ph idx="1"/>
+          </p:nvPr>
+        </p:nvPicPr>
+        <p:blipFill>
+          <a:blip r:embed="rId3">
+            <a:extLst>
+              <a:ext uri="{28A0092B-C50C-407E-A947-70E740481C1C}">
+                <a14:useLocalDpi xmlns:a14="http://schemas.microsoft.com/office/drawing/2010/main" val="0"/>
+              </a:ext>
+            </a:extLst>
+          </a:blip>
+          <a:srcRect l="1481" r="1481"/>
+          <a:stretch>
+            <a:fillRect/>
+          </a:stretch>
+        </p:blipFill>
+        <p:spPr/>
+      </p:pic>
+      <p:sp>
+        <p:nvSpPr>
+          <p:cNvPr id="4" name="Date Placeholder 3"/>
+          <p:cNvSpPr>
+            <a:spLocks noGrp="1"/>
+          </p:cNvSpPr>
+          <p:nvPr>
+            <p:ph type="dt" sz="half" idx="10"/>
+          </p:nvPr>
+        </p:nvSpPr>
+        <p:spPr/>
+        <p:txBody>
+          <a:bodyPr/>
+          <a:lstStyle/>
+          <a:p>
+            <a:fld id="{7053BEFA-1175-F644-B249-7D41D72BD3FF}" type="datetime1">
+              <a:rPr lang="en-US" smtClean="0"/>
+              <a:t>2/7/14</a:t>
+            </a:fld>
+            <a:endParaRPr lang="en-US"/>
+          </a:p>
+        </p:txBody>
+      </p:sp>
+      <p:sp>
+        <p:nvSpPr>
+          <p:cNvPr id="5" name="Footer Placeholder 4"/>
+          <p:cNvSpPr>
+            <a:spLocks noGrp="1"/>
+          </p:cNvSpPr>
+          <p:nvPr>
+            <p:ph type="ftr" sz="quarter" idx="11"/>
+          </p:nvPr>
+        </p:nvSpPr>
+        <p:spPr/>
+        <p:txBody>
+          <a:bodyPr/>
+          <a:lstStyle/>
+          <a:p>
+            <a:endParaRPr lang="en-US" dirty="0"/>
+          </a:p>
+        </p:txBody>
+      </p:sp>
+      <p:sp>
+        <p:nvSpPr>
+          <p:cNvPr id="6" name="Slide Number Placeholder 5"/>
+          <p:cNvSpPr>
+            <a:spLocks noGrp="1"/>
+          </p:cNvSpPr>
+          <p:nvPr>
+            <p:ph type="sldNum" sz="quarter" idx="12"/>
+          </p:nvPr>
+        </p:nvSpPr>
+        <p:spPr/>
+        <p:txBody>
+          <a:bodyPr/>
+          <a:lstStyle/>
+          <a:p>
+            <a:fld id="{17E276FA-8F89-B34D-A726-BE3FA1F8DD97}" type="slidenum">
+              <a:rPr lang="en-US" smtClean="0"/>
+              <a:t>6</a:t>
+            </a:fld>
+            <a:endParaRPr lang="en-US" dirty="0"/>
+          </a:p>
+        </p:txBody>
+      </p:sp>
+    </p:spTree>
+    <p:extLst>
+      <p:ext uri="{BB962C8B-B14F-4D97-AF65-F5344CB8AC3E}">
+        <p14:creationId xmlns:p14="http://schemas.microsoft.com/office/powerpoint/2010/main" val="857429021"/>
+      </p:ext>
+    </p:extLst>
+  </p:cSld>
+  <p:clrMapOvr>
+    <a:masterClrMapping/>
+  </p:clrMapOvr>
+  <p:timing>
+    <p:tnLst>
+      <p:par>
+        <p:cTn xmlns:p14="http://schemas.microsoft.com/office/powerpoint/2010/main" id="1" dur="indefinite" restart="never" nodeType="tmRoot"/>
+      </p:par>
+    </p:tnLst>
+  </p:timing>
+</p:sld>
+</file>
+
+<file path=ppt/slides/slide7.xml><?xml version="1.0" encoding="utf-8"?>
 <p:sld xmlns:a="http://schemas.openxmlformats.org/drawingml/2006/main" xmlns:r="http://schemas.openxmlformats.org/officeDocument/2006/relationships" xmlns:p="http://schemas.openxmlformats.org/presentationml/2006/main" showMasterPhAnim="0">
   <p:cSld>
     <p:spTree>
@@ -17142,7 +19381,7 @@
 </p:sld>
 </file>
 
-<file path=ppt/slides/slide5.xml><?xml version="1.0" encoding="utf-8"?>
+<file path=ppt/slides/slide8.xml><?xml version="1.0" encoding="utf-8"?>
 <p:sld xmlns:a="http://schemas.openxmlformats.org/drawingml/2006/main" xmlns:r="http://schemas.openxmlformats.org/officeDocument/2006/relationships" xmlns:p="http://schemas.openxmlformats.org/presentationml/2006/main" showMasterPhAnim="0">
   <p:cSld>
     <p:spTree>
@@ -17376,11 +19615,6 @@
               </a:rPr>
               <a:t>/guides/7-classic-foundational-vis-papers</a:t>
             </a:r>
-            <a:endParaRPr lang="en-US" altLang="ja-JP" sz="2400" dirty="0">
-              <a:latin typeface="Geneva" charset="0"/>
-              <a:ea typeface="ＭＳ Ｐゴシック" charset="0"/>
-              <a:cs typeface="ＭＳ Ｐゴシック" charset="0"/>
-            </a:endParaRPr>
           </a:p>
           <a:p>
             <a:pPr>
@@ -17588,7 +19822,7 @@
 </p:sld>
 </file>
 
-<file path=ppt/slides/slide6.xml><?xml version="1.0" encoding="utf-8"?>
+<file path=ppt/slides/slide9.xml><?xml version="1.0" encoding="utf-8"?>
 <p:sld xmlns:a="http://schemas.openxmlformats.org/drawingml/2006/main" xmlns:r="http://schemas.openxmlformats.org/officeDocument/2006/relationships" xmlns:p="http://schemas.openxmlformats.org/presentationml/2006/main">
   <p:cSld>
     <p:spTree>
@@ -17808,2046 +20042,6 @@
         <p:cTn xmlns:p14="http://schemas.microsoft.com/office/powerpoint/2010/main" id="1" dur="indefinite" restart="never" nodeType="tmRoot"/>
       </p:par>
     </p:tnLst>
-  </p:timing>
-</p:sld>
-</file>
-
-<file path=ppt/slides/slide7.xml><?xml version="1.0" encoding="utf-8"?>
-<p:sld xmlns:a="http://schemas.openxmlformats.org/drawingml/2006/main" xmlns:r="http://schemas.openxmlformats.org/officeDocument/2006/relationships" xmlns:p="http://schemas.openxmlformats.org/presentationml/2006/main">
-  <p:cSld>
-    <p:spTree>
-      <p:nvGrpSpPr>
-        <p:cNvPr id="1" name=""/>
-        <p:cNvGrpSpPr/>
-        <p:nvPr/>
-      </p:nvGrpSpPr>
-      <p:grpSpPr>
-        <a:xfrm>
-          <a:off x="0" y="0"/>
-          <a:ext cx="0" cy="0"/>
-          <a:chOff x="0" y="0"/>
-          <a:chExt cx="0" cy="0"/>
-        </a:xfrm>
-      </p:grpSpPr>
-      <p:sp>
-        <p:nvSpPr>
-          <p:cNvPr id="9" name="Rectangle 8"/>
-          <p:cNvSpPr/>
-          <p:nvPr/>
-        </p:nvSpPr>
-        <p:spPr>
-          <a:xfrm>
-            <a:off x="0" y="0"/>
-            <a:ext cx="9144000" cy="6858000"/>
-          </a:xfrm>
-          <a:prstGeom prst="rect">
-            <a:avLst/>
-          </a:prstGeom>
-          <a:solidFill>
-            <a:srgbClr val="FFFFFF"/>
-          </a:solidFill>
-        </p:spPr>
-        <p:style>
-          <a:lnRef idx="1">
-            <a:schemeClr val="accent1"/>
-          </a:lnRef>
-          <a:fillRef idx="3">
-            <a:schemeClr val="accent1"/>
-          </a:fillRef>
-          <a:effectRef idx="2">
-            <a:schemeClr val="accent1"/>
-          </a:effectRef>
-          <a:fontRef idx="minor">
-            <a:schemeClr val="lt1"/>
-          </a:fontRef>
-        </p:style>
-        <p:txBody>
-          <a:bodyPr anchor="ctr"/>
-          <a:lstStyle/>
-          <a:p>
-            <a:pPr algn="ctr">
-              <a:defRPr/>
-            </a:pPr>
-            <a:endParaRPr lang="en-US"/>
-          </a:p>
-        </p:txBody>
-      </p:sp>
-      <p:sp>
-        <p:nvSpPr>
-          <p:cNvPr id="24578" name="Rectangle 2"/>
-          <p:cNvSpPr>
-            <a:spLocks noGrp="1" noChangeArrowheads="1"/>
-          </p:cNvSpPr>
-          <p:nvPr>
-            <p:ph type="title"/>
-          </p:nvPr>
-        </p:nvSpPr>
-        <p:spPr>
-          <a:xfrm>
-            <a:off x="0" y="0"/>
-            <a:ext cx="8534400" cy="990600"/>
-          </a:xfrm>
-        </p:spPr>
-        <p:txBody>
-          <a:bodyPr/>
-          <a:lstStyle/>
-          <a:p>
-            <a:r>
-              <a:rPr lang="en-US">
-                <a:latin typeface="Geneva" charset="0"/>
-                <a:ea typeface="ＭＳ Ｐゴシック" charset="0"/>
-                <a:cs typeface="ＭＳ Ｐゴシック" charset="0"/>
-              </a:rPr>
-              <a:t>Visualization  Success Story</a:t>
-            </a:r>
-          </a:p>
-        </p:txBody>
-      </p:sp>
-      <p:sp>
-        <p:nvSpPr>
-          <p:cNvPr id="24579" name="Text Box 4"/>
-          <p:cNvSpPr txBox="1">
-            <a:spLocks noChangeArrowheads="1"/>
-          </p:cNvSpPr>
-          <p:nvPr/>
-        </p:nvSpPr>
-        <p:spPr bwMode="auto">
-          <a:xfrm>
-            <a:off x="6705600" y="4572000"/>
-            <a:ext cx="2225675" cy="1323975"/>
-          </a:xfrm>
-          <a:prstGeom prst="rect">
-            <a:avLst/>
-          </a:prstGeom>
-          <a:noFill/>
-          <a:ln>
-            <a:noFill/>
-          </a:ln>
-          <a:extLst>
-            <a:ext uri="{909E8E84-426E-40dd-AFC4-6F175D3DCCD1}">
-              <a14:hiddenFill xmlns:a14="http://schemas.microsoft.com/office/drawing/2010/main">
-                <a:solidFill>
-                  <a:srgbClr val="FFFFFF"/>
-                </a:solidFill>
-              </a14:hiddenFill>
-            </a:ext>
-            <a:ext uri="{91240B29-F687-4f45-9708-019B960494DF}">
-              <a14:hiddenLine xmlns:a14="http://schemas.microsoft.com/office/drawing/2010/main" w="9525">
-                <a:solidFill>
-                  <a:srgbClr val="000000"/>
-                </a:solidFill>
-                <a:miter lim="800000"/>
-                <a:headEnd/>
-                <a:tailEnd/>
-              </a14:hiddenLine>
-            </a:ext>
-          </a:extLst>
-        </p:spPr>
-        <p:txBody>
-          <a:bodyPr>
-            <a:spAutoFit/>
-          </a:bodyPr>
-          <a:lstStyle>
-            <a:lvl1pPr eaLnBrk="0" hangingPunct="0">
-              <a:defRPr sz="2400">
-                <a:solidFill>
-                  <a:schemeClr val="tx1"/>
-                </a:solidFill>
-                <a:latin typeface="Arial" charset="0"/>
-                <a:ea typeface="ＭＳ Ｐゴシック" charset="0"/>
-                <a:cs typeface="ＭＳ Ｐゴシック" charset="0"/>
-              </a:defRPr>
-            </a:lvl1pPr>
-            <a:lvl2pPr marL="742950" indent="-285750" eaLnBrk="0" hangingPunct="0">
-              <a:defRPr sz="2400">
-                <a:solidFill>
-                  <a:schemeClr val="tx1"/>
-                </a:solidFill>
-                <a:latin typeface="Arial" charset="0"/>
-                <a:ea typeface="ＭＳ Ｐゴシック" charset="0"/>
-              </a:defRPr>
-            </a:lvl2pPr>
-            <a:lvl3pPr marL="1143000" indent="-228600" eaLnBrk="0" hangingPunct="0">
-              <a:defRPr sz="2400">
-                <a:solidFill>
-                  <a:schemeClr val="tx1"/>
-                </a:solidFill>
-                <a:latin typeface="Arial" charset="0"/>
-                <a:ea typeface="ＭＳ Ｐゴシック" charset="0"/>
-              </a:defRPr>
-            </a:lvl3pPr>
-            <a:lvl4pPr marL="1600200" indent="-228600" eaLnBrk="0" hangingPunct="0">
-              <a:defRPr sz="2400">
-                <a:solidFill>
-                  <a:schemeClr val="tx1"/>
-                </a:solidFill>
-                <a:latin typeface="Arial" charset="0"/>
-                <a:ea typeface="ＭＳ Ｐゴシック" charset="0"/>
-              </a:defRPr>
-            </a:lvl4pPr>
-            <a:lvl5pPr marL="2057400" indent="-228600" eaLnBrk="0" hangingPunct="0">
-              <a:defRPr sz="2400">
-                <a:solidFill>
-                  <a:schemeClr val="tx1"/>
-                </a:solidFill>
-                <a:latin typeface="Arial" charset="0"/>
-                <a:ea typeface="ＭＳ Ｐゴシック" charset="0"/>
-              </a:defRPr>
-            </a:lvl5pPr>
-            <a:lvl6pPr marL="2514600" indent="-228600" eaLnBrk="0" fontAlgn="base" hangingPunct="0">
-              <a:spcBef>
-                <a:spcPct val="0"/>
-              </a:spcBef>
-              <a:spcAft>
-                <a:spcPct val="0"/>
-              </a:spcAft>
-              <a:defRPr sz="2400">
-                <a:solidFill>
-                  <a:schemeClr val="tx1"/>
-                </a:solidFill>
-                <a:latin typeface="Arial" charset="0"/>
-                <a:ea typeface="ＭＳ Ｐゴシック" charset="0"/>
-              </a:defRPr>
-            </a:lvl6pPr>
-            <a:lvl7pPr marL="2971800" indent="-228600" eaLnBrk="0" fontAlgn="base" hangingPunct="0">
-              <a:spcBef>
-                <a:spcPct val="0"/>
-              </a:spcBef>
-              <a:spcAft>
-                <a:spcPct val="0"/>
-              </a:spcAft>
-              <a:defRPr sz="2400">
-                <a:solidFill>
-                  <a:schemeClr val="tx1"/>
-                </a:solidFill>
-                <a:latin typeface="Arial" charset="0"/>
-                <a:ea typeface="ＭＳ Ｐゴシック" charset="0"/>
-              </a:defRPr>
-            </a:lvl7pPr>
-            <a:lvl8pPr marL="3429000" indent="-228600" eaLnBrk="0" fontAlgn="base" hangingPunct="0">
-              <a:spcBef>
-                <a:spcPct val="0"/>
-              </a:spcBef>
-              <a:spcAft>
-                <a:spcPct val="0"/>
-              </a:spcAft>
-              <a:defRPr sz="2400">
-                <a:solidFill>
-                  <a:schemeClr val="tx1"/>
-                </a:solidFill>
-                <a:latin typeface="Arial" charset="0"/>
-                <a:ea typeface="ＭＳ Ｐゴシック" charset="0"/>
-              </a:defRPr>
-            </a:lvl8pPr>
-            <a:lvl9pPr marL="3886200" indent="-228600" eaLnBrk="0" fontAlgn="base" hangingPunct="0">
-              <a:spcBef>
-                <a:spcPct val="0"/>
-              </a:spcBef>
-              <a:spcAft>
-                <a:spcPct val="0"/>
-              </a:spcAft>
-              <a:defRPr sz="2400">
-                <a:solidFill>
-                  <a:schemeClr val="tx1"/>
-                </a:solidFill>
-                <a:latin typeface="Arial" charset="0"/>
-                <a:ea typeface="ＭＳ Ｐゴシック" charset="0"/>
-              </a:defRPr>
-            </a:lvl9pPr>
-          </a:lstStyle>
-          <a:p>
-            <a:r>
-              <a:rPr lang="en-US" sz="2000">
-                <a:solidFill>
-                  <a:schemeClr val="tx2"/>
-                </a:solidFill>
-                <a:latin typeface="Arial Narrow" charset="0"/>
-              </a:rPr>
-              <a:t>From Visual Explanations by Edward Tufte, Graphics Press, 1997</a:t>
-            </a:r>
-          </a:p>
-        </p:txBody>
-      </p:sp>
-      <p:sp>
-        <p:nvSpPr>
-          <p:cNvPr id="24580" name="Text Box 5"/>
-          <p:cNvSpPr txBox="1">
-            <a:spLocks noChangeArrowheads="1"/>
-          </p:cNvSpPr>
-          <p:nvPr/>
-        </p:nvSpPr>
-        <p:spPr bwMode="auto">
-          <a:xfrm>
-            <a:off x="6705600" y="990600"/>
-            <a:ext cx="2438400" cy="2563813"/>
-          </a:xfrm>
-          <a:prstGeom prst="rect">
-            <a:avLst/>
-          </a:prstGeom>
-          <a:noFill/>
-          <a:ln>
-            <a:noFill/>
-          </a:ln>
-          <a:extLst>
-            <a:ext uri="{909E8E84-426E-40dd-AFC4-6F175D3DCCD1}">
-              <a14:hiddenFill xmlns:a14="http://schemas.microsoft.com/office/drawing/2010/main">
-                <a:solidFill>
-                  <a:srgbClr val="FFFFFF"/>
-                </a:solidFill>
-              </a14:hiddenFill>
-            </a:ext>
-            <a:ext uri="{91240B29-F687-4f45-9708-019B960494DF}">
-              <a14:hiddenLine xmlns:a14="http://schemas.microsoft.com/office/drawing/2010/main" w="9525">
-                <a:solidFill>
-                  <a:srgbClr val="000000"/>
-                </a:solidFill>
-                <a:miter lim="800000"/>
-                <a:headEnd/>
-                <a:tailEnd/>
-              </a14:hiddenLine>
-            </a:ext>
-          </a:extLst>
-        </p:spPr>
-        <p:txBody>
-          <a:bodyPr>
-            <a:spAutoFit/>
-          </a:bodyPr>
-          <a:lstStyle>
-            <a:lvl1pPr eaLnBrk="0" hangingPunct="0">
-              <a:defRPr sz="2400">
-                <a:solidFill>
-                  <a:schemeClr val="tx1"/>
-                </a:solidFill>
-                <a:latin typeface="Arial" charset="0"/>
-                <a:ea typeface="ＭＳ Ｐゴシック" charset="0"/>
-                <a:cs typeface="ＭＳ Ｐゴシック" charset="0"/>
-              </a:defRPr>
-            </a:lvl1pPr>
-            <a:lvl2pPr marL="742950" indent="-285750" eaLnBrk="0" hangingPunct="0">
-              <a:defRPr sz="2400">
-                <a:solidFill>
-                  <a:schemeClr val="tx1"/>
-                </a:solidFill>
-                <a:latin typeface="Arial" charset="0"/>
-                <a:ea typeface="ＭＳ Ｐゴシック" charset="0"/>
-              </a:defRPr>
-            </a:lvl2pPr>
-            <a:lvl3pPr marL="1143000" indent="-228600" eaLnBrk="0" hangingPunct="0">
-              <a:defRPr sz="2400">
-                <a:solidFill>
-                  <a:schemeClr val="tx1"/>
-                </a:solidFill>
-                <a:latin typeface="Arial" charset="0"/>
-                <a:ea typeface="ＭＳ Ｐゴシック" charset="0"/>
-              </a:defRPr>
-            </a:lvl3pPr>
-            <a:lvl4pPr marL="1600200" indent="-228600" eaLnBrk="0" hangingPunct="0">
-              <a:defRPr sz="2400">
-                <a:solidFill>
-                  <a:schemeClr val="tx1"/>
-                </a:solidFill>
-                <a:latin typeface="Arial" charset="0"/>
-                <a:ea typeface="ＭＳ Ｐゴシック" charset="0"/>
-              </a:defRPr>
-            </a:lvl4pPr>
-            <a:lvl5pPr marL="2057400" indent="-228600" eaLnBrk="0" hangingPunct="0">
-              <a:defRPr sz="2400">
-                <a:solidFill>
-                  <a:schemeClr val="tx1"/>
-                </a:solidFill>
-                <a:latin typeface="Arial" charset="0"/>
-                <a:ea typeface="ＭＳ Ｐゴシック" charset="0"/>
-              </a:defRPr>
-            </a:lvl5pPr>
-            <a:lvl6pPr marL="2514600" indent="-228600" eaLnBrk="0" fontAlgn="base" hangingPunct="0">
-              <a:spcBef>
-                <a:spcPct val="0"/>
-              </a:spcBef>
-              <a:spcAft>
-                <a:spcPct val="0"/>
-              </a:spcAft>
-              <a:defRPr sz="2400">
-                <a:solidFill>
-                  <a:schemeClr val="tx1"/>
-                </a:solidFill>
-                <a:latin typeface="Arial" charset="0"/>
-                <a:ea typeface="ＭＳ Ｐゴシック" charset="0"/>
-              </a:defRPr>
-            </a:lvl6pPr>
-            <a:lvl7pPr marL="2971800" indent="-228600" eaLnBrk="0" fontAlgn="base" hangingPunct="0">
-              <a:spcBef>
-                <a:spcPct val="0"/>
-              </a:spcBef>
-              <a:spcAft>
-                <a:spcPct val="0"/>
-              </a:spcAft>
-              <a:defRPr sz="2400">
-                <a:solidFill>
-                  <a:schemeClr val="tx1"/>
-                </a:solidFill>
-                <a:latin typeface="Arial" charset="0"/>
-                <a:ea typeface="ＭＳ Ｐゴシック" charset="0"/>
-              </a:defRPr>
-            </a:lvl7pPr>
-            <a:lvl8pPr marL="3429000" indent="-228600" eaLnBrk="0" fontAlgn="base" hangingPunct="0">
-              <a:spcBef>
-                <a:spcPct val="0"/>
-              </a:spcBef>
-              <a:spcAft>
-                <a:spcPct val="0"/>
-              </a:spcAft>
-              <a:defRPr sz="2400">
-                <a:solidFill>
-                  <a:schemeClr val="tx1"/>
-                </a:solidFill>
-                <a:latin typeface="Arial" charset="0"/>
-                <a:ea typeface="ＭＳ Ｐゴシック" charset="0"/>
-              </a:defRPr>
-            </a:lvl8pPr>
-            <a:lvl9pPr marL="3886200" indent="-228600" eaLnBrk="0" fontAlgn="base" hangingPunct="0">
-              <a:spcBef>
-                <a:spcPct val="0"/>
-              </a:spcBef>
-              <a:spcAft>
-                <a:spcPct val="0"/>
-              </a:spcAft>
-              <a:defRPr sz="2400">
-                <a:solidFill>
-                  <a:schemeClr val="tx1"/>
-                </a:solidFill>
-                <a:latin typeface="Arial" charset="0"/>
-                <a:ea typeface="ＭＳ Ｐゴシック" charset="0"/>
-              </a:defRPr>
-            </a:lvl9pPr>
-          </a:lstStyle>
-          <a:p>
-            <a:r>
-              <a:rPr lang="en-US" sz="1800">
-                <a:solidFill>
-                  <a:schemeClr val="tx2"/>
-                </a:solidFill>
-              </a:rPr>
-              <a:t>Illustration of John Snow</a:t>
-            </a:r>
-            <a:r>
-              <a:rPr lang="ja-JP" altLang="en-US" sz="1800">
-                <a:solidFill>
-                  <a:schemeClr val="tx2"/>
-                </a:solidFill>
-              </a:rPr>
-              <a:t>’</a:t>
-            </a:r>
-            <a:r>
-              <a:rPr lang="en-US" altLang="ja-JP" sz="1800">
-                <a:solidFill>
-                  <a:schemeClr val="tx2"/>
-                </a:solidFill>
-              </a:rPr>
-              <a:t>s</a:t>
-            </a:r>
-          </a:p>
-          <a:p>
-            <a:r>
-              <a:rPr lang="en-US" sz="1800">
-                <a:solidFill>
-                  <a:schemeClr val="tx2"/>
-                </a:solidFill>
-              </a:rPr>
-              <a:t>deduction that a cholera epidemic</a:t>
-            </a:r>
-          </a:p>
-          <a:p>
-            <a:r>
-              <a:rPr lang="en-US" sz="1800">
-                <a:solidFill>
-                  <a:schemeClr val="tx2"/>
-                </a:solidFill>
-              </a:rPr>
-              <a:t>was caused by a bad water pump, circa 1854.</a:t>
-            </a:r>
-          </a:p>
-          <a:p>
-            <a:endParaRPr lang="en-US" sz="1800">
-              <a:solidFill>
-                <a:schemeClr val="tx2"/>
-              </a:solidFill>
-            </a:endParaRPr>
-          </a:p>
-          <a:p>
-            <a:r>
-              <a:rPr lang="en-US" sz="1800">
-                <a:solidFill>
-                  <a:schemeClr val="tx2"/>
-                </a:solidFill>
-              </a:rPr>
-              <a:t>Horizontal lines indicate location of deaths.</a:t>
-            </a:r>
-          </a:p>
-        </p:txBody>
-      </p:sp>
-      <p:sp>
-        <p:nvSpPr>
-          <p:cNvPr id="24581" name="Oval 6"/>
-          <p:cNvSpPr>
-            <a:spLocks noChangeArrowheads="1"/>
-          </p:cNvSpPr>
-          <p:nvPr/>
-        </p:nvSpPr>
-        <p:spPr bwMode="auto">
-          <a:xfrm>
-            <a:off x="5715000" y="3505200"/>
-            <a:ext cx="304800" cy="228600"/>
-          </a:xfrm>
-          <a:prstGeom prst="ellipse">
-            <a:avLst/>
-          </a:prstGeom>
-          <a:noFill/>
-          <a:ln w="38100">
-            <a:solidFill>
-              <a:srgbClr val="FF0066"/>
-            </a:solidFill>
-            <a:round/>
-            <a:headEnd/>
-            <a:tailEnd/>
-          </a:ln>
-          <a:extLst>
-            <a:ext uri="{909E8E84-426E-40dd-AFC4-6F175D3DCCD1}">
-              <a14:hiddenFill xmlns:a14="http://schemas.microsoft.com/office/drawing/2010/main">
-                <a:solidFill>
-                  <a:srgbClr val="FFFFFF"/>
-                </a:solidFill>
-              </a14:hiddenFill>
-            </a:ext>
-          </a:extLst>
-        </p:spPr>
-        <p:txBody>
-          <a:bodyPr wrap="none" anchor="ctr">
-            <a:spAutoFit/>
-          </a:bodyPr>
-          <a:lstStyle/>
-          <a:p>
-            <a:endParaRPr lang="en-US"/>
-          </a:p>
-        </p:txBody>
-      </p:sp>
-      <p:pic>
-        <p:nvPicPr>
-          <p:cNvPr id="24582" name="Picture 7" descr="H:\talks\sigir-tutorial\snow.gif"/>
-          <p:cNvPicPr>
-            <a:picLocks noChangeAspect="1" noChangeArrowheads="1"/>
-          </p:cNvPicPr>
-          <p:nvPr/>
-        </p:nvPicPr>
-        <p:blipFill>
-          <a:blip r:embed="rId2">
-            <a:extLst>
-              <a:ext uri="{28A0092B-C50C-407E-A947-70E740481C1C}">
-                <a14:useLocalDpi xmlns:a14="http://schemas.microsoft.com/office/drawing/2010/main" val="0"/>
-              </a:ext>
-            </a:extLst>
-          </a:blip>
-          <a:srcRect/>
-          <a:stretch>
-            <a:fillRect/>
-          </a:stretch>
-        </p:blipFill>
-        <p:spPr bwMode="auto">
-          <a:xfrm>
-            <a:off x="152400" y="3733800"/>
-            <a:ext cx="3200400" cy="2860675"/>
-          </a:xfrm>
-          <a:prstGeom prst="rect">
-            <a:avLst/>
-          </a:prstGeom>
-          <a:noFill/>
-          <a:ln>
-            <a:noFill/>
-          </a:ln>
-          <a:extLst>
-            <a:ext uri="{909E8E84-426E-40dd-AFC4-6F175D3DCCD1}">
-              <a14:hiddenFill xmlns:a14="http://schemas.microsoft.com/office/drawing/2010/main">
-                <a:solidFill>
-                  <a:srgbClr val="FFFFFF"/>
-                </a:solidFill>
-              </a14:hiddenFill>
-            </a:ext>
-            <a:ext uri="{91240B29-F687-4f45-9708-019B960494DF}">
-              <a14:hiddenLine xmlns:a14="http://schemas.microsoft.com/office/drawing/2010/main" w="9525">
-                <a:solidFill>
-                  <a:srgbClr val="000000"/>
-                </a:solidFill>
-                <a:miter lim="800000"/>
-                <a:headEnd/>
-                <a:tailEnd/>
-              </a14:hiddenLine>
-            </a:ext>
-          </a:extLst>
-        </p:spPr>
-      </p:pic>
-      <p:sp>
-        <p:nvSpPr>
-          <p:cNvPr id="24583" name="Oval 8"/>
-          <p:cNvSpPr>
-            <a:spLocks noChangeArrowheads="1"/>
-          </p:cNvSpPr>
-          <p:nvPr/>
-        </p:nvSpPr>
-        <p:spPr bwMode="auto">
-          <a:xfrm>
-            <a:off x="1752600" y="4953000"/>
-            <a:ext cx="304800" cy="228600"/>
-          </a:xfrm>
-          <a:prstGeom prst="ellipse">
-            <a:avLst/>
-          </a:prstGeom>
-          <a:noFill/>
-          <a:ln w="38100">
-            <a:solidFill>
-              <a:srgbClr val="FF0066"/>
-            </a:solidFill>
-            <a:round/>
-            <a:headEnd/>
-            <a:tailEnd/>
-          </a:ln>
-          <a:extLst>
-            <a:ext uri="{909E8E84-426E-40dd-AFC4-6F175D3DCCD1}">
-              <a14:hiddenFill xmlns:a14="http://schemas.microsoft.com/office/drawing/2010/main">
-                <a:solidFill>
-                  <a:srgbClr val="FFFFFF"/>
-                </a:solidFill>
-              </a14:hiddenFill>
-            </a:ext>
-          </a:extLst>
-        </p:spPr>
-        <p:txBody>
-          <a:bodyPr wrap="none" anchor="ctr">
-            <a:spAutoFit/>
-          </a:bodyPr>
-          <a:lstStyle/>
-          <a:p>
-            <a:endParaRPr lang="en-US"/>
-          </a:p>
-        </p:txBody>
-      </p:sp>
-      <p:pic>
-        <p:nvPicPr>
-          <p:cNvPr id="24584" name="Picture 5" descr="H:\talks\sigir-tutorial\snow.gif"/>
-          <p:cNvPicPr>
-            <a:picLocks noChangeAspect="1" noChangeArrowheads="1"/>
-          </p:cNvPicPr>
-          <p:nvPr/>
-        </p:nvPicPr>
-        <p:blipFill>
-          <a:blip r:embed="rId2">
-            <a:extLst>
-              <a:ext uri="{28A0092B-C50C-407E-A947-70E740481C1C}">
-                <a14:useLocalDpi xmlns:a14="http://schemas.microsoft.com/office/drawing/2010/main" val="0"/>
-              </a:ext>
-            </a:extLst>
-          </a:blip>
-          <a:srcRect/>
-          <a:stretch>
-            <a:fillRect/>
-          </a:stretch>
-        </p:blipFill>
-        <p:spPr bwMode="auto">
-          <a:xfrm>
-            <a:off x="304800" y="1035050"/>
-            <a:ext cx="6172200" cy="5518150"/>
-          </a:xfrm>
-          <a:prstGeom prst="rect">
-            <a:avLst/>
-          </a:prstGeom>
-          <a:noFill/>
-          <a:ln>
-            <a:noFill/>
-          </a:ln>
-          <a:extLst>
-            <a:ext uri="{909E8E84-426E-40dd-AFC4-6F175D3DCCD1}">
-              <a14:hiddenFill xmlns:a14="http://schemas.microsoft.com/office/drawing/2010/main">
-                <a:solidFill>
-                  <a:srgbClr val="FFFFFF"/>
-                </a:solidFill>
-              </a14:hiddenFill>
-            </a:ext>
-            <a:ext uri="{91240B29-F687-4f45-9708-019B960494DF}">
-              <a14:hiddenLine xmlns:a14="http://schemas.microsoft.com/office/drawing/2010/main" w="9525">
-                <a:solidFill>
-                  <a:srgbClr val="000000"/>
-                </a:solidFill>
-                <a:miter lim="800000"/>
-                <a:headEnd/>
-                <a:tailEnd/>
-              </a14:hiddenLine>
-            </a:ext>
-          </a:extLst>
-        </p:spPr>
-      </p:pic>
-    </p:spTree>
-    <p:extLst>
-      <p:ext uri="{BB962C8B-B14F-4D97-AF65-F5344CB8AC3E}">
-        <p14:creationId xmlns:p14="http://schemas.microsoft.com/office/powerpoint/2010/main" val="648220984"/>
-      </p:ext>
-    </p:extLst>
-  </p:cSld>
-  <p:clrMapOvr>
-    <a:masterClrMapping/>
-  </p:clrMapOvr>
-  <p:transition xmlns:p14="http://schemas.microsoft.com/office/powerpoint/2010/main"/>
-  <p:timing>
-    <p:tnLst>
-      <p:par>
-        <p:cTn xmlns:p14="http://schemas.microsoft.com/office/powerpoint/2010/main" id="1" dur="indefinite" restart="never" nodeType="tmRoot"/>
-      </p:par>
-    </p:tnLst>
-  </p:timing>
-</p:sld>
-</file>
-
-<file path=ppt/slides/slide8.xml><?xml version="1.0" encoding="utf-8"?>
-<p:sld xmlns:a="http://schemas.openxmlformats.org/drawingml/2006/main" xmlns:r="http://schemas.openxmlformats.org/officeDocument/2006/relationships" xmlns:p="http://schemas.openxmlformats.org/presentationml/2006/main">
-  <p:cSld>
-    <p:spTree>
-      <p:nvGrpSpPr>
-        <p:cNvPr id="1" name=""/>
-        <p:cNvGrpSpPr/>
-        <p:nvPr/>
-      </p:nvGrpSpPr>
-      <p:grpSpPr>
-        <a:xfrm>
-          <a:off x="0" y="0"/>
-          <a:ext cx="0" cy="0"/>
-          <a:chOff x="0" y="0"/>
-          <a:chExt cx="0" cy="0"/>
-        </a:xfrm>
-      </p:grpSpPr>
-      <p:sp>
-        <p:nvSpPr>
-          <p:cNvPr id="9" name="Rectangle 8"/>
-          <p:cNvSpPr/>
-          <p:nvPr/>
-        </p:nvSpPr>
-        <p:spPr>
-          <a:xfrm>
-            <a:off x="0" y="0"/>
-            <a:ext cx="9144000" cy="6858000"/>
-          </a:xfrm>
-          <a:prstGeom prst="rect">
-            <a:avLst/>
-          </a:prstGeom>
-          <a:solidFill>
-            <a:srgbClr val="FFFFFF"/>
-          </a:solidFill>
-        </p:spPr>
-        <p:style>
-          <a:lnRef idx="1">
-            <a:schemeClr val="accent1"/>
-          </a:lnRef>
-          <a:fillRef idx="3">
-            <a:schemeClr val="accent1"/>
-          </a:fillRef>
-          <a:effectRef idx="2">
-            <a:schemeClr val="accent1"/>
-          </a:effectRef>
-          <a:fontRef idx="minor">
-            <a:schemeClr val="lt1"/>
-          </a:fontRef>
-        </p:style>
-        <p:txBody>
-          <a:bodyPr anchor="ctr"/>
-          <a:lstStyle/>
-          <a:p>
-            <a:pPr algn="ctr">
-              <a:defRPr/>
-            </a:pPr>
-            <a:endParaRPr lang="en-US"/>
-          </a:p>
-        </p:txBody>
-      </p:sp>
-      <p:sp>
-        <p:nvSpPr>
-          <p:cNvPr id="25602" name="Rectangle 2"/>
-          <p:cNvSpPr>
-            <a:spLocks noGrp="1" noChangeArrowheads="1"/>
-          </p:cNvSpPr>
-          <p:nvPr>
-            <p:ph type="title"/>
-          </p:nvPr>
-        </p:nvSpPr>
-        <p:spPr>
-          <a:xfrm>
-            <a:off x="0" y="0"/>
-            <a:ext cx="8534400" cy="990600"/>
-          </a:xfrm>
-        </p:spPr>
-        <p:txBody>
-          <a:bodyPr/>
-          <a:lstStyle/>
-          <a:p>
-            <a:r>
-              <a:rPr lang="en-US">
-                <a:latin typeface="Geneva" charset="0"/>
-                <a:ea typeface="ＭＳ Ｐゴシック" charset="0"/>
-                <a:cs typeface="ＭＳ Ｐゴシック" charset="0"/>
-              </a:rPr>
-              <a:t>Visualization  Success Story</a:t>
-            </a:r>
-          </a:p>
-        </p:txBody>
-      </p:sp>
-      <p:pic>
-        <p:nvPicPr>
-          <p:cNvPr id="25603" name="Picture 3" descr="H:\talks\sigir-tutorial\tufte-snow.jpg"/>
-          <p:cNvPicPr>
-            <a:picLocks noChangeAspect="1" noChangeArrowheads="1"/>
-          </p:cNvPicPr>
-          <p:nvPr/>
-        </p:nvPicPr>
-        <p:blipFill>
-          <a:blip r:embed="rId2">
-            <a:extLst>
-              <a:ext uri="{28A0092B-C50C-407E-A947-70E740481C1C}">
-                <a14:useLocalDpi xmlns:a14="http://schemas.microsoft.com/office/drawing/2010/main" val="0"/>
-              </a:ext>
-            </a:extLst>
-          </a:blip>
-          <a:srcRect/>
-          <a:stretch>
-            <a:fillRect/>
-          </a:stretch>
-        </p:blipFill>
-        <p:spPr bwMode="auto">
-          <a:xfrm>
-            <a:off x="2819400" y="1066800"/>
-            <a:ext cx="5562600" cy="4191000"/>
-          </a:xfrm>
-          <a:prstGeom prst="rect">
-            <a:avLst/>
-          </a:prstGeom>
-          <a:noFill/>
-          <a:ln>
-            <a:noFill/>
-          </a:ln>
-          <a:extLst>
-            <a:ext uri="{909E8E84-426E-40dd-AFC4-6F175D3DCCD1}">
-              <a14:hiddenFill xmlns:a14="http://schemas.microsoft.com/office/drawing/2010/main">
-                <a:solidFill>
-                  <a:srgbClr val="FFFFFF"/>
-                </a:solidFill>
-              </a14:hiddenFill>
-            </a:ext>
-            <a:ext uri="{91240B29-F687-4f45-9708-019B960494DF}">
-              <a14:hiddenLine xmlns:a14="http://schemas.microsoft.com/office/drawing/2010/main" w="9525">
-                <a:solidFill>
-                  <a:srgbClr val="000000"/>
-                </a:solidFill>
-                <a:miter lim="800000"/>
-                <a:headEnd/>
-                <a:tailEnd/>
-              </a14:hiddenLine>
-            </a:ext>
-          </a:extLst>
-        </p:spPr>
-      </p:pic>
-      <p:sp>
-        <p:nvSpPr>
-          <p:cNvPr id="25604" name="Text Box 4"/>
-          <p:cNvSpPr txBox="1">
-            <a:spLocks noChangeArrowheads="1"/>
-          </p:cNvSpPr>
-          <p:nvPr/>
-        </p:nvSpPr>
-        <p:spPr bwMode="auto">
-          <a:xfrm>
-            <a:off x="4267200" y="5562600"/>
-            <a:ext cx="4664075" cy="701675"/>
-          </a:xfrm>
-          <a:prstGeom prst="rect">
-            <a:avLst/>
-          </a:prstGeom>
-          <a:noFill/>
-          <a:ln>
-            <a:noFill/>
-          </a:ln>
-          <a:extLst>
-            <a:ext uri="{909E8E84-426E-40dd-AFC4-6F175D3DCCD1}">
-              <a14:hiddenFill xmlns:a14="http://schemas.microsoft.com/office/drawing/2010/main">
-                <a:solidFill>
-                  <a:srgbClr val="FFFFFF"/>
-                </a:solidFill>
-              </a14:hiddenFill>
-            </a:ext>
-            <a:ext uri="{91240B29-F687-4f45-9708-019B960494DF}">
-              <a14:hiddenLine xmlns:a14="http://schemas.microsoft.com/office/drawing/2010/main" w="9525">
-                <a:solidFill>
-                  <a:srgbClr val="000000"/>
-                </a:solidFill>
-                <a:miter lim="800000"/>
-                <a:headEnd/>
-                <a:tailEnd/>
-              </a14:hiddenLine>
-            </a:ext>
-          </a:extLst>
-        </p:spPr>
-        <p:txBody>
-          <a:bodyPr>
-            <a:spAutoFit/>
-          </a:bodyPr>
-          <a:lstStyle>
-            <a:lvl1pPr eaLnBrk="0" hangingPunct="0">
-              <a:defRPr sz="2400">
-                <a:solidFill>
-                  <a:schemeClr val="tx1"/>
-                </a:solidFill>
-                <a:latin typeface="Arial" charset="0"/>
-                <a:ea typeface="ＭＳ Ｐゴシック" charset="0"/>
-                <a:cs typeface="ＭＳ Ｐゴシック" charset="0"/>
-              </a:defRPr>
-            </a:lvl1pPr>
-            <a:lvl2pPr marL="742950" indent="-285750" eaLnBrk="0" hangingPunct="0">
-              <a:defRPr sz="2400">
-                <a:solidFill>
-                  <a:schemeClr val="tx1"/>
-                </a:solidFill>
-                <a:latin typeface="Arial" charset="0"/>
-                <a:ea typeface="ＭＳ Ｐゴシック" charset="0"/>
-              </a:defRPr>
-            </a:lvl2pPr>
-            <a:lvl3pPr marL="1143000" indent="-228600" eaLnBrk="0" hangingPunct="0">
-              <a:defRPr sz="2400">
-                <a:solidFill>
-                  <a:schemeClr val="tx1"/>
-                </a:solidFill>
-                <a:latin typeface="Arial" charset="0"/>
-                <a:ea typeface="ＭＳ Ｐゴシック" charset="0"/>
-              </a:defRPr>
-            </a:lvl3pPr>
-            <a:lvl4pPr marL="1600200" indent="-228600" eaLnBrk="0" hangingPunct="0">
-              <a:defRPr sz="2400">
-                <a:solidFill>
-                  <a:schemeClr val="tx1"/>
-                </a:solidFill>
-                <a:latin typeface="Arial" charset="0"/>
-                <a:ea typeface="ＭＳ Ｐゴシック" charset="0"/>
-              </a:defRPr>
-            </a:lvl4pPr>
-            <a:lvl5pPr marL="2057400" indent="-228600" eaLnBrk="0" hangingPunct="0">
-              <a:defRPr sz="2400">
-                <a:solidFill>
-                  <a:schemeClr val="tx1"/>
-                </a:solidFill>
-                <a:latin typeface="Arial" charset="0"/>
-                <a:ea typeface="ＭＳ Ｐゴシック" charset="0"/>
-              </a:defRPr>
-            </a:lvl5pPr>
-            <a:lvl6pPr marL="2514600" indent="-228600" eaLnBrk="0" fontAlgn="base" hangingPunct="0">
-              <a:spcBef>
-                <a:spcPct val="0"/>
-              </a:spcBef>
-              <a:spcAft>
-                <a:spcPct val="0"/>
-              </a:spcAft>
-              <a:defRPr sz="2400">
-                <a:solidFill>
-                  <a:schemeClr val="tx1"/>
-                </a:solidFill>
-                <a:latin typeface="Arial" charset="0"/>
-                <a:ea typeface="ＭＳ Ｐゴシック" charset="0"/>
-              </a:defRPr>
-            </a:lvl6pPr>
-            <a:lvl7pPr marL="2971800" indent="-228600" eaLnBrk="0" fontAlgn="base" hangingPunct="0">
-              <a:spcBef>
-                <a:spcPct val="0"/>
-              </a:spcBef>
-              <a:spcAft>
-                <a:spcPct val="0"/>
-              </a:spcAft>
-              <a:defRPr sz="2400">
-                <a:solidFill>
-                  <a:schemeClr val="tx1"/>
-                </a:solidFill>
-                <a:latin typeface="Arial" charset="0"/>
-                <a:ea typeface="ＭＳ Ｐゴシック" charset="0"/>
-              </a:defRPr>
-            </a:lvl7pPr>
-            <a:lvl8pPr marL="3429000" indent="-228600" eaLnBrk="0" fontAlgn="base" hangingPunct="0">
-              <a:spcBef>
-                <a:spcPct val="0"/>
-              </a:spcBef>
-              <a:spcAft>
-                <a:spcPct val="0"/>
-              </a:spcAft>
-              <a:defRPr sz="2400">
-                <a:solidFill>
-                  <a:schemeClr val="tx1"/>
-                </a:solidFill>
-                <a:latin typeface="Arial" charset="0"/>
-                <a:ea typeface="ＭＳ Ｐゴシック" charset="0"/>
-              </a:defRPr>
-            </a:lvl8pPr>
-            <a:lvl9pPr marL="3886200" indent="-228600" eaLnBrk="0" fontAlgn="base" hangingPunct="0">
-              <a:spcBef>
-                <a:spcPct val="0"/>
-              </a:spcBef>
-              <a:spcAft>
-                <a:spcPct val="0"/>
-              </a:spcAft>
-              <a:defRPr sz="2400">
-                <a:solidFill>
-                  <a:schemeClr val="tx1"/>
-                </a:solidFill>
-                <a:latin typeface="Arial" charset="0"/>
-                <a:ea typeface="ＭＳ Ｐゴシック" charset="0"/>
-              </a:defRPr>
-            </a:lvl9pPr>
-          </a:lstStyle>
-          <a:p>
-            <a:r>
-              <a:rPr lang="en-US" sz="2000">
-                <a:solidFill>
-                  <a:schemeClr val="tx2"/>
-                </a:solidFill>
-                <a:latin typeface="Arial Narrow" charset="0"/>
-              </a:rPr>
-              <a:t>From Visual Explanations by Edward Tufte, Graphics Press, 1997</a:t>
-            </a:r>
-          </a:p>
-        </p:txBody>
-      </p:sp>
-      <p:sp>
-        <p:nvSpPr>
-          <p:cNvPr id="25605" name="Text Box 5"/>
-          <p:cNvSpPr txBox="1">
-            <a:spLocks noChangeArrowheads="1"/>
-          </p:cNvSpPr>
-          <p:nvPr/>
-        </p:nvSpPr>
-        <p:spPr bwMode="auto">
-          <a:xfrm>
-            <a:off x="228600" y="990600"/>
-            <a:ext cx="2438400" cy="2563813"/>
-          </a:xfrm>
-          <a:prstGeom prst="rect">
-            <a:avLst/>
-          </a:prstGeom>
-          <a:noFill/>
-          <a:ln>
-            <a:noFill/>
-          </a:ln>
-          <a:extLst>
-            <a:ext uri="{909E8E84-426E-40dd-AFC4-6F175D3DCCD1}">
-              <a14:hiddenFill xmlns:a14="http://schemas.microsoft.com/office/drawing/2010/main">
-                <a:solidFill>
-                  <a:srgbClr val="FFFFFF"/>
-                </a:solidFill>
-              </a14:hiddenFill>
-            </a:ext>
-            <a:ext uri="{91240B29-F687-4f45-9708-019B960494DF}">
-              <a14:hiddenLine xmlns:a14="http://schemas.microsoft.com/office/drawing/2010/main" w="9525">
-                <a:solidFill>
-                  <a:srgbClr val="000000"/>
-                </a:solidFill>
-                <a:miter lim="800000"/>
-                <a:headEnd/>
-                <a:tailEnd/>
-              </a14:hiddenLine>
-            </a:ext>
-          </a:extLst>
-        </p:spPr>
-        <p:txBody>
-          <a:bodyPr>
-            <a:spAutoFit/>
-          </a:bodyPr>
-          <a:lstStyle>
-            <a:lvl1pPr eaLnBrk="0" hangingPunct="0">
-              <a:defRPr sz="2400">
-                <a:solidFill>
-                  <a:schemeClr val="tx1"/>
-                </a:solidFill>
-                <a:latin typeface="Arial" charset="0"/>
-                <a:ea typeface="ＭＳ Ｐゴシック" charset="0"/>
-                <a:cs typeface="ＭＳ Ｐゴシック" charset="0"/>
-              </a:defRPr>
-            </a:lvl1pPr>
-            <a:lvl2pPr marL="742950" indent="-285750" eaLnBrk="0" hangingPunct="0">
-              <a:defRPr sz="2400">
-                <a:solidFill>
-                  <a:schemeClr val="tx1"/>
-                </a:solidFill>
-                <a:latin typeface="Arial" charset="0"/>
-                <a:ea typeface="ＭＳ Ｐゴシック" charset="0"/>
-              </a:defRPr>
-            </a:lvl2pPr>
-            <a:lvl3pPr marL="1143000" indent="-228600" eaLnBrk="0" hangingPunct="0">
-              <a:defRPr sz="2400">
-                <a:solidFill>
-                  <a:schemeClr val="tx1"/>
-                </a:solidFill>
-                <a:latin typeface="Arial" charset="0"/>
-                <a:ea typeface="ＭＳ Ｐゴシック" charset="0"/>
-              </a:defRPr>
-            </a:lvl3pPr>
-            <a:lvl4pPr marL="1600200" indent="-228600" eaLnBrk="0" hangingPunct="0">
-              <a:defRPr sz="2400">
-                <a:solidFill>
-                  <a:schemeClr val="tx1"/>
-                </a:solidFill>
-                <a:latin typeface="Arial" charset="0"/>
-                <a:ea typeface="ＭＳ Ｐゴシック" charset="0"/>
-              </a:defRPr>
-            </a:lvl4pPr>
-            <a:lvl5pPr marL="2057400" indent="-228600" eaLnBrk="0" hangingPunct="0">
-              <a:defRPr sz="2400">
-                <a:solidFill>
-                  <a:schemeClr val="tx1"/>
-                </a:solidFill>
-                <a:latin typeface="Arial" charset="0"/>
-                <a:ea typeface="ＭＳ Ｐゴシック" charset="0"/>
-              </a:defRPr>
-            </a:lvl5pPr>
-            <a:lvl6pPr marL="2514600" indent="-228600" eaLnBrk="0" fontAlgn="base" hangingPunct="0">
-              <a:spcBef>
-                <a:spcPct val="0"/>
-              </a:spcBef>
-              <a:spcAft>
-                <a:spcPct val="0"/>
-              </a:spcAft>
-              <a:defRPr sz="2400">
-                <a:solidFill>
-                  <a:schemeClr val="tx1"/>
-                </a:solidFill>
-                <a:latin typeface="Arial" charset="0"/>
-                <a:ea typeface="ＭＳ Ｐゴシック" charset="0"/>
-              </a:defRPr>
-            </a:lvl6pPr>
-            <a:lvl7pPr marL="2971800" indent="-228600" eaLnBrk="0" fontAlgn="base" hangingPunct="0">
-              <a:spcBef>
-                <a:spcPct val="0"/>
-              </a:spcBef>
-              <a:spcAft>
-                <a:spcPct val="0"/>
-              </a:spcAft>
-              <a:defRPr sz="2400">
-                <a:solidFill>
-                  <a:schemeClr val="tx1"/>
-                </a:solidFill>
-                <a:latin typeface="Arial" charset="0"/>
-                <a:ea typeface="ＭＳ Ｐゴシック" charset="0"/>
-              </a:defRPr>
-            </a:lvl7pPr>
-            <a:lvl8pPr marL="3429000" indent="-228600" eaLnBrk="0" fontAlgn="base" hangingPunct="0">
-              <a:spcBef>
-                <a:spcPct val="0"/>
-              </a:spcBef>
-              <a:spcAft>
-                <a:spcPct val="0"/>
-              </a:spcAft>
-              <a:defRPr sz="2400">
-                <a:solidFill>
-                  <a:schemeClr val="tx1"/>
-                </a:solidFill>
-                <a:latin typeface="Arial" charset="0"/>
-                <a:ea typeface="ＭＳ Ｐゴシック" charset="0"/>
-              </a:defRPr>
-            </a:lvl8pPr>
-            <a:lvl9pPr marL="3886200" indent="-228600" eaLnBrk="0" fontAlgn="base" hangingPunct="0">
-              <a:spcBef>
-                <a:spcPct val="0"/>
-              </a:spcBef>
-              <a:spcAft>
-                <a:spcPct val="0"/>
-              </a:spcAft>
-              <a:defRPr sz="2400">
-                <a:solidFill>
-                  <a:schemeClr val="tx1"/>
-                </a:solidFill>
-                <a:latin typeface="Arial" charset="0"/>
-                <a:ea typeface="ＭＳ Ｐゴシック" charset="0"/>
-              </a:defRPr>
-            </a:lvl9pPr>
-          </a:lstStyle>
-          <a:p>
-            <a:r>
-              <a:rPr lang="en-US" sz="1800">
-                <a:solidFill>
-                  <a:schemeClr val="tx2"/>
-                </a:solidFill>
-              </a:rPr>
-              <a:t>Illustration of John Snow</a:t>
-            </a:r>
-            <a:r>
-              <a:rPr lang="ja-JP" altLang="en-US" sz="1800">
-                <a:solidFill>
-                  <a:schemeClr val="tx2"/>
-                </a:solidFill>
-              </a:rPr>
-              <a:t>’</a:t>
-            </a:r>
-            <a:r>
-              <a:rPr lang="en-US" altLang="ja-JP" sz="1800">
-                <a:solidFill>
-                  <a:schemeClr val="tx2"/>
-                </a:solidFill>
-              </a:rPr>
-              <a:t>s</a:t>
-            </a:r>
-          </a:p>
-          <a:p>
-            <a:r>
-              <a:rPr lang="en-US" sz="1800">
-                <a:solidFill>
-                  <a:schemeClr val="tx2"/>
-                </a:solidFill>
-              </a:rPr>
-              <a:t>deduction that a cholera epidemic</a:t>
-            </a:r>
-          </a:p>
-          <a:p>
-            <a:r>
-              <a:rPr lang="en-US" sz="1800">
-                <a:solidFill>
-                  <a:schemeClr val="tx2"/>
-                </a:solidFill>
-              </a:rPr>
-              <a:t>was caused by a bad water pump, circa 1854.</a:t>
-            </a:r>
-          </a:p>
-          <a:p>
-            <a:endParaRPr lang="en-US" sz="1800">
-              <a:solidFill>
-                <a:schemeClr val="tx2"/>
-              </a:solidFill>
-            </a:endParaRPr>
-          </a:p>
-          <a:p>
-            <a:r>
-              <a:rPr lang="en-US" sz="1800">
-                <a:solidFill>
-                  <a:schemeClr val="tx2"/>
-                </a:solidFill>
-              </a:rPr>
-              <a:t>Horizontal lines indicate location of deaths.</a:t>
-            </a:r>
-          </a:p>
-        </p:txBody>
-      </p:sp>
-      <p:sp>
-        <p:nvSpPr>
-          <p:cNvPr id="25606" name="Oval 6"/>
-          <p:cNvSpPr>
-            <a:spLocks noChangeArrowheads="1"/>
-          </p:cNvSpPr>
-          <p:nvPr/>
-        </p:nvSpPr>
-        <p:spPr bwMode="auto">
-          <a:xfrm>
-            <a:off x="5715000" y="3505200"/>
-            <a:ext cx="304800" cy="228600"/>
-          </a:xfrm>
-          <a:prstGeom prst="ellipse">
-            <a:avLst/>
-          </a:prstGeom>
-          <a:noFill/>
-          <a:ln w="38100">
-            <a:solidFill>
-              <a:srgbClr val="FF0066"/>
-            </a:solidFill>
-            <a:round/>
-            <a:headEnd/>
-            <a:tailEnd/>
-          </a:ln>
-          <a:extLst>
-            <a:ext uri="{909E8E84-426E-40dd-AFC4-6F175D3DCCD1}">
-              <a14:hiddenFill xmlns:a14="http://schemas.microsoft.com/office/drawing/2010/main">
-                <a:solidFill>
-                  <a:srgbClr val="FFFFFF"/>
-                </a:solidFill>
-              </a14:hiddenFill>
-            </a:ext>
-          </a:extLst>
-        </p:spPr>
-        <p:txBody>
-          <a:bodyPr wrap="none" anchor="ctr">
-            <a:spAutoFit/>
-          </a:bodyPr>
-          <a:lstStyle/>
-          <a:p>
-            <a:endParaRPr lang="en-US"/>
-          </a:p>
-        </p:txBody>
-      </p:sp>
-      <p:pic>
-        <p:nvPicPr>
-          <p:cNvPr id="25607" name="Picture 7" descr="H:\talks\sigir-tutorial\snow.gif"/>
-          <p:cNvPicPr>
-            <a:picLocks noChangeAspect="1" noChangeArrowheads="1"/>
-          </p:cNvPicPr>
-          <p:nvPr/>
-        </p:nvPicPr>
-        <p:blipFill>
-          <a:blip r:embed="rId3">
-            <a:extLst>
-              <a:ext uri="{28A0092B-C50C-407E-A947-70E740481C1C}">
-                <a14:useLocalDpi xmlns:a14="http://schemas.microsoft.com/office/drawing/2010/main" val="0"/>
-              </a:ext>
-            </a:extLst>
-          </a:blip>
-          <a:srcRect/>
-          <a:stretch>
-            <a:fillRect/>
-          </a:stretch>
-        </p:blipFill>
-        <p:spPr bwMode="auto">
-          <a:xfrm>
-            <a:off x="152400" y="3733800"/>
-            <a:ext cx="3200400" cy="2860675"/>
-          </a:xfrm>
-          <a:prstGeom prst="rect">
-            <a:avLst/>
-          </a:prstGeom>
-          <a:noFill/>
-          <a:ln>
-            <a:noFill/>
-          </a:ln>
-          <a:extLst>
-            <a:ext uri="{909E8E84-426E-40dd-AFC4-6F175D3DCCD1}">
-              <a14:hiddenFill xmlns:a14="http://schemas.microsoft.com/office/drawing/2010/main">
-                <a:solidFill>
-                  <a:srgbClr val="FFFFFF"/>
-                </a:solidFill>
-              </a14:hiddenFill>
-            </a:ext>
-            <a:ext uri="{91240B29-F687-4f45-9708-019B960494DF}">
-              <a14:hiddenLine xmlns:a14="http://schemas.microsoft.com/office/drawing/2010/main" w="9525">
-                <a:solidFill>
-                  <a:srgbClr val="000000"/>
-                </a:solidFill>
-                <a:miter lim="800000"/>
-                <a:headEnd/>
-                <a:tailEnd/>
-              </a14:hiddenLine>
-            </a:ext>
-          </a:extLst>
-        </p:spPr>
-      </p:pic>
-      <p:sp>
-        <p:nvSpPr>
-          <p:cNvPr id="25608" name="Oval 8"/>
-          <p:cNvSpPr>
-            <a:spLocks noChangeArrowheads="1"/>
-          </p:cNvSpPr>
-          <p:nvPr/>
-        </p:nvSpPr>
-        <p:spPr bwMode="auto">
-          <a:xfrm>
-            <a:off x="1752600" y="4953000"/>
-            <a:ext cx="304800" cy="228600"/>
-          </a:xfrm>
-          <a:prstGeom prst="ellipse">
-            <a:avLst/>
-          </a:prstGeom>
-          <a:noFill/>
-          <a:ln w="38100">
-            <a:solidFill>
-              <a:srgbClr val="FF0066"/>
-            </a:solidFill>
-            <a:round/>
-            <a:headEnd/>
-            <a:tailEnd/>
-          </a:ln>
-          <a:extLst>
-            <a:ext uri="{909E8E84-426E-40dd-AFC4-6F175D3DCCD1}">
-              <a14:hiddenFill xmlns:a14="http://schemas.microsoft.com/office/drawing/2010/main">
-                <a:solidFill>
-                  <a:srgbClr val="FFFFFF"/>
-                </a:solidFill>
-              </a14:hiddenFill>
-            </a:ext>
-          </a:extLst>
-        </p:spPr>
-        <p:txBody>
-          <a:bodyPr wrap="none" anchor="ctr">
-            <a:spAutoFit/>
-          </a:bodyPr>
-          <a:lstStyle/>
-          <a:p>
-            <a:endParaRPr lang="en-US"/>
-          </a:p>
-        </p:txBody>
-      </p:sp>
-    </p:spTree>
-    <p:extLst>
-      <p:ext uri="{BB962C8B-B14F-4D97-AF65-F5344CB8AC3E}">
-        <p14:creationId xmlns:p14="http://schemas.microsoft.com/office/powerpoint/2010/main" val="2473624855"/>
-      </p:ext>
-    </p:extLst>
-  </p:cSld>
-  <p:clrMapOvr>
-    <a:masterClrMapping/>
-  </p:clrMapOvr>
-  <p:transition xmlns:p14="http://schemas.microsoft.com/office/powerpoint/2010/main"/>
-  <p:timing>
-    <p:tnLst>
-      <p:par>
-        <p:cTn xmlns:p14="http://schemas.microsoft.com/office/powerpoint/2010/main" id="1" dur="indefinite" restart="never" nodeType="tmRoot"/>
-      </p:par>
-    </p:tnLst>
-  </p:timing>
-</p:sld>
-</file>
-
-<file path=ppt/slides/slide9.xml><?xml version="1.0" encoding="utf-8"?>
-<p:sld xmlns:a="http://schemas.openxmlformats.org/drawingml/2006/main" xmlns:r="http://schemas.openxmlformats.org/officeDocument/2006/relationships" xmlns:p="http://schemas.openxmlformats.org/presentationml/2006/main" show="0">
-  <p:cSld>
-    <p:spTree>
-      <p:nvGrpSpPr>
-        <p:cNvPr id="1" name=""/>
-        <p:cNvGrpSpPr/>
-        <p:nvPr/>
-      </p:nvGrpSpPr>
-      <p:grpSpPr>
-        <a:xfrm>
-          <a:off x="0" y="0"/>
-          <a:ext cx="0" cy="0"/>
-          <a:chOff x="0" y="0"/>
-          <a:chExt cx="0" cy="0"/>
-        </a:xfrm>
-      </p:grpSpPr>
-      <p:sp>
-        <p:nvSpPr>
-          <p:cNvPr id="21505" name="Footer Placeholder 3"/>
-          <p:cNvSpPr>
-            <a:spLocks noGrp="1"/>
-          </p:cNvSpPr>
-          <p:nvPr>
-            <p:ph type="ftr" sz="quarter" idx="11"/>
-          </p:nvPr>
-        </p:nvSpPr>
-        <p:spPr>
-          <a:xfrm>
-            <a:off x="1219200" y="5680642"/>
-            <a:ext cx="1143000" cy="457200"/>
-          </a:xfrm>
-          <a:noFill/>
-          <a:ln/>
-          <a:extLst>
-            <a:ext uri="{909E8E84-426E-40dd-AFC4-6F175D3DCCD1}">
-              <a14:hiddenFill xmlns:a14="http://schemas.microsoft.com/office/drawing/2010/main">
-                <a:solidFill>
-                  <a:srgbClr val="FFFFFF"/>
-                </a:solidFill>
-              </a14:hiddenFill>
-            </a:ext>
-            <a:ext uri="{91240B29-F687-4f45-9708-019B960494DF}">
-              <a14:hiddenLine xmlns:a14="http://schemas.microsoft.com/office/drawing/2010/main" w="9525">
-                <a:solidFill>
-                  <a:srgbClr val="000000"/>
-                </a:solidFill>
-                <a:miter lim="800000"/>
-                <a:headEnd/>
-                <a:tailEnd/>
-              </a14:hiddenLine>
-            </a:ext>
-          </a:extLst>
-        </p:spPr>
-        <p:txBody>
-          <a:bodyPr/>
-          <a:lstStyle>
-            <a:lvl1pPr eaLnBrk="0" hangingPunct="0">
-              <a:defRPr sz="2400">
-                <a:solidFill>
-                  <a:schemeClr val="tx1"/>
-                </a:solidFill>
-                <a:latin typeface="Arial" charset="0"/>
-                <a:ea typeface="ＭＳ Ｐゴシック" charset="0"/>
-                <a:cs typeface="ＭＳ Ｐゴシック" charset="0"/>
-              </a:defRPr>
-            </a:lvl1pPr>
-            <a:lvl2pPr marL="742950" indent="-285750" eaLnBrk="0" hangingPunct="0">
-              <a:defRPr sz="2400">
-                <a:solidFill>
-                  <a:schemeClr val="tx1"/>
-                </a:solidFill>
-                <a:latin typeface="Arial" charset="0"/>
-                <a:ea typeface="ＭＳ Ｐゴシック" charset="0"/>
-              </a:defRPr>
-            </a:lvl2pPr>
-            <a:lvl3pPr marL="1143000" indent="-228600" eaLnBrk="0" hangingPunct="0">
-              <a:defRPr sz="2400">
-                <a:solidFill>
-                  <a:schemeClr val="tx1"/>
-                </a:solidFill>
-                <a:latin typeface="Arial" charset="0"/>
-                <a:ea typeface="ＭＳ Ｐゴシック" charset="0"/>
-              </a:defRPr>
-            </a:lvl3pPr>
-            <a:lvl4pPr marL="1600200" indent="-228600" eaLnBrk="0" hangingPunct="0">
-              <a:defRPr sz="2400">
-                <a:solidFill>
-                  <a:schemeClr val="tx1"/>
-                </a:solidFill>
-                <a:latin typeface="Arial" charset="0"/>
-                <a:ea typeface="ＭＳ Ｐゴシック" charset="0"/>
-              </a:defRPr>
-            </a:lvl4pPr>
-            <a:lvl5pPr marL="2057400" indent="-228600" eaLnBrk="0" hangingPunct="0">
-              <a:defRPr sz="2400">
-                <a:solidFill>
-                  <a:schemeClr val="tx1"/>
-                </a:solidFill>
-                <a:latin typeface="Arial" charset="0"/>
-                <a:ea typeface="ＭＳ Ｐゴシック" charset="0"/>
-              </a:defRPr>
-            </a:lvl5pPr>
-            <a:lvl6pPr marL="2514600" indent="-228600" eaLnBrk="0" fontAlgn="base" hangingPunct="0">
-              <a:spcBef>
-                <a:spcPct val="0"/>
-              </a:spcBef>
-              <a:spcAft>
-                <a:spcPct val="0"/>
-              </a:spcAft>
-              <a:defRPr sz="2400">
-                <a:solidFill>
-                  <a:schemeClr val="tx1"/>
-                </a:solidFill>
-                <a:latin typeface="Arial" charset="0"/>
-                <a:ea typeface="ＭＳ Ｐゴシック" charset="0"/>
-              </a:defRPr>
-            </a:lvl6pPr>
-            <a:lvl7pPr marL="2971800" indent="-228600" eaLnBrk="0" fontAlgn="base" hangingPunct="0">
-              <a:spcBef>
-                <a:spcPct val="0"/>
-              </a:spcBef>
-              <a:spcAft>
-                <a:spcPct val="0"/>
-              </a:spcAft>
-              <a:defRPr sz="2400">
-                <a:solidFill>
-                  <a:schemeClr val="tx1"/>
-                </a:solidFill>
-                <a:latin typeface="Arial" charset="0"/>
-                <a:ea typeface="ＭＳ Ｐゴシック" charset="0"/>
-              </a:defRPr>
-            </a:lvl7pPr>
-            <a:lvl8pPr marL="3429000" indent="-228600" eaLnBrk="0" fontAlgn="base" hangingPunct="0">
-              <a:spcBef>
-                <a:spcPct val="0"/>
-              </a:spcBef>
-              <a:spcAft>
-                <a:spcPct val="0"/>
-              </a:spcAft>
-              <a:defRPr sz="2400">
-                <a:solidFill>
-                  <a:schemeClr val="tx1"/>
-                </a:solidFill>
-                <a:latin typeface="Arial" charset="0"/>
-                <a:ea typeface="ＭＳ Ｐゴシック" charset="0"/>
-              </a:defRPr>
-            </a:lvl8pPr>
-            <a:lvl9pPr marL="3886200" indent="-228600" eaLnBrk="0" fontAlgn="base" hangingPunct="0">
-              <a:spcBef>
-                <a:spcPct val="0"/>
-              </a:spcBef>
-              <a:spcAft>
-                <a:spcPct val="0"/>
-              </a:spcAft>
-              <a:defRPr sz="2400">
-                <a:solidFill>
-                  <a:schemeClr val="tx1"/>
-                </a:solidFill>
-                <a:latin typeface="Arial" charset="0"/>
-                <a:ea typeface="ＭＳ Ｐゴシック" charset="0"/>
-              </a:defRPr>
-            </a:lvl9pPr>
-          </a:lstStyle>
-          <a:p>
-            <a:pPr algn="l" eaLnBrk="1" hangingPunct="1"/>
-            <a:r>
-              <a:rPr lang="en-US" sz="1400">
-                <a:solidFill>
-                  <a:srgbClr val="687D29"/>
-                </a:solidFill>
-                <a:latin typeface="Courier" charset="0"/>
-              </a:rPr>
-              <a:t>Image from mapquest.com</a:t>
-            </a:r>
-          </a:p>
-        </p:txBody>
-      </p:sp>
-      <p:sp>
-        <p:nvSpPr>
-          <p:cNvPr id="21506" name="Rectangle 2"/>
-          <p:cNvSpPr>
-            <a:spLocks noGrp="1" noChangeArrowheads="1"/>
-          </p:cNvSpPr>
-          <p:nvPr>
-            <p:ph type="title"/>
-          </p:nvPr>
-        </p:nvSpPr>
-        <p:spPr/>
-        <p:txBody>
-          <a:bodyPr/>
-          <a:lstStyle/>
-          <a:p>
-            <a:r>
-              <a:rPr lang="en-US">
-                <a:latin typeface="Geneva" charset="0"/>
-                <a:ea typeface="ＭＳ Ｐゴシック" charset="0"/>
-                <a:cs typeface="ＭＳ Ｐゴシック" charset="0"/>
-              </a:rPr>
-              <a:t>The Power of Visualization</a:t>
-            </a:r>
-          </a:p>
-        </p:txBody>
-      </p:sp>
-      <p:sp>
-        <p:nvSpPr>
-          <p:cNvPr id="21507" name="Rectangle 3"/>
-          <p:cNvSpPr>
-            <a:spLocks noGrp="1" noChangeArrowheads="1"/>
-          </p:cNvSpPr>
-          <p:nvPr>
-            <p:ph type="body" idx="1"/>
-          </p:nvPr>
-        </p:nvSpPr>
-        <p:spPr>
-          <a:xfrm>
-            <a:off x="1044384" y="2175442"/>
-            <a:ext cx="7772400" cy="2819400"/>
-          </a:xfrm>
-        </p:spPr>
-        <p:txBody>
-          <a:bodyPr/>
-          <a:lstStyle/>
-          <a:p>
-            <a:pPr>
-              <a:buFontTx/>
-              <a:buNone/>
-            </a:pPr>
-            <a:r>
-              <a:rPr lang="en-US" sz="1200" b="1" dirty="0">
-                <a:latin typeface="Geneva" charset="0"/>
-                <a:ea typeface="ＭＳ Ｐゴシック" charset="0"/>
-                <a:cs typeface="ＭＳ Ｐゴシック" charset="0"/>
-              </a:rPr>
-              <a:t>1. Start out going Southwest on ELLSWORTH AVE </a:t>
-            </a:r>
-          </a:p>
-          <a:p>
-            <a:pPr>
-              <a:buFontTx/>
-              <a:buNone/>
-            </a:pPr>
-            <a:r>
-              <a:rPr lang="en-US" sz="1200" b="1" dirty="0">
-                <a:latin typeface="Geneva" charset="0"/>
-                <a:ea typeface="ＭＳ Ｐゴシック" charset="0"/>
-                <a:cs typeface="ＭＳ Ｐゴシック" charset="0"/>
-              </a:rPr>
-              <a:t>    Towards BROADWAY by turning right. </a:t>
-            </a:r>
-          </a:p>
-          <a:p>
-            <a:pPr>
-              <a:buFontTx/>
-              <a:buNone/>
-            </a:pPr>
-            <a:r>
-              <a:rPr lang="en-US" sz="1200" b="1" dirty="0">
-                <a:latin typeface="Geneva" charset="0"/>
-                <a:ea typeface="ＭＳ Ｐゴシック" charset="0"/>
-                <a:cs typeface="ＭＳ Ｐゴシック" charset="0"/>
-              </a:rPr>
-              <a:t>2: Turn RIGHT onto BROADWAY. </a:t>
-            </a:r>
-          </a:p>
-          <a:p>
-            <a:pPr>
-              <a:buFontTx/>
-              <a:buNone/>
-            </a:pPr>
-            <a:r>
-              <a:rPr lang="en-US" sz="1200" b="1" dirty="0">
-                <a:latin typeface="Geneva" charset="0"/>
-                <a:ea typeface="ＭＳ Ｐゴシック" charset="0"/>
-                <a:cs typeface="ＭＳ Ｐゴシック" charset="0"/>
-              </a:rPr>
-              <a:t>3. Turn RIGHT onto QUINCY ST. </a:t>
-            </a:r>
-          </a:p>
-          <a:p>
-            <a:pPr>
-              <a:buFontTx/>
-              <a:buNone/>
-            </a:pPr>
-            <a:r>
-              <a:rPr lang="en-US" sz="1200" b="1" dirty="0">
-                <a:latin typeface="Geneva" charset="0"/>
-                <a:ea typeface="ＭＳ Ｐゴシック" charset="0"/>
-                <a:cs typeface="ＭＳ Ｐゴシック" charset="0"/>
-              </a:rPr>
-              <a:t>4. Turn LEFT onto CAMBRIDGE ST. </a:t>
-            </a:r>
-          </a:p>
-          <a:p>
-            <a:pPr>
-              <a:buFontTx/>
-              <a:buNone/>
-            </a:pPr>
-            <a:r>
-              <a:rPr lang="en-US" sz="1200" b="1" dirty="0">
-                <a:latin typeface="Geneva" charset="0"/>
-                <a:ea typeface="ＭＳ Ｐゴシック" charset="0"/>
-                <a:cs typeface="ＭＳ Ｐゴシック" charset="0"/>
-              </a:rPr>
-              <a:t>5. Turn SLIGHT RIGHT onto MASSACHUSETTS AVE. </a:t>
-            </a:r>
-          </a:p>
-          <a:p>
-            <a:pPr>
-              <a:buFontTx/>
-              <a:buNone/>
-            </a:pPr>
-            <a:r>
-              <a:rPr lang="en-US" sz="1200" b="1" dirty="0">
-                <a:latin typeface="Geneva" charset="0"/>
-                <a:ea typeface="ＭＳ Ｐゴシック" charset="0"/>
-                <a:cs typeface="ＭＳ Ｐゴシック" charset="0"/>
-              </a:rPr>
-              <a:t>6. Turn RIGHT onto RUSSELL ST.</a:t>
-            </a:r>
-            <a:r>
-              <a:rPr lang="en-US" sz="1200" dirty="0">
-                <a:latin typeface="Geneva" charset="0"/>
-                <a:ea typeface="ＭＳ Ｐゴシック" charset="0"/>
-                <a:cs typeface="ＭＳ Ｐゴシック" charset="0"/>
-              </a:rPr>
-              <a:t> </a:t>
-            </a:r>
-          </a:p>
-          <a:p>
-            <a:endParaRPr lang="en-US" sz="1200" dirty="0">
-              <a:latin typeface="Geneva" charset="0"/>
-              <a:ea typeface="ＭＳ Ｐゴシック" charset="0"/>
-              <a:cs typeface="ＭＳ Ｐゴシック" charset="0"/>
-            </a:endParaRPr>
-          </a:p>
-          <a:p>
-            <a:endParaRPr lang="en-US" dirty="0">
-              <a:latin typeface="Geneva" charset="0"/>
-              <a:ea typeface="ＭＳ Ｐゴシック" charset="0"/>
-              <a:cs typeface="ＭＳ Ｐゴシック" charset="0"/>
-            </a:endParaRPr>
-          </a:p>
-        </p:txBody>
-      </p:sp>
-      <p:pic>
-        <p:nvPicPr>
-          <p:cNvPr id="214020" name="Picture 4" descr="C:\My Documents\Viz\map.gif"/>
-          <p:cNvPicPr>
-            <a:picLocks noChangeAspect="1" noChangeArrowheads="1"/>
-          </p:cNvPicPr>
-          <p:nvPr/>
-        </p:nvPicPr>
-        <p:blipFill>
-          <a:blip r:embed="rId2">
-            <a:extLst>
-              <a:ext uri="{28A0092B-C50C-407E-A947-70E740481C1C}">
-                <a14:useLocalDpi xmlns:a14="http://schemas.microsoft.com/office/drawing/2010/main" val="0"/>
-              </a:ext>
-            </a:extLst>
-          </a:blip>
-          <a:srcRect/>
-          <a:stretch>
-            <a:fillRect/>
-          </a:stretch>
-        </p:blipFill>
-        <p:spPr bwMode="auto">
-          <a:xfrm>
-            <a:off x="4914900" y="2785042"/>
-            <a:ext cx="4229100" cy="3006725"/>
-          </a:xfrm>
-          <a:prstGeom prst="rect">
-            <a:avLst/>
-          </a:prstGeom>
-          <a:noFill/>
-          <a:ln>
-            <a:noFill/>
-          </a:ln>
-          <a:extLst>
-            <a:ext uri="{909E8E84-426E-40dd-AFC4-6F175D3DCCD1}">
-              <a14:hiddenFill xmlns:a14="http://schemas.microsoft.com/office/drawing/2010/main">
-                <a:solidFill>
-                  <a:srgbClr val="FFFFFF"/>
-                </a:solidFill>
-              </a14:hiddenFill>
-            </a:ext>
-            <a:ext uri="{91240B29-F687-4f45-9708-019B960494DF}">
-              <a14:hiddenLine xmlns:a14="http://schemas.microsoft.com/office/drawing/2010/main" w="9525">
-                <a:solidFill>
-                  <a:srgbClr val="000000"/>
-                </a:solidFill>
-                <a:miter lim="800000"/>
-                <a:headEnd/>
-                <a:tailEnd/>
-              </a14:hiddenLine>
-            </a:ext>
-          </a:extLst>
-        </p:spPr>
-      </p:pic>
-      <p:sp>
-        <p:nvSpPr>
-          <p:cNvPr id="214021" name="Freeform 5"/>
-          <p:cNvSpPr>
-            <a:spLocks/>
-          </p:cNvSpPr>
-          <p:nvPr/>
-        </p:nvSpPr>
-        <p:spPr bwMode="auto">
-          <a:xfrm>
-            <a:off x="6477000" y="2785042"/>
-            <a:ext cx="1676400" cy="2514600"/>
-          </a:xfrm>
-          <a:custGeom>
-            <a:avLst/>
-            <a:gdLst>
-              <a:gd name="T0" fmla="*/ 2147483647 w 1056"/>
-              <a:gd name="T1" fmla="*/ 2147483647 h 1584"/>
-              <a:gd name="T2" fmla="*/ 2147483647 w 1056"/>
-              <a:gd name="T3" fmla="*/ 2147483647 h 1584"/>
-              <a:gd name="T4" fmla="*/ 2147483647 w 1056"/>
-              <a:gd name="T5" fmla="*/ 2147483647 h 1584"/>
-              <a:gd name="T6" fmla="*/ 2147483647 w 1056"/>
-              <a:gd name="T7" fmla="*/ 2147483647 h 1584"/>
-              <a:gd name="T8" fmla="*/ 0 w 1056"/>
-              <a:gd name="T9" fmla="*/ 2147483647 h 1584"/>
-              <a:gd name="T10" fmla="*/ 2147483647 w 1056"/>
-              <a:gd name="T11" fmla="*/ 0 h 1584"/>
-              <a:gd name="T12" fmla="*/ 0 60000 65536"/>
-              <a:gd name="T13" fmla="*/ 0 60000 65536"/>
-              <a:gd name="T14" fmla="*/ 0 60000 65536"/>
-              <a:gd name="T15" fmla="*/ 0 60000 65536"/>
-              <a:gd name="T16" fmla="*/ 0 60000 65536"/>
-              <a:gd name="T17" fmla="*/ 0 60000 65536"/>
-              <a:gd name="T18" fmla="*/ 0 w 1056"/>
-              <a:gd name="T19" fmla="*/ 0 h 1584"/>
-              <a:gd name="T20" fmla="*/ 1056 w 1056"/>
-              <a:gd name="T21" fmla="*/ 1584 h 1584"/>
-            </a:gdLst>
-            <a:ahLst/>
-            <a:cxnLst>
-              <a:cxn ang="T12">
-                <a:pos x="T0" y="T1"/>
-              </a:cxn>
-              <a:cxn ang="T13">
-                <a:pos x="T2" y="T3"/>
-              </a:cxn>
-              <a:cxn ang="T14">
-                <a:pos x="T4" y="T5"/>
-              </a:cxn>
-              <a:cxn ang="T15">
-                <a:pos x="T6" y="T7"/>
-              </a:cxn>
-              <a:cxn ang="T16">
-                <a:pos x="T8" y="T9"/>
-              </a:cxn>
-              <a:cxn ang="T17">
-                <a:pos x="T10" y="T11"/>
-              </a:cxn>
-            </a:cxnLst>
-            <a:rect l="T18" t="T19" r="T20" b="T21"/>
-            <a:pathLst>
-              <a:path w="1056" h="1584">
-                <a:moveTo>
-                  <a:pt x="1056" y="1440"/>
-                </a:moveTo>
-                <a:lnTo>
-                  <a:pt x="960" y="1584"/>
-                </a:lnTo>
-                <a:lnTo>
-                  <a:pt x="288" y="1200"/>
-                </a:lnTo>
-                <a:lnTo>
-                  <a:pt x="288" y="336"/>
-                </a:lnTo>
-                <a:lnTo>
-                  <a:pt x="0" y="96"/>
-                </a:lnTo>
-                <a:lnTo>
-                  <a:pt x="144" y="0"/>
-                </a:lnTo>
-              </a:path>
-            </a:pathLst>
-          </a:custGeom>
-          <a:noFill/>
-          <a:ln w="57150">
-            <a:solidFill>
-              <a:schemeClr val="hlink"/>
-            </a:solidFill>
-            <a:round/>
-            <a:headEnd/>
-            <a:tailEnd type="arrow" w="med" len="med"/>
-          </a:ln>
-          <a:extLst>
-            <a:ext uri="{909E8E84-426E-40dd-AFC4-6F175D3DCCD1}">
-              <a14:hiddenFill xmlns:a14="http://schemas.microsoft.com/office/drawing/2010/main">
-                <a:solidFill>
-                  <a:srgbClr val="FFFFFF"/>
-                </a:solidFill>
-              </a14:hiddenFill>
-            </a:ext>
-          </a:extLst>
-        </p:spPr>
-        <p:txBody>
-          <a:bodyPr>
-            <a:spAutoFit/>
-          </a:bodyPr>
-          <a:lstStyle/>
-          <a:p>
-            <a:endParaRPr lang="en-US"/>
-          </a:p>
-        </p:txBody>
-      </p:sp>
-    </p:spTree>
-    <p:extLst>
-      <p:ext uri="{BB962C8B-B14F-4D97-AF65-F5344CB8AC3E}">
-        <p14:creationId xmlns:p14="http://schemas.microsoft.com/office/powerpoint/2010/main" val="3163316955"/>
-      </p:ext>
-    </p:extLst>
-  </p:cSld>
-  <p:clrMapOvr>
-    <a:masterClrMapping/>
-  </p:clrMapOvr>
-  <mc:AlternateContent xmlns:mc="http://schemas.openxmlformats.org/markup-compatibility/2006">
-    <mc:Choice xmlns:p14="http://schemas.microsoft.com/office/powerpoint/2010/main" Requires="p14">
-      <p:transition spd="slow" p14:dur="2000"/>
-    </mc:Choice>
-    <mc:Fallback>
-      <p:transition xmlns:p14="http://schemas.microsoft.com/office/powerpoint/2010/main" spd="slow"/>
-    </mc:Fallback>
-  </mc:AlternateContent>
-  <p:timing>
-    <p:tnLst>
-      <p:par>
-        <p:cTn xmlns:p14="http://schemas.microsoft.com/office/powerpoint/2010/main" id="1" dur="indefinite" restart="never" nodeType="tmRoot">
-          <p:childTnLst>
-            <p:seq concurrent="1" nextAc="seek">
-              <p:cTn id="2" dur="indefinite" nodeType="mainSeq">
-                <p:childTnLst>
-                  <p:par>
-                    <p:cTn id="3" fill="hold" nodeType="clickPar">
-                      <p:stCondLst>
-                        <p:cond delay="indefinite"/>
-                      </p:stCondLst>
-                      <p:childTnLst>
-                        <p:par>
-                          <p:cTn id="4" fill="hold" nodeType="withGroup">
-                            <p:stCondLst>
-                              <p:cond delay="0"/>
-                            </p:stCondLst>
-                            <p:childTnLst>
-                              <p:par>
-                                <p:cTn id="5" presetID="1" presetClass="entr" presetSubtype="0" fill="hold" nodeType="clickEffect">
-                                  <p:stCondLst>
-                                    <p:cond delay="0"/>
-                                  </p:stCondLst>
-                                  <p:childTnLst>
-                                    <p:set>
-                                      <p:cBhvr>
-                                        <p:cTn id="6" dur="1" fill="hold">
-                                          <p:stCondLst>
-                                            <p:cond delay="499"/>
-                                          </p:stCondLst>
-                                        </p:cTn>
-                                        <p:tgtEl>
-                                          <p:spTgt spid="214020"/>
-                                        </p:tgtEl>
-                                        <p:attrNameLst>
-                                          <p:attrName>style.visibility</p:attrName>
-                                        </p:attrNameLst>
-                                      </p:cBhvr>
-                                      <p:to>
-                                        <p:strVal val="visible"/>
-                                      </p:to>
-                                    </p:set>
-                                  </p:childTnLst>
-                                </p:cTn>
-                              </p:par>
-                            </p:childTnLst>
-                          </p:cTn>
-                        </p:par>
-                      </p:childTnLst>
-                    </p:cTn>
-                  </p:par>
-                  <p:par>
-                    <p:cTn id="7" fill="hold" nodeType="clickPar">
-                      <p:stCondLst>
-                        <p:cond delay="indefinite"/>
-                      </p:stCondLst>
-                      <p:childTnLst>
-                        <p:par>
-                          <p:cTn id="8" fill="hold" nodeType="withGroup">
-                            <p:stCondLst>
-                              <p:cond delay="0"/>
-                            </p:stCondLst>
-                            <p:childTnLst>
-                              <p:par>
-                                <p:cTn id="9" presetID="1" presetClass="entr" presetSubtype="0" fill="hold" grpId="0" nodeType="clickEffect">
-                                  <p:stCondLst>
-                                    <p:cond delay="0"/>
-                                  </p:stCondLst>
-                                  <p:childTnLst>
-                                    <p:set>
-                                      <p:cBhvr>
-                                        <p:cTn id="10" dur="1" fill="hold">
-                                          <p:stCondLst>
-                                            <p:cond delay="499"/>
-                                          </p:stCondLst>
-                                        </p:cTn>
-                                        <p:tgtEl>
-                                          <p:spTgt spid="214021"/>
-                                        </p:tgtEl>
-                                        <p:attrNameLst>
-                                          <p:attrName>style.visibility</p:attrName>
-                                        </p:attrNameLst>
-                                      </p:cBhvr>
-                                      <p:to>
-                                        <p:strVal val="visible"/>
-                                      </p:to>
-                                    </p:set>
-                                  </p:childTnLst>
-                                </p:cTn>
-                              </p:par>
-                            </p:childTnLst>
-                          </p:cTn>
-                        </p:par>
-                      </p:childTnLst>
-                    </p:cTn>
-                  </p:par>
-                </p:childTnLst>
-              </p:cTn>
-              <p:prevCondLst>
-                <p:cond evt="onPrev" delay="0">
-                  <p:tgtEl>
-                    <p:sldTgt/>
-                  </p:tgtEl>
-                </p:cond>
-              </p:prevCondLst>
-              <p:nextCondLst>
-                <p:cond evt="onNext" delay="0">
-                  <p:tgtEl>
-                    <p:sldTgt/>
-                  </p:tgtEl>
-                </p:cond>
-              </p:nextCondLst>
-            </p:seq>
-          </p:childTnLst>
-        </p:cTn>
-      </p:par>
-    </p:tnLst>
-    <p:bldLst>
-      <p:bldP spid="214021" grpId="0" animBg="1"/>
-    </p:bldLst>
   </p:timing>
 </p:sld>
 </file>

--- a/Lectures/7 Information Visualiziton.pptx
+++ b/Lectures/7 Information Visualiziton.pptx
@@ -5,50 +5,49 @@
     <p:sldMasterId id="2147483648" r:id="rId1"/>
   </p:sldMasterIdLst>
   <p:notesMasterIdLst>
-    <p:notesMasterId r:id="rId40"/>
+    <p:notesMasterId r:id="rId39"/>
   </p:notesMasterIdLst>
   <p:handoutMasterIdLst>
-    <p:handoutMasterId r:id="rId41"/>
+    <p:handoutMasterId r:id="rId40"/>
   </p:handoutMasterIdLst>
   <p:sldIdLst>
     <p:sldId id="256" r:id="rId2"/>
     <p:sldId id="597" r:id="rId3"/>
     <p:sldId id="598" r:id="rId4"/>
     <p:sldId id="599" r:id="rId5"/>
-    <p:sldId id="529" r:id="rId6"/>
-    <p:sldId id="530" r:id="rId7"/>
-    <p:sldId id="471" r:id="rId8"/>
-    <p:sldId id="472" r:id="rId9"/>
-    <p:sldId id="569" r:id="rId10"/>
-    <p:sldId id="570" r:id="rId11"/>
-    <p:sldId id="571" r:id="rId12"/>
-    <p:sldId id="567" r:id="rId13"/>
-    <p:sldId id="568" r:id="rId14"/>
-    <p:sldId id="548" r:id="rId15"/>
-    <p:sldId id="549" r:id="rId16"/>
-    <p:sldId id="553" r:id="rId17"/>
-    <p:sldId id="588" r:id="rId18"/>
-    <p:sldId id="589" r:id="rId19"/>
-    <p:sldId id="491" r:id="rId20"/>
-    <p:sldId id="572" r:id="rId21"/>
-    <p:sldId id="577" r:id="rId22"/>
-    <p:sldId id="492" r:id="rId23"/>
-    <p:sldId id="494" r:id="rId24"/>
-    <p:sldId id="552" r:id="rId25"/>
-    <p:sldId id="580" r:id="rId26"/>
-    <p:sldId id="555" r:id="rId27"/>
-    <p:sldId id="506" r:id="rId28"/>
-    <p:sldId id="564" r:id="rId29"/>
-    <p:sldId id="565" r:id="rId30"/>
-    <p:sldId id="566" r:id="rId31"/>
-    <p:sldId id="527" r:id="rId32"/>
-    <p:sldId id="590" r:id="rId33"/>
-    <p:sldId id="591" r:id="rId34"/>
-    <p:sldId id="592" r:id="rId35"/>
-    <p:sldId id="593" r:id="rId36"/>
-    <p:sldId id="594" r:id="rId37"/>
-    <p:sldId id="595" r:id="rId38"/>
-    <p:sldId id="596" r:id="rId39"/>
+    <p:sldId id="530" r:id="rId6"/>
+    <p:sldId id="471" r:id="rId7"/>
+    <p:sldId id="472" r:id="rId8"/>
+    <p:sldId id="569" r:id="rId9"/>
+    <p:sldId id="570" r:id="rId10"/>
+    <p:sldId id="571" r:id="rId11"/>
+    <p:sldId id="567" r:id="rId12"/>
+    <p:sldId id="568" r:id="rId13"/>
+    <p:sldId id="548" r:id="rId14"/>
+    <p:sldId id="549" r:id="rId15"/>
+    <p:sldId id="553" r:id="rId16"/>
+    <p:sldId id="588" r:id="rId17"/>
+    <p:sldId id="589" r:id="rId18"/>
+    <p:sldId id="491" r:id="rId19"/>
+    <p:sldId id="572" r:id="rId20"/>
+    <p:sldId id="577" r:id="rId21"/>
+    <p:sldId id="492" r:id="rId22"/>
+    <p:sldId id="494" r:id="rId23"/>
+    <p:sldId id="552" r:id="rId24"/>
+    <p:sldId id="580" r:id="rId25"/>
+    <p:sldId id="555" r:id="rId26"/>
+    <p:sldId id="506" r:id="rId27"/>
+    <p:sldId id="564" r:id="rId28"/>
+    <p:sldId id="565" r:id="rId29"/>
+    <p:sldId id="566" r:id="rId30"/>
+    <p:sldId id="527" r:id="rId31"/>
+    <p:sldId id="590" r:id="rId32"/>
+    <p:sldId id="591" r:id="rId33"/>
+    <p:sldId id="592" r:id="rId34"/>
+    <p:sldId id="593" r:id="rId35"/>
+    <p:sldId id="594" r:id="rId36"/>
+    <p:sldId id="595" r:id="rId37"/>
+    <p:sldId id="596" r:id="rId38"/>
   </p:sldIdLst>
   <p:sldSz cx="9144000" cy="6858000" type="screen4x3"/>
   <p:notesSz cx="6858000" cy="9144000"/>
@@ -232,7 +231,7 @@
           <a:p>
             <a:fld id="{D3AAB66F-B1B7-D045-B4E8-4F60236F228D}" type="datetimeFigureOut">
               <a:rPr lang="en-US" smtClean="0"/>
-              <a:t>2/7/14</a:t>
+              <a:t>2/20/14</a:t>
             </a:fld>
             <a:endParaRPr lang="en-US"/>
           </a:p>
@@ -398,7 +397,7 @@
           <a:p>
             <a:fld id="{BCCF8E76-06A6-164E-A6FA-EC32C13EB232}" type="datetimeFigureOut">
               <a:rPr lang="en-US" smtClean="0"/>
-              <a:t>2/7/14</a:t>
+              <a:t>2/20/14</a:t>
             </a:fld>
             <a:endParaRPr lang="en-US"/>
           </a:p>
@@ -713,11 +712,11 @@
           <a:p>
             <a:r>
               <a:rPr lang="en-US" dirty="0" smtClean="0"/>
-              <a:t>I made a mistake – the boxes are quartiles (25% of all data);</a:t>
+              <a:t>We also didn’t talk about one other very common kind</a:t>
             </a:r>
             <a:r>
               <a:rPr lang="en-US" baseline="0" dirty="0" smtClean="0"/>
-              <a:t> the lines are ‘extremes’ (75% of all observations)</a:t>
+              <a:t> of plot which lets you eyeball correlation – scatter plots </a:t>
             </a:r>
             <a:endParaRPr lang="en-US" dirty="0"/>
           </a:p>
@@ -749,7 +748,7 @@
     </p:spTree>
     <p:extLst>
       <p:ext uri="{BB962C8B-B14F-4D97-AF65-F5344CB8AC3E}">
-        <p14:creationId xmlns:p14="http://schemas.microsoft.com/office/powerpoint/2010/main" val="654282882"/>
+        <p14:creationId xmlns:p14="http://schemas.microsoft.com/office/powerpoint/2010/main" val="2601354230"/>
       </p:ext>
     </p:extLst>
   </p:cSld>
@@ -803,14 +802,76 @@
           <a:bodyPr/>
           <a:lstStyle/>
           <a:p>
-            <a:r>
-              <a:rPr lang="en-US" dirty="0" smtClean="0"/>
-              <a:t>We also didn’t talk about one other very common kind</a:t>
-            </a:r>
-            <a:r>
-              <a:rPr lang="en-US" baseline="0" dirty="0" smtClean="0"/>
-              <a:t> of plot which lets you eyeball correlation – scatter plots </a:t>
-            </a:r>
+            <a:pPr>
+              <a:buFontTx/>
+              <a:buNone/>
+            </a:pPr>
+            <a:r>
+              <a:rPr lang="en-US" dirty="0" smtClean="0">
+                <a:latin typeface="Geneva" charset="0"/>
+                <a:ea typeface="ＭＳ Ｐゴシック" charset="0"/>
+                <a:cs typeface="ＭＳ Ｐゴシック" charset="0"/>
+              </a:rPr>
+              <a:t>To help:</a:t>
+            </a:r>
+          </a:p>
+          <a:p>
+            <a:pPr>
+              <a:buFontTx/>
+              <a:buNone/>
+            </a:pPr>
+            <a:r>
+              <a:rPr lang="en-US" dirty="0" smtClean="0">
+                <a:latin typeface="Geneva" charset="0"/>
+                <a:ea typeface="ＭＳ Ｐゴシック" charset="0"/>
+                <a:cs typeface="ＭＳ Ｐゴシック" charset="0"/>
+              </a:rPr>
+              <a:t>		Explore</a:t>
+            </a:r>
+          </a:p>
+          <a:p>
+            <a:pPr>
+              <a:buFontTx/>
+              <a:buNone/>
+            </a:pPr>
+            <a:r>
+              <a:rPr lang="en-US" dirty="0" smtClean="0">
+                <a:latin typeface="Geneva" charset="0"/>
+                <a:ea typeface="ＭＳ Ｐゴシック" charset="0"/>
+                <a:cs typeface="ＭＳ Ｐゴシック" charset="0"/>
+              </a:rPr>
+              <a:t>		Calculate</a:t>
+            </a:r>
+          </a:p>
+          <a:p>
+            <a:pPr>
+              <a:buFontTx/>
+              <a:buNone/>
+            </a:pPr>
+            <a:r>
+              <a:rPr lang="en-US" dirty="0" smtClean="0">
+                <a:latin typeface="Geneva" charset="0"/>
+                <a:ea typeface="ＭＳ Ｐゴシック" charset="0"/>
+                <a:cs typeface="ＭＳ Ｐゴシック" charset="0"/>
+              </a:rPr>
+              <a:t>       Communicate</a:t>
+            </a:r>
+          </a:p>
+          <a:p>
+            <a:pPr>
+              <a:buFontTx/>
+              <a:buNone/>
+            </a:pPr>
+            <a:r>
+              <a:rPr lang="en-US" dirty="0" smtClean="0">
+                <a:latin typeface="Geneva" charset="0"/>
+                <a:ea typeface="ＭＳ Ｐゴシック" charset="0"/>
+                <a:cs typeface="ＭＳ Ｐゴシック" charset="0"/>
+              </a:rPr>
+              <a:t>		Decorate</a:t>
+            </a:r>
+          </a:p>
+          <a:p>
             <a:endParaRPr lang="en-US" dirty="0"/>
           </a:p>
         </p:txBody>
@@ -832,7 +893,7 @@
           <a:p>
             <a:fld id="{FD66F34B-9C4D-8640-BB34-4C24A79C9FFB}" type="slidenum">
               <a:rPr lang="en-US" smtClean="0"/>
-              <a:t>6</a:t>
+              <a:t>7</a:t>
             </a:fld>
             <a:endParaRPr lang="en-US"/>
           </a:p>
@@ -841,7 +902,7 @@
     </p:spTree>
     <p:extLst>
       <p:ext uri="{BB962C8B-B14F-4D97-AF65-F5344CB8AC3E}">
-        <p14:creationId xmlns:p14="http://schemas.microsoft.com/office/powerpoint/2010/main" val="2601354230"/>
+        <p14:creationId xmlns:p14="http://schemas.microsoft.com/office/powerpoint/2010/main" val="381746730"/>
       </p:ext>
     </p:extLst>
   </p:cSld>
@@ -895,74 +956,92 @@
           <a:bodyPr/>
           <a:lstStyle/>
           <a:p>
-            <a:pPr>
+            <a:pPr marL="0" marR="0" indent="0" algn="l" defTabSz="457200" rtl="0" eaLnBrk="1" fontAlgn="auto" latinLnBrk="0" hangingPunct="1">
+              <a:lnSpc>
+                <a:spcPct val="100000"/>
+              </a:lnSpc>
+              <a:spcBef>
+                <a:spcPts val="0"/>
+              </a:spcBef>
+              <a:spcAft>
+                <a:spcPts val="0"/>
+              </a:spcAft>
+              <a:buClrTx/>
+              <a:buSzTx/>
               <a:buFontTx/>
               <a:buNone/>
+              <a:tabLst/>
+              <a:defRPr/>
             </a:pPr>
             <a:r>
-              <a:rPr lang="en-US" dirty="0" smtClean="0">
+              <a:rPr lang="en-US" altLang="ja-JP" sz="1200" dirty="0" smtClean="0">
                 <a:latin typeface="Geneva" charset="0"/>
                 <a:ea typeface="ＭＳ Ｐゴシック" charset="0"/>
                 <a:cs typeface="ＭＳ Ｐゴシック" charset="0"/>
               </a:rPr>
-              <a:t>To help:</a:t>
-            </a:r>
-          </a:p>
-          <a:p>
-            <a:pPr>
-              <a:buFontTx/>
-              <a:buNone/>
-            </a:pPr>
-            <a:r>
-              <a:rPr lang="en-US" dirty="0" smtClean="0">
+              <a:t>But remember </a:t>
+            </a:r>
+            <a:r>
+              <a:rPr lang="ja-JP" altLang="en-US" sz="1200" dirty="0" smtClean="0">
                 <a:latin typeface="Geneva" charset="0"/>
                 <a:ea typeface="ＭＳ Ｐゴシック" charset="0"/>
                 <a:cs typeface="ＭＳ Ｐゴシック" charset="0"/>
               </a:rPr>
-              <a:t>		Explore</a:t>
-            </a:r>
-          </a:p>
-          <a:p>
-            <a:pPr>
-              <a:buFontTx/>
-              <a:buNone/>
-            </a:pPr>
-            <a:r>
-              <a:rPr lang="en-US" dirty="0" smtClean="0">
+              <a:t>“</a:t>
+            </a:r>
+            <a:r>
+              <a:rPr lang="en-US" altLang="ja-JP" sz="1200" dirty="0" smtClean="0">
                 <a:latin typeface="Geneva" charset="0"/>
                 <a:ea typeface="ＭＳ Ｐゴシック" charset="0"/>
                 <a:cs typeface="ＭＳ Ｐゴシック" charset="0"/>
               </a:rPr>
-              <a:t>		Calculate</a:t>
-            </a:r>
-          </a:p>
-          <a:p>
-            <a:pPr>
-              <a:buFontTx/>
-              <a:buNone/>
-            </a:pPr>
-            <a:r>
-              <a:rPr lang="en-US" dirty="0" smtClean="0">
+              <a:t>analytical presentations ultimately stand or fail depending on the quality, relevance, and integrity of their content</a:t>
+            </a:r>
+            <a:r>
+              <a:rPr lang="ja-JP" altLang="en-US" sz="1200" dirty="0" smtClean="0">
                 <a:latin typeface="Geneva" charset="0"/>
                 <a:ea typeface="ＭＳ Ｐゴシック" charset="0"/>
                 <a:cs typeface="ＭＳ Ｐゴシック" charset="0"/>
               </a:rPr>
-              <a:t>       Communicate</a:t>
-            </a:r>
-          </a:p>
-          <a:p>
-            <a:pPr>
-              <a:buFontTx/>
-              <a:buNone/>
-            </a:pPr>
-            <a:r>
-              <a:rPr lang="en-US" dirty="0" smtClean="0">
+              <a:t>”</a:t>
+            </a:r>
+            <a:r>
+              <a:rPr lang="en-US" altLang="ja-JP" sz="1200" dirty="0" smtClean="0">
                 <a:latin typeface="Geneva" charset="0"/>
                 <a:ea typeface="ＭＳ Ｐゴシック" charset="0"/>
                 <a:cs typeface="ＭＳ Ｐゴシック" charset="0"/>
               </a:rPr>
-              <a:t>		Decorate</a:t>
-            </a:r>
+              <a:t> </a:t>
+            </a:r>
+            <a:r>
+              <a:rPr lang="en-US" altLang="ja-JP" sz="1050" dirty="0" smtClean="0">
+                <a:latin typeface="Geneva" charset="0"/>
+                <a:ea typeface="ＭＳ Ｐゴシック" charset="0"/>
+                <a:cs typeface="ＭＳ Ｐゴシック" charset="0"/>
+              </a:rPr>
+              <a:t> [</a:t>
+            </a:r>
+            <a:r>
+              <a:rPr lang="en-US" altLang="ja-JP" sz="1050" dirty="0" err="1" smtClean="0">
+                <a:latin typeface="Geneva" charset="0"/>
+                <a:ea typeface="ＭＳ Ｐゴシック" charset="0"/>
+                <a:cs typeface="ＭＳ Ｐゴシック" charset="0"/>
+              </a:rPr>
+              <a:t>Tufte</a:t>
+            </a:r>
+            <a:r>
+              <a:rPr lang="en-US" altLang="ja-JP" sz="1050" dirty="0" smtClean="0">
+                <a:latin typeface="Geneva" charset="0"/>
+                <a:ea typeface="ＭＳ Ｐゴシック" charset="0"/>
+                <a:cs typeface="ＭＳ Ｐゴシック" charset="0"/>
+              </a:rPr>
+              <a:t>, Beautiful Evidence, p. 136]</a:t>
+            </a:r>
+            <a:endParaRPr lang="en-US" sz="1200" dirty="0" smtClean="0">
+              <a:latin typeface="Geneva" charset="0"/>
+              <a:ea typeface="ＭＳ Ｐゴシック" charset="0"/>
+              <a:cs typeface="ＭＳ Ｐゴシック" charset="0"/>
+            </a:endParaRPr>
           </a:p>
           <a:p>
             <a:endParaRPr lang="en-US" dirty="0"/>
@@ -986,7 +1065,7 @@
           <a:p>
             <a:fld id="{FD66F34B-9C4D-8640-BB34-4C24A79C9FFB}" type="slidenum">
               <a:rPr lang="en-US" smtClean="0"/>
-              <a:t>8</a:t>
+              <a:t>14</a:t>
             </a:fld>
             <a:endParaRPr lang="en-US"/>
           </a:p>
@@ -995,7 +1074,7 @@
     </p:spTree>
     <p:extLst>
       <p:ext uri="{BB962C8B-B14F-4D97-AF65-F5344CB8AC3E}">
-        <p14:creationId xmlns:p14="http://schemas.microsoft.com/office/powerpoint/2010/main" val="381746730"/>
+        <p14:creationId xmlns:p14="http://schemas.microsoft.com/office/powerpoint/2010/main" val="3272170191"/>
       </p:ext>
     </p:extLst>
   </p:cSld>
@@ -1024,7 +1103,7 @@
       </p:grpSpPr>
       <p:sp>
         <p:nvSpPr>
-          <p:cNvPr id="2" name="Slide Image Placeholder 1"/>
+          <p:cNvPr id="34817" name="Slide Image Placeholder 1"/>
           <p:cNvSpPr>
             <a:spLocks noGrp="1" noRot="1" noChangeAspect="1"/>
           </p:cNvSpPr>
@@ -1032,11 +1111,13 @@
             <p:ph type="sldImg"/>
           </p:nvPr>
         </p:nvSpPr>
-        <p:spPr/>
-      </p:sp>
-      <p:sp>
-        <p:nvSpPr>
-          <p:cNvPr id="3" name="Notes Placeholder 2"/>
+        <p:spPr>
+          <a:ln/>
+        </p:spPr>
+      </p:sp>
+      <p:sp>
+        <p:nvSpPr>
+          <p:cNvPr id="34818" name="Notes Placeholder 2"/>
           <p:cNvSpPr>
             <a:spLocks noGrp="1"/>
           </p:cNvSpPr>
@@ -1044,132 +1125,212 @@
             <p:ph type="body" idx="1"/>
           </p:nvPr>
         </p:nvSpPr>
-        <p:spPr/>
+        <p:spPr>
+          <a:noFill/>
+          <a:ln/>
+          <a:extLst>
+            <a:ext uri="{909E8E84-426E-40dd-AFC4-6F175D3DCCD1}">
+              <a14:hiddenFill xmlns:a14="http://schemas.microsoft.com/office/drawing/2010/main">
+                <a:solidFill>
+                  <a:srgbClr val="FFFFFF"/>
+                </a:solidFill>
+              </a14:hiddenFill>
+            </a:ext>
+            <a:ext uri="{91240B29-F687-4f45-9708-019B960494DF}">
+              <a14:hiddenLine xmlns:a14="http://schemas.microsoft.com/office/drawing/2010/main" w="9525">
+                <a:solidFill>
+                  <a:srgbClr val="000000"/>
+                </a:solidFill>
+                <a:miter lim="800000"/>
+                <a:headEnd/>
+                <a:tailEnd/>
+              </a14:hiddenLine>
+            </a:ext>
+          </a:extLst>
+        </p:spPr>
         <p:txBody>
           <a:bodyPr/>
           <a:lstStyle/>
           <a:p>
-            <a:pPr marL="0" marR="0" indent="0" algn="l" defTabSz="457200" rtl="0" eaLnBrk="1" fontAlgn="auto" latinLnBrk="0" hangingPunct="1">
-              <a:lnSpc>
-                <a:spcPct val="100000"/>
-              </a:lnSpc>
-              <a:spcBef>
-                <a:spcPts val="0"/>
-              </a:spcBef>
-              <a:spcAft>
-                <a:spcPts val="0"/>
-              </a:spcAft>
-              <a:buClrTx/>
-              <a:buSzTx/>
-              <a:buFontTx/>
-              <a:buNone/>
-              <a:tabLst/>
-              <a:defRPr/>
-            </a:pPr>
-            <a:r>
-              <a:rPr lang="en-US" altLang="ja-JP" sz="1200" dirty="0" smtClean="0">
-                <a:latin typeface="Geneva" charset="0"/>
+            <a:r>
+              <a:rPr lang="en-US">
+                <a:latin typeface="Arial" charset="0"/>
                 <a:ea typeface="ＭＳ Ｐゴシック" charset="0"/>
                 <a:cs typeface="ＭＳ Ｐゴシック" charset="0"/>
               </a:rPr>
-              <a:t>But remember </a:t>
-            </a:r>
-            <a:r>
-              <a:rPr lang="ja-JP" altLang="en-US" sz="1200" dirty="0" smtClean="0">
-                <a:latin typeface="Geneva" charset="0"/>
+              <a:t>Different ways that visualizations </a:t>
+            </a:r>
+            <a:r>
+              <a:rPr lang="en-US" i="1">
+                <a:latin typeface="Arial" charset="0"/>
                 <a:ea typeface="ＭＳ Ｐゴシック" charset="0"/>
                 <a:cs typeface="ＭＳ Ｐゴシック" charset="0"/>
               </a:rPr>
-              <a:t>“</a:t>
-            </a:r>
-            <a:r>
-              <a:rPr lang="en-US" altLang="ja-JP" sz="1200" dirty="0" smtClean="0">
-                <a:latin typeface="Geneva" charset="0"/>
-                <a:ea typeface="ＭＳ Ｐゴシック" charset="0"/>
-                <a:cs typeface="ＭＳ Ｐゴシック" charset="0"/>
-              </a:rPr>
-              <a:t>analytical presentations ultimately stand or fail depending on the quality, relevance, and integrity of their content</a:t>
-            </a:r>
-            <a:r>
-              <a:rPr lang="ja-JP" altLang="en-US" sz="1200" dirty="0" smtClean="0">
-                <a:latin typeface="Geneva" charset="0"/>
-                <a:ea typeface="ＭＳ Ｐゴシック" charset="0"/>
-                <a:cs typeface="ＭＳ Ｐゴシック" charset="0"/>
-              </a:rPr>
-              <a:t>”</a:t>
-            </a:r>
-            <a:r>
-              <a:rPr lang="en-US" altLang="ja-JP" sz="1200" dirty="0" smtClean="0">
-                <a:latin typeface="Geneva" charset="0"/>
-                <a:ea typeface="ＭＳ Ｐゴシック" charset="0"/>
-                <a:cs typeface="ＭＳ Ｐゴシック" charset="0"/>
-              </a:rPr>
-              <a:t> </a:t>
-            </a:r>
-            <a:r>
-              <a:rPr lang="en-US" altLang="ja-JP" sz="1050" dirty="0" smtClean="0">
-                <a:latin typeface="Geneva" charset="0"/>
-                <a:ea typeface="ＭＳ Ｐゴシック" charset="0"/>
-                <a:cs typeface="ＭＳ Ｐゴシック" charset="0"/>
-              </a:rPr>
-              <a:t> [</a:t>
-            </a:r>
-            <a:r>
-              <a:rPr lang="en-US" altLang="ja-JP" sz="1050" dirty="0" err="1" smtClean="0">
-                <a:latin typeface="Geneva" charset="0"/>
-                <a:ea typeface="ＭＳ Ｐゴシック" charset="0"/>
-                <a:cs typeface="ＭＳ Ｐゴシック" charset="0"/>
-              </a:rPr>
-              <a:t>Tufte</a:t>
-            </a:r>
-            <a:r>
-              <a:rPr lang="en-US" altLang="ja-JP" sz="1050" dirty="0" smtClean="0">
-                <a:latin typeface="Geneva" charset="0"/>
-                <a:ea typeface="ＭＳ Ｐゴシック" charset="0"/>
-                <a:cs typeface="ＭＳ Ｐゴシック" charset="0"/>
-              </a:rPr>
-              <a:t>, Beautiful Evidence, p. 136]</a:t>
-            </a:r>
-            <a:endParaRPr lang="en-US" sz="1200" dirty="0" smtClean="0">
-              <a:latin typeface="Geneva" charset="0"/>
+              <a:t>could help amplify cognition: 1. By increasing memory and processing resources available 2. By reducing the amount of time to search 3. Enhancing the detections of patterns and enabling perceptual inference operations 4. Aid perceptual monitoring 5. By encoding information in a manipulable medium</a:t>
+            </a:r>
+            <a:endParaRPr lang="en-US">
+              <a:latin typeface="Arial" charset="0"/>
               <a:ea typeface="ＭＳ Ｐゴシック" charset="0"/>
               <a:cs typeface="ＭＳ Ｐゴシック" charset="0"/>
             </a:endParaRPr>
           </a:p>
-          <a:p>
-            <a:endParaRPr lang="en-US" dirty="0"/>
-          </a:p>
-        </p:txBody>
-      </p:sp>
-      <p:sp>
-        <p:nvSpPr>
-          <p:cNvPr id="4" name="Slide Number Placeholder 3"/>
+        </p:txBody>
+      </p:sp>
+      <p:sp>
+        <p:nvSpPr>
+          <p:cNvPr id="34819" name="Slide Number Placeholder 3"/>
           <p:cNvSpPr>
             <a:spLocks noGrp="1"/>
           </p:cNvSpPr>
           <p:nvPr>
-            <p:ph type="sldNum" sz="quarter" idx="10"/>
-          </p:nvPr>
-        </p:nvSpPr>
-        <p:spPr/>
+            <p:ph type="sldNum" sz="quarter" idx="5"/>
+          </p:nvPr>
+        </p:nvSpPr>
+        <p:spPr>
+          <a:noFill/>
+          <a:ln/>
+          <a:extLst>
+            <a:ext uri="{909E8E84-426E-40dd-AFC4-6F175D3DCCD1}">
+              <a14:hiddenFill xmlns:a14="http://schemas.microsoft.com/office/drawing/2010/main">
+                <a:solidFill>
+                  <a:srgbClr val="FFFFFF"/>
+                </a:solidFill>
+              </a14:hiddenFill>
+            </a:ext>
+            <a:ext uri="{91240B29-F687-4f45-9708-019B960494DF}">
+              <a14:hiddenLine xmlns:a14="http://schemas.microsoft.com/office/drawing/2010/main" w="9525">
+                <a:solidFill>
+                  <a:srgbClr val="000000"/>
+                </a:solidFill>
+                <a:miter lim="800000"/>
+                <a:headEnd/>
+                <a:tailEnd/>
+              </a14:hiddenLine>
+            </a:ext>
+          </a:extLst>
+        </p:spPr>
         <p:txBody>
           <a:bodyPr/>
-          <a:lstStyle/>
-          <a:p>
-            <a:fld id="{FD66F34B-9C4D-8640-BB34-4C24A79C9FFB}" type="slidenum">
-              <a:rPr lang="en-US" smtClean="0"/>
+          <a:lstStyle>
+            <a:lvl1pPr eaLnBrk="0" hangingPunct="0">
+              <a:defRPr sz="2400">
+                <a:solidFill>
+                  <a:schemeClr val="tx1"/>
+                </a:solidFill>
+                <a:latin typeface="Arial" charset="0"/>
+                <a:ea typeface="ＭＳ Ｐゴシック" charset="0"/>
+                <a:cs typeface="ＭＳ Ｐゴシック" charset="0"/>
+              </a:defRPr>
+            </a:lvl1pPr>
+            <a:lvl2pPr marL="742950" indent="-285750" eaLnBrk="0" hangingPunct="0">
+              <a:defRPr sz="2400">
+                <a:solidFill>
+                  <a:schemeClr val="tx1"/>
+                </a:solidFill>
+                <a:latin typeface="Arial" charset="0"/>
+                <a:ea typeface="ＭＳ Ｐゴシック" charset="0"/>
+              </a:defRPr>
+            </a:lvl2pPr>
+            <a:lvl3pPr marL="1143000" indent="-228600" eaLnBrk="0" hangingPunct="0">
+              <a:defRPr sz="2400">
+                <a:solidFill>
+                  <a:schemeClr val="tx1"/>
+                </a:solidFill>
+                <a:latin typeface="Arial" charset="0"/>
+                <a:ea typeface="ＭＳ Ｐゴシック" charset="0"/>
+              </a:defRPr>
+            </a:lvl3pPr>
+            <a:lvl4pPr marL="1600200" indent="-228600" eaLnBrk="0" hangingPunct="0">
+              <a:defRPr sz="2400">
+                <a:solidFill>
+                  <a:schemeClr val="tx1"/>
+                </a:solidFill>
+                <a:latin typeface="Arial" charset="0"/>
+                <a:ea typeface="ＭＳ Ｐゴシック" charset="0"/>
+              </a:defRPr>
+            </a:lvl4pPr>
+            <a:lvl5pPr marL="2057400" indent="-228600" eaLnBrk="0" hangingPunct="0">
+              <a:defRPr sz="2400">
+                <a:solidFill>
+                  <a:schemeClr val="tx1"/>
+                </a:solidFill>
+                <a:latin typeface="Arial" charset="0"/>
+                <a:ea typeface="ＭＳ Ｐゴシック" charset="0"/>
+              </a:defRPr>
+            </a:lvl5pPr>
+            <a:lvl6pPr marL="2514600" indent="-228600" eaLnBrk="0" fontAlgn="base" hangingPunct="0">
+              <a:spcBef>
+                <a:spcPct val="0"/>
+              </a:spcBef>
+              <a:spcAft>
+                <a:spcPct val="0"/>
+              </a:spcAft>
+              <a:defRPr sz="2400">
+                <a:solidFill>
+                  <a:schemeClr val="tx1"/>
+                </a:solidFill>
+                <a:latin typeface="Arial" charset="0"/>
+                <a:ea typeface="ＭＳ Ｐゴシック" charset="0"/>
+              </a:defRPr>
+            </a:lvl6pPr>
+            <a:lvl7pPr marL="2971800" indent="-228600" eaLnBrk="0" fontAlgn="base" hangingPunct="0">
+              <a:spcBef>
+                <a:spcPct val="0"/>
+              </a:spcBef>
+              <a:spcAft>
+                <a:spcPct val="0"/>
+              </a:spcAft>
+              <a:defRPr sz="2400">
+                <a:solidFill>
+                  <a:schemeClr val="tx1"/>
+                </a:solidFill>
+                <a:latin typeface="Arial" charset="0"/>
+                <a:ea typeface="ＭＳ Ｐゴシック" charset="0"/>
+              </a:defRPr>
+            </a:lvl7pPr>
+            <a:lvl8pPr marL="3429000" indent="-228600" eaLnBrk="0" fontAlgn="base" hangingPunct="0">
+              <a:spcBef>
+                <a:spcPct val="0"/>
+              </a:spcBef>
+              <a:spcAft>
+                <a:spcPct val="0"/>
+              </a:spcAft>
+              <a:defRPr sz="2400">
+                <a:solidFill>
+                  <a:schemeClr val="tx1"/>
+                </a:solidFill>
+                <a:latin typeface="Arial" charset="0"/>
+                <a:ea typeface="ＭＳ Ｐゴシック" charset="0"/>
+              </a:defRPr>
+            </a:lvl8pPr>
+            <a:lvl9pPr marL="3886200" indent="-228600" eaLnBrk="0" fontAlgn="base" hangingPunct="0">
+              <a:spcBef>
+                <a:spcPct val="0"/>
+              </a:spcBef>
+              <a:spcAft>
+                <a:spcPct val="0"/>
+              </a:spcAft>
+              <a:defRPr sz="2400">
+                <a:solidFill>
+                  <a:schemeClr val="tx1"/>
+                </a:solidFill>
+                <a:latin typeface="Arial" charset="0"/>
+                <a:ea typeface="ＭＳ Ｐゴシック" charset="0"/>
+              </a:defRPr>
+            </a:lvl9pPr>
+          </a:lstStyle>
+          <a:p>
+            <a:pPr eaLnBrk="1" hangingPunct="1"/>
+            <a:fld id="{357B4654-D80B-7B4A-8307-7E68B9D442CE}" type="slidenum">
+              <a:rPr lang="en-US" sz="1200"/>
+              <a:pPr eaLnBrk="1" hangingPunct="1"/>
               <a:t>15</a:t>
             </a:fld>
-            <a:endParaRPr lang="en-US"/>
+            <a:endParaRPr lang="en-US" sz="1200"/>
           </a:p>
         </p:txBody>
       </p:sp>
     </p:spTree>
-    <p:extLst>
-      <p:ext uri="{BB962C8B-B14F-4D97-AF65-F5344CB8AC3E}">
-        <p14:creationId xmlns:p14="http://schemas.microsoft.com/office/powerpoint/2010/main" val="3272170191"/>
-      </p:ext>
-    </p:extLst>
   </p:cSld>
   <p:clrMapOvr>
     <a:masterClrMapping/>
@@ -1196,230 +1357,78 @@
       </p:grpSpPr>
       <p:sp>
         <p:nvSpPr>
-          <p:cNvPr id="34817" name="Slide Image Placeholder 1"/>
-          <p:cNvSpPr>
-            <a:spLocks noGrp="1" noRot="1" noChangeAspect="1"/>
-          </p:cNvSpPr>
-          <p:nvPr>
-            <p:ph type="sldImg"/>
+          <p:cNvPr id="7" name="Rectangle 7"/>
+          <p:cNvSpPr>
+            <a:spLocks noGrp="1" noChangeArrowheads="1"/>
+          </p:cNvSpPr>
+          <p:nvPr>
+            <p:ph type="sldNum" sz="quarter" idx="5"/>
           </p:nvPr>
         </p:nvSpPr>
         <p:spPr>
           <a:ln/>
         </p:spPr>
-      </p:sp>
-      <p:sp>
-        <p:nvSpPr>
-          <p:cNvPr id="34818" name="Notes Placeholder 2"/>
-          <p:cNvSpPr>
-            <a:spLocks noGrp="1"/>
-          </p:cNvSpPr>
-          <p:nvPr>
-            <p:ph type="body" idx="1"/>
-          </p:nvPr>
-        </p:nvSpPr>
-        <p:spPr>
-          <a:noFill/>
-          <a:ln/>
-          <a:extLst>
-            <a:ext uri="{909E8E84-426E-40dd-AFC4-6F175D3DCCD1}">
-              <a14:hiddenFill xmlns:a14="http://schemas.microsoft.com/office/drawing/2010/main">
-                <a:solidFill>
-                  <a:srgbClr val="FFFFFF"/>
-                </a:solidFill>
-              </a14:hiddenFill>
-            </a:ext>
-            <a:ext uri="{91240B29-F687-4f45-9708-019B960494DF}">
-              <a14:hiddenLine xmlns:a14="http://schemas.microsoft.com/office/drawing/2010/main" w="9525">
-                <a:solidFill>
-                  <a:srgbClr val="000000"/>
-                </a:solidFill>
-                <a:miter lim="800000"/>
-                <a:headEnd/>
-                <a:tailEnd/>
-              </a14:hiddenLine>
-            </a:ext>
-          </a:extLst>
-        </p:spPr>
         <p:txBody>
           <a:bodyPr/>
           <a:lstStyle/>
           <a:p>
-            <a:r>
-              <a:rPr lang="en-US">
-                <a:latin typeface="Arial" charset="0"/>
-                <a:ea typeface="ＭＳ Ｐゴシック" charset="0"/>
-                <a:cs typeface="ＭＳ Ｐゴシック" charset="0"/>
-              </a:rPr>
-              <a:t>Different ways that visualizations </a:t>
-            </a:r>
-            <a:r>
-              <a:rPr lang="en-US" i="1">
-                <a:latin typeface="Arial" charset="0"/>
-                <a:ea typeface="ＭＳ Ｐゴシック" charset="0"/>
-                <a:cs typeface="ＭＳ Ｐゴシック" charset="0"/>
-              </a:rPr>
-              <a:t>could help amplify cognition: 1. By increasing memory and processing resources available 2. By reducing the amount of time to search 3. Enhancing the detections of patterns and enabling perceptual inference operations 4. Aid perceptual monitoring 5. By encoding information in a manipulable medium</a:t>
-            </a:r>
-            <a:endParaRPr lang="en-US">
-              <a:latin typeface="Arial" charset="0"/>
-              <a:ea typeface="ＭＳ Ｐゴシック" charset="0"/>
-              <a:cs typeface="ＭＳ Ｐゴシック" charset="0"/>
-            </a:endParaRPr>
-          </a:p>
-        </p:txBody>
-      </p:sp>
-      <p:sp>
-        <p:nvSpPr>
-          <p:cNvPr id="34819" name="Slide Number Placeholder 3"/>
-          <p:cNvSpPr>
-            <a:spLocks noGrp="1"/>
-          </p:cNvSpPr>
-          <p:nvPr>
-            <p:ph type="sldNum" sz="quarter" idx="5"/>
-          </p:nvPr>
-        </p:nvSpPr>
-        <p:spPr>
-          <a:noFill/>
-          <a:ln/>
-          <a:extLst>
-            <a:ext uri="{909E8E84-426E-40dd-AFC4-6F175D3DCCD1}">
-              <a14:hiddenFill xmlns:a14="http://schemas.microsoft.com/office/drawing/2010/main">
-                <a:solidFill>
-                  <a:srgbClr val="FFFFFF"/>
-                </a:solidFill>
-              </a14:hiddenFill>
-            </a:ext>
-            <a:ext uri="{91240B29-F687-4f45-9708-019B960494DF}">
-              <a14:hiddenLine xmlns:a14="http://schemas.microsoft.com/office/drawing/2010/main" w="9525">
-                <a:solidFill>
-                  <a:srgbClr val="000000"/>
-                </a:solidFill>
-                <a:miter lim="800000"/>
-                <a:headEnd/>
-                <a:tailEnd/>
-              </a14:hiddenLine>
-            </a:ext>
-          </a:extLst>
-        </p:spPr>
-        <p:txBody>
-          <a:bodyPr/>
-          <a:lstStyle>
-            <a:lvl1pPr eaLnBrk="0" hangingPunct="0">
-              <a:defRPr sz="2400">
-                <a:solidFill>
-                  <a:schemeClr val="tx1"/>
-                </a:solidFill>
-                <a:latin typeface="Arial" charset="0"/>
-                <a:ea typeface="ＭＳ Ｐゴシック" charset="0"/>
-                <a:cs typeface="ＭＳ Ｐゴシック" charset="0"/>
-              </a:defRPr>
-            </a:lvl1pPr>
-            <a:lvl2pPr marL="742950" indent="-285750" eaLnBrk="0" hangingPunct="0">
-              <a:defRPr sz="2400">
-                <a:solidFill>
-                  <a:schemeClr val="tx1"/>
-                </a:solidFill>
-                <a:latin typeface="Arial" charset="0"/>
-                <a:ea typeface="ＭＳ Ｐゴシック" charset="0"/>
-              </a:defRPr>
-            </a:lvl2pPr>
-            <a:lvl3pPr marL="1143000" indent="-228600" eaLnBrk="0" hangingPunct="0">
-              <a:defRPr sz="2400">
-                <a:solidFill>
-                  <a:schemeClr val="tx1"/>
-                </a:solidFill>
-                <a:latin typeface="Arial" charset="0"/>
-                <a:ea typeface="ＭＳ Ｐゴシック" charset="0"/>
-              </a:defRPr>
-            </a:lvl3pPr>
-            <a:lvl4pPr marL="1600200" indent="-228600" eaLnBrk="0" hangingPunct="0">
-              <a:defRPr sz="2400">
-                <a:solidFill>
-                  <a:schemeClr val="tx1"/>
-                </a:solidFill>
-                <a:latin typeface="Arial" charset="0"/>
-                <a:ea typeface="ＭＳ Ｐゴシック" charset="0"/>
-              </a:defRPr>
-            </a:lvl4pPr>
-            <a:lvl5pPr marL="2057400" indent="-228600" eaLnBrk="0" hangingPunct="0">
-              <a:defRPr sz="2400">
-                <a:solidFill>
-                  <a:schemeClr val="tx1"/>
-                </a:solidFill>
-                <a:latin typeface="Arial" charset="0"/>
-                <a:ea typeface="ＭＳ Ｐゴシック" charset="0"/>
-              </a:defRPr>
-            </a:lvl5pPr>
-            <a:lvl6pPr marL="2514600" indent="-228600" eaLnBrk="0" fontAlgn="base" hangingPunct="0">
-              <a:spcBef>
-                <a:spcPct val="0"/>
-              </a:spcBef>
-              <a:spcAft>
-                <a:spcPct val="0"/>
-              </a:spcAft>
-              <a:defRPr sz="2400">
-                <a:solidFill>
-                  <a:schemeClr val="tx1"/>
-                </a:solidFill>
-                <a:latin typeface="Arial" charset="0"/>
-                <a:ea typeface="ＭＳ Ｐゴシック" charset="0"/>
-              </a:defRPr>
-            </a:lvl6pPr>
-            <a:lvl7pPr marL="2971800" indent="-228600" eaLnBrk="0" fontAlgn="base" hangingPunct="0">
-              <a:spcBef>
-                <a:spcPct val="0"/>
-              </a:spcBef>
-              <a:spcAft>
-                <a:spcPct val="0"/>
-              </a:spcAft>
-              <a:defRPr sz="2400">
-                <a:solidFill>
-                  <a:schemeClr val="tx1"/>
-                </a:solidFill>
-                <a:latin typeface="Arial" charset="0"/>
-                <a:ea typeface="ＭＳ Ｐゴシック" charset="0"/>
-              </a:defRPr>
-            </a:lvl7pPr>
-            <a:lvl8pPr marL="3429000" indent="-228600" eaLnBrk="0" fontAlgn="base" hangingPunct="0">
-              <a:spcBef>
-                <a:spcPct val="0"/>
-              </a:spcBef>
-              <a:spcAft>
-                <a:spcPct val="0"/>
-              </a:spcAft>
-              <a:defRPr sz="2400">
-                <a:solidFill>
-                  <a:schemeClr val="tx1"/>
-                </a:solidFill>
-                <a:latin typeface="Arial" charset="0"/>
-                <a:ea typeface="ＭＳ Ｐゴシック" charset="0"/>
-              </a:defRPr>
-            </a:lvl8pPr>
-            <a:lvl9pPr marL="3886200" indent="-228600" eaLnBrk="0" fontAlgn="base" hangingPunct="0">
-              <a:spcBef>
-                <a:spcPct val="0"/>
-              </a:spcBef>
-              <a:spcAft>
-                <a:spcPct val="0"/>
-              </a:spcAft>
-              <a:defRPr sz="2400">
-                <a:solidFill>
-                  <a:schemeClr val="tx1"/>
-                </a:solidFill>
-                <a:latin typeface="Arial" charset="0"/>
-                <a:ea typeface="ＭＳ Ｐゴシック" charset="0"/>
-              </a:defRPr>
-            </a:lvl9pPr>
-          </a:lstStyle>
-          <a:p>
-            <a:pPr eaLnBrk="1" hangingPunct="1"/>
-            <a:fld id="{357B4654-D80B-7B4A-8307-7E68B9D442CE}" type="slidenum">
-              <a:rPr lang="en-US" sz="1200"/>
-              <a:pPr eaLnBrk="1" hangingPunct="1"/>
+            <a:fld id="{E9509500-53E5-45E6-9754-E7C9BF60DAA5}" type="slidenum">
+              <a:rPr lang="en-US"/>
+              <a:pPr/>
               <a:t>16</a:t>
             </a:fld>
-            <a:endParaRPr lang="en-US" sz="1200"/>
+            <a:endParaRPr lang="en-US"/>
+          </a:p>
+        </p:txBody>
+      </p:sp>
+      <p:sp>
+        <p:nvSpPr>
+          <p:cNvPr id="2435074" name="Rectangle 2"/>
+          <p:cNvSpPr>
+            <a:spLocks noGrp="1" noRot="1" noChangeAspect="1" noChangeArrowheads="1" noTextEdit="1"/>
+          </p:cNvSpPr>
+          <p:nvPr>
+            <p:ph type="sldImg"/>
+          </p:nvPr>
+        </p:nvSpPr>
+        <p:spPr>
+          <a:xfrm>
+            <a:off x="1143000" y="685800"/>
+            <a:ext cx="4573588" cy="3430588"/>
+          </a:xfrm>
+          <a:ln/>
+        </p:spPr>
+      </p:sp>
+      <p:sp>
+        <p:nvSpPr>
+          <p:cNvPr id="2435075" name="Rectangle 3"/>
+          <p:cNvSpPr>
+            <a:spLocks noGrp="1" noChangeArrowheads="1"/>
+          </p:cNvSpPr>
+          <p:nvPr>
+            <p:ph type="body" idx="1"/>
+          </p:nvPr>
+        </p:nvSpPr>
+        <p:spPr>
+          <a:xfrm>
+            <a:off x="914400" y="4343400"/>
+            <a:ext cx="5029200" cy="4114800"/>
+          </a:xfrm>
+        </p:spPr>
+        <p:txBody>
+          <a:bodyPr/>
+          <a:lstStyle/>
+          <a:p>
+            <a:r>
+              <a:rPr lang="en-US"/>
+              <a:t>Note that while size and other cues provide for quantitative comparison, color (even luminance) only provides for ordering.</a:t>
+            </a:r>
+          </a:p>
+          <a:p>
+            <a:r>
+              <a:rPr lang="en-US"/>
+              <a:t>If the goal is contrast along any of these axes, make it distinct!</a:t>
+            </a:r>
           </a:p>
         </p:txBody>
       </p:sp>
@@ -1450,78 +1459,217 @@
       </p:grpSpPr>
       <p:sp>
         <p:nvSpPr>
-          <p:cNvPr id="7" name="Rectangle 7"/>
-          <p:cNvSpPr>
-            <a:spLocks noGrp="1" noChangeArrowheads="1"/>
-          </p:cNvSpPr>
-          <p:nvPr>
-            <p:ph type="sldNum" sz="quarter" idx="5"/>
+          <p:cNvPr id="58369" name="Slide Image Placeholder 1"/>
+          <p:cNvSpPr>
+            <a:spLocks noGrp="1" noRot="1" noChangeAspect="1"/>
+          </p:cNvSpPr>
+          <p:nvPr>
+            <p:ph type="sldImg"/>
           </p:nvPr>
         </p:nvSpPr>
         <p:spPr>
           <a:ln/>
         </p:spPr>
+      </p:sp>
+      <p:sp>
+        <p:nvSpPr>
+          <p:cNvPr id="58370" name="Notes Placeholder 2"/>
+          <p:cNvSpPr>
+            <a:spLocks noGrp="1"/>
+          </p:cNvSpPr>
+          <p:nvPr>
+            <p:ph type="body" idx="1"/>
+          </p:nvPr>
+        </p:nvSpPr>
+        <p:spPr>
+          <a:noFill/>
+          <a:ln/>
+          <a:extLst>
+            <a:ext uri="{909E8E84-426E-40dd-AFC4-6F175D3DCCD1}">
+              <a14:hiddenFill xmlns:a14="http://schemas.microsoft.com/office/drawing/2010/main">
+                <a:solidFill>
+                  <a:srgbClr val="FFFFFF"/>
+                </a:solidFill>
+              </a14:hiddenFill>
+            </a:ext>
+            <a:ext uri="{91240B29-F687-4f45-9708-019B960494DF}">
+              <a14:hiddenLine xmlns:a14="http://schemas.microsoft.com/office/drawing/2010/main" w="9525">
+                <a:solidFill>
+                  <a:srgbClr val="000000"/>
+                </a:solidFill>
+                <a:miter lim="800000"/>
+                <a:headEnd/>
+                <a:tailEnd/>
+              </a14:hiddenLine>
+            </a:ext>
+          </a:extLst>
+        </p:spPr>
         <p:txBody>
           <a:bodyPr/>
           <a:lstStyle/>
           <a:p>
-            <a:fld id="{E9509500-53E5-45E6-9754-E7C9BF60DAA5}" type="slidenum">
-              <a:rPr lang="en-US"/>
-              <a:pPr/>
-              <a:t>17</a:t>
+            <a:r>
+              <a:rPr lang="en-US">
+                <a:latin typeface="Arial" charset="0"/>
+                <a:ea typeface="ＭＳ Ｐゴシック" charset="0"/>
+                <a:cs typeface="ＭＳ Ｐゴシック" charset="0"/>
+              </a:rPr>
+              <a:t>nguyen</a:t>
+            </a:r>
+          </a:p>
+        </p:txBody>
+      </p:sp>
+      <p:sp>
+        <p:nvSpPr>
+          <p:cNvPr id="58371" name="Slide Number Placeholder 3"/>
+          <p:cNvSpPr>
+            <a:spLocks noGrp="1"/>
+          </p:cNvSpPr>
+          <p:nvPr>
+            <p:ph type="sldNum" sz="quarter" idx="5"/>
+          </p:nvPr>
+        </p:nvSpPr>
+        <p:spPr>
+          <a:noFill/>
+          <a:ln/>
+          <a:extLst>
+            <a:ext uri="{909E8E84-426E-40dd-AFC4-6F175D3DCCD1}">
+              <a14:hiddenFill xmlns:a14="http://schemas.microsoft.com/office/drawing/2010/main">
+                <a:solidFill>
+                  <a:srgbClr val="FFFFFF"/>
+                </a:solidFill>
+              </a14:hiddenFill>
+            </a:ext>
+            <a:ext uri="{91240B29-F687-4f45-9708-019B960494DF}">
+              <a14:hiddenLine xmlns:a14="http://schemas.microsoft.com/office/drawing/2010/main" w="9525">
+                <a:solidFill>
+                  <a:srgbClr val="000000"/>
+                </a:solidFill>
+                <a:miter lim="800000"/>
+                <a:headEnd/>
+                <a:tailEnd/>
+              </a14:hiddenLine>
+            </a:ext>
+          </a:extLst>
+        </p:spPr>
+        <p:txBody>
+          <a:bodyPr/>
+          <a:lstStyle>
+            <a:lvl1pPr eaLnBrk="0" hangingPunct="0">
+              <a:defRPr sz="2400">
+                <a:solidFill>
+                  <a:schemeClr val="tx1"/>
+                </a:solidFill>
+                <a:latin typeface="Arial" charset="0"/>
+                <a:ea typeface="ＭＳ Ｐゴシック" charset="0"/>
+                <a:cs typeface="ＭＳ Ｐゴシック" charset="0"/>
+              </a:defRPr>
+            </a:lvl1pPr>
+            <a:lvl2pPr marL="742950" indent="-285750" eaLnBrk="0" hangingPunct="0">
+              <a:defRPr sz="2400">
+                <a:solidFill>
+                  <a:schemeClr val="tx1"/>
+                </a:solidFill>
+                <a:latin typeface="Arial" charset="0"/>
+                <a:ea typeface="ＭＳ Ｐゴシック" charset="0"/>
+              </a:defRPr>
+            </a:lvl2pPr>
+            <a:lvl3pPr marL="1143000" indent="-228600" eaLnBrk="0" hangingPunct="0">
+              <a:defRPr sz="2400">
+                <a:solidFill>
+                  <a:schemeClr val="tx1"/>
+                </a:solidFill>
+                <a:latin typeface="Arial" charset="0"/>
+                <a:ea typeface="ＭＳ Ｐゴシック" charset="0"/>
+              </a:defRPr>
+            </a:lvl3pPr>
+            <a:lvl4pPr marL="1600200" indent="-228600" eaLnBrk="0" hangingPunct="0">
+              <a:defRPr sz="2400">
+                <a:solidFill>
+                  <a:schemeClr val="tx1"/>
+                </a:solidFill>
+                <a:latin typeface="Arial" charset="0"/>
+                <a:ea typeface="ＭＳ Ｐゴシック" charset="0"/>
+              </a:defRPr>
+            </a:lvl4pPr>
+            <a:lvl5pPr marL="2057400" indent="-228600" eaLnBrk="0" hangingPunct="0">
+              <a:defRPr sz="2400">
+                <a:solidFill>
+                  <a:schemeClr val="tx1"/>
+                </a:solidFill>
+                <a:latin typeface="Arial" charset="0"/>
+                <a:ea typeface="ＭＳ Ｐゴシック" charset="0"/>
+              </a:defRPr>
+            </a:lvl5pPr>
+            <a:lvl6pPr marL="2514600" indent="-228600" eaLnBrk="0" fontAlgn="base" hangingPunct="0">
+              <a:spcBef>
+                <a:spcPct val="0"/>
+              </a:spcBef>
+              <a:spcAft>
+                <a:spcPct val="0"/>
+              </a:spcAft>
+              <a:defRPr sz="2400">
+                <a:solidFill>
+                  <a:schemeClr val="tx1"/>
+                </a:solidFill>
+                <a:latin typeface="Arial" charset="0"/>
+                <a:ea typeface="ＭＳ Ｐゴシック" charset="0"/>
+              </a:defRPr>
+            </a:lvl6pPr>
+            <a:lvl7pPr marL="2971800" indent="-228600" eaLnBrk="0" fontAlgn="base" hangingPunct="0">
+              <a:spcBef>
+                <a:spcPct val="0"/>
+              </a:spcBef>
+              <a:spcAft>
+                <a:spcPct val="0"/>
+              </a:spcAft>
+              <a:defRPr sz="2400">
+                <a:solidFill>
+                  <a:schemeClr val="tx1"/>
+                </a:solidFill>
+                <a:latin typeface="Arial" charset="0"/>
+                <a:ea typeface="ＭＳ Ｐゴシック" charset="0"/>
+              </a:defRPr>
+            </a:lvl7pPr>
+            <a:lvl8pPr marL="3429000" indent="-228600" eaLnBrk="0" fontAlgn="base" hangingPunct="0">
+              <a:spcBef>
+                <a:spcPct val="0"/>
+              </a:spcBef>
+              <a:spcAft>
+                <a:spcPct val="0"/>
+              </a:spcAft>
+              <a:defRPr sz="2400">
+                <a:solidFill>
+                  <a:schemeClr val="tx1"/>
+                </a:solidFill>
+                <a:latin typeface="Arial" charset="0"/>
+                <a:ea typeface="ＭＳ Ｐゴシック" charset="0"/>
+              </a:defRPr>
+            </a:lvl8pPr>
+            <a:lvl9pPr marL="3886200" indent="-228600" eaLnBrk="0" fontAlgn="base" hangingPunct="0">
+              <a:spcBef>
+                <a:spcPct val="0"/>
+              </a:spcBef>
+              <a:spcAft>
+                <a:spcPct val="0"/>
+              </a:spcAft>
+              <a:defRPr sz="2400">
+                <a:solidFill>
+                  <a:schemeClr val="tx1"/>
+                </a:solidFill>
+                <a:latin typeface="Arial" charset="0"/>
+                <a:ea typeface="ＭＳ Ｐゴシック" charset="0"/>
+              </a:defRPr>
+            </a:lvl9pPr>
+          </a:lstStyle>
+          <a:p>
+            <a:pPr eaLnBrk="1" hangingPunct="1"/>
+            <a:fld id="{48981BCD-70EE-A341-8BFF-5D0A946B92B9}" type="slidenum">
+              <a:rPr lang="en-US" sz="1200"/>
+              <a:pPr eaLnBrk="1" hangingPunct="1"/>
+              <a:t>19</a:t>
             </a:fld>
-            <a:endParaRPr lang="en-US"/>
-          </a:p>
-        </p:txBody>
-      </p:sp>
-      <p:sp>
-        <p:nvSpPr>
-          <p:cNvPr id="2435074" name="Rectangle 2"/>
-          <p:cNvSpPr>
-            <a:spLocks noGrp="1" noRot="1" noChangeAspect="1" noChangeArrowheads="1" noTextEdit="1"/>
-          </p:cNvSpPr>
-          <p:nvPr>
-            <p:ph type="sldImg"/>
-          </p:nvPr>
-        </p:nvSpPr>
-        <p:spPr>
-          <a:xfrm>
-            <a:off x="1143000" y="685800"/>
-            <a:ext cx="4573588" cy="3430588"/>
-          </a:xfrm>
-          <a:ln/>
-        </p:spPr>
-      </p:sp>
-      <p:sp>
-        <p:nvSpPr>
-          <p:cNvPr id="2435075" name="Rectangle 3"/>
-          <p:cNvSpPr>
-            <a:spLocks noGrp="1" noChangeArrowheads="1"/>
-          </p:cNvSpPr>
-          <p:nvPr>
-            <p:ph type="body" idx="1"/>
-          </p:nvPr>
-        </p:nvSpPr>
-        <p:spPr>
-          <a:xfrm>
-            <a:off x="914400" y="4343400"/>
-            <a:ext cx="5029200" cy="4114800"/>
-          </a:xfrm>
-        </p:spPr>
-        <p:txBody>
-          <a:bodyPr/>
-          <a:lstStyle/>
-          <a:p>
-            <a:r>
-              <a:rPr lang="en-US"/>
-              <a:t>Note that while size and other cues provide for quantitative comparison, color (even luminance) only provides for ordering.</a:t>
-            </a:r>
-          </a:p>
-          <a:p>
-            <a:r>
-              <a:rPr lang="en-US"/>
-              <a:t>If the goal is contrast along any of these axes, make it distinct!</a:t>
-            </a:r>
+            <a:endParaRPr lang="en-US" sz="1200"/>
           </a:p>
         </p:txBody>
       </p:sp>
@@ -1552,7 +1700,7 @@
       </p:grpSpPr>
       <p:sp>
         <p:nvSpPr>
-          <p:cNvPr id="58369" name="Slide Image Placeholder 1"/>
+          <p:cNvPr id="31745" name="Slide Image Placeholder 1"/>
           <p:cNvSpPr>
             <a:spLocks noGrp="1" noRot="1" noChangeAspect="1"/>
           </p:cNvSpPr>
@@ -1566,7 +1714,7 @@
       </p:sp>
       <p:sp>
         <p:nvSpPr>
-          <p:cNvPr id="58370" name="Notes Placeholder 2"/>
+          <p:cNvPr id="31746" name="Notes Placeholder 2"/>
           <p:cNvSpPr>
             <a:spLocks noGrp="1"/>
           </p:cNvSpPr>
@@ -1607,14 +1755,14 @@
                 <a:ea typeface="ＭＳ Ｐゴシック" charset="0"/>
                 <a:cs typeface="ＭＳ Ｐゴシック" charset="0"/>
               </a:rPr>
-              <a:t>nguyen</a:t>
-            </a:r>
-          </a:p>
-        </p:txBody>
-      </p:sp>
-      <p:sp>
-        <p:nvSpPr>
-          <p:cNvPr id="58371" name="Slide Number Placeholder 3"/>
+              <a:t>Lightweight Visualization</a:t>
+            </a:r>
+          </a:p>
+        </p:txBody>
+      </p:sp>
+      <p:sp>
+        <p:nvSpPr>
+          <p:cNvPr id="31747" name="Slide Number Placeholder 3"/>
           <p:cNvSpPr>
             <a:spLocks noGrp="1"/>
           </p:cNvSpPr>
@@ -1757,10 +1905,10 @@
           </a:lstStyle>
           <a:p>
             <a:pPr eaLnBrk="1" hangingPunct="1"/>
-            <a:fld id="{48981BCD-70EE-A341-8BFF-5D0A946B92B9}" type="slidenum">
+            <a:fld id="{17B7C0C0-F662-3E47-A2DB-CD1232256E43}" type="slidenum">
               <a:rPr lang="en-US" sz="1200"/>
               <a:pPr eaLnBrk="1" hangingPunct="1"/>
-              <a:t>20</a:t>
+              <a:t>29</a:t>
             </a:fld>
             <a:endParaRPr lang="en-US" sz="1200"/>
           </a:p>
@@ -1793,7 +1941,7 @@
       </p:grpSpPr>
       <p:sp>
         <p:nvSpPr>
-          <p:cNvPr id="31745" name="Slide Image Placeholder 1"/>
+          <p:cNvPr id="63489" name="Slide Image Placeholder 1"/>
           <p:cNvSpPr>
             <a:spLocks noGrp="1" noRot="1" noChangeAspect="1"/>
           </p:cNvSpPr>
@@ -1807,7 +1955,7 @@
       </p:sp>
       <p:sp>
         <p:nvSpPr>
-          <p:cNvPr id="31746" name="Notes Placeholder 2"/>
+          <p:cNvPr id="63490" name="Notes Placeholder 2"/>
           <p:cNvSpPr>
             <a:spLocks noGrp="1"/>
           </p:cNvSpPr>
@@ -1848,14 +1996,41 @@
                 <a:ea typeface="ＭＳ Ｐゴシック" charset="0"/>
                 <a:cs typeface="ＭＳ Ｐゴシック" charset="0"/>
               </a:rPr>
-              <a:t>Lightweight Visualization</a:t>
-            </a:r>
-          </a:p>
-        </p:txBody>
-      </p:sp>
-      <p:sp>
-        <p:nvSpPr>
-          <p:cNvPr id="31747" name="Slide Number Placeholder 3"/>
+              <a:t>Visualization of the multidimensional data using stick figure icons</a:t>
+            </a:r>
+          </a:p>
+          <a:p>
+            <a:r>
+              <a:rPr lang="en-US">
+                <a:latin typeface="Arial" charset="0"/>
+                <a:ea typeface="ＭＳ Ｐゴシック" charset="0"/>
+                <a:cs typeface="ＭＳ Ｐゴシック" charset="0"/>
+              </a:rPr>
+              <a:t>Two attributes of the data are mapped to the display axes and the remaining at-tributes are mapped to the angle and/or length of the limbs</a:t>
+            </a:r>
+          </a:p>
+          <a:p>
+            <a:r>
+              <a:rPr lang="en-US">
+                <a:latin typeface="Arial" charset="0"/>
+                <a:ea typeface="ＭＳ Ｐゴシック" charset="0"/>
+                <a:cs typeface="ＭＳ Ｐゴシック" charset="0"/>
+              </a:rPr>
+              <a:t>Texture patterns in the visualization show certain data characteristics</a:t>
+            </a:r>
+          </a:p>
+          <a:p>
+            <a:endParaRPr lang="en-US">
+              <a:latin typeface="Arial" charset="0"/>
+              <a:ea typeface="ＭＳ Ｐゴシック" charset="0"/>
+              <a:cs typeface="ＭＳ Ｐゴシック" charset="0"/>
+            </a:endParaRPr>
+          </a:p>
+        </p:txBody>
+      </p:sp>
+      <p:sp>
+        <p:nvSpPr>
+          <p:cNvPr id="63491" name="Slide Number Placeholder 3"/>
           <p:cNvSpPr>
             <a:spLocks noGrp="1"/>
           </p:cNvSpPr>
@@ -1998,278 +2173,10 @@
           </a:lstStyle>
           <a:p>
             <a:pPr eaLnBrk="1" hangingPunct="1"/>
-            <a:fld id="{17B7C0C0-F662-3E47-A2DB-CD1232256E43}" type="slidenum">
-              <a:rPr lang="en-US" sz="1200"/>
-              <a:pPr eaLnBrk="1" hangingPunct="1"/>
-              <a:t>30</a:t>
-            </a:fld>
-            <a:endParaRPr lang="en-US" sz="1200"/>
-          </a:p>
-        </p:txBody>
-      </p:sp>
-    </p:spTree>
-  </p:cSld>
-  <p:clrMapOvr>
-    <a:masterClrMapping/>
-  </p:clrMapOvr>
-</p:notes>
-</file>
-
-<file path=ppt/notesSlides/notesSlide9.xml><?xml version="1.0" encoding="utf-8"?>
-<p:notes xmlns:a="http://schemas.openxmlformats.org/drawingml/2006/main" xmlns:r="http://schemas.openxmlformats.org/officeDocument/2006/relationships" xmlns:p="http://schemas.openxmlformats.org/presentationml/2006/main">
-  <p:cSld>
-    <p:spTree>
-      <p:nvGrpSpPr>
-        <p:cNvPr id="1" name=""/>
-        <p:cNvGrpSpPr/>
-        <p:nvPr/>
-      </p:nvGrpSpPr>
-      <p:grpSpPr>
-        <a:xfrm>
-          <a:off x="0" y="0"/>
-          <a:ext cx="0" cy="0"/>
-          <a:chOff x="0" y="0"/>
-          <a:chExt cx="0" cy="0"/>
-        </a:xfrm>
-      </p:grpSpPr>
-      <p:sp>
-        <p:nvSpPr>
-          <p:cNvPr id="63489" name="Slide Image Placeholder 1"/>
-          <p:cNvSpPr>
-            <a:spLocks noGrp="1" noRot="1" noChangeAspect="1"/>
-          </p:cNvSpPr>
-          <p:nvPr>
-            <p:ph type="sldImg"/>
-          </p:nvPr>
-        </p:nvSpPr>
-        <p:spPr>
-          <a:ln/>
-        </p:spPr>
-      </p:sp>
-      <p:sp>
-        <p:nvSpPr>
-          <p:cNvPr id="63490" name="Notes Placeholder 2"/>
-          <p:cNvSpPr>
-            <a:spLocks noGrp="1"/>
-          </p:cNvSpPr>
-          <p:nvPr>
-            <p:ph type="body" idx="1"/>
-          </p:nvPr>
-        </p:nvSpPr>
-        <p:spPr>
-          <a:noFill/>
-          <a:ln/>
-          <a:extLst>
-            <a:ext uri="{909E8E84-426E-40dd-AFC4-6F175D3DCCD1}">
-              <a14:hiddenFill xmlns:a14="http://schemas.microsoft.com/office/drawing/2010/main">
-                <a:solidFill>
-                  <a:srgbClr val="FFFFFF"/>
-                </a:solidFill>
-              </a14:hiddenFill>
-            </a:ext>
-            <a:ext uri="{91240B29-F687-4f45-9708-019B960494DF}">
-              <a14:hiddenLine xmlns:a14="http://schemas.microsoft.com/office/drawing/2010/main" w="9525">
-                <a:solidFill>
-                  <a:srgbClr val="000000"/>
-                </a:solidFill>
-                <a:miter lim="800000"/>
-                <a:headEnd/>
-                <a:tailEnd/>
-              </a14:hiddenLine>
-            </a:ext>
-          </a:extLst>
-        </p:spPr>
-        <p:txBody>
-          <a:bodyPr/>
-          <a:lstStyle/>
-          <a:p>
-            <a:r>
-              <a:rPr lang="en-US">
-                <a:latin typeface="Arial" charset="0"/>
-                <a:ea typeface="ＭＳ Ｐゴシック" charset="0"/>
-                <a:cs typeface="ＭＳ Ｐゴシック" charset="0"/>
-              </a:rPr>
-              <a:t>Visualization of the multidimensional data using stick figure icons</a:t>
-            </a:r>
-          </a:p>
-          <a:p>
-            <a:r>
-              <a:rPr lang="en-US">
-                <a:latin typeface="Arial" charset="0"/>
-                <a:ea typeface="ＭＳ Ｐゴシック" charset="0"/>
-                <a:cs typeface="ＭＳ Ｐゴシック" charset="0"/>
-              </a:rPr>
-              <a:t>Two attributes of the data are mapped to the display axes and the remaining at-tributes are mapped to the angle and/or length of the limbs</a:t>
-            </a:r>
-          </a:p>
-          <a:p>
-            <a:r>
-              <a:rPr lang="en-US">
-                <a:latin typeface="Arial" charset="0"/>
-                <a:ea typeface="ＭＳ Ｐゴシック" charset="0"/>
-                <a:cs typeface="ＭＳ Ｐゴシック" charset="0"/>
-              </a:rPr>
-              <a:t>Texture patterns in the visualization show certain data characteristics</a:t>
-            </a:r>
-          </a:p>
-          <a:p>
-            <a:endParaRPr lang="en-US">
-              <a:latin typeface="Arial" charset="0"/>
-              <a:ea typeface="ＭＳ Ｐゴシック" charset="0"/>
-              <a:cs typeface="ＭＳ Ｐゴシック" charset="0"/>
-            </a:endParaRPr>
-          </a:p>
-        </p:txBody>
-      </p:sp>
-      <p:sp>
-        <p:nvSpPr>
-          <p:cNvPr id="63491" name="Slide Number Placeholder 3"/>
-          <p:cNvSpPr>
-            <a:spLocks noGrp="1"/>
-          </p:cNvSpPr>
-          <p:nvPr>
-            <p:ph type="sldNum" sz="quarter" idx="5"/>
-          </p:nvPr>
-        </p:nvSpPr>
-        <p:spPr>
-          <a:noFill/>
-          <a:ln/>
-          <a:extLst>
-            <a:ext uri="{909E8E84-426E-40dd-AFC4-6F175D3DCCD1}">
-              <a14:hiddenFill xmlns:a14="http://schemas.microsoft.com/office/drawing/2010/main">
-                <a:solidFill>
-                  <a:srgbClr val="FFFFFF"/>
-                </a:solidFill>
-              </a14:hiddenFill>
-            </a:ext>
-            <a:ext uri="{91240B29-F687-4f45-9708-019B960494DF}">
-              <a14:hiddenLine xmlns:a14="http://schemas.microsoft.com/office/drawing/2010/main" w="9525">
-                <a:solidFill>
-                  <a:srgbClr val="000000"/>
-                </a:solidFill>
-                <a:miter lim="800000"/>
-                <a:headEnd/>
-                <a:tailEnd/>
-              </a14:hiddenLine>
-            </a:ext>
-          </a:extLst>
-        </p:spPr>
-        <p:txBody>
-          <a:bodyPr/>
-          <a:lstStyle>
-            <a:lvl1pPr eaLnBrk="0" hangingPunct="0">
-              <a:defRPr sz="2400">
-                <a:solidFill>
-                  <a:schemeClr val="tx1"/>
-                </a:solidFill>
-                <a:latin typeface="Arial" charset="0"/>
-                <a:ea typeface="ＭＳ Ｐゴシック" charset="0"/>
-                <a:cs typeface="ＭＳ Ｐゴシック" charset="0"/>
-              </a:defRPr>
-            </a:lvl1pPr>
-            <a:lvl2pPr marL="742950" indent="-285750" eaLnBrk="0" hangingPunct="0">
-              <a:defRPr sz="2400">
-                <a:solidFill>
-                  <a:schemeClr val="tx1"/>
-                </a:solidFill>
-                <a:latin typeface="Arial" charset="0"/>
-                <a:ea typeface="ＭＳ Ｐゴシック" charset="0"/>
-              </a:defRPr>
-            </a:lvl2pPr>
-            <a:lvl3pPr marL="1143000" indent="-228600" eaLnBrk="0" hangingPunct="0">
-              <a:defRPr sz="2400">
-                <a:solidFill>
-                  <a:schemeClr val="tx1"/>
-                </a:solidFill>
-                <a:latin typeface="Arial" charset="0"/>
-                <a:ea typeface="ＭＳ Ｐゴシック" charset="0"/>
-              </a:defRPr>
-            </a:lvl3pPr>
-            <a:lvl4pPr marL="1600200" indent="-228600" eaLnBrk="0" hangingPunct="0">
-              <a:defRPr sz="2400">
-                <a:solidFill>
-                  <a:schemeClr val="tx1"/>
-                </a:solidFill>
-                <a:latin typeface="Arial" charset="0"/>
-                <a:ea typeface="ＭＳ Ｐゴシック" charset="0"/>
-              </a:defRPr>
-            </a:lvl4pPr>
-            <a:lvl5pPr marL="2057400" indent="-228600" eaLnBrk="0" hangingPunct="0">
-              <a:defRPr sz="2400">
-                <a:solidFill>
-                  <a:schemeClr val="tx1"/>
-                </a:solidFill>
-                <a:latin typeface="Arial" charset="0"/>
-                <a:ea typeface="ＭＳ Ｐゴシック" charset="0"/>
-              </a:defRPr>
-            </a:lvl5pPr>
-            <a:lvl6pPr marL="2514600" indent="-228600" eaLnBrk="0" fontAlgn="base" hangingPunct="0">
-              <a:spcBef>
-                <a:spcPct val="0"/>
-              </a:spcBef>
-              <a:spcAft>
-                <a:spcPct val="0"/>
-              </a:spcAft>
-              <a:defRPr sz="2400">
-                <a:solidFill>
-                  <a:schemeClr val="tx1"/>
-                </a:solidFill>
-                <a:latin typeface="Arial" charset="0"/>
-                <a:ea typeface="ＭＳ Ｐゴシック" charset="0"/>
-              </a:defRPr>
-            </a:lvl6pPr>
-            <a:lvl7pPr marL="2971800" indent="-228600" eaLnBrk="0" fontAlgn="base" hangingPunct="0">
-              <a:spcBef>
-                <a:spcPct val="0"/>
-              </a:spcBef>
-              <a:spcAft>
-                <a:spcPct val="0"/>
-              </a:spcAft>
-              <a:defRPr sz="2400">
-                <a:solidFill>
-                  <a:schemeClr val="tx1"/>
-                </a:solidFill>
-                <a:latin typeface="Arial" charset="0"/>
-                <a:ea typeface="ＭＳ Ｐゴシック" charset="0"/>
-              </a:defRPr>
-            </a:lvl7pPr>
-            <a:lvl8pPr marL="3429000" indent="-228600" eaLnBrk="0" fontAlgn="base" hangingPunct="0">
-              <a:spcBef>
-                <a:spcPct val="0"/>
-              </a:spcBef>
-              <a:spcAft>
-                <a:spcPct val="0"/>
-              </a:spcAft>
-              <a:defRPr sz="2400">
-                <a:solidFill>
-                  <a:schemeClr val="tx1"/>
-                </a:solidFill>
-                <a:latin typeface="Arial" charset="0"/>
-                <a:ea typeface="ＭＳ Ｐゴシック" charset="0"/>
-              </a:defRPr>
-            </a:lvl8pPr>
-            <a:lvl9pPr marL="3886200" indent="-228600" eaLnBrk="0" fontAlgn="base" hangingPunct="0">
-              <a:spcBef>
-                <a:spcPct val="0"/>
-              </a:spcBef>
-              <a:spcAft>
-                <a:spcPct val="0"/>
-              </a:spcAft>
-              <a:defRPr sz="2400">
-                <a:solidFill>
-                  <a:schemeClr val="tx1"/>
-                </a:solidFill>
-                <a:latin typeface="Arial" charset="0"/>
-                <a:ea typeface="ＭＳ Ｐゴシック" charset="0"/>
-              </a:defRPr>
-            </a:lvl9pPr>
-          </a:lstStyle>
-          <a:p>
-            <a:pPr eaLnBrk="1" hangingPunct="1"/>
             <a:fld id="{F65697A3-FCA5-4741-B590-2AB30ADF383A}" type="slidenum">
               <a:rPr lang="en-US" sz="1200"/>
               <a:pPr eaLnBrk="1" hangingPunct="1"/>
-              <a:t>34</a:t>
+              <a:t>33</a:t>
             </a:fld>
             <a:endParaRPr lang="en-US" sz="1200"/>
           </a:p>
@@ -2800,7 +2707,7 @@
             <a:fld id="{FA3C144B-2939-9A49-B014-915EC3E81866}" type="datetime1">
               <a:rPr lang="en-US" smtClean="0"/>
               <a:pPr/>
-              <a:t>2/7/14</a:t>
+              <a:t>2/20/14</a:t>
             </a:fld>
             <a:endParaRPr lang="en-US" dirty="0"/>
           </a:p>
@@ -3229,7 +3136,7 @@
           <a:p>
             <a:fld id="{76838339-A875-5E45-AB3F-AAABD270346A}" type="datetime1">
               <a:rPr lang="en-US" smtClean="0"/>
-              <a:t>2/7/14</a:t>
+              <a:t>2/20/14</a:t>
             </a:fld>
             <a:endParaRPr lang="en-US"/>
           </a:p>
@@ -3515,7 +3422,7 @@
             <a:fld id="{FA3C144B-2939-9A49-B014-915EC3E81866}" type="datetime1">
               <a:rPr lang="en-US" smtClean="0"/>
               <a:pPr/>
-              <a:t>2/7/14</a:t>
+              <a:t>2/20/14</a:t>
             </a:fld>
             <a:endParaRPr lang="en-US" dirty="0"/>
           </a:p>
@@ -3997,7 +3904,7 @@
           <a:p>
             <a:fld id="{A73F672F-A5FB-5745-934A-1BF51CA5539C}" type="datetime1">
               <a:rPr lang="en-US" smtClean="0"/>
-              <a:t>2/7/14</a:t>
+              <a:t>2/20/14</a:t>
             </a:fld>
             <a:endParaRPr lang="en-US"/>
           </a:p>
@@ -4339,7 +4246,7 @@
             <a:fld id="{FA3C144B-2939-9A49-B014-915EC3E81866}" type="datetime1">
               <a:rPr lang="en-US" smtClean="0"/>
               <a:pPr/>
-              <a:t>2/7/14</a:t>
+              <a:t>2/20/14</a:t>
             </a:fld>
             <a:endParaRPr lang="en-US" dirty="0"/>
           </a:p>
@@ -4803,7 +4710,7 @@
           <a:p>
             <a:fld id="{6AFE6A63-5EBE-3E48-B0AE-DF655A1ECE76}" type="datetime1">
               <a:rPr lang="en-US" smtClean="0"/>
-              <a:t>2/7/14</a:t>
+              <a:t>2/20/14</a:t>
             </a:fld>
             <a:endParaRPr lang="en-US"/>
           </a:p>
@@ -5122,7 +5029,7 @@
           <a:p>
             <a:fld id="{4A019F0C-9D18-B54A-9AC9-18AA74EDB034}" type="datetime1">
               <a:rPr lang="en-US" smtClean="0"/>
-              <a:t>2/7/14</a:t>
+              <a:t>2/20/14</a:t>
             </a:fld>
             <a:endParaRPr lang="en-US"/>
           </a:p>
@@ -5432,7 +5339,7 @@
             <a:fld id="{FA3C144B-2939-9A49-B014-915EC3E81866}" type="datetime1">
               <a:rPr lang="en-US" smtClean="0"/>
               <a:pPr/>
-              <a:t>2/7/14</a:t>
+              <a:t>2/20/14</a:t>
             </a:fld>
             <a:endParaRPr lang="en-US" dirty="0"/>
           </a:p>
@@ -5695,7 +5602,7 @@
           <a:p>
             <a:fld id="{FA3C144B-2939-9A49-B014-915EC3E81866}" type="datetime1">
               <a:rPr lang="en-US" smtClean="0"/>
-              <a:t>2/7/14</a:t>
+              <a:t>2/20/14</a:t>
             </a:fld>
             <a:endParaRPr lang="en-US" dirty="0"/>
           </a:p>
@@ -6172,7 +6079,7 @@
           <a:p>
             <a:fld id="{7053BEFA-1175-F644-B249-7D41D72BD3FF}" type="datetime1">
               <a:rPr lang="en-US" smtClean="0"/>
-              <a:t>2/7/14</a:t>
+              <a:t>2/20/14</a:t>
             </a:fld>
             <a:endParaRPr lang="en-US"/>
           </a:p>
@@ -6570,7 +6477,7 @@
             <a:fld id="{FA3C144B-2939-9A49-B014-915EC3E81866}" type="datetime1">
               <a:rPr lang="en-US" smtClean="0"/>
               <a:pPr/>
-              <a:t>2/7/14</a:t>
+              <a:t>2/20/14</a:t>
             </a:fld>
             <a:endParaRPr lang="en-US" dirty="0"/>
           </a:p>
@@ -6787,7 +6694,7 @@
             <a:fld id="{FA3C144B-2939-9A49-B014-915EC3E81866}" type="datetime1">
               <a:rPr lang="en-US" smtClean="0"/>
               <a:pPr/>
-              <a:t>2/7/14</a:t>
+              <a:t>2/20/14</a:t>
             </a:fld>
             <a:endParaRPr lang="en-US" dirty="0"/>
           </a:p>
@@ -7032,7 +6939,7 @@
             <a:fld id="{FA3C144B-2939-9A49-B014-915EC3E81866}" type="datetime1">
               <a:rPr lang="en-US" smtClean="0"/>
               <a:pPr/>
-              <a:t>2/7/14</a:t>
+              <a:t>2/20/14</a:t>
             </a:fld>
             <a:endParaRPr lang="en-US" dirty="0"/>
           </a:p>
@@ -7410,7 +7317,7 @@
           <a:p>
             <a:fld id="{111EEF3B-ABF2-AA4E-9E24-0C6256942674}" type="datetime1">
               <a:rPr lang="en-US" smtClean="0"/>
-              <a:t>2/7/14</a:t>
+              <a:t>2/20/14</a:t>
             </a:fld>
             <a:endParaRPr lang="en-US"/>
           </a:p>
@@ -7574,7 +7481,7 @@
             <a:fld id="{FA3C144B-2939-9A49-B014-915EC3E81866}" type="datetime1">
               <a:rPr lang="en-US" smtClean="0"/>
               <a:pPr/>
-              <a:t>2/7/14</a:t>
+              <a:t>2/20/14</a:t>
             </a:fld>
             <a:endParaRPr lang="en-US" dirty="0"/>
           </a:p>
@@ -7991,7 +7898,7 @@
             <a:fld id="{FA3C144B-2939-9A49-B014-915EC3E81866}" type="datetime1">
               <a:rPr lang="en-US" smtClean="0"/>
               <a:pPr/>
-              <a:t>2/7/14</a:t>
+              <a:t>2/20/14</a:t>
             </a:fld>
             <a:endParaRPr lang="en-US" dirty="0"/>
           </a:p>
@@ -8307,7 +8214,7 @@
             <a:fld id="{FA3C144B-2939-9A49-B014-915EC3E81866}" type="datetime1">
               <a:rPr lang="en-US" smtClean="0"/>
               <a:pPr/>
-              <a:t>2/7/14</a:t>
+              <a:t>2/20/14</a:t>
             </a:fld>
             <a:endParaRPr lang="en-US" dirty="0"/>
           </a:p>
@@ -8973,7 +8880,7 @@
             <a:fld id="{FA3C144B-2939-9A49-B014-915EC3E81866}" type="datetime1">
               <a:rPr lang="en-US" smtClean="0"/>
               <a:pPr/>
-              <a:t>2/7/14</a:t>
+              <a:t>2/20/14</a:t>
             </a:fld>
             <a:endParaRPr lang="en-US" dirty="0"/>
           </a:p>
@@ -10250,698 +10157,6 @@
       </p:sp>
       <p:sp>
         <p:nvSpPr>
-          <p:cNvPr id="24578" name="Rectangle 2"/>
-          <p:cNvSpPr>
-            <a:spLocks noGrp="1" noChangeArrowheads="1"/>
-          </p:cNvSpPr>
-          <p:nvPr>
-            <p:ph type="title"/>
-          </p:nvPr>
-        </p:nvSpPr>
-        <p:spPr>
-          <a:xfrm>
-            <a:off x="0" y="0"/>
-            <a:ext cx="8534400" cy="990600"/>
-          </a:xfrm>
-        </p:spPr>
-        <p:txBody>
-          <a:bodyPr/>
-          <a:lstStyle/>
-          <a:p>
-            <a:r>
-              <a:rPr lang="en-US">
-                <a:latin typeface="Geneva" charset="0"/>
-                <a:ea typeface="ＭＳ Ｐゴシック" charset="0"/>
-                <a:cs typeface="ＭＳ Ｐゴシック" charset="0"/>
-              </a:rPr>
-              <a:t>Visualization  Success Story</a:t>
-            </a:r>
-          </a:p>
-        </p:txBody>
-      </p:sp>
-      <p:sp>
-        <p:nvSpPr>
-          <p:cNvPr id="24579" name="Text Box 4"/>
-          <p:cNvSpPr txBox="1">
-            <a:spLocks noChangeArrowheads="1"/>
-          </p:cNvSpPr>
-          <p:nvPr/>
-        </p:nvSpPr>
-        <p:spPr bwMode="auto">
-          <a:xfrm>
-            <a:off x="6705600" y="4572000"/>
-            <a:ext cx="2225675" cy="1323975"/>
-          </a:xfrm>
-          <a:prstGeom prst="rect">
-            <a:avLst/>
-          </a:prstGeom>
-          <a:noFill/>
-          <a:ln>
-            <a:noFill/>
-          </a:ln>
-          <a:extLst>
-            <a:ext uri="{909E8E84-426E-40dd-AFC4-6F175D3DCCD1}">
-              <a14:hiddenFill xmlns:a14="http://schemas.microsoft.com/office/drawing/2010/main">
-                <a:solidFill>
-                  <a:srgbClr val="FFFFFF"/>
-                </a:solidFill>
-              </a14:hiddenFill>
-            </a:ext>
-            <a:ext uri="{91240B29-F687-4f45-9708-019B960494DF}">
-              <a14:hiddenLine xmlns:a14="http://schemas.microsoft.com/office/drawing/2010/main" w="9525">
-                <a:solidFill>
-                  <a:srgbClr val="000000"/>
-                </a:solidFill>
-                <a:miter lim="800000"/>
-                <a:headEnd/>
-                <a:tailEnd/>
-              </a14:hiddenLine>
-            </a:ext>
-          </a:extLst>
-        </p:spPr>
-        <p:txBody>
-          <a:bodyPr>
-            <a:spAutoFit/>
-          </a:bodyPr>
-          <a:lstStyle>
-            <a:lvl1pPr eaLnBrk="0" hangingPunct="0">
-              <a:defRPr sz="2400">
-                <a:solidFill>
-                  <a:schemeClr val="tx1"/>
-                </a:solidFill>
-                <a:latin typeface="Arial" charset="0"/>
-                <a:ea typeface="ＭＳ Ｐゴシック" charset="0"/>
-                <a:cs typeface="ＭＳ Ｐゴシック" charset="0"/>
-              </a:defRPr>
-            </a:lvl1pPr>
-            <a:lvl2pPr marL="742950" indent="-285750" eaLnBrk="0" hangingPunct="0">
-              <a:defRPr sz="2400">
-                <a:solidFill>
-                  <a:schemeClr val="tx1"/>
-                </a:solidFill>
-                <a:latin typeface="Arial" charset="0"/>
-                <a:ea typeface="ＭＳ Ｐゴシック" charset="0"/>
-              </a:defRPr>
-            </a:lvl2pPr>
-            <a:lvl3pPr marL="1143000" indent="-228600" eaLnBrk="0" hangingPunct="0">
-              <a:defRPr sz="2400">
-                <a:solidFill>
-                  <a:schemeClr val="tx1"/>
-                </a:solidFill>
-                <a:latin typeface="Arial" charset="0"/>
-                <a:ea typeface="ＭＳ Ｐゴシック" charset="0"/>
-              </a:defRPr>
-            </a:lvl3pPr>
-            <a:lvl4pPr marL="1600200" indent="-228600" eaLnBrk="0" hangingPunct="0">
-              <a:defRPr sz="2400">
-                <a:solidFill>
-                  <a:schemeClr val="tx1"/>
-                </a:solidFill>
-                <a:latin typeface="Arial" charset="0"/>
-                <a:ea typeface="ＭＳ Ｐゴシック" charset="0"/>
-              </a:defRPr>
-            </a:lvl4pPr>
-            <a:lvl5pPr marL="2057400" indent="-228600" eaLnBrk="0" hangingPunct="0">
-              <a:defRPr sz="2400">
-                <a:solidFill>
-                  <a:schemeClr val="tx1"/>
-                </a:solidFill>
-                <a:latin typeface="Arial" charset="0"/>
-                <a:ea typeface="ＭＳ Ｐゴシック" charset="0"/>
-              </a:defRPr>
-            </a:lvl5pPr>
-            <a:lvl6pPr marL="2514600" indent="-228600" eaLnBrk="0" fontAlgn="base" hangingPunct="0">
-              <a:spcBef>
-                <a:spcPct val="0"/>
-              </a:spcBef>
-              <a:spcAft>
-                <a:spcPct val="0"/>
-              </a:spcAft>
-              <a:defRPr sz="2400">
-                <a:solidFill>
-                  <a:schemeClr val="tx1"/>
-                </a:solidFill>
-                <a:latin typeface="Arial" charset="0"/>
-                <a:ea typeface="ＭＳ Ｐゴシック" charset="0"/>
-              </a:defRPr>
-            </a:lvl6pPr>
-            <a:lvl7pPr marL="2971800" indent="-228600" eaLnBrk="0" fontAlgn="base" hangingPunct="0">
-              <a:spcBef>
-                <a:spcPct val="0"/>
-              </a:spcBef>
-              <a:spcAft>
-                <a:spcPct val="0"/>
-              </a:spcAft>
-              <a:defRPr sz="2400">
-                <a:solidFill>
-                  <a:schemeClr val="tx1"/>
-                </a:solidFill>
-                <a:latin typeface="Arial" charset="0"/>
-                <a:ea typeface="ＭＳ Ｐゴシック" charset="0"/>
-              </a:defRPr>
-            </a:lvl7pPr>
-            <a:lvl8pPr marL="3429000" indent="-228600" eaLnBrk="0" fontAlgn="base" hangingPunct="0">
-              <a:spcBef>
-                <a:spcPct val="0"/>
-              </a:spcBef>
-              <a:spcAft>
-                <a:spcPct val="0"/>
-              </a:spcAft>
-              <a:defRPr sz="2400">
-                <a:solidFill>
-                  <a:schemeClr val="tx1"/>
-                </a:solidFill>
-                <a:latin typeface="Arial" charset="0"/>
-                <a:ea typeface="ＭＳ Ｐゴシック" charset="0"/>
-              </a:defRPr>
-            </a:lvl8pPr>
-            <a:lvl9pPr marL="3886200" indent="-228600" eaLnBrk="0" fontAlgn="base" hangingPunct="0">
-              <a:spcBef>
-                <a:spcPct val="0"/>
-              </a:spcBef>
-              <a:spcAft>
-                <a:spcPct val="0"/>
-              </a:spcAft>
-              <a:defRPr sz="2400">
-                <a:solidFill>
-                  <a:schemeClr val="tx1"/>
-                </a:solidFill>
-                <a:latin typeface="Arial" charset="0"/>
-                <a:ea typeface="ＭＳ Ｐゴシック" charset="0"/>
-              </a:defRPr>
-            </a:lvl9pPr>
-          </a:lstStyle>
-          <a:p>
-            <a:r>
-              <a:rPr lang="en-US" sz="2000">
-                <a:solidFill>
-                  <a:schemeClr val="tx2"/>
-                </a:solidFill>
-                <a:latin typeface="Arial Narrow" charset="0"/>
-              </a:rPr>
-              <a:t>From Visual Explanations by Edward Tufte, Graphics Press, 1997</a:t>
-            </a:r>
-          </a:p>
-        </p:txBody>
-      </p:sp>
-      <p:sp>
-        <p:nvSpPr>
-          <p:cNvPr id="24580" name="Text Box 5"/>
-          <p:cNvSpPr txBox="1">
-            <a:spLocks noChangeArrowheads="1"/>
-          </p:cNvSpPr>
-          <p:nvPr/>
-        </p:nvSpPr>
-        <p:spPr bwMode="auto">
-          <a:xfrm>
-            <a:off x="6705600" y="990600"/>
-            <a:ext cx="2438400" cy="2563813"/>
-          </a:xfrm>
-          <a:prstGeom prst="rect">
-            <a:avLst/>
-          </a:prstGeom>
-          <a:noFill/>
-          <a:ln>
-            <a:noFill/>
-          </a:ln>
-          <a:extLst>
-            <a:ext uri="{909E8E84-426E-40dd-AFC4-6F175D3DCCD1}">
-              <a14:hiddenFill xmlns:a14="http://schemas.microsoft.com/office/drawing/2010/main">
-                <a:solidFill>
-                  <a:srgbClr val="FFFFFF"/>
-                </a:solidFill>
-              </a14:hiddenFill>
-            </a:ext>
-            <a:ext uri="{91240B29-F687-4f45-9708-019B960494DF}">
-              <a14:hiddenLine xmlns:a14="http://schemas.microsoft.com/office/drawing/2010/main" w="9525">
-                <a:solidFill>
-                  <a:srgbClr val="000000"/>
-                </a:solidFill>
-                <a:miter lim="800000"/>
-                <a:headEnd/>
-                <a:tailEnd/>
-              </a14:hiddenLine>
-            </a:ext>
-          </a:extLst>
-        </p:spPr>
-        <p:txBody>
-          <a:bodyPr>
-            <a:spAutoFit/>
-          </a:bodyPr>
-          <a:lstStyle>
-            <a:lvl1pPr eaLnBrk="0" hangingPunct="0">
-              <a:defRPr sz="2400">
-                <a:solidFill>
-                  <a:schemeClr val="tx1"/>
-                </a:solidFill>
-                <a:latin typeface="Arial" charset="0"/>
-                <a:ea typeface="ＭＳ Ｐゴシック" charset="0"/>
-                <a:cs typeface="ＭＳ Ｐゴシック" charset="0"/>
-              </a:defRPr>
-            </a:lvl1pPr>
-            <a:lvl2pPr marL="742950" indent="-285750" eaLnBrk="0" hangingPunct="0">
-              <a:defRPr sz="2400">
-                <a:solidFill>
-                  <a:schemeClr val="tx1"/>
-                </a:solidFill>
-                <a:latin typeface="Arial" charset="0"/>
-                <a:ea typeface="ＭＳ Ｐゴシック" charset="0"/>
-              </a:defRPr>
-            </a:lvl2pPr>
-            <a:lvl3pPr marL="1143000" indent="-228600" eaLnBrk="0" hangingPunct="0">
-              <a:defRPr sz="2400">
-                <a:solidFill>
-                  <a:schemeClr val="tx1"/>
-                </a:solidFill>
-                <a:latin typeface="Arial" charset="0"/>
-                <a:ea typeface="ＭＳ Ｐゴシック" charset="0"/>
-              </a:defRPr>
-            </a:lvl3pPr>
-            <a:lvl4pPr marL="1600200" indent="-228600" eaLnBrk="0" hangingPunct="0">
-              <a:defRPr sz="2400">
-                <a:solidFill>
-                  <a:schemeClr val="tx1"/>
-                </a:solidFill>
-                <a:latin typeface="Arial" charset="0"/>
-                <a:ea typeface="ＭＳ Ｐゴシック" charset="0"/>
-              </a:defRPr>
-            </a:lvl4pPr>
-            <a:lvl5pPr marL="2057400" indent="-228600" eaLnBrk="0" hangingPunct="0">
-              <a:defRPr sz="2400">
-                <a:solidFill>
-                  <a:schemeClr val="tx1"/>
-                </a:solidFill>
-                <a:latin typeface="Arial" charset="0"/>
-                <a:ea typeface="ＭＳ Ｐゴシック" charset="0"/>
-              </a:defRPr>
-            </a:lvl5pPr>
-            <a:lvl6pPr marL="2514600" indent="-228600" eaLnBrk="0" fontAlgn="base" hangingPunct="0">
-              <a:spcBef>
-                <a:spcPct val="0"/>
-              </a:spcBef>
-              <a:spcAft>
-                <a:spcPct val="0"/>
-              </a:spcAft>
-              <a:defRPr sz="2400">
-                <a:solidFill>
-                  <a:schemeClr val="tx1"/>
-                </a:solidFill>
-                <a:latin typeface="Arial" charset="0"/>
-                <a:ea typeface="ＭＳ Ｐゴシック" charset="0"/>
-              </a:defRPr>
-            </a:lvl6pPr>
-            <a:lvl7pPr marL="2971800" indent="-228600" eaLnBrk="0" fontAlgn="base" hangingPunct="0">
-              <a:spcBef>
-                <a:spcPct val="0"/>
-              </a:spcBef>
-              <a:spcAft>
-                <a:spcPct val="0"/>
-              </a:spcAft>
-              <a:defRPr sz="2400">
-                <a:solidFill>
-                  <a:schemeClr val="tx1"/>
-                </a:solidFill>
-                <a:latin typeface="Arial" charset="0"/>
-                <a:ea typeface="ＭＳ Ｐゴシック" charset="0"/>
-              </a:defRPr>
-            </a:lvl7pPr>
-            <a:lvl8pPr marL="3429000" indent="-228600" eaLnBrk="0" fontAlgn="base" hangingPunct="0">
-              <a:spcBef>
-                <a:spcPct val="0"/>
-              </a:spcBef>
-              <a:spcAft>
-                <a:spcPct val="0"/>
-              </a:spcAft>
-              <a:defRPr sz="2400">
-                <a:solidFill>
-                  <a:schemeClr val="tx1"/>
-                </a:solidFill>
-                <a:latin typeface="Arial" charset="0"/>
-                <a:ea typeface="ＭＳ Ｐゴシック" charset="0"/>
-              </a:defRPr>
-            </a:lvl8pPr>
-            <a:lvl9pPr marL="3886200" indent="-228600" eaLnBrk="0" fontAlgn="base" hangingPunct="0">
-              <a:spcBef>
-                <a:spcPct val="0"/>
-              </a:spcBef>
-              <a:spcAft>
-                <a:spcPct val="0"/>
-              </a:spcAft>
-              <a:defRPr sz="2400">
-                <a:solidFill>
-                  <a:schemeClr val="tx1"/>
-                </a:solidFill>
-                <a:latin typeface="Arial" charset="0"/>
-                <a:ea typeface="ＭＳ Ｐゴシック" charset="0"/>
-              </a:defRPr>
-            </a:lvl9pPr>
-          </a:lstStyle>
-          <a:p>
-            <a:r>
-              <a:rPr lang="en-US" sz="1800">
-                <a:solidFill>
-                  <a:schemeClr val="tx2"/>
-                </a:solidFill>
-              </a:rPr>
-              <a:t>Illustration of John Snow</a:t>
-            </a:r>
-            <a:r>
-              <a:rPr lang="ja-JP" altLang="en-US" sz="1800">
-                <a:solidFill>
-                  <a:schemeClr val="tx2"/>
-                </a:solidFill>
-              </a:rPr>
-              <a:t>’</a:t>
-            </a:r>
-            <a:r>
-              <a:rPr lang="en-US" altLang="ja-JP" sz="1800">
-                <a:solidFill>
-                  <a:schemeClr val="tx2"/>
-                </a:solidFill>
-              </a:rPr>
-              <a:t>s</a:t>
-            </a:r>
-          </a:p>
-          <a:p>
-            <a:r>
-              <a:rPr lang="en-US" sz="1800">
-                <a:solidFill>
-                  <a:schemeClr val="tx2"/>
-                </a:solidFill>
-              </a:rPr>
-              <a:t>deduction that a cholera epidemic</a:t>
-            </a:r>
-          </a:p>
-          <a:p>
-            <a:r>
-              <a:rPr lang="en-US" sz="1800">
-                <a:solidFill>
-                  <a:schemeClr val="tx2"/>
-                </a:solidFill>
-              </a:rPr>
-              <a:t>was caused by a bad water pump, circa 1854.</a:t>
-            </a:r>
-          </a:p>
-          <a:p>
-            <a:endParaRPr lang="en-US" sz="1800">
-              <a:solidFill>
-                <a:schemeClr val="tx2"/>
-              </a:solidFill>
-            </a:endParaRPr>
-          </a:p>
-          <a:p>
-            <a:r>
-              <a:rPr lang="en-US" sz="1800">
-                <a:solidFill>
-                  <a:schemeClr val="tx2"/>
-                </a:solidFill>
-              </a:rPr>
-              <a:t>Horizontal lines indicate location of deaths.</a:t>
-            </a:r>
-          </a:p>
-        </p:txBody>
-      </p:sp>
-      <p:sp>
-        <p:nvSpPr>
-          <p:cNvPr id="24581" name="Oval 6"/>
-          <p:cNvSpPr>
-            <a:spLocks noChangeArrowheads="1"/>
-          </p:cNvSpPr>
-          <p:nvPr/>
-        </p:nvSpPr>
-        <p:spPr bwMode="auto">
-          <a:xfrm>
-            <a:off x="5715000" y="3505200"/>
-            <a:ext cx="304800" cy="228600"/>
-          </a:xfrm>
-          <a:prstGeom prst="ellipse">
-            <a:avLst/>
-          </a:prstGeom>
-          <a:noFill/>
-          <a:ln w="38100">
-            <a:solidFill>
-              <a:srgbClr val="FF0066"/>
-            </a:solidFill>
-            <a:round/>
-            <a:headEnd/>
-            <a:tailEnd/>
-          </a:ln>
-          <a:extLst>
-            <a:ext uri="{909E8E84-426E-40dd-AFC4-6F175D3DCCD1}">
-              <a14:hiddenFill xmlns:a14="http://schemas.microsoft.com/office/drawing/2010/main">
-                <a:solidFill>
-                  <a:srgbClr val="FFFFFF"/>
-                </a:solidFill>
-              </a14:hiddenFill>
-            </a:ext>
-          </a:extLst>
-        </p:spPr>
-        <p:txBody>
-          <a:bodyPr wrap="none" anchor="ctr">
-            <a:spAutoFit/>
-          </a:bodyPr>
-          <a:lstStyle/>
-          <a:p>
-            <a:endParaRPr lang="en-US"/>
-          </a:p>
-        </p:txBody>
-      </p:sp>
-      <p:pic>
-        <p:nvPicPr>
-          <p:cNvPr id="24582" name="Picture 7" descr="H:\talks\sigir-tutorial\snow.gif"/>
-          <p:cNvPicPr>
-            <a:picLocks noChangeAspect="1" noChangeArrowheads="1"/>
-          </p:cNvPicPr>
-          <p:nvPr/>
-        </p:nvPicPr>
-        <p:blipFill>
-          <a:blip r:embed="rId2">
-            <a:extLst>
-              <a:ext uri="{28A0092B-C50C-407E-A947-70E740481C1C}">
-                <a14:useLocalDpi xmlns:a14="http://schemas.microsoft.com/office/drawing/2010/main" val="0"/>
-              </a:ext>
-            </a:extLst>
-          </a:blip>
-          <a:srcRect/>
-          <a:stretch>
-            <a:fillRect/>
-          </a:stretch>
-        </p:blipFill>
-        <p:spPr bwMode="auto">
-          <a:xfrm>
-            <a:off x="152400" y="3733800"/>
-            <a:ext cx="3200400" cy="2860675"/>
-          </a:xfrm>
-          <a:prstGeom prst="rect">
-            <a:avLst/>
-          </a:prstGeom>
-          <a:noFill/>
-          <a:ln>
-            <a:noFill/>
-          </a:ln>
-          <a:extLst>
-            <a:ext uri="{909E8E84-426E-40dd-AFC4-6F175D3DCCD1}">
-              <a14:hiddenFill xmlns:a14="http://schemas.microsoft.com/office/drawing/2010/main">
-                <a:solidFill>
-                  <a:srgbClr val="FFFFFF"/>
-                </a:solidFill>
-              </a14:hiddenFill>
-            </a:ext>
-            <a:ext uri="{91240B29-F687-4f45-9708-019B960494DF}">
-              <a14:hiddenLine xmlns:a14="http://schemas.microsoft.com/office/drawing/2010/main" w="9525">
-                <a:solidFill>
-                  <a:srgbClr val="000000"/>
-                </a:solidFill>
-                <a:miter lim="800000"/>
-                <a:headEnd/>
-                <a:tailEnd/>
-              </a14:hiddenLine>
-            </a:ext>
-          </a:extLst>
-        </p:spPr>
-      </p:pic>
-      <p:sp>
-        <p:nvSpPr>
-          <p:cNvPr id="24583" name="Oval 8"/>
-          <p:cNvSpPr>
-            <a:spLocks noChangeArrowheads="1"/>
-          </p:cNvSpPr>
-          <p:nvPr/>
-        </p:nvSpPr>
-        <p:spPr bwMode="auto">
-          <a:xfrm>
-            <a:off x="1752600" y="4953000"/>
-            <a:ext cx="304800" cy="228600"/>
-          </a:xfrm>
-          <a:prstGeom prst="ellipse">
-            <a:avLst/>
-          </a:prstGeom>
-          <a:noFill/>
-          <a:ln w="38100">
-            <a:solidFill>
-              <a:srgbClr val="FF0066"/>
-            </a:solidFill>
-            <a:round/>
-            <a:headEnd/>
-            <a:tailEnd/>
-          </a:ln>
-          <a:extLst>
-            <a:ext uri="{909E8E84-426E-40dd-AFC4-6F175D3DCCD1}">
-              <a14:hiddenFill xmlns:a14="http://schemas.microsoft.com/office/drawing/2010/main">
-                <a:solidFill>
-                  <a:srgbClr val="FFFFFF"/>
-                </a:solidFill>
-              </a14:hiddenFill>
-            </a:ext>
-          </a:extLst>
-        </p:spPr>
-        <p:txBody>
-          <a:bodyPr wrap="none" anchor="ctr">
-            <a:spAutoFit/>
-          </a:bodyPr>
-          <a:lstStyle/>
-          <a:p>
-            <a:endParaRPr lang="en-US"/>
-          </a:p>
-        </p:txBody>
-      </p:sp>
-      <p:pic>
-        <p:nvPicPr>
-          <p:cNvPr id="24584" name="Picture 5" descr="H:\talks\sigir-tutorial\snow.gif"/>
-          <p:cNvPicPr>
-            <a:picLocks noChangeAspect="1" noChangeArrowheads="1"/>
-          </p:cNvPicPr>
-          <p:nvPr/>
-        </p:nvPicPr>
-        <p:blipFill>
-          <a:blip r:embed="rId2">
-            <a:extLst>
-              <a:ext uri="{28A0092B-C50C-407E-A947-70E740481C1C}">
-                <a14:useLocalDpi xmlns:a14="http://schemas.microsoft.com/office/drawing/2010/main" val="0"/>
-              </a:ext>
-            </a:extLst>
-          </a:blip>
-          <a:srcRect/>
-          <a:stretch>
-            <a:fillRect/>
-          </a:stretch>
-        </p:blipFill>
-        <p:spPr bwMode="auto">
-          <a:xfrm>
-            <a:off x="304800" y="1035050"/>
-            <a:ext cx="6172200" cy="5518150"/>
-          </a:xfrm>
-          <a:prstGeom prst="rect">
-            <a:avLst/>
-          </a:prstGeom>
-          <a:noFill/>
-          <a:ln>
-            <a:noFill/>
-          </a:ln>
-          <a:extLst>
-            <a:ext uri="{909E8E84-426E-40dd-AFC4-6F175D3DCCD1}">
-              <a14:hiddenFill xmlns:a14="http://schemas.microsoft.com/office/drawing/2010/main">
-                <a:solidFill>
-                  <a:srgbClr val="FFFFFF"/>
-                </a:solidFill>
-              </a14:hiddenFill>
-            </a:ext>
-            <a:ext uri="{91240B29-F687-4f45-9708-019B960494DF}">
-              <a14:hiddenLine xmlns:a14="http://schemas.microsoft.com/office/drawing/2010/main" w="9525">
-                <a:solidFill>
-                  <a:srgbClr val="000000"/>
-                </a:solidFill>
-                <a:miter lim="800000"/>
-                <a:headEnd/>
-                <a:tailEnd/>
-              </a14:hiddenLine>
-            </a:ext>
-          </a:extLst>
-        </p:spPr>
-      </p:pic>
-    </p:spTree>
-    <p:extLst>
-      <p:ext uri="{BB962C8B-B14F-4D97-AF65-F5344CB8AC3E}">
-        <p14:creationId xmlns:p14="http://schemas.microsoft.com/office/powerpoint/2010/main" val="648220984"/>
-      </p:ext>
-    </p:extLst>
-  </p:cSld>
-  <p:clrMapOvr>
-    <a:masterClrMapping/>
-  </p:clrMapOvr>
-  <p:transition xmlns:p14="http://schemas.microsoft.com/office/powerpoint/2010/main"/>
-  <p:timing>
-    <p:tnLst>
-      <p:par>
-        <p:cTn xmlns:p14="http://schemas.microsoft.com/office/powerpoint/2010/main" id="1" dur="indefinite" restart="never" nodeType="tmRoot"/>
-      </p:par>
-    </p:tnLst>
-  </p:timing>
-</p:sld>
-</file>
-
-<file path=ppt/slides/slide11.xml><?xml version="1.0" encoding="utf-8"?>
-<p:sld xmlns:a="http://schemas.openxmlformats.org/drawingml/2006/main" xmlns:r="http://schemas.openxmlformats.org/officeDocument/2006/relationships" xmlns:p="http://schemas.openxmlformats.org/presentationml/2006/main">
-  <p:cSld>
-    <p:spTree>
-      <p:nvGrpSpPr>
-        <p:cNvPr id="1" name=""/>
-        <p:cNvGrpSpPr/>
-        <p:nvPr/>
-      </p:nvGrpSpPr>
-      <p:grpSpPr>
-        <a:xfrm>
-          <a:off x="0" y="0"/>
-          <a:ext cx="0" cy="0"/>
-          <a:chOff x="0" y="0"/>
-          <a:chExt cx="0" cy="0"/>
-        </a:xfrm>
-      </p:grpSpPr>
-      <p:sp>
-        <p:nvSpPr>
-          <p:cNvPr id="9" name="Rectangle 8"/>
-          <p:cNvSpPr/>
-          <p:nvPr/>
-        </p:nvSpPr>
-        <p:spPr>
-          <a:xfrm>
-            <a:off x="0" y="0"/>
-            <a:ext cx="9144000" cy="6858000"/>
-          </a:xfrm>
-          <a:prstGeom prst="rect">
-            <a:avLst/>
-          </a:prstGeom>
-          <a:solidFill>
-            <a:srgbClr val="FFFFFF"/>
-          </a:solidFill>
-        </p:spPr>
-        <p:style>
-          <a:lnRef idx="1">
-            <a:schemeClr val="accent1"/>
-          </a:lnRef>
-          <a:fillRef idx="3">
-            <a:schemeClr val="accent1"/>
-          </a:fillRef>
-          <a:effectRef idx="2">
-            <a:schemeClr val="accent1"/>
-          </a:effectRef>
-          <a:fontRef idx="minor">
-            <a:schemeClr val="lt1"/>
-          </a:fontRef>
-        </p:style>
-        <p:txBody>
-          <a:bodyPr anchor="ctr"/>
-          <a:lstStyle/>
-          <a:p>
-            <a:pPr algn="ctr">
-              <a:defRPr/>
-            </a:pPr>
-            <a:endParaRPr lang="en-US"/>
-          </a:p>
-        </p:txBody>
-      </p:sp>
-      <p:sp>
-        <p:nvSpPr>
           <p:cNvPr id="25602" name="Rectangle 2"/>
           <p:cNvSpPr>
             <a:spLocks noGrp="1" noChangeArrowheads="1"/>
@@ -11572,7 +10787,7 @@
 </p:sld>
 </file>
 
-<file path=ppt/slides/slide12.xml><?xml version="1.0" encoding="utf-8"?>
+<file path=ppt/slides/slide11.xml><?xml version="1.0" encoding="utf-8"?>
 <p:sld xmlns:a="http://schemas.openxmlformats.org/drawingml/2006/main" xmlns:r="http://schemas.openxmlformats.org/officeDocument/2006/relationships" xmlns:p="http://schemas.openxmlformats.org/presentationml/2006/main" show="0">
   <p:cSld>
     <p:spTree>
@@ -12228,7 +11443,7 @@
 </p:sld>
 </file>
 
-<file path=ppt/slides/slide13.xml><?xml version="1.0" encoding="utf-8"?>
+<file path=ppt/slides/slide12.xml><?xml version="1.0" encoding="utf-8"?>
 <p:sld xmlns:a="http://schemas.openxmlformats.org/drawingml/2006/main" xmlns:r="http://schemas.openxmlformats.org/officeDocument/2006/relationships" xmlns:p="http://schemas.openxmlformats.org/presentationml/2006/main" show="0">
   <p:cSld>
     <p:spTree>
@@ -12406,7 +11621,7 @@
 </p:sld>
 </file>
 
-<file path=ppt/slides/slide14.xml><?xml version="1.0" encoding="utf-8"?>
+<file path=ppt/slides/slide13.xml><?xml version="1.0" encoding="utf-8"?>
 <p:sld xmlns:a="http://schemas.openxmlformats.org/drawingml/2006/main" xmlns:r="http://schemas.openxmlformats.org/officeDocument/2006/relationships" xmlns:p="http://schemas.openxmlformats.org/presentationml/2006/main">
   <p:cSld>
     <p:spTree>
@@ -12563,7 +11778,7 @@
 </p:sld>
 </file>
 
-<file path=ppt/slides/slide15.xml><?xml version="1.0" encoding="utf-8"?>
+<file path=ppt/slides/slide14.xml><?xml version="1.0" encoding="utf-8"?>
 <p:sld xmlns:a="http://schemas.openxmlformats.org/drawingml/2006/main" xmlns:r="http://schemas.openxmlformats.org/officeDocument/2006/relationships" xmlns:p="http://schemas.openxmlformats.org/presentationml/2006/main">
   <p:cSld>
     <p:spTree>
@@ -12822,7 +12037,7 @@
 </p:sld>
 </file>
 
-<file path=ppt/slides/slide16.xml><?xml version="1.0" encoding="utf-8"?>
+<file path=ppt/slides/slide15.xml><?xml version="1.0" encoding="utf-8"?>
 <p:sld xmlns:a="http://schemas.openxmlformats.org/drawingml/2006/main" xmlns:r="http://schemas.openxmlformats.org/officeDocument/2006/relationships" xmlns:p="http://schemas.openxmlformats.org/presentationml/2006/main">
   <p:cSld>
     <p:spTree>
@@ -13387,7 +12602,7 @@
 </p:sld>
 </file>
 
-<file path=ppt/slides/slide17.xml><?xml version="1.0" encoding="utf-8"?>
+<file path=ppt/slides/slide16.xml><?xml version="1.0" encoding="utf-8"?>
 <p:sld xmlns:a="http://schemas.openxmlformats.org/drawingml/2006/main" xmlns:r="http://schemas.openxmlformats.org/officeDocument/2006/relationships" xmlns:p="http://schemas.openxmlformats.org/presentationml/2006/main">
   <p:cSld>
     <p:spTree>
@@ -13811,7 +13026,7 @@
 </p:sld>
 </file>
 
-<file path=ppt/slides/slide18.xml><?xml version="1.0" encoding="utf-8"?>
+<file path=ppt/slides/slide17.xml><?xml version="1.0" encoding="utf-8"?>
 <p:sld xmlns:a="http://schemas.openxmlformats.org/drawingml/2006/main" xmlns:r="http://schemas.openxmlformats.org/officeDocument/2006/relationships" xmlns:p="http://schemas.openxmlformats.org/presentationml/2006/main">
   <p:cSld>
     <p:spTree>
@@ -13976,7 +13191,7 @@
           <a:p>
             <a:fld id="{7053BEFA-1175-F644-B249-7D41D72BD3FF}" type="datetime1">
               <a:rPr lang="en-US" smtClean="0"/>
-              <a:t>2/7/14</a:t>
+              <a:t>2/20/14</a:t>
             </a:fld>
             <a:endParaRPr lang="en-US"/>
           </a:p>
@@ -14018,7 +13233,7 @@
           <a:p>
             <a:fld id="{17E276FA-8F89-B34D-A726-BE3FA1F8DD97}" type="slidenum">
               <a:rPr lang="en-US" smtClean="0"/>
-              <a:t>18</a:t>
+              <a:t>17</a:t>
             </a:fld>
             <a:endParaRPr lang="en-US" dirty="0"/>
           </a:p>
@@ -14098,7 +13313,7 @@
 </p:sld>
 </file>
 
-<file path=ppt/slides/slide19.xml><?xml version="1.0" encoding="utf-8"?>
+<file path=ppt/slides/slide18.xml><?xml version="1.0" encoding="utf-8"?>
 <p:sld xmlns:a="http://schemas.openxmlformats.org/drawingml/2006/main" xmlns:r="http://schemas.openxmlformats.org/officeDocument/2006/relationships" xmlns:p="http://schemas.openxmlformats.org/presentationml/2006/main" showMasterPhAnim="0">
   <p:cSld>
     <p:spTree>
@@ -14446,195 +13661,7 @@
 </p:sld>
 </file>
 
-<file path=ppt/slides/slide2.xml><?xml version="1.0" encoding="utf-8"?>
-<p:sld xmlns:a="http://schemas.openxmlformats.org/drawingml/2006/main" xmlns:r="http://schemas.openxmlformats.org/officeDocument/2006/relationships" xmlns:p="http://schemas.openxmlformats.org/presentationml/2006/main">
-  <p:cSld>
-    <p:spTree>
-      <p:nvGrpSpPr>
-        <p:cNvPr id="1" name=""/>
-        <p:cNvGrpSpPr/>
-        <p:nvPr/>
-      </p:nvGrpSpPr>
-      <p:grpSpPr>
-        <a:xfrm>
-          <a:off x="0" y="0"/>
-          <a:ext cx="0" cy="0"/>
-          <a:chOff x="0" y="0"/>
-          <a:chExt cx="0" cy="0"/>
-        </a:xfrm>
-      </p:grpSpPr>
-      <p:sp>
-        <p:nvSpPr>
-          <p:cNvPr id="2" name="Title 1"/>
-          <p:cNvSpPr>
-            <a:spLocks noGrp="1"/>
-          </p:cNvSpPr>
-          <p:nvPr>
-            <p:ph type="title"/>
-          </p:nvPr>
-        </p:nvSpPr>
-        <p:spPr/>
-        <p:txBody>
-          <a:bodyPr/>
-          <a:lstStyle/>
-          <a:p>
-            <a:r>
-              <a:rPr lang="en-US" dirty="0" smtClean="0"/>
-              <a:t>Byte 2 Results</a:t>
-            </a:r>
-            <a:endParaRPr lang="en-US" dirty="0"/>
-          </a:p>
-        </p:txBody>
-      </p:sp>
-      <p:sp>
-        <p:nvSpPr>
-          <p:cNvPr id="3" name="Content Placeholder 2"/>
-          <p:cNvSpPr>
-            <a:spLocks noGrp="1"/>
-          </p:cNvSpPr>
-          <p:nvPr>
-            <p:ph idx="1"/>
-          </p:nvPr>
-        </p:nvSpPr>
-        <p:spPr/>
-        <p:txBody>
-          <a:bodyPr/>
-          <a:lstStyle/>
-          <a:p>
-            <a:r>
-              <a:rPr lang="en-US" sz="1600" dirty="0"/>
-              <a:t>Expectations about the data:</a:t>
-            </a:r>
-          </a:p>
-          <a:p>
-            <a:r>
-              <a:rPr lang="en-US" sz="1600" dirty="0"/>
-              <a:t>When dogs are abandoned: Some of you expected that dogs would be abandoned young (before bonding)</a:t>
-            </a:r>
-          </a:p>
-          <a:p>
-            <a:r>
-              <a:rPr lang="en-US" sz="1600" dirty="0"/>
-              <a:t>Outcomes: Some were surprised by the number of dogs euthanized. </a:t>
-            </a:r>
-          </a:p>
-          <a:p>
-            <a:r>
-              <a:rPr lang="en-US" sz="1600" dirty="0"/>
-              <a:t>Animal arrivals are fairly uniformly distributed as one might expect. However there is a slight trend of more animals arriving in the shelter in summer than winter months. Thoughts on why?</a:t>
-            </a:r>
-          </a:p>
-          <a:p>
-            <a:r>
-              <a:rPr lang="en-US" sz="1600" dirty="0"/>
-              <a:t>Many of the animals have names. Why? (I suspect the shelter is giving the animals names to help them be adopted)</a:t>
-            </a:r>
-          </a:p>
-          <a:p>
-            <a:r>
-              <a:rPr lang="en-US" sz="1600" dirty="0"/>
-              <a:t>Many young dogs are euthanized. Why? Reasons are missing from the data, and breed is hard to compare because of issues mentioned below.</a:t>
-            </a:r>
-          </a:p>
-          <a:p>
-            <a:r>
-              <a:rPr lang="en-US" sz="1600" dirty="0"/>
-              <a:t>Expected outcomes to be similar for cats and dogs, but cats are much more likely to be euthanized</a:t>
-            </a:r>
-            <a:r>
-              <a:rPr lang="en-US" sz="1600" dirty="0" smtClean="0"/>
-              <a:t>.</a:t>
-            </a:r>
-            <a:endParaRPr lang="en-US" sz="1600" dirty="0"/>
-          </a:p>
-        </p:txBody>
-      </p:sp>
-      <p:sp>
-        <p:nvSpPr>
-          <p:cNvPr id="4" name="Date Placeholder 3"/>
-          <p:cNvSpPr>
-            <a:spLocks noGrp="1"/>
-          </p:cNvSpPr>
-          <p:nvPr>
-            <p:ph type="dt" sz="half" idx="10"/>
-          </p:nvPr>
-        </p:nvSpPr>
-        <p:spPr/>
-        <p:txBody>
-          <a:bodyPr/>
-          <a:lstStyle/>
-          <a:p>
-            <a:fld id="{7053BEFA-1175-F644-B249-7D41D72BD3FF}" type="datetime1">
-              <a:rPr lang="en-US" smtClean="0"/>
-              <a:t>2/7/14</a:t>
-            </a:fld>
-            <a:endParaRPr lang="en-US"/>
-          </a:p>
-        </p:txBody>
-      </p:sp>
-      <p:sp>
-        <p:nvSpPr>
-          <p:cNvPr id="5" name="Footer Placeholder 4"/>
-          <p:cNvSpPr>
-            <a:spLocks noGrp="1"/>
-          </p:cNvSpPr>
-          <p:nvPr>
-            <p:ph type="ftr" sz="quarter" idx="11"/>
-          </p:nvPr>
-        </p:nvSpPr>
-        <p:spPr/>
-        <p:txBody>
-          <a:bodyPr/>
-          <a:lstStyle/>
-          <a:p>
-            <a:endParaRPr lang="en-US" dirty="0"/>
-          </a:p>
-        </p:txBody>
-      </p:sp>
-      <p:sp>
-        <p:nvSpPr>
-          <p:cNvPr id="6" name="Slide Number Placeholder 5"/>
-          <p:cNvSpPr>
-            <a:spLocks noGrp="1"/>
-          </p:cNvSpPr>
-          <p:nvPr>
-            <p:ph type="sldNum" sz="quarter" idx="12"/>
-          </p:nvPr>
-        </p:nvSpPr>
-        <p:spPr/>
-        <p:txBody>
-          <a:bodyPr/>
-          <a:lstStyle/>
-          <a:p>
-            <a:fld id="{17E276FA-8F89-B34D-A726-BE3FA1F8DD97}" type="slidenum">
-              <a:rPr lang="en-US" smtClean="0"/>
-              <a:t>2</a:t>
-            </a:fld>
-            <a:endParaRPr lang="en-US" dirty="0"/>
-          </a:p>
-        </p:txBody>
-      </p:sp>
-    </p:spTree>
-    <p:extLst>
-      <p:ext uri="{BB962C8B-B14F-4D97-AF65-F5344CB8AC3E}">
-        <p14:creationId xmlns:p14="http://schemas.microsoft.com/office/powerpoint/2010/main" val="2395333386"/>
-      </p:ext>
-    </p:extLst>
-  </p:cSld>
-  <p:clrMapOvr>
-    <a:masterClrMapping/>
-  </p:clrMapOvr>
-  <p:timing>
-    <p:tnLst>
-      <p:par>
-        <p:cTn xmlns:p14="http://schemas.microsoft.com/office/powerpoint/2010/main" id="1" dur="indefinite" restart="never" nodeType="tmRoot"/>
-      </p:par>
-    </p:tnLst>
-  </p:timing>
-</p:sld>
-</file>
-
-<file path=ppt/slides/slide20.xml><?xml version="1.0" encoding="utf-8"?>
+<file path=ppt/slides/slide19.xml><?xml version="1.0" encoding="utf-8"?>
 <p:sld xmlns:a="http://schemas.openxmlformats.org/drawingml/2006/main" xmlns:r="http://schemas.openxmlformats.org/officeDocument/2006/relationships" xmlns:p="http://schemas.openxmlformats.org/presentationml/2006/main">
   <p:cSld>
     <p:spTree>
@@ -14835,7 +13862,195 @@
 </p:sld>
 </file>
 
-<file path=ppt/slides/slide21.xml><?xml version="1.0" encoding="utf-8"?>
+<file path=ppt/slides/slide2.xml><?xml version="1.0" encoding="utf-8"?>
+<p:sld xmlns:a="http://schemas.openxmlformats.org/drawingml/2006/main" xmlns:r="http://schemas.openxmlformats.org/officeDocument/2006/relationships" xmlns:p="http://schemas.openxmlformats.org/presentationml/2006/main">
+  <p:cSld>
+    <p:spTree>
+      <p:nvGrpSpPr>
+        <p:cNvPr id="1" name=""/>
+        <p:cNvGrpSpPr/>
+        <p:nvPr/>
+      </p:nvGrpSpPr>
+      <p:grpSpPr>
+        <a:xfrm>
+          <a:off x="0" y="0"/>
+          <a:ext cx="0" cy="0"/>
+          <a:chOff x="0" y="0"/>
+          <a:chExt cx="0" cy="0"/>
+        </a:xfrm>
+      </p:grpSpPr>
+      <p:sp>
+        <p:nvSpPr>
+          <p:cNvPr id="2" name="Title 1"/>
+          <p:cNvSpPr>
+            <a:spLocks noGrp="1"/>
+          </p:cNvSpPr>
+          <p:nvPr>
+            <p:ph type="title"/>
+          </p:nvPr>
+        </p:nvSpPr>
+        <p:spPr/>
+        <p:txBody>
+          <a:bodyPr/>
+          <a:lstStyle/>
+          <a:p>
+            <a:r>
+              <a:rPr lang="en-US" dirty="0" smtClean="0"/>
+              <a:t>Byte 2 Results</a:t>
+            </a:r>
+            <a:endParaRPr lang="en-US" dirty="0"/>
+          </a:p>
+        </p:txBody>
+      </p:sp>
+      <p:sp>
+        <p:nvSpPr>
+          <p:cNvPr id="3" name="Content Placeholder 2"/>
+          <p:cNvSpPr>
+            <a:spLocks noGrp="1"/>
+          </p:cNvSpPr>
+          <p:nvPr>
+            <p:ph idx="1"/>
+          </p:nvPr>
+        </p:nvSpPr>
+        <p:spPr/>
+        <p:txBody>
+          <a:bodyPr/>
+          <a:lstStyle/>
+          <a:p>
+            <a:r>
+              <a:rPr lang="en-US" sz="1600" dirty="0"/>
+              <a:t>Expectations about the data:</a:t>
+            </a:r>
+          </a:p>
+          <a:p>
+            <a:r>
+              <a:rPr lang="en-US" sz="1600" dirty="0"/>
+              <a:t>When dogs are abandoned: Some of you expected that dogs would be abandoned young (before bonding)</a:t>
+            </a:r>
+          </a:p>
+          <a:p>
+            <a:r>
+              <a:rPr lang="en-US" sz="1600" dirty="0"/>
+              <a:t>Outcomes: Some were surprised by the number of dogs euthanized. </a:t>
+            </a:r>
+          </a:p>
+          <a:p>
+            <a:r>
+              <a:rPr lang="en-US" sz="1600" dirty="0"/>
+              <a:t>Animal arrivals are fairly uniformly distributed as one might expect. However there is a slight trend of more animals arriving in the shelter in summer than winter months. Thoughts on why?</a:t>
+            </a:r>
+          </a:p>
+          <a:p>
+            <a:r>
+              <a:rPr lang="en-US" sz="1600" dirty="0"/>
+              <a:t>Many of the animals have names. Why? (I suspect the shelter is giving the animals names to help them be adopted)</a:t>
+            </a:r>
+          </a:p>
+          <a:p>
+            <a:r>
+              <a:rPr lang="en-US" sz="1600" dirty="0"/>
+              <a:t>Many young dogs are euthanized. Why? Reasons are missing from the data, and breed is hard to compare because of issues mentioned below.</a:t>
+            </a:r>
+          </a:p>
+          <a:p>
+            <a:r>
+              <a:rPr lang="en-US" sz="1600" dirty="0"/>
+              <a:t>Expected outcomes to be similar for cats and dogs, but cats are much more likely to be euthanized</a:t>
+            </a:r>
+            <a:r>
+              <a:rPr lang="en-US" sz="1600" dirty="0" smtClean="0"/>
+              <a:t>.</a:t>
+            </a:r>
+            <a:endParaRPr lang="en-US" sz="1600" dirty="0"/>
+          </a:p>
+        </p:txBody>
+      </p:sp>
+      <p:sp>
+        <p:nvSpPr>
+          <p:cNvPr id="4" name="Date Placeholder 3"/>
+          <p:cNvSpPr>
+            <a:spLocks noGrp="1"/>
+          </p:cNvSpPr>
+          <p:nvPr>
+            <p:ph type="dt" sz="half" idx="10"/>
+          </p:nvPr>
+        </p:nvSpPr>
+        <p:spPr/>
+        <p:txBody>
+          <a:bodyPr/>
+          <a:lstStyle/>
+          <a:p>
+            <a:fld id="{7053BEFA-1175-F644-B249-7D41D72BD3FF}" type="datetime1">
+              <a:rPr lang="en-US" smtClean="0"/>
+              <a:t>2/20/14</a:t>
+            </a:fld>
+            <a:endParaRPr lang="en-US"/>
+          </a:p>
+        </p:txBody>
+      </p:sp>
+      <p:sp>
+        <p:nvSpPr>
+          <p:cNvPr id="5" name="Footer Placeholder 4"/>
+          <p:cNvSpPr>
+            <a:spLocks noGrp="1"/>
+          </p:cNvSpPr>
+          <p:nvPr>
+            <p:ph type="ftr" sz="quarter" idx="11"/>
+          </p:nvPr>
+        </p:nvSpPr>
+        <p:spPr/>
+        <p:txBody>
+          <a:bodyPr/>
+          <a:lstStyle/>
+          <a:p>
+            <a:endParaRPr lang="en-US" dirty="0"/>
+          </a:p>
+        </p:txBody>
+      </p:sp>
+      <p:sp>
+        <p:nvSpPr>
+          <p:cNvPr id="6" name="Slide Number Placeholder 5"/>
+          <p:cNvSpPr>
+            <a:spLocks noGrp="1"/>
+          </p:cNvSpPr>
+          <p:nvPr>
+            <p:ph type="sldNum" sz="quarter" idx="12"/>
+          </p:nvPr>
+        </p:nvSpPr>
+        <p:spPr/>
+        <p:txBody>
+          <a:bodyPr/>
+          <a:lstStyle/>
+          <a:p>
+            <a:fld id="{17E276FA-8F89-B34D-A726-BE3FA1F8DD97}" type="slidenum">
+              <a:rPr lang="en-US" smtClean="0"/>
+              <a:t>2</a:t>
+            </a:fld>
+            <a:endParaRPr lang="en-US" dirty="0"/>
+          </a:p>
+        </p:txBody>
+      </p:sp>
+    </p:spTree>
+    <p:extLst>
+      <p:ext uri="{BB962C8B-B14F-4D97-AF65-F5344CB8AC3E}">
+        <p14:creationId xmlns:p14="http://schemas.microsoft.com/office/powerpoint/2010/main" val="2395333386"/>
+      </p:ext>
+    </p:extLst>
+  </p:cSld>
+  <p:clrMapOvr>
+    <a:masterClrMapping/>
+  </p:clrMapOvr>
+  <p:timing>
+    <p:tnLst>
+      <p:par>
+        <p:cTn xmlns:p14="http://schemas.microsoft.com/office/powerpoint/2010/main" id="1" dur="indefinite" restart="never" nodeType="tmRoot"/>
+      </p:par>
+    </p:tnLst>
+  </p:timing>
+</p:sld>
+</file>
+
+<file path=ppt/slides/slide20.xml><?xml version="1.0" encoding="utf-8"?>
 <p:sld xmlns:a="http://schemas.openxmlformats.org/drawingml/2006/main" xmlns:r="http://schemas.openxmlformats.org/officeDocument/2006/relationships" xmlns:p="http://schemas.openxmlformats.org/presentationml/2006/main" show="0">
   <p:cSld>
     <p:spTree>
@@ -14960,7 +14175,7 @@
 </p:sld>
 </file>
 
-<file path=ppt/slides/slide22.xml><?xml version="1.0" encoding="utf-8"?>
+<file path=ppt/slides/slide21.xml><?xml version="1.0" encoding="utf-8"?>
 <p:sld xmlns:a="http://schemas.openxmlformats.org/drawingml/2006/main" xmlns:r="http://schemas.openxmlformats.org/officeDocument/2006/relationships" xmlns:p="http://schemas.openxmlformats.org/presentationml/2006/main">
   <p:cSld>
     <p:spTree>
@@ -15128,7 +14343,7 @@
 </p:sld>
 </file>
 
-<file path=ppt/slides/slide23.xml><?xml version="1.0" encoding="utf-8"?>
+<file path=ppt/slides/slide22.xml><?xml version="1.0" encoding="utf-8"?>
 <p:sld xmlns:a="http://schemas.openxmlformats.org/drawingml/2006/main" xmlns:r="http://schemas.openxmlformats.org/officeDocument/2006/relationships" xmlns:p="http://schemas.openxmlformats.org/presentationml/2006/main">
   <p:cSld>
     <p:spTree>
@@ -15309,7 +14524,7 @@
 </p:sld>
 </file>
 
-<file path=ppt/slides/slide24.xml><?xml version="1.0" encoding="utf-8"?>
+<file path=ppt/slides/slide23.xml><?xml version="1.0" encoding="utf-8"?>
 <p:sld xmlns:a="http://schemas.openxmlformats.org/drawingml/2006/main" xmlns:r="http://schemas.openxmlformats.org/officeDocument/2006/relationships" xmlns:p="http://schemas.openxmlformats.org/presentationml/2006/main">
   <p:cSld>
     <p:spTree>
@@ -15616,7 +14831,7 @@
           <a:p>
             <a:fld id="{7053BEFA-1175-F644-B249-7D41D72BD3FF}" type="datetime1">
               <a:rPr lang="en-US" smtClean="0"/>
-              <a:t>2/7/14</a:t>
+              <a:t>2/20/14</a:t>
             </a:fld>
             <a:endParaRPr lang="en-US"/>
           </a:p>
@@ -15658,7 +14873,7 @@
           <a:p>
             <a:fld id="{17E276FA-8F89-B34D-A726-BE3FA1F8DD97}" type="slidenum">
               <a:rPr lang="en-US" smtClean="0"/>
-              <a:t>24</a:t>
+              <a:t>23</a:t>
             </a:fld>
             <a:endParaRPr lang="en-US" dirty="0"/>
           </a:p>
@@ -15714,7 +14929,7 @@
 </p:sld>
 </file>
 
-<file path=ppt/slides/slide25.xml><?xml version="1.0" encoding="utf-8"?>
+<file path=ppt/slides/slide24.xml><?xml version="1.0" encoding="utf-8"?>
 <p:sld xmlns:a="http://schemas.openxmlformats.org/drawingml/2006/main" xmlns:r="http://schemas.openxmlformats.org/officeDocument/2006/relationships" xmlns:p="http://schemas.openxmlformats.org/presentationml/2006/main">
   <p:cSld>
     <p:spTree>
@@ -16257,7 +15472,7 @@
           <a:p>
             <a:fld id="{7053BEFA-1175-F644-B249-7D41D72BD3FF}" type="datetime1">
               <a:rPr lang="en-US" smtClean="0"/>
-              <a:t>2/7/14</a:t>
+              <a:t>2/20/14</a:t>
             </a:fld>
             <a:endParaRPr lang="en-US"/>
           </a:p>
@@ -16299,7 +15514,7 @@
           <a:p>
             <a:fld id="{17E276FA-8F89-B34D-A726-BE3FA1F8DD97}" type="slidenum">
               <a:rPr lang="en-US" smtClean="0"/>
-              <a:t>25</a:t>
+              <a:t>24</a:t>
             </a:fld>
             <a:endParaRPr lang="en-US" dirty="0"/>
           </a:p>
@@ -16355,7 +15570,7 @@
 </p:sld>
 </file>
 
-<file path=ppt/slides/slide26.xml><?xml version="1.0" encoding="utf-8"?>
+<file path=ppt/slides/slide25.xml><?xml version="1.0" encoding="utf-8"?>
 <p:sld xmlns:a="http://schemas.openxmlformats.org/drawingml/2006/main" xmlns:r="http://schemas.openxmlformats.org/officeDocument/2006/relationships" xmlns:p="http://schemas.openxmlformats.org/presentationml/2006/main" showMasterPhAnim="0">
   <p:cSld>
     <p:spTree>
@@ -16785,7 +16000,7 @@
 </p:sld>
 </file>
 
-<file path=ppt/slides/slide27.xml><?xml version="1.0" encoding="utf-8"?>
+<file path=ppt/slides/slide26.xml><?xml version="1.0" encoding="utf-8"?>
 <p:sld xmlns:a="http://schemas.openxmlformats.org/drawingml/2006/main" xmlns:r="http://schemas.openxmlformats.org/officeDocument/2006/relationships" xmlns:p="http://schemas.openxmlformats.org/presentationml/2006/main">
   <p:cSld>
     <p:spTree>
@@ -16926,7 +16141,7 @@
 </p:sld>
 </file>
 
-<file path=ppt/slides/slide28.xml><?xml version="1.0" encoding="utf-8"?>
+<file path=ppt/slides/slide27.xml><?xml version="1.0" encoding="utf-8"?>
 <p:sld xmlns:a="http://schemas.openxmlformats.org/drawingml/2006/main" xmlns:r="http://schemas.openxmlformats.org/officeDocument/2006/relationships" xmlns:p="http://schemas.openxmlformats.org/presentationml/2006/main">
   <p:cSld>
     <p:spTree>
@@ -17019,7 +16234,7 @@
 </p:sld>
 </file>
 
-<file path=ppt/slides/slide29.xml><?xml version="1.0" encoding="utf-8"?>
+<file path=ppt/slides/slide28.xml><?xml version="1.0" encoding="utf-8"?>
 <p:sld xmlns:a="http://schemas.openxmlformats.org/drawingml/2006/main" xmlns:r="http://schemas.openxmlformats.org/officeDocument/2006/relationships" xmlns:p="http://schemas.openxmlformats.org/presentationml/2006/main">
   <p:cSld>
     <p:spTree>
@@ -17107,6 +16322,94 @@
 </p:sld>
 </file>
 
+<file path=ppt/slides/slide29.xml><?xml version="1.0" encoding="utf-8"?>
+<p:sld xmlns:a="http://schemas.openxmlformats.org/drawingml/2006/main" xmlns:r="http://schemas.openxmlformats.org/officeDocument/2006/relationships" xmlns:p="http://schemas.openxmlformats.org/presentationml/2006/main">
+  <p:cSld>
+    <p:spTree>
+      <p:nvGrpSpPr>
+        <p:cNvPr id="1" name=""/>
+        <p:cNvGrpSpPr/>
+        <p:nvPr/>
+      </p:nvGrpSpPr>
+      <p:grpSpPr>
+        <a:xfrm>
+          <a:off x="0" y="0"/>
+          <a:ext cx="0" cy="0"/>
+          <a:chOff x="0" y="0"/>
+          <a:chExt cx="0" cy="0"/>
+        </a:xfrm>
+      </p:grpSpPr>
+      <p:sp>
+        <p:nvSpPr>
+          <p:cNvPr id="30721" name="Title 1"/>
+          <p:cNvSpPr>
+            <a:spLocks noGrp="1"/>
+          </p:cNvSpPr>
+          <p:nvPr>
+            <p:ph type="title"/>
+          </p:nvPr>
+        </p:nvSpPr>
+        <p:spPr/>
+        <p:txBody>
+          <a:bodyPr/>
+          <a:lstStyle/>
+          <a:p>
+            <a:r>
+              <a:rPr lang="en-US">
+                <a:latin typeface="Geneva" charset="0"/>
+                <a:ea typeface="ＭＳ Ｐゴシック" charset="0"/>
+                <a:cs typeface="ＭＳ Ｐゴシック" charset="0"/>
+              </a:rPr>
+              <a:t>Create Your Own</a:t>
+            </a:r>
+          </a:p>
+        </p:txBody>
+      </p:sp>
+      <p:pic>
+        <p:nvPicPr>
+          <p:cNvPr id="30722" name="Content Placeholder 5" descr="Picture 44.png"/>
+          <p:cNvPicPr>
+            <a:picLocks noGrp="1" noChangeAspect="1"/>
+          </p:cNvPicPr>
+          <p:nvPr>
+            <p:ph idx="1"/>
+          </p:nvPr>
+        </p:nvPicPr>
+        <p:blipFill>
+          <a:blip r:embed="rId3">
+            <a:extLst>
+              <a:ext uri="{28A0092B-C50C-407E-A947-70E740481C1C}">
+                <a14:useLocalDpi xmlns:a14="http://schemas.microsoft.com/office/drawing/2010/main" val="0"/>
+              </a:ext>
+            </a:extLst>
+          </a:blip>
+          <a:srcRect l="-18759" r="-18759"/>
+          <a:stretch>
+            <a:fillRect/>
+          </a:stretch>
+        </p:blipFill>
+        <p:spPr/>
+      </p:pic>
+    </p:spTree>
+    <p:extLst>
+      <p:ext uri="{BB962C8B-B14F-4D97-AF65-F5344CB8AC3E}">
+        <p14:creationId xmlns:p14="http://schemas.microsoft.com/office/powerpoint/2010/main" val="927082622"/>
+      </p:ext>
+    </p:extLst>
+  </p:cSld>
+  <p:clrMapOvr>
+    <a:masterClrMapping/>
+  </p:clrMapOvr>
+  <p:timing>
+    <p:tnLst>
+      <p:par>
+        <p:cTn xmlns:p14="http://schemas.microsoft.com/office/powerpoint/2010/main" id="1" dur="indefinite" restart="never" nodeType="tmRoot"/>
+      </p:par>
+    </p:tnLst>
+  </p:timing>
+</p:sld>
+</file>
+
 <file path=ppt/slides/slide3.xml><?xml version="1.0" encoding="utf-8"?>
 <p:sld xmlns:a="http://schemas.openxmlformats.org/drawingml/2006/main" xmlns:r="http://schemas.openxmlformats.org/officeDocument/2006/relationships" xmlns:p="http://schemas.openxmlformats.org/presentationml/2006/main">
   <p:cSld>
@@ -17227,7 +16530,7 @@
           <a:p>
             <a:fld id="{7053BEFA-1175-F644-B249-7D41D72BD3FF}" type="datetime1">
               <a:rPr lang="en-US" smtClean="0"/>
-              <a:t>2/7/14</a:t>
+              <a:t>2/20/14</a:t>
             </a:fld>
             <a:endParaRPr lang="en-US"/>
           </a:p>
@@ -17314,94 +16617,6 @@
       </p:grpSpPr>
       <p:sp>
         <p:nvSpPr>
-          <p:cNvPr id="30721" name="Title 1"/>
-          <p:cNvSpPr>
-            <a:spLocks noGrp="1"/>
-          </p:cNvSpPr>
-          <p:nvPr>
-            <p:ph type="title"/>
-          </p:nvPr>
-        </p:nvSpPr>
-        <p:spPr/>
-        <p:txBody>
-          <a:bodyPr/>
-          <a:lstStyle/>
-          <a:p>
-            <a:r>
-              <a:rPr lang="en-US">
-                <a:latin typeface="Geneva" charset="0"/>
-                <a:ea typeface="ＭＳ Ｐゴシック" charset="0"/>
-                <a:cs typeface="ＭＳ Ｐゴシック" charset="0"/>
-              </a:rPr>
-              <a:t>Create Your Own</a:t>
-            </a:r>
-          </a:p>
-        </p:txBody>
-      </p:sp>
-      <p:pic>
-        <p:nvPicPr>
-          <p:cNvPr id="30722" name="Content Placeholder 5" descr="Picture 44.png"/>
-          <p:cNvPicPr>
-            <a:picLocks noGrp="1" noChangeAspect="1"/>
-          </p:cNvPicPr>
-          <p:nvPr>
-            <p:ph idx="1"/>
-          </p:nvPr>
-        </p:nvPicPr>
-        <p:blipFill>
-          <a:blip r:embed="rId3">
-            <a:extLst>
-              <a:ext uri="{28A0092B-C50C-407E-A947-70E740481C1C}">
-                <a14:useLocalDpi xmlns:a14="http://schemas.microsoft.com/office/drawing/2010/main" val="0"/>
-              </a:ext>
-            </a:extLst>
-          </a:blip>
-          <a:srcRect l="-18759" r="-18759"/>
-          <a:stretch>
-            <a:fillRect/>
-          </a:stretch>
-        </p:blipFill>
-        <p:spPr/>
-      </p:pic>
-    </p:spTree>
-    <p:extLst>
-      <p:ext uri="{BB962C8B-B14F-4D97-AF65-F5344CB8AC3E}">
-        <p14:creationId xmlns:p14="http://schemas.microsoft.com/office/powerpoint/2010/main" val="927082622"/>
-      </p:ext>
-    </p:extLst>
-  </p:cSld>
-  <p:clrMapOvr>
-    <a:masterClrMapping/>
-  </p:clrMapOvr>
-  <p:timing>
-    <p:tnLst>
-      <p:par>
-        <p:cTn xmlns:p14="http://schemas.microsoft.com/office/powerpoint/2010/main" id="1" dur="indefinite" restart="never" nodeType="tmRoot"/>
-      </p:par>
-    </p:tnLst>
-  </p:timing>
-</p:sld>
-</file>
-
-<file path=ppt/slides/slide31.xml><?xml version="1.0" encoding="utf-8"?>
-<p:sld xmlns:a="http://schemas.openxmlformats.org/drawingml/2006/main" xmlns:r="http://schemas.openxmlformats.org/officeDocument/2006/relationships" xmlns:p="http://schemas.openxmlformats.org/presentationml/2006/main">
-  <p:cSld>
-    <p:spTree>
-      <p:nvGrpSpPr>
-        <p:cNvPr id="1" name=""/>
-        <p:cNvGrpSpPr/>
-        <p:nvPr/>
-      </p:nvGrpSpPr>
-      <p:grpSpPr>
-        <a:xfrm>
-          <a:off x="0" y="0"/>
-          <a:ext cx="0" cy="0"/>
-          <a:chOff x="0" y="0"/>
-          <a:chExt cx="0" cy="0"/>
-        </a:xfrm>
-      </p:grpSpPr>
-      <p:sp>
-        <p:nvSpPr>
           <p:cNvPr id="82945" name="Rectangle 2"/>
           <p:cNvSpPr>
             <a:spLocks noGrp="1" noChangeArrowheads="1"/>
@@ -17571,7 +16786,7 @@
 </p:sld>
 </file>
 
-<file path=ppt/slides/slide32.xml><?xml version="1.0" encoding="utf-8"?>
+<file path=ppt/slides/slide31.xml><?xml version="1.0" encoding="utf-8"?>
 <p:sld xmlns:a="http://schemas.openxmlformats.org/drawingml/2006/main" xmlns:r="http://schemas.openxmlformats.org/officeDocument/2006/relationships" xmlns:p="http://schemas.openxmlformats.org/presentationml/2006/main">
   <p:cSld>
     <p:spTree>
@@ -17708,7 +16923,7 @@
 </p:sld>
 </file>
 
-<file path=ppt/slides/slide33.xml><?xml version="1.0" encoding="utf-8"?>
+<file path=ppt/slides/slide32.xml><?xml version="1.0" encoding="utf-8"?>
 <p:sld xmlns:a="http://schemas.openxmlformats.org/drawingml/2006/main" xmlns:r="http://schemas.openxmlformats.org/officeDocument/2006/relationships" xmlns:p="http://schemas.openxmlformats.org/presentationml/2006/main">
   <p:cSld>
     <p:spTree>
@@ -17833,7 +17048,7 @@
 </p:sld>
 </file>
 
-<file path=ppt/slides/slide34.xml><?xml version="1.0" encoding="utf-8"?>
+<file path=ppt/slides/slide33.xml><?xml version="1.0" encoding="utf-8"?>
 <p:sld xmlns:a="http://schemas.openxmlformats.org/drawingml/2006/main" xmlns:r="http://schemas.openxmlformats.org/officeDocument/2006/relationships" xmlns:p="http://schemas.openxmlformats.org/presentationml/2006/main">
   <p:cSld>
     <p:spTree>
@@ -17955,7 +17170,7 @@
 </p:sld>
 </file>
 
-<file path=ppt/slides/slide35.xml><?xml version="1.0" encoding="utf-8"?>
+<file path=ppt/slides/slide34.xml><?xml version="1.0" encoding="utf-8"?>
 <p:sld xmlns:a="http://schemas.openxmlformats.org/drawingml/2006/main" xmlns:r="http://schemas.openxmlformats.org/officeDocument/2006/relationships" xmlns:p="http://schemas.openxmlformats.org/presentationml/2006/main">
   <p:cSld>
     <p:spTree>
@@ -18072,7 +17287,7 @@
 </p:sld>
 </file>
 
-<file path=ppt/slides/slide36.xml><?xml version="1.0" encoding="utf-8"?>
+<file path=ppt/slides/slide35.xml><?xml version="1.0" encoding="utf-8"?>
 <p:sld xmlns:a="http://schemas.openxmlformats.org/drawingml/2006/main" xmlns:r="http://schemas.openxmlformats.org/officeDocument/2006/relationships" xmlns:p="http://schemas.openxmlformats.org/presentationml/2006/main">
   <p:cSld>
     <p:spTree>
@@ -18334,7 +17549,7 @@
 </p:sld>
 </file>
 
-<file path=ppt/slides/slide37.xml><?xml version="1.0" encoding="utf-8"?>
+<file path=ppt/slides/slide36.xml><?xml version="1.0" encoding="utf-8"?>
 <p:sld xmlns:a="http://schemas.openxmlformats.org/drawingml/2006/main" xmlns:r="http://schemas.openxmlformats.org/officeDocument/2006/relationships" xmlns:p="http://schemas.openxmlformats.org/presentationml/2006/main">
   <p:cSld>
     <p:spTree>
@@ -18451,7 +17666,7 @@
 </p:sld>
 </file>
 
-<file path=ppt/slides/slide38.xml><?xml version="1.0" encoding="utf-8"?>
+<file path=ppt/slides/slide37.xml><?xml version="1.0" encoding="utf-8"?>
 <p:sld xmlns:a="http://schemas.openxmlformats.org/drawingml/2006/main" xmlns:r="http://schemas.openxmlformats.org/officeDocument/2006/relationships" xmlns:p="http://schemas.openxmlformats.org/presentationml/2006/main">
   <p:cSld>
     <p:spTree>
@@ -18716,7 +17931,7 @@
           <a:p>
             <a:fld id="{7053BEFA-1175-F644-B249-7D41D72BD3FF}" type="datetime1">
               <a:rPr lang="en-US" smtClean="0"/>
-              <a:t>2/7/14</a:t>
+              <a:t>2/20/14</a:t>
             </a:fld>
             <a:endParaRPr lang="en-US"/>
           </a:p>
@@ -18818,159 +18033,6 @@
           <a:p>
             <a:r>
               <a:rPr lang="en-US" dirty="0" smtClean="0"/>
-              <a:t>Boxplot [Random Data; 3 times]</a:t>
-            </a:r>
-            <a:endParaRPr lang="en-US" dirty="0"/>
-          </a:p>
-        </p:txBody>
-      </p:sp>
-      <p:sp>
-        <p:nvSpPr>
-          <p:cNvPr id="4" name="Date Placeholder 3"/>
-          <p:cNvSpPr>
-            <a:spLocks noGrp="1"/>
-          </p:cNvSpPr>
-          <p:nvPr>
-            <p:ph type="dt" sz="half" idx="10"/>
-          </p:nvPr>
-        </p:nvSpPr>
-        <p:spPr/>
-        <p:txBody>
-          <a:bodyPr/>
-          <a:lstStyle/>
-          <a:p>
-            <a:fld id="{7053BEFA-1175-F644-B249-7D41D72BD3FF}" type="datetime1">
-              <a:rPr lang="en-US" smtClean="0"/>
-              <a:t>2/7/14</a:t>
-            </a:fld>
-            <a:endParaRPr lang="en-US"/>
-          </a:p>
-        </p:txBody>
-      </p:sp>
-      <p:sp>
-        <p:nvSpPr>
-          <p:cNvPr id="5" name="Footer Placeholder 4"/>
-          <p:cNvSpPr>
-            <a:spLocks noGrp="1"/>
-          </p:cNvSpPr>
-          <p:nvPr>
-            <p:ph type="ftr" sz="quarter" idx="11"/>
-          </p:nvPr>
-        </p:nvSpPr>
-        <p:spPr/>
-        <p:txBody>
-          <a:bodyPr/>
-          <a:lstStyle/>
-          <a:p>
-            <a:endParaRPr lang="en-US" dirty="0"/>
-          </a:p>
-        </p:txBody>
-      </p:sp>
-      <p:sp>
-        <p:nvSpPr>
-          <p:cNvPr id="6" name="Slide Number Placeholder 5"/>
-          <p:cNvSpPr>
-            <a:spLocks noGrp="1"/>
-          </p:cNvSpPr>
-          <p:nvPr>
-            <p:ph type="sldNum" sz="quarter" idx="12"/>
-          </p:nvPr>
-        </p:nvSpPr>
-        <p:spPr/>
-        <p:txBody>
-          <a:bodyPr/>
-          <a:lstStyle/>
-          <a:p>
-            <a:fld id="{17E276FA-8F89-B34D-A726-BE3FA1F8DD97}" type="slidenum">
-              <a:rPr lang="en-US" smtClean="0"/>
-              <a:t>5</a:t>
-            </a:fld>
-            <a:endParaRPr lang="en-US" dirty="0"/>
-          </a:p>
-        </p:txBody>
-      </p:sp>
-      <p:pic>
-        <p:nvPicPr>
-          <p:cNvPr id="8" name="Content Placeholder 7" descr="Screen Shot 2014-01-30 at 10.56.45 AM.png"/>
-          <p:cNvPicPr>
-            <a:picLocks noGrp="1" noChangeAspect="1"/>
-          </p:cNvPicPr>
-          <p:nvPr>
-            <p:ph idx="1"/>
-          </p:nvPr>
-        </p:nvPicPr>
-        <p:blipFill rotWithShape="1">
-          <a:blip r:embed="rId3">
-            <a:extLst>
-              <a:ext uri="{28A0092B-C50C-407E-A947-70E740481C1C}">
-                <a14:useLocalDpi xmlns:a14="http://schemas.microsoft.com/office/drawing/2010/main" val="0"/>
-              </a:ext>
-            </a:extLst>
-          </a:blip>
-          <a:srcRect l="4761" r="43772" b="24225"/>
-          <a:stretch/>
-        </p:blipFill>
-        <p:spPr>
-          <a:xfrm>
-            <a:off x="1128943" y="1534736"/>
-            <a:ext cx="6105630" cy="5053862"/>
-          </a:xfrm>
-        </p:spPr>
-      </p:pic>
-    </p:spTree>
-    <p:extLst>
-      <p:ext uri="{BB962C8B-B14F-4D97-AF65-F5344CB8AC3E}">
-        <p14:creationId xmlns:p14="http://schemas.microsoft.com/office/powerpoint/2010/main" val="3423289031"/>
-      </p:ext>
-    </p:extLst>
-  </p:cSld>
-  <p:clrMapOvr>
-    <a:masterClrMapping/>
-  </p:clrMapOvr>
-  <p:timing>
-    <p:tnLst>
-      <p:par>
-        <p:cTn xmlns:p14="http://schemas.microsoft.com/office/powerpoint/2010/main" id="1" dur="indefinite" restart="never" nodeType="tmRoot"/>
-      </p:par>
-    </p:tnLst>
-  </p:timing>
-</p:sld>
-</file>
-
-<file path=ppt/slides/slide6.xml><?xml version="1.0" encoding="utf-8"?>
-<p:sld xmlns:a="http://schemas.openxmlformats.org/drawingml/2006/main" xmlns:r="http://schemas.openxmlformats.org/officeDocument/2006/relationships" xmlns:p="http://schemas.openxmlformats.org/presentationml/2006/main">
-  <p:cSld>
-    <p:spTree>
-      <p:nvGrpSpPr>
-        <p:cNvPr id="1" name=""/>
-        <p:cNvGrpSpPr/>
-        <p:nvPr/>
-      </p:nvGrpSpPr>
-      <p:grpSpPr>
-        <a:xfrm>
-          <a:off x="0" y="0"/>
-          <a:ext cx="0" cy="0"/>
-          <a:chOff x="0" y="0"/>
-          <a:chExt cx="0" cy="0"/>
-        </a:xfrm>
-      </p:grpSpPr>
-      <p:sp>
-        <p:nvSpPr>
-          <p:cNvPr id="2" name="Title 1"/>
-          <p:cNvSpPr>
-            <a:spLocks noGrp="1"/>
-          </p:cNvSpPr>
-          <p:nvPr>
-            <p:ph type="title"/>
-          </p:nvPr>
-        </p:nvSpPr>
-        <p:spPr/>
-        <p:txBody>
-          <a:bodyPr/>
-          <a:lstStyle/>
-          <a:p>
-            <a:r>
-              <a:rPr lang="en-US" dirty="0" smtClean="0"/>
               <a:t>Scatterplot</a:t>
             </a:r>
             <a:endParaRPr lang="en-US" dirty="0"/>
@@ -19019,7 +18081,7 @@
           <a:p>
             <a:fld id="{7053BEFA-1175-F644-B249-7D41D72BD3FF}" type="datetime1">
               <a:rPr lang="en-US" smtClean="0"/>
-              <a:t>2/7/14</a:t>
+              <a:t>2/20/14</a:t>
             </a:fld>
             <a:endParaRPr lang="en-US"/>
           </a:p>
@@ -19061,7 +18123,7 @@
           <a:p>
             <a:fld id="{17E276FA-8F89-B34D-A726-BE3FA1F8DD97}" type="slidenum">
               <a:rPr lang="en-US" smtClean="0"/>
-              <a:t>6</a:t>
+              <a:t>5</a:t>
             </a:fld>
             <a:endParaRPr lang="en-US" dirty="0"/>
           </a:p>
@@ -19087,7 +18149,7 @@
 </p:sld>
 </file>
 
-<file path=ppt/slides/slide7.xml><?xml version="1.0" encoding="utf-8"?>
+<file path=ppt/slides/slide6.xml><?xml version="1.0" encoding="utf-8"?>
 <p:sld xmlns:a="http://schemas.openxmlformats.org/drawingml/2006/main" xmlns:r="http://schemas.openxmlformats.org/officeDocument/2006/relationships" xmlns:p="http://schemas.openxmlformats.org/presentationml/2006/main" showMasterPhAnim="0">
   <p:cSld>
     <p:spTree>
@@ -19381,7 +18443,7 @@
 </p:sld>
 </file>
 
-<file path=ppt/slides/slide8.xml><?xml version="1.0" encoding="utf-8"?>
+<file path=ppt/slides/slide7.xml><?xml version="1.0" encoding="utf-8"?>
 <p:sld xmlns:a="http://schemas.openxmlformats.org/drawingml/2006/main" xmlns:r="http://schemas.openxmlformats.org/officeDocument/2006/relationships" xmlns:p="http://schemas.openxmlformats.org/presentationml/2006/main" showMasterPhAnim="0">
   <p:cSld>
     <p:spTree>
@@ -19822,6 +18884,230 @@
 </p:sld>
 </file>
 
+<file path=ppt/slides/slide8.xml><?xml version="1.0" encoding="utf-8"?>
+<p:sld xmlns:a="http://schemas.openxmlformats.org/drawingml/2006/main" xmlns:r="http://schemas.openxmlformats.org/officeDocument/2006/relationships" xmlns:p="http://schemas.openxmlformats.org/presentationml/2006/main">
+  <p:cSld>
+    <p:spTree>
+      <p:nvGrpSpPr>
+        <p:cNvPr id="1" name=""/>
+        <p:cNvGrpSpPr/>
+        <p:nvPr/>
+      </p:nvGrpSpPr>
+      <p:grpSpPr>
+        <a:xfrm>
+          <a:off x="0" y="0"/>
+          <a:ext cx="0" cy="0"/>
+          <a:chOff x="0" y="0"/>
+          <a:chExt cx="0" cy="0"/>
+        </a:xfrm>
+      </p:grpSpPr>
+      <p:sp>
+        <p:nvSpPr>
+          <p:cNvPr id="23553" name="Rectangle 2"/>
+          <p:cNvSpPr>
+            <a:spLocks noGrp="1" noChangeArrowheads="1"/>
+          </p:cNvSpPr>
+          <p:nvPr>
+            <p:ph type="title"/>
+          </p:nvPr>
+        </p:nvSpPr>
+        <p:spPr/>
+        <p:txBody>
+          <a:bodyPr/>
+          <a:lstStyle/>
+          <a:p>
+            <a:r>
+              <a:rPr lang="en-US">
+                <a:latin typeface="Geneva" charset="0"/>
+                <a:ea typeface="ＭＳ Ｐゴシック" charset="0"/>
+                <a:cs typeface="ＭＳ Ｐゴシック" charset="0"/>
+              </a:rPr>
+              <a:t>Visualization  Success Story</a:t>
+            </a:r>
+          </a:p>
+        </p:txBody>
+      </p:sp>
+      <p:sp>
+        <p:nvSpPr>
+          <p:cNvPr id="23554" name="Text Box 3"/>
+          <p:cNvSpPr txBox="1">
+            <a:spLocks noChangeArrowheads="1"/>
+          </p:cNvSpPr>
+          <p:nvPr/>
+        </p:nvSpPr>
+        <p:spPr bwMode="auto">
+          <a:xfrm>
+            <a:off x="1752600" y="3352800"/>
+            <a:ext cx="6477000" cy="946150"/>
+          </a:xfrm>
+          <a:prstGeom prst="rect">
+            <a:avLst/>
+          </a:prstGeom>
+          <a:noFill/>
+          <a:ln>
+            <a:noFill/>
+          </a:ln>
+          <a:extLst>
+            <a:ext uri="{909E8E84-426E-40dd-AFC4-6F175D3DCCD1}">
+              <a14:hiddenFill xmlns:a14="http://schemas.microsoft.com/office/drawing/2010/main">
+                <a:solidFill>
+                  <a:srgbClr val="FFFFFF"/>
+                </a:solidFill>
+              </a14:hiddenFill>
+            </a:ext>
+            <a:ext uri="{91240B29-F687-4f45-9708-019B960494DF}">
+              <a14:hiddenLine xmlns:a14="http://schemas.microsoft.com/office/drawing/2010/main" w="9525">
+                <a:solidFill>
+                  <a:srgbClr val="000000"/>
+                </a:solidFill>
+                <a:miter lim="800000"/>
+                <a:headEnd/>
+                <a:tailEnd/>
+              </a14:hiddenLine>
+            </a:ext>
+          </a:extLst>
+        </p:spPr>
+        <p:txBody>
+          <a:bodyPr>
+            <a:spAutoFit/>
+          </a:bodyPr>
+          <a:lstStyle>
+            <a:lvl1pPr eaLnBrk="0" hangingPunct="0">
+              <a:defRPr sz="2400">
+                <a:solidFill>
+                  <a:schemeClr val="tx1"/>
+                </a:solidFill>
+                <a:latin typeface="Arial" charset="0"/>
+                <a:ea typeface="ＭＳ Ｐゴシック" charset="0"/>
+                <a:cs typeface="ＭＳ Ｐゴシック" charset="0"/>
+              </a:defRPr>
+            </a:lvl1pPr>
+            <a:lvl2pPr marL="742950" indent="-285750" eaLnBrk="0" hangingPunct="0">
+              <a:defRPr sz="2400">
+                <a:solidFill>
+                  <a:schemeClr val="tx1"/>
+                </a:solidFill>
+                <a:latin typeface="Arial" charset="0"/>
+                <a:ea typeface="ＭＳ Ｐゴシック" charset="0"/>
+              </a:defRPr>
+            </a:lvl2pPr>
+            <a:lvl3pPr marL="1143000" indent="-228600" eaLnBrk="0" hangingPunct="0">
+              <a:defRPr sz="2400">
+                <a:solidFill>
+                  <a:schemeClr val="tx1"/>
+                </a:solidFill>
+                <a:latin typeface="Arial" charset="0"/>
+                <a:ea typeface="ＭＳ Ｐゴシック" charset="0"/>
+              </a:defRPr>
+            </a:lvl3pPr>
+            <a:lvl4pPr marL="1600200" indent="-228600" eaLnBrk="0" hangingPunct="0">
+              <a:defRPr sz="2400">
+                <a:solidFill>
+                  <a:schemeClr val="tx1"/>
+                </a:solidFill>
+                <a:latin typeface="Arial" charset="0"/>
+                <a:ea typeface="ＭＳ Ｐゴシック" charset="0"/>
+              </a:defRPr>
+            </a:lvl4pPr>
+            <a:lvl5pPr marL="2057400" indent="-228600" eaLnBrk="0" hangingPunct="0">
+              <a:defRPr sz="2400">
+                <a:solidFill>
+                  <a:schemeClr val="tx1"/>
+                </a:solidFill>
+                <a:latin typeface="Arial" charset="0"/>
+                <a:ea typeface="ＭＳ Ｐゴシック" charset="0"/>
+              </a:defRPr>
+            </a:lvl5pPr>
+            <a:lvl6pPr marL="2514600" indent="-228600" eaLnBrk="0" fontAlgn="base" hangingPunct="0">
+              <a:spcBef>
+                <a:spcPct val="0"/>
+              </a:spcBef>
+              <a:spcAft>
+                <a:spcPct val="0"/>
+              </a:spcAft>
+              <a:defRPr sz="2400">
+                <a:solidFill>
+                  <a:schemeClr val="tx1"/>
+                </a:solidFill>
+                <a:latin typeface="Arial" charset="0"/>
+                <a:ea typeface="ＭＳ Ｐゴシック" charset="0"/>
+              </a:defRPr>
+            </a:lvl6pPr>
+            <a:lvl7pPr marL="2971800" indent="-228600" eaLnBrk="0" fontAlgn="base" hangingPunct="0">
+              <a:spcBef>
+                <a:spcPct val="0"/>
+              </a:spcBef>
+              <a:spcAft>
+                <a:spcPct val="0"/>
+              </a:spcAft>
+              <a:defRPr sz="2400">
+                <a:solidFill>
+                  <a:schemeClr val="tx1"/>
+                </a:solidFill>
+                <a:latin typeface="Arial" charset="0"/>
+                <a:ea typeface="ＭＳ Ｐゴシック" charset="0"/>
+              </a:defRPr>
+            </a:lvl7pPr>
+            <a:lvl8pPr marL="3429000" indent="-228600" eaLnBrk="0" fontAlgn="base" hangingPunct="0">
+              <a:spcBef>
+                <a:spcPct val="0"/>
+              </a:spcBef>
+              <a:spcAft>
+                <a:spcPct val="0"/>
+              </a:spcAft>
+              <a:defRPr sz="2400">
+                <a:solidFill>
+                  <a:schemeClr val="tx1"/>
+                </a:solidFill>
+                <a:latin typeface="Arial" charset="0"/>
+                <a:ea typeface="ＭＳ Ｐゴシック" charset="0"/>
+              </a:defRPr>
+            </a:lvl8pPr>
+            <a:lvl9pPr marL="3886200" indent="-228600" eaLnBrk="0" fontAlgn="base" hangingPunct="0">
+              <a:spcBef>
+                <a:spcPct val="0"/>
+              </a:spcBef>
+              <a:spcAft>
+                <a:spcPct val="0"/>
+              </a:spcAft>
+              <a:defRPr sz="2400">
+                <a:solidFill>
+                  <a:schemeClr val="tx1"/>
+                </a:solidFill>
+                <a:latin typeface="Arial" charset="0"/>
+                <a:ea typeface="ＭＳ Ｐゴシック" charset="0"/>
+              </a:defRPr>
+            </a:lvl9pPr>
+          </a:lstStyle>
+          <a:p>
+            <a:r>
+              <a:rPr lang="en-US" sz="2800"/>
+              <a:t>Mystery: what is causing a cholera epidemic in London in 1854?</a:t>
+            </a:r>
+          </a:p>
+        </p:txBody>
+      </p:sp>
+    </p:spTree>
+    <p:extLst>
+      <p:ext uri="{BB962C8B-B14F-4D97-AF65-F5344CB8AC3E}">
+        <p14:creationId xmlns:p14="http://schemas.microsoft.com/office/powerpoint/2010/main" val="1211680654"/>
+      </p:ext>
+    </p:extLst>
+  </p:cSld>
+  <p:clrMapOvr>
+    <a:masterClrMapping/>
+  </p:clrMapOvr>
+  <p:transition xmlns:p14="http://schemas.microsoft.com/office/powerpoint/2010/main"/>
+  <p:timing>
+    <p:tnLst>
+      <p:par>
+        <p:cTn xmlns:p14="http://schemas.microsoft.com/office/powerpoint/2010/main" id="1" dur="indefinite" restart="never" nodeType="tmRoot"/>
+      </p:par>
+    </p:tnLst>
+  </p:timing>
+</p:sld>
+</file>
+
 <file path=ppt/slides/slide9.xml><?xml version="1.0" encoding="utf-8"?>
 <p:sld xmlns:a="http://schemas.openxmlformats.org/drawingml/2006/main" xmlns:r="http://schemas.openxmlformats.org/officeDocument/2006/relationships" xmlns:p="http://schemas.openxmlformats.org/presentationml/2006/main">
   <p:cSld>
@@ -19841,7 +19127,50 @@
       </p:grpSpPr>
       <p:sp>
         <p:nvSpPr>
-          <p:cNvPr id="23553" name="Rectangle 2"/>
+          <p:cNvPr id="9" name="Rectangle 8"/>
+          <p:cNvSpPr/>
+          <p:nvPr/>
+        </p:nvSpPr>
+        <p:spPr>
+          <a:xfrm>
+            <a:off x="0" y="0"/>
+            <a:ext cx="9144000" cy="6858000"/>
+          </a:xfrm>
+          <a:prstGeom prst="rect">
+            <a:avLst/>
+          </a:prstGeom>
+          <a:solidFill>
+            <a:srgbClr val="FFFFFF"/>
+          </a:solidFill>
+        </p:spPr>
+        <p:style>
+          <a:lnRef idx="1">
+            <a:schemeClr val="accent1"/>
+          </a:lnRef>
+          <a:fillRef idx="3">
+            <a:schemeClr val="accent1"/>
+          </a:fillRef>
+          <a:effectRef idx="2">
+            <a:schemeClr val="accent1"/>
+          </a:effectRef>
+          <a:fontRef idx="minor">
+            <a:schemeClr val="lt1"/>
+          </a:fontRef>
+        </p:style>
+        <p:txBody>
+          <a:bodyPr anchor="ctr"/>
+          <a:lstStyle/>
+          <a:p>
+            <a:pPr algn="ctr">
+              <a:defRPr/>
+            </a:pPr>
+            <a:endParaRPr lang="en-US"/>
+          </a:p>
+        </p:txBody>
+      </p:sp>
+      <p:sp>
+        <p:nvSpPr>
+          <p:cNvPr id="24578" name="Rectangle 2"/>
           <p:cNvSpPr>
             <a:spLocks noGrp="1" noChangeArrowheads="1"/>
           </p:cNvSpPr>
@@ -19849,7 +19178,12 @@
             <p:ph type="title"/>
           </p:nvPr>
         </p:nvSpPr>
-        <p:spPr/>
+        <p:spPr>
+          <a:xfrm>
+            <a:off x="0" y="0"/>
+            <a:ext cx="8534400" cy="990600"/>
+          </a:xfrm>
+        </p:spPr>
         <p:txBody>
           <a:bodyPr/>
           <a:lstStyle/>
@@ -19867,7 +19201,7 @@
       </p:sp>
       <p:sp>
         <p:nvSpPr>
-          <p:cNvPr id="23554" name="Text Box 3"/>
+          <p:cNvPr id="24579" name="Text Box 4"/>
           <p:cNvSpPr txBox="1">
             <a:spLocks noChangeArrowheads="1"/>
           </p:cNvSpPr>
@@ -19875,8 +19209,8 @@
         </p:nvSpPr>
         <p:spPr bwMode="auto">
           <a:xfrm>
-            <a:off x="1752600" y="3352800"/>
-            <a:ext cx="6477000" cy="946150"/>
+            <a:off x="6705600" y="4572000"/>
+            <a:ext cx="2225675" cy="1323975"/>
           </a:xfrm>
           <a:prstGeom prst="rect">
             <a:avLst/>
@@ -20019,16 +19353,436 @@
           </a:lstStyle>
           <a:p>
             <a:r>
-              <a:rPr lang="en-US" sz="2800"/>
-              <a:t>Mystery: what is causing a cholera epidemic in London in 1854?</a:t>
-            </a:r>
-          </a:p>
-        </p:txBody>
-      </p:sp>
+              <a:rPr lang="en-US" sz="2000">
+                <a:solidFill>
+                  <a:schemeClr val="tx2"/>
+                </a:solidFill>
+                <a:latin typeface="Arial Narrow" charset="0"/>
+              </a:rPr>
+              <a:t>From Visual Explanations by Edward Tufte, Graphics Press, 1997</a:t>
+            </a:r>
+          </a:p>
+        </p:txBody>
+      </p:sp>
+      <p:sp>
+        <p:nvSpPr>
+          <p:cNvPr id="24580" name="Text Box 5"/>
+          <p:cNvSpPr txBox="1">
+            <a:spLocks noChangeArrowheads="1"/>
+          </p:cNvSpPr>
+          <p:nvPr/>
+        </p:nvSpPr>
+        <p:spPr bwMode="auto">
+          <a:xfrm>
+            <a:off x="6705600" y="990600"/>
+            <a:ext cx="2438400" cy="2563813"/>
+          </a:xfrm>
+          <a:prstGeom prst="rect">
+            <a:avLst/>
+          </a:prstGeom>
+          <a:noFill/>
+          <a:ln>
+            <a:noFill/>
+          </a:ln>
+          <a:extLst>
+            <a:ext uri="{909E8E84-426E-40dd-AFC4-6F175D3DCCD1}">
+              <a14:hiddenFill xmlns:a14="http://schemas.microsoft.com/office/drawing/2010/main">
+                <a:solidFill>
+                  <a:srgbClr val="FFFFFF"/>
+                </a:solidFill>
+              </a14:hiddenFill>
+            </a:ext>
+            <a:ext uri="{91240B29-F687-4f45-9708-019B960494DF}">
+              <a14:hiddenLine xmlns:a14="http://schemas.microsoft.com/office/drawing/2010/main" w="9525">
+                <a:solidFill>
+                  <a:srgbClr val="000000"/>
+                </a:solidFill>
+                <a:miter lim="800000"/>
+                <a:headEnd/>
+                <a:tailEnd/>
+              </a14:hiddenLine>
+            </a:ext>
+          </a:extLst>
+        </p:spPr>
+        <p:txBody>
+          <a:bodyPr>
+            <a:spAutoFit/>
+          </a:bodyPr>
+          <a:lstStyle>
+            <a:lvl1pPr eaLnBrk="0" hangingPunct="0">
+              <a:defRPr sz="2400">
+                <a:solidFill>
+                  <a:schemeClr val="tx1"/>
+                </a:solidFill>
+                <a:latin typeface="Arial" charset="0"/>
+                <a:ea typeface="ＭＳ Ｐゴシック" charset="0"/>
+                <a:cs typeface="ＭＳ Ｐゴシック" charset="0"/>
+              </a:defRPr>
+            </a:lvl1pPr>
+            <a:lvl2pPr marL="742950" indent="-285750" eaLnBrk="0" hangingPunct="0">
+              <a:defRPr sz="2400">
+                <a:solidFill>
+                  <a:schemeClr val="tx1"/>
+                </a:solidFill>
+                <a:latin typeface="Arial" charset="0"/>
+                <a:ea typeface="ＭＳ Ｐゴシック" charset="0"/>
+              </a:defRPr>
+            </a:lvl2pPr>
+            <a:lvl3pPr marL="1143000" indent="-228600" eaLnBrk="0" hangingPunct="0">
+              <a:defRPr sz="2400">
+                <a:solidFill>
+                  <a:schemeClr val="tx1"/>
+                </a:solidFill>
+                <a:latin typeface="Arial" charset="0"/>
+                <a:ea typeface="ＭＳ Ｐゴシック" charset="0"/>
+              </a:defRPr>
+            </a:lvl3pPr>
+            <a:lvl4pPr marL="1600200" indent="-228600" eaLnBrk="0" hangingPunct="0">
+              <a:defRPr sz="2400">
+                <a:solidFill>
+                  <a:schemeClr val="tx1"/>
+                </a:solidFill>
+                <a:latin typeface="Arial" charset="0"/>
+                <a:ea typeface="ＭＳ Ｐゴシック" charset="0"/>
+              </a:defRPr>
+            </a:lvl4pPr>
+            <a:lvl5pPr marL="2057400" indent="-228600" eaLnBrk="0" hangingPunct="0">
+              <a:defRPr sz="2400">
+                <a:solidFill>
+                  <a:schemeClr val="tx1"/>
+                </a:solidFill>
+                <a:latin typeface="Arial" charset="0"/>
+                <a:ea typeface="ＭＳ Ｐゴシック" charset="0"/>
+              </a:defRPr>
+            </a:lvl5pPr>
+            <a:lvl6pPr marL="2514600" indent="-228600" eaLnBrk="0" fontAlgn="base" hangingPunct="0">
+              <a:spcBef>
+                <a:spcPct val="0"/>
+              </a:spcBef>
+              <a:spcAft>
+                <a:spcPct val="0"/>
+              </a:spcAft>
+              <a:defRPr sz="2400">
+                <a:solidFill>
+                  <a:schemeClr val="tx1"/>
+                </a:solidFill>
+                <a:latin typeface="Arial" charset="0"/>
+                <a:ea typeface="ＭＳ Ｐゴシック" charset="0"/>
+              </a:defRPr>
+            </a:lvl6pPr>
+            <a:lvl7pPr marL="2971800" indent="-228600" eaLnBrk="0" fontAlgn="base" hangingPunct="0">
+              <a:spcBef>
+                <a:spcPct val="0"/>
+              </a:spcBef>
+              <a:spcAft>
+                <a:spcPct val="0"/>
+              </a:spcAft>
+              <a:defRPr sz="2400">
+                <a:solidFill>
+                  <a:schemeClr val="tx1"/>
+                </a:solidFill>
+                <a:latin typeface="Arial" charset="0"/>
+                <a:ea typeface="ＭＳ Ｐゴシック" charset="0"/>
+              </a:defRPr>
+            </a:lvl7pPr>
+            <a:lvl8pPr marL="3429000" indent="-228600" eaLnBrk="0" fontAlgn="base" hangingPunct="0">
+              <a:spcBef>
+                <a:spcPct val="0"/>
+              </a:spcBef>
+              <a:spcAft>
+                <a:spcPct val="0"/>
+              </a:spcAft>
+              <a:defRPr sz="2400">
+                <a:solidFill>
+                  <a:schemeClr val="tx1"/>
+                </a:solidFill>
+                <a:latin typeface="Arial" charset="0"/>
+                <a:ea typeface="ＭＳ Ｐゴシック" charset="0"/>
+              </a:defRPr>
+            </a:lvl8pPr>
+            <a:lvl9pPr marL="3886200" indent="-228600" eaLnBrk="0" fontAlgn="base" hangingPunct="0">
+              <a:spcBef>
+                <a:spcPct val="0"/>
+              </a:spcBef>
+              <a:spcAft>
+                <a:spcPct val="0"/>
+              </a:spcAft>
+              <a:defRPr sz="2400">
+                <a:solidFill>
+                  <a:schemeClr val="tx1"/>
+                </a:solidFill>
+                <a:latin typeface="Arial" charset="0"/>
+                <a:ea typeface="ＭＳ Ｐゴシック" charset="0"/>
+              </a:defRPr>
+            </a:lvl9pPr>
+          </a:lstStyle>
+          <a:p>
+            <a:r>
+              <a:rPr lang="en-US" sz="1800">
+                <a:solidFill>
+                  <a:schemeClr val="tx2"/>
+                </a:solidFill>
+              </a:rPr>
+              <a:t>Illustration of John Snow</a:t>
+            </a:r>
+            <a:r>
+              <a:rPr lang="ja-JP" altLang="en-US" sz="1800">
+                <a:solidFill>
+                  <a:schemeClr val="tx2"/>
+                </a:solidFill>
+              </a:rPr>
+              <a:t>’</a:t>
+            </a:r>
+            <a:r>
+              <a:rPr lang="en-US" altLang="ja-JP" sz="1800">
+                <a:solidFill>
+                  <a:schemeClr val="tx2"/>
+                </a:solidFill>
+              </a:rPr>
+              <a:t>s</a:t>
+            </a:r>
+          </a:p>
+          <a:p>
+            <a:r>
+              <a:rPr lang="en-US" sz="1800">
+                <a:solidFill>
+                  <a:schemeClr val="tx2"/>
+                </a:solidFill>
+              </a:rPr>
+              <a:t>deduction that a cholera epidemic</a:t>
+            </a:r>
+          </a:p>
+          <a:p>
+            <a:r>
+              <a:rPr lang="en-US" sz="1800">
+                <a:solidFill>
+                  <a:schemeClr val="tx2"/>
+                </a:solidFill>
+              </a:rPr>
+              <a:t>was caused by a bad water pump, circa 1854.</a:t>
+            </a:r>
+          </a:p>
+          <a:p>
+            <a:endParaRPr lang="en-US" sz="1800">
+              <a:solidFill>
+                <a:schemeClr val="tx2"/>
+              </a:solidFill>
+            </a:endParaRPr>
+          </a:p>
+          <a:p>
+            <a:r>
+              <a:rPr lang="en-US" sz="1800">
+                <a:solidFill>
+                  <a:schemeClr val="tx2"/>
+                </a:solidFill>
+              </a:rPr>
+              <a:t>Horizontal lines indicate location of deaths.</a:t>
+            </a:r>
+          </a:p>
+        </p:txBody>
+      </p:sp>
+      <p:sp>
+        <p:nvSpPr>
+          <p:cNvPr id="24581" name="Oval 6"/>
+          <p:cNvSpPr>
+            <a:spLocks noChangeArrowheads="1"/>
+          </p:cNvSpPr>
+          <p:nvPr/>
+        </p:nvSpPr>
+        <p:spPr bwMode="auto">
+          <a:xfrm>
+            <a:off x="5715000" y="3505200"/>
+            <a:ext cx="304800" cy="228600"/>
+          </a:xfrm>
+          <a:prstGeom prst="ellipse">
+            <a:avLst/>
+          </a:prstGeom>
+          <a:noFill/>
+          <a:ln w="38100">
+            <a:solidFill>
+              <a:srgbClr val="FF0066"/>
+            </a:solidFill>
+            <a:round/>
+            <a:headEnd/>
+            <a:tailEnd/>
+          </a:ln>
+          <a:extLst>
+            <a:ext uri="{909E8E84-426E-40dd-AFC4-6F175D3DCCD1}">
+              <a14:hiddenFill xmlns:a14="http://schemas.microsoft.com/office/drawing/2010/main">
+                <a:solidFill>
+                  <a:srgbClr val="FFFFFF"/>
+                </a:solidFill>
+              </a14:hiddenFill>
+            </a:ext>
+          </a:extLst>
+        </p:spPr>
+        <p:txBody>
+          <a:bodyPr wrap="none" anchor="ctr">
+            <a:spAutoFit/>
+          </a:bodyPr>
+          <a:lstStyle/>
+          <a:p>
+            <a:endParaRPr lang="en-US"/>
+          </a:p>
+        </p:txBody>
+      </p:sp>
+      <p:pic>
+        <p:nvPicPr>
+          <p:cNvPr id="24582" name="Picture 7" descr="H:\talks\sigir-tutorial\snow.gif"/>
+          <p:cNvPicPr>
+            <a:picLocks noChangeAspect="1" noChangeArrowheads="1"/>
+          </p:cNvPicPr>
+          <p:nvPr/>
+        </p:nvPicPr>
+        <p:blipFill>
+          <a:blip r:embed="rId2">
+            <a:extLst>
+              <a:ext uri="{28A0092B-C50C-407E-A947-70E740481C1C}">
+                <a14:useLocalDpi xmlns:a14="http://schemas.microsoft.com/office/drawing/2010/main" val="0"/>
+              </a:ext>
+            </a:extLst>
+          </a:blip>
+          <a:srcRect/>
+          <a:stretch>
+            <a:fillRect/>
+          </a:stretch>
+        </p:blipFill>
+        <p:spPr bwMode="auto">
+          <a:xfrm>
+            <a:off x="152400" y="3733800"/>
+            <a:ext cx="3200400" cy="2860675"/>
+          </a:xfrm>
+          <a:prstGeom prst="rect">
+            <a:avLst/>
+          </a:prstGeom>
+          <a:noFill/>
+          <a:ln>
+            <a:noFill/>
+          </a:ln>
+          <a:extLst>
+            <a:ext uri="{909E8E84-426E-40dd-AFC4-6F175D3DCCD1}">
+              <a14:hiddenFill xmlns:a14="http://schemas.microsoft.com/office/drawing/2010/main">
+                <a:solidFill>
+                  <a:srgbClr val="FFFFFF"/>
+                </a:solidFill>
+              </a14:hiddenFill>
+            </a:ext>
+            <a:ext uri="{91240B29-F687-4f45-9708-019B960494DF}">
+              <a14:hiddenLine xmlns:a14="http://schemas.microsoft.com/office/drawing/2010/main" w="9525">
+                <a:solidFill>
+                  <a:srgbClr val="000000"/>
+                </a:solidFill>
+                <a:miter lim="800000"/>
+                <a:headEnd/>
+                <a:tailEnd/>
+              </a14:hiddenLine>
+            </a:ext>
+          </a:extLst>
+        </p:spPr>
+      </p:pic>
+      <p:sp>
+        <p:nvSpPr>
+          <p:cNvPr id="24583" name="Oval 8"/>
+          <p:cNvSpPr>
+            <a:spLocks noChangeArrowheads="1"/>
+          </p:cNvSpPr>
+          <p:nvPr/>
+        </p:nvSpPr>
+        <p:spPr bwMode="auto">
+          <a:xfrm>
+            <a:off x="1752600" y="4953000"/>
+            <a:ext cx="304800" cy="228600"/>
+          </a:xfrm>
+          <a:prstGeom prst="ellipse">
+            <a:avLst/>
+          </a:prstGeom>
+          <a:noFill/>
+          <a:ln w="38100">
+            <a:solidFill>
+              <a:srgbClr val="FF0066"/>
+            </a:solidFill>
+            <a:round/>
+            <a:headEnd/>
+            <a:tailEnd/>
+          </a:ln>
+          <a:extLst>
+            <a:ext uri="{909E8E84-426E-40dd-AFC4-6F175D3DCCD1}">
+              <a14:hiddenFill xmlns:a14="http://schemas.microsoft.com/office/drawing/2010/main">
+                <a:solidFill>
+                  <a:srgbClr val="FFFFFF"/>
+                </a:solidFill>
+              </a14:hiddenFill>
+            </a:ext>
+          </a:extLst>
+        </p:spPr>
+        <p:txBody>
+          <a:bodyPr wrap="none" anchor="ctr">
+            <a:spAutoFit/>
+          </a:bodyPr>
+          <a:lstStyle/>
+          <a:p>
+            <a:endParaRPr lang="en-US"/>
+          </a:p>
+        </p:txBody>
+      </p:sp>
+      <p:pic>
+        <p:nvPicPr>
+          <p:cNvPr id="24584" name="Picture 5" descr="H:\talks\sigir-tutorial\snow.gif"/>
+          <p:cNvPicPr>
+            <a:picLocks noChangeAspect="1" noChangeArrowheads="1"/>
+          </p:cNvPicPr>
+          <p:nvPr/>
+        </p:nvPicPr>
+        <p:blipFill>
+          <a:blip r:embed="rId2">
+            <a:extLst>
+              <a:ext uri="{28A0092B-C50C-407E-A947-70E740481C1C}">
+                <a14:useLocalDpi xmlns:a14="http://schemas.microsoft.com/office/drawing/2010/main" val="0"/>
+              </a:ext>
+            </a:extLst>
+          </a:blip>
+          <a:srcRect/>
+          <a:stretch>
+            <a:fillRect/>
+          </a:stretch>
+        </p:blipFill>
+        <p:spPr bwMode="auto">
+          <a:xfrm>
+            <a:off x="304800" y="1035050"/>
+            <a:ext cx="6172200" cy="5518150"/>
+          </a:xfrm>
+          <a:prstGeom prst="rect">
+            <a:avLst/>
+          </a:prstGeom>
+          <a:noFill/>
+          <a:ln>
+            <a:noFill/>
+          </a:ln>
+          <a:extLst>
+            <a:ext uri="{909E8E84-426E-40dd-AFC4-6F175D3DCCD1}">
+              <a14:hiddenFill xmlns:a14="http://schemas.microsoft.com/office/drawing/2010/main">
+                <a:solidFill>
+                  <a:srgbClr val="FFFFFF"/>
+                </a:solidFill>
+              </a14:hiddenFill>
+            </a:ext>
+            <a:ext uri="{91240B29-F687-4f45-9708-019B960494DF}">
+              <a14:hiddenLine xmlns:a14="http://schemas.microsoft.com/office/drawing/2010/main" w="9525">
+                <a:solidFill>
+                  <a:srgbClr val="000000"/>
+                </a:solidFill>
+                <a:miter lim="800000"/>
+                <a:headEnd/>
+                <a:tailEnd/>
+              </a14:hiddenLine>
+            </a:ext>
+          </a:extLst>
+        </p:spPr>
+      </p:pic>
     </p:spTree>
     <p:extLst>
       <p:ext uri="{BB962C8B-B14F-4D97-AF65-F5344CB8AC3E}">
-        <p14:creationId xmlns:p14="http://schemas.microsoft.com/office/powerpoint/2010/main" val="1211680654"/>
+        <p14:creationId xmlns:p14="http://schemas.microsoft.com/office/powerpoint/2010/main" val="648220984"/>
       </p:ext>
     </p:extLst>
   </p:cSld>
